--- a/LinqOperators.pptx
+++ b/LinqOperators.pptx
@@ -5,7 +5,7 @@
     <p:sldMasterId id="2147483676" r:id="rId1"/>
   </p:sldMasterIdLst>
   <p:notesMasterIdLst>
-    <p:notesMasterId r:id="rId40"/>
+    <p:notesMasterId r:id="rId43"/>
   </p:notesMasterIdLst>
   <p:sldIdLst>
     <p:sldId id="323" r:id="rId2"/>
@@ -40,22 +40,25 @@
     <p:sldId id="378" r:id="rId31"/>
     <p:sldId id="368" r:id="rId32"/>
     <p:sldId id="360" r:id="rId33"/>
-    <p:sldId id="379" r:id="rId34"/>
-    <p:sldId id="302" r:id="rId35"/>
-    <p:sldId id="303" r:id="rId36"/>
-    <p:sldId id="304" r:id="rId37"/>
-    <p:sldId id="380" r:id="rId38"/>
-    <p:sldId id="306" r:id="rId39"/>
+    <p:sldId id="381" r:id="rId34"/>
+    <p:sldId id="379" r:id="rId35"/>
+    <p:sldId id="302" r:id="rId36"/>
+    <p:sldId id="303" r:id="rId37"/>
+    <p:sldId id="382" r:id="rId38"/>
+    <p:sldId id="383" r:id="rId39"/>
+    <p:sldId id="304" r:id="rId40"/>
+    <p:sldId id="380" r:id="rId41"/>
+    <p:sldId id="306" r:id="rId42"/>
   </p:sldIdLst>
   <p:sldSz cx="9144000" cy="5143500" type="screen16x9"/>
   <p:notesSz cx="6858000" cy="9144000"/>
   <p:embeddedFontLst>
     <p:embeddedFont>
       <p:font typeface="Roboto" charset="0"/>
-      <p:regular r:id="rId41"/>
-      <p:bold r:id="rId42"/>
-      <p:italic r:id="rId43"/>
-      <p:boldItalic r:id="rId44"/>
+      <p:regular r:id="rId44"/>
+      <p:bold r:id="rId45"/>
+      <p:italic r:id="rId46"/>
+      <p:boldItalic r:id="rId47"/>
     </p:embeddedFont>
   </p:embeddedFontLst>
   <p:defaultTextStyle>
@@ -289,7 +292,7 @@
   </p:defaultTextStyle>
   <p:extLst>
     <p:ext uri="{EFAFB233-063F-42B5-8137-9DF3F51BA10A}">
-      <p15:sldGuideLst xmlns="" xmlns:p15="http://schemas.microsoft.com/office/powerpoint/2012/main">
+      <p15:sldGuideLst xmlns:p15="http://schemas.microsoft.com/office/powerpoint/2012/main" xmlns="">
         <p15:guide id="1" orient="horz" pos="1620">
           <p15:clr>
             <a:srgbClr val="A4A3A4"/>
@@ -846,7 +849,7 @@
     </p:spTree>
     <p:extLst>
       <p:ext uri="{BB962C8B-B14F-4D97-AF65-F5344CB8AC3E}">
-        <p14:creationId xmlns="" xmlns:p14="http://schemas.microsoft.com/office/powerpoint/2010/main" val="1559280179"/>
+        <p14:creationId xmlns:p14="http://schemas.microsoft.com/office/powerpoint/2010/main" xmlns="" val="1559280179"/>
       </p:ext>
     </p:extLst>
   </p:cSld>
@@ -955,7 +958,7 @@
     </p:spTree>
     <p:extLst>
       <p:ext uri="{BB962C8B-B14F-4D97-AF65-F5344CB8AC3E}">
-        <p14:creationId xmlns="" xmlns:p14="http://schemas.microsoft.com/office/powerpoint/2010/main" val="654581963"/>
+        <p14:creationId xmlns:p14="http://schemas.microsoft.com/office/powerpoint/2010/main" xmlns="" val="654581963"/>
       </p:ext>
     </p:extLst>
   </p:cSld>
@@ -1064,7 +1067,7 @@
     </p:spTree>
     <p:extLst>
       <p:ext uri="{BB962C8B-B14F-4D97-AF65-F5344CB8AC3E}">
-        <p14:creationId xmlns="" xmlns:p14="http://schemas.microsoft.com/office/powerpoint/2010/main" val="1021492477"/>
+        <p14:creationId xmlns:p14="http://schemas.microsoft.com/office/powerpoint/2010/main" xmlns="" val="1021492477"/>
       </p:ext>
     </p:extLst>
   </p:cSld>
@@ -1173,7 +1176,7 @@
     </p:spTree>
     <p:extLst>
       <p:ext uri="{BB962C8B-B14F-4D97-AF65-F5344CB8AC3E}">
-        <p14:creationId xmlns="" xmlns:p14="http://schemas.microsoft.com/office/powerpoint/2010/main" val="81659188"/>
+        <p14:creationId xmlns:p14="http://schemas.microsoft.com/office/powerpoint/2010/main" xmlns="" val="81659188"/>
       </p:ext>
     </p:extLst>
   </p:cSld>
@@ -1282,7 +1285,7 @@
     </p:spTree>
     <p:extLst>
       <p:ext uri="{BB962C8B-B14F-4D97-AF65-F5344CB8AC3E}">
-        <p14:creationId xmlns="" xmlns:p14="http://schemas.microsoft.com/office/powerpoint/2010/main" val="1085354930"/>
+        <p14:creationId xmlns:p14="http://schemas.microsoft.com/office/powerpoint/2010/main" xmlns="" val="1085354930"/>
       </p:ext>
     </p:extLst>
   </p:cSld>
@@ -1391,7 +1394,7 @@
     </p:spTree>
     <p:extLst>
       <p:ext uri="{BB962C8B-B14F-4D97-AF65-F5344CB8AC3E}">
-        <p14:creationId xmlns="" xmlns:p14="http://schemas.microsoft.com/office/powerpoint/2010/main" val="1021492477"/>
+        <p14:creationId xmlns:p14="http://schemas.microsoft.com/office/powerpoint/2010/main" xmlns="" val="1021492477"/>
       </p:ext>
     </p:extLst>
   </p:cSld>
@@ -1500,7 +1503,7 @@
     </p:spTree>
     <p:extLst>
       <p:ext uri="{BB962C8B-B14F-4D97-AF65-F5344CB8AC3E}">
-        <p14:creationId xmlns="" xmlns:p14="http://schemas.microsoft.com/office/powerpoint/2010/main" val="2345650234"/>
+        <p14:creationId xmlns:p14="http://schemas.microsoft.com/office/powerpoint/2010/main" xmlns="" val="2345650234"/>
       </p:ext>
     </p:extLst>
   </p:cSld>
@@ -1609,7 +1612,7 @@
     </p:spTree>
     <p:extLst>
       <p:ext uri="{BB962C8B-B14F-4D97-AF65-F5344CB8AC3E}">
-        <p14:creationId xmlns="" xmlns:p14="http://schemas.microsoft.com/office/powerpoint/2010/main" val="1600546733"/>
+        <p14:creationId xmlns:p14="http://schemas.microsoft.com/office/powerpoint/2010/main" xmlns="" val="1600546733"/>
       </p:ext>
     </p:extLst>
   </p:cSld>
@@ -1718,7 +1721,7 @@
     </p:spTree>
     <p:extLst>
       <p:ext uri="{BB962C8B-B14F-4D97-AF65-F5344CB8AC3E}">
-        <p14:creationId xmlns="" xmlns:p14="http://schemas.microsoft.com/office/powerpoint/2010/main" val="929042244"/>
+        <p14:creationId xmlns:p14="http://schemas.microsoft.com/office/powerpoint/2010/main" xmlns="" val="929042244"/>
       </p:ext>
     </p:extLst>
   </p:cSld>
@@ -1827,7 +1830,7 @@
     </p:spTree>
     <p:extLst>
       <p:ext uri="{BB962C8B-B14F-4D97-AF65-F5344CB8AC3E}">
-        <p14:creationId xmlns="" xmlns:p14="http://schemas.microsoft.com/office/powerpoint/2010/main" val="3690528726"/>
+        <p14:creationId xmlns:p14="http://schemas.microsoft.com/office/powerpoint/2010/main" xmlns="" val="3690528726"/>
       </p:ext>
     </p:extLst>
   </p:cSld>
@@ -1936,7 +1939,7 @@
     </p:spTree>
     <p:extLst>
       <p:ext uri="{BB962C8B-B14F-4D97-AF65-F5344CB8AC3E}">
-        <p14:creationId xmlns="" xmlns:p14="http://schemas.microsoft.com/office/powerpoint/2010/main" val="2966755223"/>
+        <p14:creationId xmlns:p14="http://schemas.microsoft.com/office/powerpoint/2010/main" xmlns="" val="2966755223"/>
       </p:ext>
     </p:extLst>
   </p:cSld>
@@ -2149,7 +2152,7 @@
     </p:spTree>
     <p:extLst>
       <p:ext uri="{BB962C8B-B14F-4D97-AF65-F5344CB8AC3E}">
-        <p14:creationId xmlns="" xmlns:p14="http://schemas.microsoft.com/office/powerpoint/2010/main" val="1489464285"/>
+        <p14:creationId xmlns:p14="http://schemas.microsoft.com/office/powerpoint/2010/main" xmlns="" val="1489464285"/>
       </p:ext>
     </p:extLst>
   </p:cSld>
@@ -2258,7 +2261,7 @@
     </p:spTree>
     <p:extLst>
       <p:ext uri="{BB962C8B-B14F-4D97-AF65-F5344CB8AC3E}">
-        <p14:creationId xmlns="" xmlns:p14="http://schemas.microsoft.com/office/powerpoint/2010/main" val="2354118770"/>
+        <p14:creationId xmlns:p14="http://schemas.microsoft.com/office/powerpoint/2010/main" xmlns="" val="2354118770"/>
       </p:ext>
     </p:extLst>
   </p:cSld>
@@ -2367,7 +2370,7 @@
     </p:spTree>
     <p:extLst>
       <p:ext uri="{BB962C8B-B14F-4D97-AF65-F5344CB8AC3E}">
-        <p14:creationId xmlns="" xmlns:p14="http://schemas.microsoft.com/office/powerpoint/2010/main" val="3868859861"/>
+        <p14:creationId xmlns:p14="http://schemas.microsoft.com/office/powerpoint/2010/main" xmlns="" val="3868859861"/>
       </p:ext>
     </p:extLst>
   </p:cSld>
@@ -2476,7 +2479,7 @@
     </p:spTree>
     <p:extLst>
       <p:ext uri="{BB962C8B-B14F-4D97-AF65-F5344CB8AC3E}">
-        <p14:creationId xmlns="" xmlns:p14="http://schemas.microsoft.com/office/powerpoint/2010/main" val="4139684346"/>
+        <p14:creationId xmlns:p14="http://schemas.microsoft.com/office/powerpoint/2010/main" xmlns="" val="4139684346"/>
       </p:ext>
     </p:extLst>
   </p:cSld>
@@ -2585,7 +2588,7 @@
     </p:spTree>
     <p:extLst>
       <p:ext uri="{BB962C8B-B14F-4D97-AF65-F5344CB8AC3E}">
-        <p14:creationId xmlns="" xmlns:p14="http://schemas.microsoft.com/office/powerpoint/2010/main" val="1221438321"/>
+        <p14:creationId xmlns:p14="http://schemas.microsoft.com/office/powerpoint/2010/main" xmlns="" val="1221438321"/>
       </p:ext>
     </p:extLst>
   </p:cSld>
@@ -2694,7 +2697,7 @@
     </p:spTree>
     <p:extLst>
       <p:ext uri="{BB962C8B-B14F-4D97-AF65-F5344CB8AC3E}">
-        <p14:creationId xmlns="" xmlns:p14="http://schemas.microsoft.com/office/powerpoint/2010/main" val="1021492477"/>
+        <p14:creationId xmlns:p14="http://schemas.microsoft.com/office/powerpoint/2010/main" xmlns="" val="1021492477"/>
       </p:ext>
     </p:extLst>
   </p:cSld>
@@ -2803,7 +2806,7 @@
     </p:spTree>
     <p:extLst>
       <p:ext uri="{BB962C8B-B14F-4D97-AF65-F5344CB8AC3E}">
-        <p14:creationId xmlns="" xmlns:p14="http://schemas.microsoft.com/office/powerpoint/2010/main" val="2742090085"/>
+        <p14:creationId xmlns:p14="http://schemas.microsoft.com/office/powerpoint/2010/main" xmlns="" val="2742090085"/>
       </p:ext>
     </p:extLst>
   </p:cSld>
@@ -2912,7 +2915,7 @@
     </p:spTree>
     <p:extLst>
       <p:ext uri="{BB962C8B-B14F-4D97-AF65-F5344CB8AC3E}">
-        <p14:creationId xmlns="" xmlns:p14="http://schemas.microsoft.com/office/powerpoint/2010/main" val="3112099881"/>
+        <p14:creationId xmlns:p14="http://schemas.microsoft.com/office/powerpoint/2010/main" xmlns="" val="3112099881"/>
       </p:ext>
     </p:extLst>
   </p:cSld>
@@ -3021,7 +3024,7 @@
     </p:spTree>
     <p:extLst>
       <p:ext uri="{BB962C8B-B14F-4D97-AF65-F5344CB8AC3E}">
-        <p14:creationId xmlns="" xmlns:p14="http://schemas.microsoft.com/office/powerpoint/2010/main" val="1623211466"/>
+        <p14:creationId xmlns:p14="http://schemas.microsoft.com/office/powerpoint/2010/main" xmlns="" val="1623211466"/>
       </p:ext>
     </p:extLst>
   </p:cSld>
@@ -3130,7 +3133,7 @@
     </p:spTree>
     <p:extLst>
       <p:ext uri="{BB962C8B-B14F-4D97-AF65-F5344CB8AC3E}">
-        <p14:creationId xmlns="" xmlns:p14="http://schemas.microsoft.com/office/powerpoint/2010/main" val="1065436559"/>
+        <p14:creationId xmlns:p14="http://schemas.microsoft.com/office/powerpoint/2010/main" xmlns="" val="1065436559"/>
       </p:ext>
     </p:extLst>
   </p:cSld>
@@ -3239,7 +3242,7 @@
     </p:spTree>
     <p:extLst>
       <p:ext uri="{BB962C8B-B14F-4D97-AF65-F5344CB8AC3E}">
-        <p14:creationId xmlns="" xmlns:p14="http://schemas.microsoft.com/office/powerpoint/2010/main" val="3548652113"/>
+        <p14:creationId xmlns:p14="http://schemas.microsoft.com/office/powerpoint/2010/main" xmlns="" val="3548652113"/>
       </p:ext>
     </p:extLst>
   </p:cSld>
@@ -3348,7 +3351,7 @@
     </p:spTree>
     <p:extLst>
       <p:ext uri="{BB962C8B-B14F-4D97-AF65-F5344CB8AC3E}">
-        <p14:creationId xmlns="" xmlns:p14="http://schemas.microsoft.com/office/powerpoint/2010/main" val="129939661"/>
+        <p14:creationId xmlns:p14="http://schemas.microsoft.com/office/powerpoint/2010/main" xmlns="" val="129939661"/>
       </p:ext>
     </p:extLst>
   </p:cSld>
@@ -3457,7 +3460,7 @@
     </p:spTree>
     <p:extLst>
       <p:ext uri="{BB962C8B-B14F-4D97-AF65-F5344CB8AC3E}">
-        <p14:creationId xmlns="" xmlns:p14="http://schemas.microsoft.com/office/powerpoint/2010/main" val="575722545"/>
+        <p14:creationId xmlns:p14="http://schemas.microsoft.com/office/powerpoint/2010/main" xmlns="" val="575722545"/>
       </p:ext>
     </p:extLst>
   </p:cSld>
@@ -3566,7 +3569,7 @@
     </p:spTree>
     <p:extLst>
       <p:ext uri="{BB962C8B-B14F-4D97-AF65-F5344CB8AC3E}">
-        <p14:creationId xmlns="" xmlns:p14="http://schemas.microsoft.com/office/powerpoint/2010/main" val="1318932020"/>
+        <p14:creationId xmlns:p14="http://schemas.microsoft.com/office/powerpoint/2010/main" xmlns="" val="1318932020"/>
       </p:ext>
     </p:extLst>
   </p:cSld>
@@ -3675,7 +3678,7 @@
     </p:spTree>
     <p:extLst>
       <p:ext uri="{BB962C8B-B14F-4D97-AF65-F5344CB8AC3E}">
-        <p14:creationId xmlns="" xmlns:p14="http://schemas.microsoft.com/office/powerpoint/2010/main" val="944237588"/>
+        <p14:creationId xmlns:p14="http://schemas.microsoft.com/office/powerpoint/2010/main" xmlns="" val="1318932020"/>
       </p:ext>
     </p:extLst>
   </p:cSld>
@@ -3686,6 +3689,115 @@
 </file>
 
 <file path=ppt/notesSlides/notesSlide34.xml><?xml version="1.0" encoding="utf-8"?>
+<p:notes xmlns:a="http://schemas.openxmlformats.org/drawingml/2006/main" xmlns:r="http://schemas.openxmlformats.org/officeDocument/2006/relationships" xmlns:p="http://schemas.openxmlformats.org/presentationml/2006/main" showMasterSp="0" showMasterPhAnim="0">
+  <p:cSld>
+    <p:spTree>
+      <p:nvGrpSpPr>
+        <p:cNvPr id="1" name="Shape 433"/>
+        <p:cNvGrpSpPr/>
+        <p:nvPr/>
+      </p:nvGrpSpPr>
+      <p:grpSpPr>
+        <a:xfrm>
+          <a:off x="0" y="0"/>
+          <a:ext cx="0" cy="0"/>
+          <a:chOff x="0" y="0"/>
+          <a:chExt cx="0" cy="0"/>
+        </a:xfrm>
+      </p:grpSpPr>
+      <p:sp>
+        <p:nvSpPr>
+          <p:cNvPr id="434" name="Google Shape;434;g2f69afabb45_0_103:notes"/>
+          <p:cNvSpPr>
+            <a:spLocks noGrp="1" noRot="1" noChangeAspect="1"/>
+          </p:cNvSpPr>
+          <p:nvPr>
+            <p:ph type="sldImg" idx="2"/>
+          </p:nvPr>
+        </p:nvSpPr>
+        <p:spPr>
+          <a:xfrm>
+            <a:off x="381000" y="685800"/>
+            <a:ext cx="6096000" cy="3429000"/>
+          </a:xfrm>
+          <a:custGeom>
+            <a:avLst/>
+            <a:gdLst/>
+            <a:ahLst/>
+            <a:cxnLst/>
+            <a:rect l="l" t="t" r="r" b="b"/>
+            <a:pathLst>
+              <a:path w="120000" h="120000" extrusionOk="0">
+                <a:moveTo>
+                  <a:pt x="0" y="0"/>
+                </a:moveTo>
+                <a:lnTo>
+                  <a:pt x="120000" y="0"/>
+                </a:lnTo>
+                <a:lnTo>
+                  <a:pt x="120000" y="120000"/>
+                </a:lnTo>
+                <a:lnTo>
+                  <a:pt x="0" y="120000"/>
+                </a:lnTo>
+                <a:close/>
+              </a:path>
+            </a:pathLst>
+          </a:custGeom>
+        </p:spPr>
+      </p:sp>
+      <p:sp>
+        <p:nvSpPr>
+          <p:cNvPr id="435" name="Google Shape;435;g2f69afabb45_0_103:notes"/>
+          <p:cNvSpPr txBox="1">
+            <a:spLocks noGrp="1"/>
+          </p:cNvSpPr>
+          <p:nvPr>
+            <p:ph type="body" idx="1"/>
+          </p:nvPr>
+        </p:nvSpPr>
+        <p:spPr>
+          <a:xfrm>
+            <a:off x="685800" y="4343400"/>
+            <a:ext cx="5486400" cy="4114800"/>
+          </a:xfrm>
+          <a:prstGeom prst="rect">
+            <a:avLst/>
+          </a:prstGeom>
+        </p:spPr>
+        <p:txBody>
+          <a:bodyPr spcFirstLastPara="1" wrap="square" lIns="91425" tIns="91425" rIns="91425" bIns="91425" anchor="t" anchorCtr="0">
+            <a:noAutofit/>
+          </a:bodyPr>
+          <a:lstStyle/>
+          <a:p>
+            <a:pPr marL="0" lvl="0" indent="0" algn="l" rtl="0">
+              <a:spcBef>
+                <a:spcPts val="0"/>
+              </a:spcBef>
+              <a:spcAft>
+                <a:spcPts val="0"/>
+              </a:spcAft>
+              <a:buNone/>
+            </a:pPr>
+            <a:endParaRPr/>
+          </a:p>
+        </p:txBody>
+      </p:sp>
+    </p:spTree>
+    <p:extLst>
+      <p:ext uri="{BB962C8B-B14F-4D97-AF65-F5344CB8AC3E}">
+        <p14:creationId xmlns:p14="http://schemas.microsoft.com/office/powerpoint/2010/main" xmlns="" val="944237588"/>
+      </p:ext>
+    </p:extLst>
+  </p:cSld>
+  <p:clrMapOvr>
+    <a:masterClrMapping/>
+  </p:clrMapOvr>
+</p:notes>
+</file>
+
+<file path=ppt/notesSlides/notesSlide35.xml><?xml version="1.0" encoding="utf-8"?>
 <p:notes xmlns:a="http://schemas.openxmlformats.org/drawingml/2006/main" xmlns:r="http://schemas.openxmlformats.org/officeDocument/2006/relationships" xmlns:p="http://schemas.openxmlformats.org/presentationml/2006/main" showMasterSp="0" showMasterPhAnim="0">
   <p:cSld>
     <p:spTree>
@@ -3789,7 +3901,7 @@
 </p:notes>
 </file>
 
-<file path=ppt/notesSlides/notesSlide35.xml><?xml version="1.0" encoding="utf-8"?>
+<file path=ppt/notesSlides/notesSlide36.xml><?xml version="1.0" encoding="utf-8"?>
 <p:notes xmlns:a="http://schemas.openxmlformats.org/drawingml/2006/main" xmlns:r="http://schemas.openxmlformats.org/officeDocument/2006/relationships" xmlns:p="http://schemas.openxmlformats.org/presentationml/2006/main" showMasterSp="0" showMasterPhAnim="0">
   <p:cSld>
     <p:spTree>
@@ -3893,7 +4005,215 @@
 </p:notes>
 </file>
 
-<file path=ppt/notesSlides/notesSlide36.xml><?xml version="1.0" encoding="utf-8"?>
+<file path=ppt/notesSlides/notesSlide37.xml><?xml version="1.0" encoding="utf-8"?>
+<p:notes xmlns:a="http://schemas.openxmlformats.org/drawingml/2006/main" xmlns:r="http://schemas.openxmlformats.org/officeDocument/2006/relationships" xmlns:p="http://schemas.openxmlformats.org/presentationml/2006/main" showMasterSp="0" showMasterPhAnim="0">
+  <p:cSld>
+    <p:spTree>
+      <p:nvGrpSpPr>
+        <p:cNvPr id="1" name="Shape 450"/>
+        <p:cNvGrpSpPr/>
+        <p:nvPr/>
+      </p:nvGrpSpPr>
+      <p:grpSpPr>
+        <a:xfrm>
+          <a:off x="0" y="0"/>
+          <a:ext cx="0" cy="0"/>
+          <a:chOff x="0" y="0"/>
+          <a:chExt cx="0" cy="0"/>
+        </a:xfrm>
+      </p:grpSpPr>
+      <p:sp>
+        <p:nvSpPr>
+          <p:cNvPr id="451" name="Google Shape;451;g2f62e005416_0_73:notes"/>
+          <p:cNvSpPr>
+            <a:spLocks noGrp="1" noRot="1" noChangeAspect="1"/>
+          </p:cNvSpPr>
+          <p:nvPr>
+            <p:ph type="sldImg" idx="2"/>
+          </p:nvPr>
+        </p:nvSpPr>
+        <p:spPr>
+          <a:xfrm>
+            <a:off x="381000" y="685800"/>
+            <a:ext cx="6096000" cy="3429000"/>
+          </a:xfrm>
+          <a:custGeom>
+            <a:avLst/>
+            <a:gdLst/>
+            <a:ahLst/>
+            <a:cxnLst/>
+            <a:rect l="l" t="t" r="r" b="b"/>
+            <a:pathLst>
+              <a:path w="120000" h="120000" extrusionOk="0">
+                <a:moveTo>
+                  <a:pt x="0" y="0"/>
+                </a:moveTo>
+                <a:lnTo>
+                  <a:pt x="120000" y="0"/>
+                </a:lnTo>
+                <a:lnTo>
+                  <a:pt x="120000" y="120000"/>
+                </a:lnTo>
+                <a:lnTo>
+                  <a:pt x="0" y="120000"/>
+                </a:lnTo>
+                <a:close/>
+              </a:path>
+            </a:pathLst>
+          </a:custGeom>
+        </p:spPr>
+      </p:sp>
+      <p:sp>
+        <p:nvSpPr>
+          <p:cNvPr id="452" name="Google Shape;452;g2f62e005416_0_73:notes"/>
+          <p:cNvSpPr txBox="1">
+            <a:spLocks noGrp="1"/>
+          </p:cNvSpPr>
+          <p:nvPr>
+            <p:ph type="body" idx="1"/>
+          </p:nvPr>
+        </p:nvSpPr>
+        <p:spPr>
+          <a:xfrm>
+            <a:off x="685800" y="4343400"/>
+            <a:ext cx="5486400" cy="4114800"/>
+          </a:xfrm>
+          <a:prstGeom prst="rect">
+            <a:avLst/>
+          </a:prstGeom>
+        </p:spPr>
+        <p:txBody>
+          <a:bodyPr spcFirstLastPara="1" wrap="square" lIns="91425" tIns="91425" rIns="91425" bIns="91425" anchor="t" anchorCtr="0">
+            <a:noAutofit/>
+          </a:bodyPr>
+          <a:lstStyle/>
+          <a:p>
+            <a:pPr marL="0" lvl="0" indent="0" algn="l" rtl="0">
+              <a:spcBef>
+                <a:spcPts val="0"/>
+              </a:spcBef>
+              <a:spcAft>
+                <a:spcPts val="0"/>
+              </a:spcAft>
+              <a:buNone/>
+            </a:pPr>
+            <a:endParaRPr/>
+          </a:p>
+        </p:txBody>
+      </p:sp>
+    </p:spTree>
+  </p:cSld>
+  <p:clrMapOvr>
+    <a:masterClrMapping/>
+  </p:clrMapOvr>
+</p:notes>
+</file>
+
+<file path=ppt/notesSlides/notesSlide38.xml><?xml version="1.0" encoding="utf-8"?>
+<p:notes xmlns:a="http://schemas.openxmlformats.org/drawingml/2006/main" xmlns:r="http://schemas.openxmlformats.org/officeDocument/2006/relationships" xmlns:p="http://schemas.openxmlformats.org/presentationml/2006/main" showMasterSp="0" showMasterPhAnim="0">
+  <p:cSld>
+    <p:spTree>
+      <p:nvGrpSpPr>
+        <p:cNvPr id="1" name="Shape 455"/>
+        <p:cNvGrpSpPr/>
+        <p:nvPr/>
+      </p:nvGrpSpPr>
+      <p:grpSpPr>
+        <a:xfrm>
+          <a:off x="0" y="0"/>
+          <a:ext cx="0" cy="0"/>
+          <a:chOff x="0" y="0"/>
+          <a:chExt cx="0" cy="0"/>
+        </a:xfrm>
+      </p:grpSpPr>
+      <p:sp>
+        <p:nvSpPr>
+          <p:cNvPr id="456" name="Google Shape;456;g2f62e005416_0_77:notes"/>
+          <p:cNvSpPr>
+            <a:spLocks noGrp="1" noRot="1" noChangeAspect="1"/>
+          </p:cNvSpPr>
+          <p:nvPr>
+            <p:ph type="sldImg" idx="2"/>
+          </p:nvPr>
+        </p:nvSpPr>
+        <p:spPr>
+          <a:xfrm>
+            <a:off x="381000" y="685800"/>
+            <a:ext cx="6096000" cy="3429000"/>
+          </a:xfrm>
+          <a:custGeom>
+            <a:avLst/>
+            <a:gdLst/>
+            <a:ahLst/>
+            <a:cxnLst/>
+            <a:rect l="l" t="t" r="r" b="b"/>
+            <a:pathLst>
+              <a:path w="120000" h="120000" extrusionOk="0">
+                <a:moveTo>
+                  <a:pt x="0" y="0"/>
+                </a:moveTo>
+                <a:lnTo>
+                  <a:pt x="120000" y="0"/>
+                </a:lnTo>
+                <a:lnTo>
+                  <a:pt x="120000" y="120000"/>
+                </a:lnTo>
+                <a:lnTo>
+                  <a:pt x="0" y="120000"/>
+                </a:lnTo>
+                <a:close/>
+              </a:path>
+            </a:pathLst>
+          </a:custGeom>
+        </p:spPr>
+      </p:sp>
+      <p:sp>
+        <p:nvSpPr>
+          <p:cNvPr id="457" name="Google Shape;457;g2f62e005416_0_77:notes"/>
+          <p:cNvSpPr txBox="1">
+            <a:spLocks noGrp="1"/>
+          </p:cNvSpPr>
+          <p:nvPr>
+            <p:ph type="body" idx="1"/>
+          </p:nvPr>
+        </p:nvSpPr>
+        <p:spPr>
+          <a:xfrm>
+            <a:off x="685800" y="4343400"/>
+            <a:ext cx="5486400" cy="4114800"/>
+          </a:xfrm>
+          <a:prstGeom prst="rect">
+            <a:avLst/>
+          </a:prstGeom>
+        </p:spPr>
+        <p:txBody>
+          <a:bodyPr spcFirstLastPara="1" wrap="square" lIns="91425" tIns="91425" rIns="91425" bIns="91425" anchor="t" anchorCtr="0">
+            <a:noAutofit/>
+          </a:bodyPr>
+          <a:lstStyle/>
+          <a:p>
+            <a:pPr marL="0" lvl="0" indent="0" algn="l" rtl="0">
+              <a:spcBef>
+                <a:spcPts val="0"/>
+              </a:spcBef>
+              <a:spcAft>
+                <a:spcPts val="0"/>
+              </a:spcAft>
+              <a:buNone/>
+            </a:pPr>
+            <a:endParaRPr/>
+          </a:p>
+        </p:txBody>
+      </p:sp>
+    </p:spTree>
+  </p:cSld>
+  <p:clrMapOvr>
+    <a:masterClrMapping/>
+  </p:clrMapOvr>
+</p:notes>
+</file>
+
+<file path=ppt/notesSlides/notesSlide39.xml><?xml version="1.0" encoding="utf-8"?>
 <p:notes xmlns:a="http://schemas.openxmlformats.org/drawingml/2006/main" xmlns:r="http://schemas.openxmlformats.org/officeDocument/2006/relationships" xmlns:p="http://schemas.openxmlformats.org/presentationml/2006/main" showMasterSp="0" showMasterPhAnim="0">
   <p:cSld>
     <p:spTree>
@@ -3954,214 +4274,6 @@
       <p:sp>
         <p:nvSpPr>
           <p:cNvPr id="463" name="Google Shape;463;g2f62e005416_0_85:notes"/>
-          <p:cNvSpPr txBox="1">
-            <a:spLocks noGrp="1"/>
-          </p:cNvSpPr>
-          <p:nvPr>
-            <p:ph type="body" idx="1"/>
-          </p:nvPr>
-        </p:nvSpPr>
-        <p:spPr>
-          <a:xfrm>
-            <a:off x="685800" y="4343400"/>
-            <a:ext cx="5486400" cy="4114800"/>
-          </a:xfrm>
-          <a:prstGeom prst="rect">
-            <a:avLst/>
-          </a:prstGeom>
-        </p:spPr>
-        <p:txBody>
-          <a:bodyPr spcFirstLastPara="1" wrap="square" lIns="91425" tIns="91425" rIns="91425" bIns="91425" anchor="t" anchorCtr="0">
-            <a:noAutofit/>
-          </a:bodyPr>
-          <a:lstStyle/>
-          <a:p>
-            <a:pPr marL="0" lvl="0" indent="0" algn="l" rtl="0">
-              <a:spcBef>
-                <a:spcPts val="0"/>
-              </a:spcBef>
-              <a:spcAft>
-                <a:spcPts val="0"/>
-              </a:spcAft>
-              <a:buNone/>
-            </a:pPr>
-            <a:endParaRPr/>
-          </a:p>
-        </p:txBody>
-      </p:sp>
-    </p:spTree>
-  </p:cSld>
-  <p:clrMapOvr>
-    <a:masterClrMapping/>
-  </p:clrMapOvr>
-</p:notes>
-</file>
-
-<file path=ppt/notesSlides/notesSlide37.xml><?xml version="1.0" encoding="utf-8"?>
-<p:notes xmlns:a="http://schemas.openxmlformats.org/drawingml/2006/main" xmlns:r="http://schemas.openxmlformats.org/officeDocument/2006/relationships" xmlns:p="http://schemas.openxmlformats.org/presentationml/2006/main" showMasterSp="0" showMasterPhAnim="0">
-  <p:cSld>
-    <p:spTree>
-      <p:nvGrpSpPr>
-        <p:cNvPr id="1" name="Shape 237"/>
-        <p:cNvGrpSpPr/>
-        <p:nvPr/>
-      </p:nvGrpSpPr>
-      <p:grpSpPr>
-        <a:xfrm>
-          <a:off x="0" y="0"/>
-          <a:ext cx="0" cy="0"/>
-          <a:chOff x="0" y="0"/>
-          <a:chExt cx="0" cy="0"/>
-        </a:xfrm>
-      </p:grpSpPr>
-      <p:sp>
-        <p:nvSpPr>
-          <p:cNvPr id="238" name="Google Shape;238;gdf29b9fb24_0_34:notes"/>
-          <p:cNvSpPr>
-            <a:spLocks noGrp="1" noRot="1" noChangeAspect="1"/>
-          </p:cNvSpPr>
-          <p:nvPr>
-            <p:ph type="sldImg" idx="2"/>
-          </p:nvPr>
-        </p:nvSpPr>
-        <p:spPr>
-          <a:xfrm>
-            <a:off x="381000" y="685800"/>
-            <a:ext cx="6096000" cy="3429000"/>
-          </a:xfrm>
-          <a:custGeom>
-            <a:avLst/>
-            <a:gdLst/>
-            <a:ahLst/>
-            <a:cxnLst/>
-            <a:rect l="l" t="t" r="r" b="b"/>
-            <a:pathLst>
-              <a:path w="120000" h="120000" extrusionOk="0">
-                <a:moveTo>
-                  <a:pt x="0" y="0"/>
-                </a:moveTo>
-                <a:lnTo>
-                  <a:pt x="120000" y="0"/>
-                </a:lnTo>
-                <a:lnTo>
-                  <a:pt x="120000" y="120000"/>
-                </a:lnTo>
-                <a:lnTo>
-                  <a:pt x="0" y="120000"/>
-                </a:lnTo>
-                <a:close/>
-              </a:path>
-            </a:pathLst>
-          </a:custGeom>
-        </p:spPr>
-      </p:sp>
-      <p:sp>
-        <p:nvSpPr>
-          <p:cNvPr id="239" name="Google Shape;239;gdf29b9fb24_0_34:notes"/>
-          <p:cNvSpPr txBox="1">
-            <a:spLocks noGrp="1"/>
-          </p:cNvSpPr>
-          <p:nvPr>
-            <p:ph type="body" idx="1"/>
-          </p:nvPr>
-        </p:nvSpPr>
-        <p:spPr>
-          <a:xfrm>
-            <a:off x="685800" y="4343400"/>
-            <a:ext cx="5486400" cy="4114800"/>
-          </a:xfrm>
-          <a:prstGeom prst="rect">
-            <a:avLst/>
-          </a:prstGeom>
-        </p:spPr>
-        <p:txBody>
-          <a:bodyPr spcFirstLastPara="1" wrap="square" lIns="91425" tIns="91425" rIns="91425" bIns="91425" anchor="t" anchorCtr="0">
-            <a:noAutofit/>
-          </a:bodyPr>
-          <a:lstStyle/>
-          <a:p>
-            <a:pPr marL="0" lvl="0" indent="0" algn="l" rtl="0">
-              <a:spcBef>
-                <a:spcPts val="0"/>
-              </a:spcBef>
-              <a:spcAft>
-                <a:spcPts val="0"/>
-              </a:spcAft>
-              <a:buNone/>
-            </a:pPr>
-            <a:endParaRPr/>
-          </a:p>
-        </p:txBody>
-      </p:sp>
-    </p:spTree>
-  </p:cSld>
-  <p:clrMapOvr>
-    <a:masterClrMapping/>
-  </p:clrMapOvr>
-</p:notes>
-</file>
-
-<file path=ppt/notesSlides/notesSlide38.xml><?xml version="1.0" encoding="utf-8"?>
-<p:notes xmlns:a="http://schemas.openxmlformats.org/drawingml/2006/main" xmlns:r="http://schemas.openxmlformats.org/officeDocument/2006/relationships" xmlns:p="http://schemas.openxmlformats.org/presentationml/2006/main" showMasterSp="0" showMasterPhAnim="0">
-  <p:cSld>
-    <p:spTree>
-      <p:nvGrpSpPr>
-        <p:cNvPr id="1" name="Shape 472"/>
-        <p:cNvGrpSpPr/>
-        <p:nvPr/>
-      </p:nvGrpSpPr>
-      <p:grpSpPr>
-        <a:xfrm>
-          <a:off x="0" y="0"/>
-          <a:ext cx="0" cy="0"/>
-          <a:chOff x="0" y="0"/>
-          <a:chExt cx="0" cy="0"/>
-        </a:xfrm>
-      </p:grpSpPr>
-      <p:sp>
-        <p:nvSpPr>
-          <p:cNvPr id="473" name="Google Shape;473;ge3a7074569_0_1:notes"/>
-          <p:cNvSpPr>
-            <a:spLocks noGrp="1" noRot="1" noChangeAspect="1"/>
-          </p:cNvSpPr>
-          <p:nvPr>
-            <p:ph type="sldImg" idx="2"/>
-          </p:nvPr>
-        </p:nvSpPr>
-        <p:spPr>
-          <a:xfrm>
-            <a:off x="381000" y="685800"/>
-            <a:ext cx="6096000" cy="3429000"/>
-          </a:xfrm>
-          <a:custGeom>
-            <a:avLst/>
-            <a:gdLst/>
-            <a:ahLst/>
-            <a:cxnLst/>
-            <a:rect l="l" t="t" r="r" b="b"/>
-            <a:pathLst>
-              <a:path w="120000" h="120000" extrusionOk="0">
-                <a:moveTo>
-                  <a:pt x="0" y="0"/>
-                </a:moveTo>
-                <a:lnTo>
-                  <a:pt x="120000" y="0"/>
-                </a:lnTo>
-                <a:lnTo>
-                  <a:pt x="120000" y="120000"/>
-                </a:lnTo>
-                <a:lnTo>
-                  <a:pt x="0" y="120000"/>
-                </a:lnTo>
-                <a:close/>
-              </a:path>
-            </a:pathLst>
-          </a:custGeom>
-        </p:spPr>
-      </p:sp>
-      <p:sp>
-        <p:nvSpPr>
-          <p:cNvPr id="474" name="Google Shape;474;ge3a7074569_0_1:notes"/>
           <p:cNvSpPr txBox="1">
             <a:spLocks noGrp="1"/>
           </p:cNvSpPr>
@@ -4309,6 +4421,214 @@
 </p:notes>
 </file>
 
+<file path=ppt/notesSlides/notesSlide40.xml><?xml version="1.0" encoding="utf-8"?>
+<p:notes xmlns:a="http://schemas.openxmlformats.org/drawingml/2006/main" xmlns:r="http://schemas.openxmlformats.org/officeDocument/2006/relationships" xmlns:p="http://schemas.openxmlformats.org/presentationml/2006/main" showMasterSp="0" showMasterPhAnim="0">
+  <p:cSld>
+    <p:spTree>
+      <p:nvGrpSpPr>
+        <p:cNvPr id="1" name="Shape 237"/>
+        <p:cNvGrpSpPr/>
+        <p:nvPr/>
+      </p:nvGrpSpPr>
+      <p:grpSpPr>
+        <a:xfrm>
+          <a:off x="0" y="0"/>
+          <a:ext cx="0" cy="0"/>
+          <a:chOff x="0" y="0"/>
+          <a:chExt cx="0" cy="0"/>
+        </a:xfrm>
+      </p:grpSpPr>
+      <p:sp>
+        <p:nvSpPr>
+          <p:cNvPr id="238" name="Google Shape;238;gdf29b9fb24_0_34:notes"/>
+          <p:cNvSpPr>
+            <a:spLocks noGrp="1" noRot="1" noChangeAspect="1"/>
+          </p:cNvSpPr>
+          <p:nvPr>
+            <p:ph type="sldImg" idx="2"/>
+          </p:nvPr>
+        </p:nvSpPr>
+        <p:spPr>
+          <a:xfrm>
+            <a:off x="381000" y="685800"/>
+            <a:ext cx="6096000" cy="3429000"/>
+          </a:xfrm>
+          <a:custGeom>
+            <a:avLst/>
+            <a:gdLst/>
+            <a:ahLst/>
+            <a:cxnLst/>
+            <a:rect l="l" t="t" r="r" b="b"/>
+            <a:pathLst>
+              <a:path w="120000" h="120000" extrusionOk="0">
+                <a:moveTo>
+                  <a:pt x="0" y="0"/>
+                </a:moveTo>
+                <a:lnTo>
+                  <a:pt x="120000" y="0"/>
+                </a:lnTo>
+                <a:lnTo>
+                  <a:pt x="120000" y="120000"/>
+                </a:lnTo>
+                <a:lnTo>
+                  <a:pt x="0" y="120000"/>
+                </a:lnTo>
+                <a:close/>
+              </a:path>
+            </a:pathLst>
+          </a:custGeom>
+        </p:spPr>
+      </p:sp>
+      <p:sp>
+        <p:nvSpPr>
+          <p:cNvPr id="239" name="Google Shape;239;gdf29b9fb24_0_34:notes"/>
+          <p:cNvSpPr txBox="1">
+            <a:spLocks noGrp="1"/>
+          </p:cNvSpPr>
+          <p:nvPr>
+            <p:ph type="body" idx="1"/>
+          </p:nvPr>
+        </p:nvSpPr>
+        <p:spPr>
+          <a:xfrm>
+            <a:off x="685800" y="4343400"/>
+            <a:ext cx="5486400" cy="4114800"/>
+          </a:xfrm>
+          <a:prstGeom prst="rect">
+            <a:avLst/>
+          </a:prstGeom>
+        </p:spPr>
+        <p:txBody>
+          <a:bodyPr spcFirstLastPara="1" wrap="square" lIns="91425" tIns="91425" rIns="91425" bIns="91425" anchor="t" anchorCtr="0">
+            <a:noAutofit/>
+          </a:bodyPr>
+          <a:lstStyle/>
+          <a:p>
+            <a:pPr marL="0" lvl="0" indent="0" algn="l" rtl="0">
+              <a:spcBef>
+                <a:spcPts val="0"/>
+              </a:spcBef>
+              <a:spcAft>
+                <a:spcPts val="0"/>
+              </a:spcAft>
+              <a:buNone/>
+            </a:pPr>
+            <a:endParaRPr/>
+          </a:p>
+        </p:txBody>
+      </p:sp>
+    </p:spTree>
+  </p:cSld>
+  <p:clrMapOvr>
+    <a:masterClrMapping/>
+  </p:clrMapOvr>
+</p:notes>
+</file>
+
+<file path=ppt/notesSlides/notesSlide41.xml><?xml version="1.0" encoding="utf-8"?>
+<p:notes xmlns:a="http://schemas.openxmlformats.org/drawingml/2006/main" xmlns:r="http://schemas.openxmlformats.org/officeDocument/2006/relationships" xmlns:p="http://schemas.openxmlformats.org/presentationml/2006/main" showMasterSp="0" showMasterPhAnim="0">
+  <p:cSld>
+    <p:spTree>
+      <p:nvGrpSpPr>
+        <p:cNvPr id="1" name="Shape 472"/>
+        <p:cNvGrpSpPr/>
+        <p:nvPr/>
+      </p:nvGrpSpPr>
+      <p:grpSpPr>
+        <a:xfrm>
+          <a:off x="0" y="0"/>
+          <a:ext cx="0" cy="0"/>
+          <a:chOff x="0" y="0"/>
+          <a:chExt cx="0" cy="0"/>
+        </a:xfrm>
+      </p:grpSpPr>
+      <p:sp>
+        <p:nvSpPr>
+          <p:cNvPr id="473" name="Google Shape;473;ge3a7074569_0_1:notes"/>
+          <p:cNvSpPr>
+            <a:spLocks noGrp="1" noRot="1" noChangeAspect="1"/>
+          </p:cNvSpPr>
+          <p:nvPr>
+            <p:ph type="sldImg" idx="2"/>
+          </p:nvPr>
+        </p:nvSpPr>
+        <p:spPr>
+          <a:xfrm>
+            <a:off x="381000" y="685800"/>
+            <a:ext cx="6096000" cy="3429000"/>
+          </a:xfrm>
+          <a:custGeom>
+            <a:avLst/>
+            <a:gdLst/>
+            <a:ahLst/>
+            <a:cxnLst/>
+            <a:rect l="l" t="t" r="r" b="b"/>
+            <a:pathLst>
+              <a:path w="120000" h="120000" extrusionOk="0">
+                <a:moveTo>
+                  <a:pt x="0" y="0"/>
+                </a:moveTo>
+                <a:lnTo>
+                  <a:pt x="120000" y="0"/>
+                </a:lnTo>
+                <a:lnTo>
+                  <a:pt x="120000" y="120000"/>
+                </a:lnTo>
+                <a:lnTo>
+                  <a:pt x="0" y="120000"/>
+                </a:lnTo>
+                <a:close/>
+              </a:path>
+            </a:pathLst>
+          </a:custGeom>
+        </p:spPr>
+      </p:sp>
+      <p:sp>
+        <p:nvSpPr>
+          <p:cNvPr id="474" name="Google Shape;474;ge3a7074569_0_1:notes"/>
+          <p:cNvSpPr txBox="1">
+            <a:spLocks noGrp="1"/>
+          </p:cNvSpPr>
+          <p:nvPr>
+            <p:ph type="body" idx="1"/>
+          </p:nvPr>
+        </p:nvSpPr>
+        <p:spPr>
+          <a:xfrm>
+            <a:off x="685800" y="4343400"/>
+            <a:ext cx="5486400" cy="4114800"/>
+          </a:xfrm>
+          <a:prstGeom prst="rect">
+            <a:avLst/>
+          </a:prstGeom>
+        </p:spPr>
+        <p:txBody>
+          <a:bodyPr spcFirstLastPara="1" wrap="square" lIns="91425" tIns="91425" rIns="91425" bIns="91425" anchor="t" anchorCtr="0">
+            <a:noAutofit/>
+          </a:bodyPr>
+          <a:lstStyle/>
+          <a:p>
+            <a:pPr marL="0" lvl="0" indent="0" algn="l" rtl="0">
+              <a:spcBef>
+                <a:spcPts val="0"/>
+              </a:spcBef>
+              <a:spcAft>
+                <a:spcPts val="0"/>
+              </a:spcAft>
+              <a:buNone/>
+            </a:pPr>
+            <a:endParaRPr/>
+          </a:p>
+        </p:txBody>
+      </p:sp>
+    </p:spTree>
+  </p:cSld>
+  <p:clrMapOvr>
+    <a:masterClrMapping/>
+  </p:clrMapOvr>
+</p:notes>
+</file>
+
 <file path=ppt/notesSlides/notesSlide5.xml><?xml version="1.0" encoding="utf-8"?>
 <p:notes xmlns:a="http://schemas.openxmlformats.org/drawingml/2006/main" xmlns:r="http://schemas.openxmlformats.org/officeDocument/2006/relationships" xmlns:p="http://schemas.openxmlformats.org/presentationml/2006/main" showMasterSp="0" showMasterPhAnim="0">
   <p:cSld>
@@ -4824,7 +5144,7 @@
     </p:spTree>
     <p:extLst>
       <p:ext uri="{BB962C8B-B14F-4D97-AF65-F5344CB8AC3E}">
-        <p14:creationId xmlns="" xmlns:p14="http://schemas.microsoft.com/office/powerpoint/2010/main" val="1094642682"/>
+        <p14:creationId xmlns:p14="http://schemas.microsoft.com/office/powerpoint/2010/main" xmlns="" val="1094642682"/>
       </p:ext>
     </p:extLst>
   </p:cSld>
@@ -8837,7 +9157,7 @@
   </p:clrMapOvr>
   <p:extLst>
     <p:ext uri="{DCECCB84-F9BA-43D5-87BE-67443E8EF086}">
-      <p15:sldGuideLst xmlns="" xmlns:p15="http://schemas.microsoft.com/office/powerpoint/2012/main">
+      <p15:sldGuideLst xmlns:p15="http://schemas.microsoft.com/office/powerpoint/2012/main" xmlns="">
         <p15:guide id="1" pos="397">
           <p15:clr>
             <a:srgbClr val="FA7B17"/>
@@ -12035,7 +12355,7 @@
     </p:spTree>
     <p:extLst>
       <p:ext uri="{BB962C8B-B14F-4D97-AF65-F5344CB8AC3E}">
-        <p14:creationId xmlns="" xmlns:p14="http://schemas.microsoft.com/office/powerpoint/2010/main" val="4136653412"/>
+        <p14:creationId xmlns:p14="http://schemas.microsoft.com/office/powerpoint/2010/main" xmlns="" val="4136653412"/>
       </p:ext>
     </p:extLst>
   </p:cSld>
@@ -12173,7 +12493,7 @@
           <a:blip r:embed="rId3">
             <a:extLst>
               <a:ext uri="{28A0092B-C50C-407E-A947-70E740481C1C}">
-                <a14:useLocalDpi xmlns="" xmlns:a14="http://schemas.microsoft.com/office/drawing/2010/main" val="0"/>
+                <a14:useLocalDpi xmlns:a14="http://schemas.microsoft.com/office/drawing/2010/main" xmlns="" val="0"/>
               </a:ext>
             </a:extLst>
           </a:blip>
@@ -12193,7 +12513,7 @@
           <a:noFill/>
           <a:extLst>
             <a:ext uri="{909E8E84-426E-40DD-AFC4-6F175D3DCCD1}">
-              <a14:hiddenFill xmlns="" xmlns:a14="http://schemas.microsoft.com/office/drawing/2010/main">
+              <a14:hiddenFill xmlns:a14="http://schemas.microsoft.com/office/drawing/2010/main" xmlns="">
                 <a:solidFill>
                   <a:srgbClr val="FFFFFF"/>
                 </a:solidFill>
@@ -12205,7 +12525,7 @@
     </p:spTree>
     <p:extLst>
       <p:ext uri="{BB962C8B-B14F-4D97-AF65-F5344CB8AC3E}">
-        <p14:creationId xmlns="" xmlns:p14="http://schemas.microsoft.com/office/powerpoint/2010/main" val="4046313098"/>
+        <p14:creationId xmlns:p14="http://schemas.microsoft.com/office/powerpoint/2010/main" xmlns="" val="4046313098"/>
       </p:ext>
     </p:extLst>
   </p:cSld>
@@ -12213,7 +12533,7 @@
     <a:masterClrMapping/>
   </p:clrMapOvr>
   <mc:AlternateContent xmlns:mc="http://schemas.openxmlformats.org/markup-compatibility/2006">
-    <mc:Choice xmlns="" xmlns:p14="http://schemas.microsoft.com/office/powerpoint/2010/main" Requires="p14">
+    <mc:Choice xmlns:p14="http://schemas.microsoft.com/office/powerpoint/2010/main" xmlns="" Requires="p14">
       <p:transition spd="slow" p14:dur="2000"/>
     </mc:Choice>
     <mc:Fallback>
@@ -12412,7 +12732,7 @@
     </p:spTree>
     <p:extLst>
       <p:ext uri="{BB962C8B-B14F-4D97-AF65-F5344CB8AC3E}">
-        <p14:creationId xmlns="" xmlns:p14="http://schemas.microsoft.com/office/powerpoint/2010/main" val="3413217380"/>
+        <p14:creationId xmlns:p14="http://schemas.microsoft.com/office/powerpoint/2010/main" xmlns="" val="3413217380"/>
       </p:ext>
     </p:extLst>
   </p:cSld>
@@ -12420,7 +12740,7 @@
     <a:masterClrMapping/>
   </p:clrMapOvr>
   <mc:AlternateContent xmlns:mc="http://schemas.openxmlformats.org/markup-compatibility/2006">
-    <mc:Choice xmlns="" xmlns:p14="http://schemas.microsoft.com/office/powerpoint/2010/main" Requires="p14">
+    <mc:Choice xmlns:p14="http://schemas.microsoft.com/office/powerpoint/2010/main" xmlns="" Requires="p14">
       <p:transition spd="slow" p14:dur="2000"/>
     </mc:Choice>
     <mc:Fallback>
@@ -12499,7 +12819,7 @@
     </p:spTree>
     <p:extLst>
       <p:ext uri="{BB962C8B-B14F-4D97-AF65-F5344CB8AC3E}">
-        <p14:creationId xmlns="" xmlns:p14="http://schemas.microsoft.com/office/powerpoint/2010/main" val="1662565824"/>
+        <p14:creationId xmlns:p14="http://schemas.microsoft.com/office/powerpoint/2010/main" xmlns="" val="1662565824"/>
       </p:ext>
     </p:extLst>
   </p:cSld>
@@ -12507,7 +12827,7 @@
     <a:masterClrMapping/>
   </p:clrMapOvr>
   <mc:AlternateContent xmlns:mc="http://schemas.openxmlformats.org/markup-compatibility/2006">
-    <mc:Choice xmlns="" xmlns:p14="http://schemas.microsoft.com/office/powerpoint/2010/main" Requires="p14">
+    <mc:Choice xmlns:p14="http://schemas.microsoft.com/office/powerpoint/2010/main" xmlns="" Requires="p14">
       <p:transition spd="slow" p14:dur="2000"/>
     </mc:Choice>
     <mc:Fallback>
@@ -12608,16 +12928,13 @@
           </a:bodyPr>
           <a:lstStyle/>
           <a:p>
-            <a:pPr lvl="0" algn="l" rtl="0">
+            <a:pPr lvl="0">
               <a:lnSpc>
                 <a:spcPct val="115000"/>
               </a:lnSpc>
               <a:spcBef>
                 <a:spcPts val="1400"/>
               </a:spcBef>
-              <a:spcAft>
-                <a:spcPts val="0"/>
-              </a:spcAft>
             </a:pPr>
             <a:r>
               <a:rPr lang="ru-RU" sz="1300" b="1" dirty="0" smtClean="0">
@@ -12626,7 +12943,7 @@
                 <a:cs typeface="Roboto"/>
                 <a:sym typeface="Roboto"/>
               </a:rPr>
-              <a:t>Фильтрация</a:t>
+              <a:t>Проекция</a:t>
             </a:r>
             <a:r>
               <a:rPr lang="ru-RU" sz="1300" dirty="0" smtClean="0">
@@ -12635,27 +12952,76 @@
                 <a:cs typeface="Roboto"/>
                 <a:sym typeface="Roboto"/>
               </a:rPr>
-              <a:t> – это операция, результатом которой будет набор значений, подходящий под определенное условие.</a:t>
-            </a:r>
+              <a:t> </a:t>
+            </a:r>
+            <a:r>
+              <a:rPr lang="ru-RU" sz="1300" dirty="0" smtClean="0">
+                <a:latin typeface="Roboto"/>
+                <a:ea typeface="Roboto"/>
+                <a:cs typeface="Roboto"/>
+                <a:sym typeface="Roboto"/>
+              </a:rPr>
+              <a:t>– это </a:t>
+            </a:r>
+            <a:r>
+              <a:rPr lang="ru-RU" sz="1300" dirty="0" smtClean="0">
+                <a:latin typeface="Roboto"/>
+                <a:ea typeface="Roboto"/>
+                <a:cs typeface="Roboto"/>
+                <a:sym typeface="Roboto"/>
+              </a:rPr>
+              <a:t>операция</a:t>
+            </a:r>
+            <a:r>
+              <a:rPr lang="en-US" sz="1300" dirty="0" smtClean="0">
+                <a:latin typeface="Roboto"/>
+                <a:ea typeface="Roboto"/>
+                <a:cs typeface="Roboto"/>
+                <a:sym typeface="Roboto"/>
+              </a:rPr>
+              <a:t> </a:t>
+            </a:r>
+            <a:r>
+              <a:rPr lang="ru-RU" sz="1300" dirty="0" smtClean="0">
+                <a:latin typeface="Roboto"/>
+                <a:ea typeface="Roboto"/>
+                <a:cs typeface="Roboto"/>
+                <a:sym typeface="Roboto"/>
+              </a:rPr>
+              <a:t>преобразования объекта в новую форму, </a:t>
+            </a:r>
+            <a:r>
+              <a:rPr lang="ru-RU" sz="1200" dirty="0" smtClean="0"/>
+              <a:t>которая часто состоит только из этих свойств, которые впоследствии используются</a:t>
+            </a:r>
+            <a:r>
+              <a:rPr lang="ru-RU" sz="1300" dirty="0" smtClean="0">
+                <a:latin typeface="Roboto"/>
+                <a:ea typeface="Roboto"/>
+                <a:cs typeface="Roboto"/>
+                <a:sym typeface="Roboto"/>
+              </a:rPr>
+              <a:t>.</a:t>
+            </a:r>
+            <a:endParaRPr lang="ru-RU" sz="1300" dirty="0" smtClean="0">
+              <a:latin typeface="Roboto"/>
+              <a:ea typeface="Roboto"/>
+              <a:cs typeface="Roboto"/>
+              <a:sym typeface="Roboto"/>
+            </a:endParaRPr>
           </a:p>
         </p:txBody>
       </p:sp>
       <p:pic>
         <p:nvPicPr>
-          <p:cNvPr id="1026" name="Picture 2" descr="https://learn.microsoft.com/en-us/dotnet/csharp/linq/standard-query-operators/media/filtering-data/linq-filter-operation.png"/>
+          <p:cNvPr id="53250" name="Picture 2" descr="[Курс «Автоматизация Revit на языке C#: базовый уровень»] LINQ"/>
           <p:cNvPicPr>
             <a:picLocks noChangeAspect="1" noChangeArrowheads="1"/>
           </p:cNvPicPr>
           <p:nvPr/>
         </p:nvPicPr>
         <p:blipFill>
-          <a:blip r:embed="rId3">
-            <a:extLst>
-              <a:ext uri="{28A0092B-C50C-407E-A947-70E740481C1C}">
-                <a14:useLocalDpi xmlns="" xmlns:a14="http://schemas.microsoft.com/office/drawing/2010/main" val="0"/>
-              </a:ext>
-            </a:extLst>
-          </a:blip>
+          <a:blip r:embed="rId3"/>
           <a:srcRect/>
           <a:stretch>
             <a:fillRect/>
@@ -12663,28 +13029,19 @@
         </p:blipFill>
         <p:spPr bwMode="auto">
           <a:xfrm>
-            <a:off x="2699992" y="1961322"/>
-            <a:ext cx="2952750" cy="1276350"/>
+            <a:off x="2087218" y="1733550"/>
+            <a:ext cx="4785138" cy="2691641"/>
           </a:xfrm>
           <a:prstGeom prst="rect">
             <a:avLst/>
           </a:prstGeom>
           <a:noFill/>
-          <a:extLst>
-            <a:ext uri="{909E8E84-426E-40DD-AFC4-6F175D3DCCD1}">
-              <a14:hiddenFill xmlns="" xmlns:a14="http://schemas.microsoft.com/office/drawing/2010/main">
-                <a:solidFill>
-                  <a:srgbClr val="FFFFFF"/>
-                </a:solidFill>
-              </a14:hiddenFill>
-            </a:ext>
-          </a:extLst>
         </p:spPr>
       </p:pic>
     </p:spTree>
     <p:extLst>
       <p:ext uri="{BB962C8B-B14F-4D97-AF65-F5344CB8AC3E}">
-        <p14:creationId xmlns="" xmlns:p14="http://schemas.microsoft.com/office/powerpoint/2010/main" val="280835527"/>
+        <p14:creationId xmlns:p14="http://schemas.microsoft.com/office/powerpoint/2010/main" xmlns="" val="280835527"/>
       </p:ext>
     </p:extLst>
   </p:cSld>
@@ -12692,7 +13049,7 @@
     <a:masterClrMapping/>
   </p:clrMapOvr>
   <mc:AlternateContent xmlns:mc="http://schemas.openxmlformats.org/markup-compatibility/2006">
-    <mc:Choice xmlns="" xmlns:p14="http://schemas.microsoft.com/office/powerpoint/2010/main" Requires="p14">
+    <mc:Choice xmlns:p14="http://schemas.microsoft.com/office/powerpoint/2010/main" xmlns="" Requires="p14">
       <p:transition spd="slow" p14:dur="2000"/>
     </mc:Choice>
     <mc:Fallback>
@@ -12768,7 +13125,7 @@
         <p:spPr>
           <a:xfrm>
             <a:off x="598600" y="1009925"/>
-            <a:ext cx="8092200" cy="2707890"/>
+            <a:ext cx="8092200" cy="2884862"/>
           </a:xfrm>
           <a:prstGeom prst="rect">
             <a:avLst/>
@@ -12854,21 +13211,21 @@
               </a:spcBef>
             </a:pPr>
             <a:r>
-              <a:rPr lang="en-US" sz="1200" u="sng" dirty="0" err="1" smtClean="0">
+              <a:rPr lang="en-US" u="sng" dirty="0" err="1" smtClean="0">
                 <a:hlinkClick r:id="rId4"/>
               </a:rPr>
               <a:t>SelectMany</a:t>
             </a:r>
             <a:r>
-              <a:rPr lang="en-US" sz="1200" dirty="0" smtClean="0"/>
+              <a:rPr lang="en-US" dirty="0" smtClean="0"/>
               <a:t> </a:t>
             </a:r>
             <a:r>
-              <a:rPr lang="ru-RU" sz="1200" dirty="0" smtClean="0"/>
+              <a:rPr lang="ru-RU" dirty="0" smtClean="0"/>
               <a:t>– проецирует последовательности значений, основанных на функции преобразования, а затем выравнивает их в одну последовательность.(в декларативном синтаксисе множественный </a:t>
             </a:r>
             <a:r>
-              <a:rPr lang="en-US" sz="1200" dirty="0" smtClean="0">
+              <a:rPr lang="en-US" dirty="0" smtClean="0">
                 <a:solidFill>
                   <a:schemeClr val="accent1">
                     <a:lumMod val="75000"/>
@@ -12878,7 +13235,7 @@
               <a:t>from</a:t>
             </a:r>
             <a:r>
-              <a:rPr lang="ru-RU" sz="1200" dirty="0" smtClean="0"/>
+              <a:rPr lang="ru-RU" dirty="0" smtClean="0"/>
               <a:t>). Простыми словами: забирает последовательность из элемента коллекции и кладет его в результирующую последовательность.</a:t>
             </a:r>
           </a:p>
@@ -12892,27 +13249,22 @@
               </a:spcBef>
             </a:pPr>
             <a:r>
-              <a:rPr lang="en-US" sz="1200" u="sng" dirty="0" smtClean="0">
+              <a:rPr lang="en-US" u="sng" dirty="0" smtClean="0">
                 <a:hlinkClick r:id="rId5"/>
               </a:rPr>
               <a:t>Zip</a:t>
             </a:r>
             <a:r>
-              <a:rPr lang="ru-RU" sz="1200" dirty="0" smtClean="0"/>
-              <a:t> – создает последовательность кортежей из 2-3 указанных последовательностей</a:t>
-            </a:r>
-            <a:r>
-              <a:rPr lang="ru-RU" sz="1200" dirty="0" smtClean="0"/>
-              <a:t>.</a:t>
-            </a:r>
-            <a:endParaRPr lang="ru-RU" sz="1200" dirty="0" smtClean="0"/>
+              <a:rPr lang="ru-RU" dirty="0" smtClean="0"/>
+              <a:t> – создает последовательность кортежей из 2-3 указанных последовательностей.</a:t>
+            </a:r>
           </a:p>
         </p:txBody>
       </p:sp>
     </p:spTree>
     <p:extLst>
       <p:ext uri="{BB962C8B-B14F-4D97-AF65-F5344CB8AC3E}">
-        <p14:creationId xmlns="" xmlns:p14="http://schemas.microsoft.com/office/powerpoint/2010/main" val="3413217380"/>
+        <p14:creationId xmlns:p14="http://schemas.microsoft.com/office/powerpoint/2010/main" xmlns="" val="3413217380"/>
       </p:ext>
     </p:extLst>
   </p:cSld>
@@ -12920,7 +13272,7 @@
     <a:masterClrMapping/>
   </p:clrMapOvr>
   <mc:AlternateContent xmlns:mc="http://schemas.openxmlformats.org/markup-compatibility/2006">
-    <mc:Choice xmlns="" xmlns:p14="http://schemas.microsoft.com/office/powerpoint/2010/main" Requires="p14">
+    <mc:Choice xmlns:p14="http://schemas.microsoft.com/office/powerpoint/2010/main" xmlns="" Requires="p14">
       <p:transition spd="slow" p14:dur="2000"/>
     </mc:Choice>
     <mc:Fallback>
@@ -12999,7 +13351,7 @@
     </p:spTree>
     <p:extLst>
       <p:ext uri="{BB962C8B-B14F-4D97-AF65-F5344CB8AC3E}">
-        <p14:creationId xmlns="" xmlns:p14="http://schemas.microsoft.com/office/powerpoint/2010/main" val="4118962620"/>
+        <p14:creationId xmlns:p14="http://schemas.microsoft.com/office/powerpoint/2010/main" xmlns="" val="4118962620"/>
       </p:ext>
     </p:extLst>
   </p:cSld>
@@ -13007,7 +13359,7 @@
     <a:masterClrMapping/>
   </p:clrMapOvr>
   <mc:AlternateContent xmlns:mc="http://schemas.openxmlformats.org/markup-compatibility/2006">
-    <mc:Choice xmlns="" xmlns:p14="http://schemas.microsoft.com/office/powerpoint/2010/main" Requires="p14">
+    <mc:Choice xmlns:p14="http://schemas.microsoft.com/office/powerpoint/2010/main" xmlns="" Requires="p14">
       <p:transition spd="slow" p14:dur="2000"/>
     </mc:Choice>
     <mc:Fallback>
@@ -13143,23 +13495,8 @@
                 <a:cs typeface="Roboto"/>
                 <a:sym typeface="Roboto"/>
               </a:rPr>
-              <a:t> в данном случае понимаются операции запросов, которые создают результирующий набор присутствия или отсутствия эквивалентных элементов в одной или отдельной коллекциях</a:t>
-            </a:r>
-            <a:r>
-              <a:rPr lang="ru-RU" sz="1300" dirty="0" smtClean="0">
-                <a:latin typeface="Roboto"/>
-                <a:ea typeface="Roboto"/>
-                <a:cs typeface="Roboto"/>
-                <a:sym typeface="Roboto"/>
-              </a:rPr>
-              <a:t>.</a:t>
-            </a:r>
-            <a:endParaRPr lang="ru-RU" sz="1300" dirty="0" smtClean="0">
-              <a:latin typeface="Roboto"/>
-              <a:ea typeface="Roboto"/>
-              <a:cs typeface="Roboto"/>
-              <a:sym typeface="Roboto"/>
-            </a:endParaRPr>
+              <a:t> в данном случае понимаются операции запросов, которые создают результирующий набор присутствия или отсутствия эквивалентных элементов в одной или отдельной коллекциях.</a:t>
+            </a:r>
           </a:p>
           <a:p>
             <a:pPr lvl="0">
@@ -13219,7 +13556,7 @@
           <a:blip r:embed="rId5">
             <a:extLst>
               <a:ext uri="{28A0092B-C50C-407E-A947-70E740481C1C}">
-                <a14:useLocalDpi xmlns="" xmlns:a14="http://schemas.microsoft.com/office/drawing/2010/main" val="0"/>
+                <a14:useLocalDpi xmlns:a14="http://schemas.microsoft.com/office/drawing/2010/main" xmlns="" val="0"/>
               </a:ext>
             </a:extLst>
           </a:blip>
@@ -13239,7 +13576,7 @@
           <a:noFill/>
           <a:extLst>
             <a:ext uri="{909E8E84-426E-40DD-AFC4-6F175D3DCCD1}">
-              <a14:hiddenFill xmlns="" xmlns:a14="http://schemas.microsoft.com/office/drawing/2010/main">
+              <a14:hiddenFill xmlns:a14="http://schemas.microsoft.com/office/drawing/2010/main" xmlns="">
                 <a:solidFill>
                   <a:srgbClr val="FFFFFF"/>
                 </a:solidFill>
@@ -13326,7 +13663,7 @@
           <a:blip r:embed="rId8">
             <a:extLst>
               <a:ext uri="{28A0092B-C50C-407E-A947-70E740481C1C}">
-                <a14:useLocalDpi xmlns="" xmlns:a14="http://schemas.microsoft.com/office/drawing/2010/main" val="0"/>
+                <a14:useLocalDpi xmlns:a14="http://schemas.microsoft.com/office/drawing/2010/main" xmlns="" val="0"/>
               </a:ext>
             </a:extLst>
           </a:blip>
@@ -13346,7 +13683,7 @@
           <a:noFill/>
           <a:extLst>
             <a:ext uri="{909E8E84-426E-40DD-AFC4-6F175D3DCCD1}">
-              <a14:hiddenFill xmlns="" xmlns:a14="http://schemas.microsoft.com/office/drawing/2010/main">
+              <a14:hiddenFill xmlns:a14="http://schemas.microsoft.com/office/drawing/2010/main" xmlns="">
                 <a:solidFill>
                   <a:srgbClr val="FFFFFF"/>
                 </a:solidFill>
@@ -13358,7 +13695,7 @@
     </p:spTree>
     <p:extLst>
       <p:ext uri="{BB962C8B-B14F-4D97-AF65-F5344CB8AC3E}">
-        <p14:creationId xmlns="" xmlns:p14="http://schemas.microsoft.com/office/powerpoint/2010/main" val="2305462432"/>
+        <p14:creationId xmlns:p14="http://schemas.microsoft.com/office/powerpoint/2010/main" xmlns="" val="2305462432"/>
       </p:ext>
     </p:extLst>
   </p:cSld>
@@ -13366,7 +13703,7 @@
     <a:masterClrMapping/>
   </p:clrMapOvr>
   <mc:AlternateContent xmlns:mc="http://schemas.openxmlformats.org/markup-compatibility/2006">
-    <mc:Choice xmlns="" xmlns:p14="http://schemas.microsoft.com/office/powerpoint/2010/main" Requires="p14">
+    <mc:Choice xmlns:p14="http://schemas.microsoft.com/office/powerpoint/2010/main" xmlns="" Requires="p14">
       <p:transition spd="slow" p14:dur="2000"/>
     </mc:Choice>
     <mc:Fallback>
@@ -13591,7 +13928,7 @@
           <a:blip r:embed="rId7">
             <a:extLst>
               <a:ext uri="{28A0092B-C50C-407E-A947-70E740481C1C}">
-                <a14:useLocalDpi xmlns="" xmlns:a14="http://schemas.microsoft.com/office/drawing/2010/main" val="0"/>
+                <a14:useLocalDpi xmlns:a14="http://schemas.microsoft.com/office/drawing/2010/main" xmlns="" val="0"/>
               </a:ext>
             </a:extLst>
           </a:blip>
@@ -13611,7 +13948,7 @@
           <a:noFill/>
           <a:extLst>
             <a:ext uri="{909E8E84-426E-40DD-AFC4-6F175D3DCCD1}">
-              <a14:hiddenFill xmlns="" xmlns:a14="http://schemas.microsoft.com/office/drawing/2010/main">
+              <a14:hiddenFill xmlns:a14="http://schemas.microsoft.com/office/drawing/2010/main" xmlns="">
                 <a:solidFill>
                   <a:srgbClr val="FFFFFF"/>
                 </a:solidFill>
@@ -13632,7 +13969,7 @@
           <a:blip r:embed="rId8">
             <a:extLst>
               <a:ext uri="{28A0092B-C50C-407E-A947-70E740481C1C}">
-                <a14:useLocalDpi xmlns="" xmlns:a14="http://schemas.microsoft.com/office/drawing/2010/main" val="0"/>
+                <a14:useLocalDpi xmlns:a14="http://schemas.microsoft.com/office/drawing/2010/main" xmlns="" val="0"/>
               </a:ext>
             </a:extLst>
           </a:blip>
@@ -13652,7 +13989,7 @@
           <a:noFill/>
           <a:extLst>
             <a:ext uri="{909E8E84-426E-40DD-AFC4-6F175D3DCCD1}">
-              <a14:hiddenFill xmlns="" xmlns:a14="http://schemas.microsoft.com/office/drawing/2010/main">
+              <a14:hiddenFill xmlns:a14="http://schemas.microsoft.com/office/drawing/2010/main" xmlns="">
                 <a:solidFill>
                   <a:srgbClr val="FFFFFF"/>
                 </a:solidFill>
@@ -13664,7 +14001,7 @@
     </p:spTree>
     <p:extLst>
       <p:ext uri="{BB962C8B-B14F-4D97-AF65-F5344CB8AC3E}">
-        <p14:creationId xmlns="" xmlns:p14="http://schemas.microsoft.com/office/powerpoint/2010/main" val="3055765978"/>
+        <p14:creationId xmlns:p14="http://schemas.microsoft.com/office/powerpoint/2010/main" xmlns="" val="3055765978"/>
       </p:ext>
     </p:extLst>
   </p:cSld>
@@ -13672,7 +14009,7 @@
     <a:masterClrMapping/>
   </p:clrMapOvr>
   <mc:AlternateContent xmlns:mc="http://schemas.openxmlformats.org/markup-compatibility/2006">
-    <mc:Choice xmlns="" xmlns:p14="http://schemas.microsoft.com/office/powerpoint/2010/main" Requires="p14">
+    <mc:Choice xmlns:p14="http://schemas.microsoft.com/office/powerpoint/2010/main" xmlns="" Requires="p14">
       <p:transition spd="slow" p14:dur="2000"/>
     </mc:Choice>
     <mc:Fallback>
@@ -13743,7 +14080,7 @@
     </p:spTree>
     <p:extLst>
       <p:ext uri="{BB962C8B-B14F-4D97-AF65-F5344CB8AC3E}">
-        <p14:creationId xmlns="" xmlns:p14="http://schemas.microsoft.com/office/powerpoint/2010/main" val="2409115406"/>
+        <p14:creationId xmlns:p14="http://schemas.microsoft.com/office/powerpoint/2010/main" xmlns="" val="2409115406"/>
       </p:ext>
     </p:extLst>
   </p:cSld>
@@ -13751,7 +14088,7 @@
     <a:masterClrMapping/>
   </p:clrMapOvr>
   <mc:AlternateContent xmlns:mc="http://schemas.openxmlformats.org/markup-compatibility/2006">
-    <mc:Choice xmlns="" xmlns:p14="http://schemas.microsoft.com/office/powerpoint/2010/main" Requires="p14">
+    <mc:Choice xmlns:p14="http://schemas.microsoft.com/office/powerpoint/2010/main" xmlns="" Requires="p14">
       <p:transition spd="slow" p14:dur="2000"/>
     </mc:Choice>
     <mc:Fallback>
@@ -14060,7 +14397,7 @@
           <a:blip r:embed="rId5">
             <a:extLst>
               <a:ext uri="{28A0092B-C50C-407E-A947-70E740481C1C}">
-                <a14:useLocalDpi xmlns="" xmlns:a14="http://schemas.microsoft.com/office/drawing/2010/main" val="0"/>
+                <a14:useLocalDpi xmlns:a14="http://schemas.microsoft.com/office/drawing/2010/main" xmlns="" val="0"/>
               </a:ext>
             </a:extLst>
           </a:blip>
@@ -14080,7 +14417,7 @@
           <a:noFill/>
           <a:extLst>
             <a:ext uri="{909E8E84-426E-40DD-AFC4-6F175D3DCCD1}">
-              <a14:hiddenFill xmlns="" xmlns:a14="http://schemas.microsoft.com/office/drawing/2010/main">
+              <a14:hiddenFill xmlns:a14="http://schemas.microsoft.com/office/drawing/2010/main" xmlns="">
                 <a:solidFill>
                   <a:srgbClr val="FFFFFF"/>
                 </a:solidFill>
@@ -14092,7 +14429,7 @@
     </p:spTree>
     <p:extLst>
       <p:ext uri="{BB962C8B-B14F-4D97-AF65-F5344CB8AC3E}">
-        <p14:creationId xmlns="" xmlns:p14="http://schemas.microsoft.com/office/powerpoint/2010/main" val="212902253"/>
+        <p14:creationId xmlns:p14="http://schemas.microsoft.com/office/powerpoint/2010/main" xmlns="" val="212902253"/>
       </p:ext>
     </p:extLst>
   </p:cSld>
@@ -14100,7 +14437,7 @@
     <a:masterClrMapping/>
   </p:clrMapOvr>
   <mc:AlternateContent xmlns:mc="http://schemas.openxmlformats.org/markup-compatibility/2006">
-    <mc:Choice xmlns="" xmlns:p14="http://schemas.microsoft.com/office/powerpoint/2010/main" Requires="p14">
+    <mc:Choice xmlns:p14="http://schemas.microsoft.com/office/powerpoint/2010/main" xmlns="" Requires="p14">
       <p:transition spd="slow" p14:dur="2000"/>
     </mc:Choice>
     <mc:Fallback>
@@ -14387,6 +14724,13 @@
   <p:clrMapOvr>
     <a:masterClrMapping/>
   </p:clrMapOvr>
+  <p:timing>
+    <p:tnLst>
+      <p:par>
+        <p:cTn id="1" dur="indefinite" restart="never" nodeType="tmRoot"/>
+      </p:par>
+    </p:tnLst>
+  </p:timing>
 </p:sld>
 </file>
 
@@ -14684,7 +15028,7 @@
     </p:spTree>
     <p:extLst>
       <p:ext uri="{BB962C8B-B14F-4D97-AF65-F5344CB8AC3E}">
-        <p14:creationId xmlns="" xmlns:p14="http://schemas.microsoft.com/office/powerpoint/2010/main" val="1643307161"/>
+        <p14:creationId xmlns:p14="http://schemas.microsoft.com/office/powerpoint/2010/main" xmlns="" val="1643307161"/>
       </p:ext>
     </p:extLst>
   </p:cSld>
@@ -14692,7 +15036,7 @@
     <a:masterClrMapping/>
   </p:clrMapOvr>
   <mc:AlternateContent xmlns:mc="http://schemas.openxmlformats.org/markup-compatibility/2006">
-    <mc:Choice xmlns="" xmlns:p14="http://schemas.microsoft.com/office/powerpoint/2010/main" Requires="p14">
+    <mc:Choice xmlns:p14="http://schemas.microsoft.com/office/powerpoint/2010/main" xmlns="" Requires="p14">
       <p:transition spd="slow" p14:dur="2000"/>
     </mc:Choice>
     <mc:Fallback>
@@ -14763,7 +15107,7 @@
     </p:spTree>
     <p:extLst>
       <p:ext uri="{BB962C8B-B14F-4D97-AF65-F5344CB8AC3E}">
-        <p14:creationId xmlns="" xmlns:p14="http://schemas.microsoft.com/office/powerpoint/2010/main" val="3680781265"/>
+        <p14:creationId xmlns:p14="http://schemas.microsoft.com/office/powerpoint/2010/main" xmlns="" val="3680781265"/>
       </p:ext>
     </p:extLst>
   </p:cSld>
@@ -14771,7 +15115,7 @@
     <a:masterClrMapping/>
   </p:clrMapOvr>
   <mc:AlternateContent xmlns:mc="http://schemas.openxmlformats.org/markup-compatibility/2006">
-    <mc:Choice xmlns="" xmlns:p14="http://schemas.microsoft.com/office/powerpoint/2010/main" Requires="p14">
+    <mc:Choice xmlns:p14="http://schemas.microsoft.com/office/powerpoint/2010/main" xmlns="" Requires="p14">
       <p:transition spd="slow" p14:dur="2000"/>
     </mc:Choice>
     <mc:Fallback>
@@ -15030,7 +15374,7 @@
           <a:blip r:embed="rId6">
             <a:extLst>
               <a:ext uri="{28A0092B-C50C-407E-A947-70E740481C1C}">
-                <a14:useLocalDpi xmlns="" xmlns:a14="http://schemas.microsoft.com/office/drawing/2010/main" val="0"/>
+                <a14:useLocalDpi xmlns:a14="http://schemas.microsoft.com/office/drawing/2010/main" xmlns="" val="0"/>
               </a:ext>
             </a:extLst>
           </a:blip>
@@ -15050,7 +15394,7 @@
           <a:noFill/>
           <a:extLst>
             <a:ext uri="{909E8E84-426E-40DD-AFC4-6F175D3DCCD1}">
-              <a14:hiddenFill xmlns="" xmlns:a14="http://schemas.microsoft.com/office/drawing/2010/main">
+              <a14:hiddenFill xmlns:a14="http://schemas.microsoft.com/office/drawing/2010/main" xmlns="">
                 <a:solidFill>
                   <a:srgbClr val="FFFFFF"/>
                 </a:solidFill>
@@ -15062,7 +15406,7 @@
     </p:spTree>
     <p:extLst>
       <p:ext uri="{BB962C8B-B14F-4D97-AF65-F5344CB8AC3E}">
-        <p14:creationId xmlns="" xmlns:p14="http://schemas.microsoft.com/office/powerpoint/2010/main" val="2592654393"/>
+        <p14:creationId xmlns:p14="http://schemas.microsoft.com/office/powerpoint/2010/main" xmlns="" val="2592654393"/>
       </p:ext>
     </p:extLst>
   </p:cSld>
@@ -15070,7 +15414,7 @@
     <a:masterClrMapping/>
   </p:clrMapOvr>
   <mc:AlternateContent xmlns:mc="http://schemas.openxmlformats.org/markup-compatibility/2006">
-    <mc:Choice xmlns="" xmlns:p14="http://schemas.microsoft.com/office/powerpoint/2010/main" Requires="p14">
+    <mc:Choice xmlns:p14="http://schemas.microsoft.com/office/powerpoint/2010/main" xmlns="" Requires="p14">
       <p:transition spd="slow" p14:dur="2000"/>
     </mc:Choice>
     <mc:Fallback>
@@ -15141,7 +15485,7 @@
     </p:spTree>
     <p:extLst>
       <p:ext uri="{BB962C8B-B14F-4D97-AF65-F5344CB8AC3E}">
-        <p14:creationId xmlns="" xmlns:p14="http://schemas.microsoft.com/office/powerpoint/2010/main" val="3068637521"/>
+        <p14:creationId xmlns:p14="http://schemas.microsoft.com/office/powerpoint/2010/main" xmlns="" val="3068637521"/>
       </p:ext>
     </p:extLst>
   </p:cSld>
@@ -15149,7 +15493,7 @@
     <a:masterClrMapping/>
   </p:clrMapOvr>
   <mc:AlternateContent xmlns:mc="http://schemas.openxmlformats.org/markup-compatibility/2006">
-    <mc:Choice xmlns="" xmlns:p14="http://schemas.microsoft.com/office/powerpoint/2010/main" Requires="p14">
+    <mc:Choice xmlns:p14="http://schemas.microsoft.com/office/powerpoint/2010/main" xmlns="" Requires="p14">
       <p:transition spd="slow" p14:dur="2000"/>
     </mc:Choice>
     <mc:Fallback>
@@ -15304,7 +15648,7 @@
     </p:spTree>
     <p:extLst>
       <p:ext uri="{BB962C8B-B14F-4D97-AF65-F5344CB8AC3E}">
-        <p14:creationId xmlns="" xmlns:p14="http://schemas.microsoft.com/office/powerpoint/2010/main" val="2286364354"/>
+        <p14:creationId xmlns:p14="http://schemas.microsoft.com/office/powerpoint/2010/main" xmlns="" val="2286364354"/>
       </p:ext>
     </p:extLst>
   </p:cSld>
@@ -15312,7 +15656,7 @@
     <a:masterClrMapping/>
   </p:clrMapOvr>
   <mc:AlternateContent xmlns:mc="http://schemas.openxmlformats.org/markup-compatibility/2006">
-    <mc:Choice xmlns="" xmlns:p14="http://schemas.microsoft.com/office/powerpoint/2010/main" Requires="p14">
+    <mc:Choice xmlns:p14="http://schemas.microsoft.com/office/powerpoint/2010/main" xmlns="" Requires="p14">
       <p:transition spd="slow" p14:dur="2000"/>
     </mc:Choice>
     <mc:Fallback>
@@ -15545,7 +15889,7 @@
     </p:spTree>
     <p:extLst>
       <p:ext uri="{BB962C8B-B14F-4D97-AF65-F5344CB8AC3E}">
-        <p14:creationId xmlns="" xmlns:p14="http://schemas.microsoft.com/office/powerpoint/2010/main" val="3413217380"/>
+        <p14:creationId xmlns:p14="http://schemas.microsoft.com/office/powerpoint/2010/main" xmlns="" val="3413217380"/>
       </p:ext>
     </p:extLst>
   </p:cSld>
@@ -15553,7 +15897,7 @@
     <a:masterClrMapping/>
   </p:clrMapOvr>
   <mc:AlternateContent xmlns:mc="http://schemas.openxmlformats.org/markup-compatibility/2006">
-    <mc:Choice xmlns="" xmlns:p14="http://schemas.microsoft.com/office/powerpoint/2010/main" Requires="p14">
+    <mc:Choice xmlns:p14="http://schemas.microsoft.com/office/powerpoint/2010/main" xmlns="" Requires="p14">
       <p:transition spd="slow" p14:dur="2000"/>
     </mc:Choice>
     <mc:Fallback>
@@ -15624,7 +15968,7 @@
     </p:spTree>
     <p:extLst>
       <p:ext uri="{BB962C8B-B14F-4D97-AF65-F5344CB8AC3E}">
-        <p14:creationId xmlns="" xmlns:p14="http://schemas.microsoft.com/office/powerpoint/2010/main" val="2759801090"/>
+        <p14:creationId xmlns:p14="http://schemas.microsoft.com/office/powerpoint/2010/main" xmlns="" val="2759801090"/>
       </p:ext>
     </p:extLst>
   </p:cSld>
@@ -15632,7 +15976,7 @@
     <a:masterClrMapping/>
   </p:clrMapOvr>
   <mc:AlternateContent xmlns:mc="http://schemas.openxmlformats.org/markup-compatibility/2006">
-    <mc:Choice xmlns="" xmlns:p14="http://schemas.microsoft.com/office/powerpoint/2010/main" Requires="p14">
+    <mc:Choice xmlns:p14="http://schemas.microsoft.com/office/powerpoint/2010/main" xmlns="" Requires="p14">
       <p:transition spd="slow" p14:dur="2000"/>
     </mc:Choice>
     <mc:Fallback>
@@ -15812,7 +16156,7 @@
     </p:spTree>
     <p:extLst>
       <p:ext uri="{BB962C8B-B14F-4D97-AF65-F5344CB8AC3E}">
-        <p14:creationId xmlns="" xmlns:p14="http://schemas.microsoft.com/office/powerpoint/2010/main" val="2868777987"/>
+        <p14:creationId xmlns:p14="http://schemas.microsoft.com/office/powerpoint/2010/main" xmlns="" val="2868777987"/>
       </p:ext>
     </p:extLst>
   </p:cSld>
@@ -15820,7 +16164,7 @@
     <a:masterClrMapping/>
   </p:clrMapOvr>
   <mc:AlternateContent xmlns:mc="http://schemas.openxmlformats.org/markup-compatibility/2006">
-    <mc:Choice xmlns="" xmlns:p14="http://schemas.microsoft.com/office/powerpoint/2010/main" Requires="p14">
+    <mc:Choice xmlns:p14="http://schemas.microsoft.com/office/powerpoint/2010/main" xmlns="" Requires="p14">
       <p:transition spd="slow" p14:dur="2000"/>
     </mc:Choice>
     <mc:Fallback>
@@ -15891,7 +16235,7 @@
     </p:spTree>
     <p:extLst>
       <p:ext uri="{BB962C8B-B14F-4D97-AF65-F5344CB8AC3E}">
-        <p14:creationId xmlns="" xmlns:p14="http://schemas.microsoft.com/office/powerpoint/2010/main" val="1261440625"/>
+        <p14:creationId xmlns:p14="http://schemas.microsoft.com/office/powerpoint/2010/main" xmlns="" val="1261440625"/>
       </p:ext>
     </p:extLst>
   </p:cSld>
@@ -15899,7 +16243,7 @@
     <a:masterClrMapping/>
   </p:clrMapOvr>
   <mc:AlternateContent xmlns:mc="http://schemas.openxmlformats.org/markup-compatibility/2006">
-    <mc:Choice xmlns="" xmlns:p14="http://schemas.microsoft.com/office/powerpoint/2010/main" Requires="p14">
+    <mc:Choice xmlns:p14="http://schemas.microsoft.com/office/powerpoint/2010/main" xmlns="" Requires="p14">
       <p:transition spd="slow" p14:dur="2000"/>
     </mc:Choice>
     <mc:Fallback>
@@ -16560,7 +16904,7 @@
     </p:spTree>
     <p:extLst>
       <p:ext uri="{BB962C8B-B14F-4D97-AF65-F5344CB8AC3E}">
-        <p14:creationId xmlns="" xmlns:p14="http://schemas.microsoft.com/office/powerpoint/2010/main" val="3965022812"/>
+        <p14:creationId xmlns:p14="http://schemas.microsoft.com/office/powerpoint/2010/main" xmlns="" val="3965022812"/>
       </p:ext>
     </p:extLst>
   </p:cSld>
@@ -16568,7 +16912,7 @@
     <a:masterClrMapping/>
   </p:clrMapOvr>
   <mc:AlternateContent xmlns:mc="http://schemas.openxmlformats.org/markup-compatibility/2006">
-    <mc:Choice xmlns="" xmlns:p14="http://schemas.microsoft.com/office/powerpoint/2010/main" Requires="p14">
+    <mc:Choice xmlns:p14="http://schemas.microsoft.com/office/powerpoint/2010/main" xmlns="" Requires="p14">
       <p:transition spd="slow" p14:dur="2000"/>
     </mc:Choice>
     <mc:Fallback>
@@ -16698,7 +17042,7 @@
             </a:r>
             <a:r>
               <a:rPr lang="ru-RU" dirty="0" smtClean="0"/>
-              <a:t>запросы</a:t>
+              <a:t>операторы</a:t>
             </a:r>
             <a:endParaRPr dirty="0" smtClean="0"/>
           </a:p>
@@ -16833,7 +17177,7 @@
               <a:buNone/>
             </a:pPr>
             <a:r>
-              <a:rPr lang="ru" sz="1700">
+              <a:rPr lang="ru" sz="1700" dirty="0">
                 <a:solidFill>
                   <a:srgbClr val="FF7700"/>
                 </a:solidFill>
@@ -16842,7 +17186,19 @@
                 <a:cs typeface="Roboto"/>
                 <a:sym typeface="Roboto"/>
               </a:rPr>
-              <a:t>Тема открытого урока</a:t>
+              <a:t>Тема </a:t>
+            </a:r>
+            <a:r>
+              <a:rPr lang="ru" sz="1700" dirty="0" smtClean="0">
+                <a:solidFill>
+                  <a:srgbClr val="FF7700"/>
+                </a:solidFill>
+                <a:latin typeface="Roboto"/>
+                <a:ea typeface="Roboto"/>
+                <a:cs typeface="Roboto"/>
+                <a:sym typeface="Roboto"/>
+              </a:rPr>
+              <a:t>урока</a:t>
             </a:r>
             <a:endParaRPr sz="1700">
               <a:solidFill>
@@ -16877,7 +17233,7 @@
         </p:spPr>
         <p:txBody>
           <a:bodyPr spcFirstLastPara="1" wrap="square" lIns="91425" tIns="91425" rIns="91425" bIns="91425" anchor="t" anchorCtr="0">
-            <a:normAutofit fontScale="92500" lnSpcReduction="20000"/>
+            <a:normAutofit/>
           </a:bodyPr>
           <a:lstStyle/>
           <a:p>
@@ -16891,7 +17247,7 @@
               <a:buNone/>
             </a:pPr>
             <a:r>
-              <a:rPr lang="ru" sz="1300" i="1">
+              <a:rPr lang="ru" sz="1300" i="1" dirty="0">
                 <a:solidFill>
                   <a:schemeClr val="dk1"/>
                 </a:solidFill>
@@ -16902,26 +17258,6 @@
               </a:rPr>
               <a:t>Fullstack разработчик компании Волховец</a:t>
             </a:r>
-            <a:endParaRPr sz="1300" i="1">
-              <a:solidFill>
-                <a:schemeClr val="dk1"/>
-              </a:solidFill>
-              <a:latin typeface="Roboto"/>
-              <a:ea typeface="Roboto"/>
-              <a:cs typeface="Roboto"/>
-              <a:sym typeface="Roboto"/>
-            </a:endParaRPr>
-          </a:p>
-          <a:p>
-            <a:pPr marL="0" lvl="0" indent="0" algn="l" rtl="0">
-              <a:spcBef>
-                <a:spcPts val="0"/>
-              </a:spcBef>
-              <a:spcAft>
-                <a:spcPts val="0"/>
-              </a:spcAft>
-              <a:buNone/>
-            </a:pPr>
             <a:endParaRPr sz="1300" i="1">
               <a:solidFill>
                 <a:schemeClr val="dk1"/>
@@ -16950,18 +17286,6 @@
               <a:buFont typeface="Arial"/>
               <a:buNone/>
             </a:pPr>
-            <a:r>
-              <a:rPr lang="ru" sz="1300" i="1">
-                <a:solidFill>
-                  <a:schemeClr val="dk1"/>
-                </a:solidFill>
-                <a:latin typeface="Roboto"/>
-                <a:ea typeface="Roboto"/>
-                <a:cs typeface="Roboto"/>
-                <a:sym typeface="Roboto"/>
-              </a:rPr>
-              <a:t>Более 10 лет в разработке ПО. Закончил СПбГУАП по специальности “ПОВТ и АС” в 2015 г., выпускник курса Asp.Net. На текущий момент Fullstack-разработчик в ПК “Волховец” на стеке C#(.NET) и Javascript (React). </a:t>
-            </a:r>
             <a:endParaRPr sz="1300" i="1">
               <a:solidFill>
                 <a:schemeClr val="dk1"/>
@@ -16974,9 +17298,6 @@
           </a:p>
           <a:p>
             <a:pPr marL="0" lvl="0" indent="0" algn="l" rtl="0">
-              <a:lnSpc>
-                <a:spcPct val="115000"/>
-              </a:lnSpc>
               <a:spcBef>
                 <a:spcPts val="0"/>
               </a:spcBef>
@@ -16986,8 +17307,76 @@
               <a:buClr>
                 <a:schemeClr val="dk1"/>
               </a:buClr>
-              <a:buSzPct val="184615"/>
+              <a:buSzPct val="84615"/>
               <a:buFont typeface="Arial"/>
+              <a:buNone/>
+            </a:pPr>
+            <a:r>
+              <a:rPr lang="ru" sz="1300" i="1" dirty="0">
+                <a:solidFill>
+                  <a:schemeClr val="dk1"/>
+                </a:solidFill>
+                <a:latin typeface="Roboto"/>
+                <a:ea typeface="Roboto"/>
+                <a:cs typeface="Roboto"/>
+                <a:sym typeface="Roboto"/>
+              </a:rPr>
+              <a:t>Преподаватель курса C# </a:t>
+            </a:r>
+            <a:r>
+              <a:rPr lang="ru" sz="1300" i="1" dirty="0" smtClean="0">
+                <a:solidFill>
+                  <a:schemeClr val="dk1"/>
+                </a:solidFill>
+                <a:latin typeface="Roboto"/>
+                <a:ea typeface="Roboto"/>
+                <a:cs typeface="Roboto"/>
+                <a:sym typeface="Roboto"/>
+              </a:rPr>
+              <a:t>Professional, </a:t>
+            </a:r>
+            <a:r>
+              <a:rPr lang="en-US" sz="1300" i="1" dirty="0" smtClean="0">
+                <a:solidFill>
+                  <a:schemeClr val="dk1"/>
+                </a:solidFill>
+                <a:latin typeface="Roboto"/>
+                <a:ea typeface="Roboto"/>
+                <a:cs typeface="Roboto"/>
+                <a:sym typeface="Roboto"/>
+              </a:rPr>
+              <a:t>C# </a:t>
+            </a:r>
+            <a:r>
+              <a:rPr lang="en-US" sz="1300" i="1" dirty="0" smtClean="0">
+                <a:solidFill>
+                  <a:schemeClr val="dk1"/>
+                </a:solidFill>
+                <a:latin typeface="Roboto"/>
+                <a:ea typeface="Roboto"/>
+                <a:cs typeface="Roboto"/>
+                <a:sym typeface="Roboto"/>
+              </a:rPr>
+              <a:t>Basic</a:t>
+            </a:r>
+            <a:endParaRPr sz="1300" i="1">
+              <a:solidFill>
+                <a:schemeClr val="dk1"/>
+              </a:solidFill>
+              <a:latin typeface="Roboto"/>
+              <a:ea typeface="Roboto"/>
+              <a:cs typeface="Roboto"/>
+              <a:sym typeface="Roboto"/>
+            </a:endParaRPr>
+          </a:p>
+          <a:p>
+            <a:pPr marL="0" lvl="0" indent="0" algn="l" rtl="0">
+              <a:spcBef>
+                <a:spcPts val="0"/>
+              </a:spcBef>
+              <a:spcAft>
+                <a:spcPts val="0"/>
+              </a:spcAft>
               <a:buNone/>
             </a:pPr>
             <a:endParaRPr sz="1300" i="1">
@@ -17008,87 +17397,10 @@
               <a:spcAft>
                 <a:spcPts val="0"/>
               </a:spcAft>
-              <a:buClr>
-                <a:schemeClr val="dk1"/>
-              </a:buClr>
-              <a:buSzPct val="84615"/>
-              <a:buFont typeface="Arial"/>
               <a:buNone/>
             </a:pPr>
             <a:r>
-              <a:rPr lang="ru" sz="1300" i="1">
-                <a:solidFill>
-                  <a:schemeClr val="dk1"/>
-                </a:solidFill>
-                <a:latin typeface="Roboto"/>
-                <a:ea typeface="Roboto"/>
-                <a:cs typeface="Roboto"/>
-                <a:sym typeface="Roboto"/>
-              </a:rPr>
-              <a:t>Преподаватель курса C# Professional</a:t>
-            </a:r>
-            <a:endParaRPr sz="1300" i="1">
-              <a:solidFill>
-                <a:schemeClr val="dk1"/>
-              </a:solidFill>
-              <a:latin typeface="Roboto"/>
-              <a:ea typeface="Roboto"/>
-              <a:cs typeface="Roboto"/>
-              <a:sym typeface="Roboto"/>
-            </a:endParaRPr>
-          </a:p>
-          <a:p>
-            <a:pPr marL="0" lvl="0" indent="0" algn="l" rtl="0">
-              <a:spcBef>
-                <a:spcPts val="0"/>
-              </a:spcBef>
-              <a:spcAft>
-                <a:spcPts val="0"/>
-              </a:spcAft>
-              <a:buNone/>
-            </a:pPr>
-            <a:endParaRPr sz="1300" i="1">
-              <a:solidFill>
-                <a:schemeClr val="dk1"/>
-              </a:solidFill>
-              <a:latin typeface="Roboto"/>
-              <a:ea typeface="Roboto"/>
-              <a:cs typeface="Roboto"/>
-              <a:sym typeface="Roboto"/>
-            </a:endParaRPr>
-          </a:p>
-          <a:p>
-            <a:pPr marL="0" lvl="0" indent="0" algn="l" rtl="0">
-              <a:spcBef>
-                <a:spcPts val="0"/>
-              </a:spcBef>
-              <a:spcAft>
-                <a:spcPts val="0"/>
-              </a:spcAft>
-              <a:buNone/>
-            </a:pPr>
-            <a:endParaRPr sz="1300" i="1">
-              <a:solidFill>
-                <a:schemeClr val="dk1"/>
-              </a:solidFill>
-              <a:latin typeface="Roboto"/>
-              <a:ea typeface="Roboto"/>
-              <a:cs typeface="Roboto"/>
-              <a:sym typeface="Roboto"/>
-            </a:endParaRPr>
-          </a:p>
-          <a:p>
-            <a:pPr marL="0" lvl="0" indent="0" algn="l" rtl="0">
-              <a:spcBef>
-                <a:spcPts val="0"/>
-              </a:spcBef>
-              <a:spcAft>
-                <a:spcPts val="0"/>
-              </a:spcAft>
-              <a:buNone/>
-            </a:pPr>
-            <a:r>
-              <a:rPr lang="ru" sz="1300" i="1">
+              <a:rPr lang="ru" sz="1300" i="1" dirty="0">
                 <a:solidFill>
                   <a:schemeClr val="dk1"/>
                 </a:solidFill>
@@ -17161,13 +17473,20 @@
     </p:spTree>
     <p:extLst>
       <p:ext uri="{BB962C8B-B14F-4D97-AF65-F5344CB8AC3E}">
-        <p14:creationId xmlns="" xmlns:p14="http://schemas.microsoft.com/office/powerpoint/2010/main" val="1849832399"/>
+        <p14:creationId xmlns:p14="http://schemas.microsoft.com/office/powerpoint/2010/main" xmlns="" val="1849832399"/>
       </p:ext>
     </p:extLst>
   </p:cSld>
   <p:clrMapOvr>
     <a:masterClrMapping/>
   </p:clrMapOvr>
+  <p:timing>
+    <p:tnLst>
+      <p:par>
+        <p:cTn id="1" dur="indefinite" restart="never" nodeType="tmRoot"/>
+      </p:par>
+    </p:tnLst>
+  </p:timing>
 </p:sld>
 </file>
 
@@ -17287,7 +17606,7 @@
           <a:blip r:embed="rId3">
             <a:extLst>
               <a:ext uri="{28A0092B-C50C-407E-A947-70E740481C1C}">
-                <a14:useLocalDpi xmlns="" xmlns:a14="http://schemas.microsoft.com/office/drawing/2010/main" val="0"/>
+                <a14:useLocalDpi xmlns:a14="http://schemas.microsoft.com/office/drawing/2010/main" xmlns="" val="0"/>
               </a:ext>
             </a:extLst>
           </a:blip>
@@ -17307,7 +17626,7 @@
           <a:noFill/>
           <a:extLst>
             <a:ext uri="{909E8E84-426E-40DD-AFC4-6F175D3DCCD1}">
-              <a14:hiddenFill xmlns="" xmlns:a14="http://schemas.microsoft.com/office/drawing/2010/main">
+              <a14:hiddenFill xmlns:a14="http://schemas.microsoft.com/office/drawing/2010/main" xmlns="">
                 <a:solidFill>
                   <a:srgbClr val="FFFFFF"/>
                 </a:solidFill>
@@ -17319,7 +17638,7 @@
     </p:spTree>
     <p:extLst>
       <p:ext uri="{BB962C8B-B14F-4D97-AF65-F5344CB8AC3E}">
-        <p14:creationId xmlns="" xmlns:p14="http://schemas.microsoft.com/office/powerpoint/2010/main" val="4207692567"/>
+        <p14:creationId xmlns:p14="http://schemas.microsoft.com/office/powerpoint/2010/main" xmlns="" val="4207692567"/>
       </p:ext>
     </p:extLst>
   </p:cSld>
@@ -17327,7 +17646,7 @@
     <a:masterClrMapping/>
   </p:clrMapOvr>
   <mc:AlternateContent xmlns:mc="http://schemas.openxmlformats.org/markup-compatibility/2006">
-    <mc:Choice xmlns="" xmlns:p14="http://schemas.microsoft.com/office/powerpoint/2010/main" Requires="p14">
+    <mc:Choice xmlns:p14="http://schemas.microsoft.com/office/powerpoint/2010/main" xmlns="" Requires="p14">
       <p:transition spd="slow" p14:dur="2000"/>
     </mc:Choice>
     <mc:Fallback>
@@ -17398,7 +17717,7 @@
     </p:spTree>
     <p:extLst>
       <p:ext uri="{BB962C8B-B14F-4D97-AF65-F5344CB8AC3E}">
-        <p14:creationId xmlns="" xmlns:p14="http://schemas.microsoft.com/office/powerpoint/2010/main" val="2230076095"/>
+        <p14:creationId xmlns:p14="http://schemas.microsoft.com/office/powerpoint/2010/main" xmlns="" val="2230076095"/>
       </p:ext>
     </p:extLst>
   </p:cSld>
@@ -17406,7 +17725,7 @@
     <a:masterClrMapping/>
   </p:clrMapOvr>
   <mc:AlternateContent xmlns:mc="http://schemas.openxmlformats.org/markup-compatibility/2006">
-    <mc:Choice xmlns="" xmlns:p14="http://schemas.microsoft.com/office/powerpoint/2010/main" Requires="p14">
+    <mc:Choice xmlns:p14="http://schemas.microsoft.com/office/powerpoint/2010/main" xmlns="" Requires="p14">
       <p:transition spd="slow" p14:dur="2000"/>
     </mc:Choice>
     <mc:Fallback>
@@ -17529,7 +17848,7 @@
           <a:blip r:embed="rId3">
             <a:extLst>
               <a:ext uri="{28A0092B-C50C-407E-A947-70E740481C1C}">
-                <a14:useLocalDpi xmlns="" xmlns:a14="http://schemas.microsoft.com/office/drawing/2010/main" val="0"/>
+                <a14:useLocalDpi xmlns:a14="http://schemas.microsoft.com/office/drawing/2010/main" xmlns="" val="0"/>
               </a:ext>
             </a:extLst>
           </a:blip>
@@ -17540,7 +17859,7 @@
         </p:blipFill>
         <p:spPr bwMode="auto">
           <a:xfrm>
-            <a:off x="3402357" y="2546222"/>
+            <a:off x="2845767" y="2572726"/>
             <a:ext cx="2924175" cy="1828800"/>
           </a:xfrm>
           <a:prstGeom prst="rect">
@@ -17549,7 +17868,7 @@
           <a:noFill/>
           <a:extLst>
             <a:ext uri="{909E8E84-426E-40DD-AFC4-6F175D3DCCD1}">
-              <a14:hiddenFill xmlns="" xmlns:a14="http://schemas.microsoft.com/office/drawing/2010/main">
+              <a14:hiddenFill xmlns:a14="http://schemas.microsoft.com/office/drawing/2010/main" xmlns="">
                 <a:solidFill>
                   <a:srgbClr val="FFFFFF"/>
                 </a:solidFill>
@@ -17561,7 +17880,7 @@
     </p:spTree>
     <p:extLst>
       <p:ext uri="{BB962C8B-B14F-4D97-AF65-F5344CB8AC3E}">
-        <p14:creationId xmlns="" xmlns:p14="http://schemas.microsoft.com/office/powerpoint/2010/main" val="3775352260"/>
+        <p14:creationId xmlns:p14="http://schemas.microsoft.com/office/powerpoint/2010/main" xmlns="" val="3775352260"/>
       </p:ext>
     </p:extLst>
   </p:cSld>
@@ -17569,7 +17888,7 @@
     <a:masterClrMapping/>
   </p:clrMapOvr>
   <mc:AlternateContent xmlns:mc="http://schemas.openxmlformats.org/markup-compatibility/2006">
-    <mc:Choice xmlns="" xmlns:p14="http://schemas.microsoft.com/office/powerpoint/2010/main" Requires="p14">
+    <mc:Choice xmlns:p14="http://schemas.microsoft.com/office/powerpoint/2010/main" xmlns="" Requires="p14">
       <p:transition spd="slow" p14:dur="2000"/>
     </mc:Choice>
     <mc:Fallback>
@@ -17644,7 +17963,7 @@
         <p:spPr>
           <a:xfrm>
             <a:off x="500550" y="1009925"/>
-            <a:ext cx="8190250" cy="1782509"/>
+            <a:ext cx="8190250" cy="611932"/>
           </a:xfrm>
           <a:prstGeom prst="rect">
             <a:avLst/>
@@ -17660,179 +17979,6 @@
           </a:bodyPr>
           <a:lstStyle/>
           <a:p>
-            <a:pPr>
-              <a:lnSpc>
-                <a:spcPct val="115000"/>
-              </a:lnSpc>
-              <a:spcBef>
-                <a:spcPts val="1400"/>
-              </a:spcBef>
-            </a:pPr>
-            <a:r>
-              <a:rPr lang="en-US" dirty="0" err="1" smtClean="0">
-                <a:hlinkClick r:id="rId3"/>
-              </a:rPr>
-              <a:t>GroupBy</a:t>
-            </a:r>
-            <a:r>
-              <a:rPr lang="ru-RU" dirty="0" smtClean="0"/>
-              <a:t> – группирует </a:t>
-            </a:r>
-            <a:r>
-              <a:rPr lang="ru-RU" dirty="0"/>
-              <a:t>элементы с общим атрибутом. Объект </a:t>
-            </a:r>
-            <a:r>
-              <a:rPr lang="ru-RU" dirty="0" smtClean="0"/>
-              <a:t>представляет каждую</a:t>
-            </a:r>
-            <a:r>
-              <a:rPr lang="ru-RU" dirty="0"/>
-              <a:t> </a:t>
-            </a:r>
-            <a:r>
-              <a:rPr lang="ru-RU" u="sng" dirty="0" err="1" smtClean="0">
-                <a:hlinkClick r:id="rId4"/>
-              </a:rPr>
-              <a:t>IGrouping</a:t>
-            </a:r>
-            <a:r>
-              <a:rPr lang="ru-RU" u="sng" dirty="0" smtClean="0">
-                <a:hlinkClick r:id="rId4"/>
-              </a:rPr>
-              <a:t>&lt;</a:t>
-            </a:r>
-            <a:r>
-              <a:rPr lang="ru-RU" u="sng" dirty="0" err="1" smtClean="0">
-                <a:hlinkClick r:id="rId4"/>
-              </a:rPr>
-              <a:t>TKey,TElement</a:t>
-            </a:r>
-            <a:r>
-              <a:rPr lang="ru-RU" u="sng" dirty="0">
-                <a:hlinkClick r:id="rId4"/>
-              </a:rPr>
-              <a:t>&gt;</a:t>
-            </a:r>
-            <a:r>
-              <a:rPr lang="ru-RU" dirty="0"/>
-              <a:t> группу</a:t>
-            </a:r>
-            <a:r>
-              <a:rPr lang="ru-RU" dirty="0" smtClean="0"/>
-              <a:t>. В декларативном синтаксисе</a:t>
-            </a:r>
-            <a:r>
-              <a:rPr lang="en-US" dirty="0" smtClean="0"/>
-              <a:t> </a:t>
-            </a:r>
-            <a:r>
-              <a:rPr lang="en-US" dirty="0">
-                <a:solidFill>
-                  <a:schemeClr val="accent1">
-                    <a:lumMod val="75000"/>
-                  </a:schemeClr>
-                </a:solidFill>
-              </a:rPr>
-              <a:t>group </a:t>
-            </a:r>
-            <a:r>
-              <a:rPr lang="en-US" dirty="0"/>
-              <a:t>…</a:t>
-            </a:r>
-            <a:r>
-              <a:rPr lang="en-US" dirty="0">
-                <a:solidFill>
-                  <a:schemeClr val="accent1">
-                    <a:lumMod val="75000"/>
-                  </a:schemeClr>
-                </a:solidFill>
-              </a:rPr>
-              <a:t> </a:t>
-            </a:r>
-            <a:r>
-              <a:rPr lang="en-US" dirty="0" smtClean="0">
-                <a:solidFill>
-                  <a:schemeClr val="accent1">
-                    <a:lumMod val="75000"/>
-                  </a:schemeClr>
-                </a:solidFill>
-              </a:rPr>
-              <a:t>by </a:t>
-            </a:r>
-            <a:r>
-              <a:rPr lang="ru-RU" dirty="0" smtClean="0">
-                <a:solidFill>
-                  <a:schemeClr val="tx1"/>
-                </a:solidFill>
-              </a:rPr>
-              <a:t>или</a:t>
-            </a:r>
-            <a:r>
-              <a:rPr lang="ru-RU" dirty="0" smtClean="0"/>
-              <a:t> </a:t>
-            </a:r>
-            <a:r>
-              <a:rPr lang="en-US" dirty="0" smtClean="0">
-                <a:solidFill>
-                  <a:schemeClr val="accent1">
-                    <a:lumMod val="75000"/>
-                  </a:schemeClr>
-                </a:solidFill>
-              </a:rPr>
-              <a:t>group </a:t>
-            </a:r>
-            <a:r>
-              <a:rPr lang="en-US" dirty="0"/>
-              <a:t>…</a:t>
-            </a:r>
-            <a:r>
-              <a:rPr lang="en-US" dirty="0">
-                <a:solidFill>
-                  <a:schemeClr val="accent1">
-                    <a:lumMod val="75000"/>
-                  </a:schemeClr>
-                </a:solidFill>
-              </a:rPr>
-              <a:t> </a:t>
-            </a:r>
-            <a:r>
-              <a:rPr lang="en-US" dirty="0" smtClean="0">
-                <a:solidFill>
-                  <a:schemeClr val="accent1">
-                    <a:lumMod val="75000"/>
-                  </a:schemeClr>
-                </a:solidFill>
-              </a:rPr>
-              <a:t>by </a:t>
-            </a:r>
-            <a:r>
-              <a:rPr lang="en-US" dirty="0"/>
-              <a:t>…</a:t>
-            </a:r>
-            <a:r>
-              <a:rPr lang="en-US" dirty="0">
-                <a:solidFill>
-                  <a:schemeClr val="accent1">
-                    <a:lumMod val="75000"/>
-                  </a:schemeClr>
-                </a:solidFill>
-              </a:rPr>
-              <a:t> </a:t>
-            </a:r>
-            <a:r>
-              <a:rPr lang="en-US" dirty="0" smtClean="0">
-                <a:solidFill>
-                  <a:schemeClr val="accent1">
-                    <a:lumMod val="75000"/>
-                  </a:schemeClr>
-                </a:solidFill>
-              </a:rPr>
-              <a:t>into</a:t>
-            </a:r>
-            <a:endParaRPr lang="ru-RU" dirty="0" smtClean="0"/>
-          </a:p>
-          <a:p>
             <a:pPr lvl="0">
               <a:lnSpc>
                 <a:spcPct val="115000"/>
@@ -17841,56 +17987,77 @@
                 <a:spcPts val="1400"/>
               </a:spcBef>
             </a:pPr>
-            <a:r>
-              <a:rPr lang="en-US" u="sng" dirty="0" err="1" smtClean="0">
-                <a:hlinkClick r:id="rId5"/>
-              </a:rPr>
-              <a:t>ToLookup</a:t>
-            </a:r>
-            <a:r>
-              <a:rPr lang="ru-RU" dirty="0" smtClean="0"/>
-              <a:t> – вставляет </a:t>
-            </a:r>
-            <a:r>
-              <a:rPr lang="ru-RU" dirty="0"/>
-              <a:t>элементы в </a:t>
-            </a:r>
-            <a:r>
-              <a:rPr lang="ru-RU" dirty="0" err="1">
-                <a:hlinkClick r:id="rId6"/>
-              </a:rPr>
-              <a:t>Lookup</a:t>
-            </a:r>
-            <a:r>
-              <a:rPr lang="ru-RU" dirty="0">
-                <a:hlinkClick r:id="rId6"/>
-              </a:rPr>
-              <a:t>&lt;</a:t>
-            </a:r>
-            <a:r>
-              <a:rPr lang="ru-RU" dirty="0" err="1">
-                <a:hlinkClick r:id="rId6"/>
-              </a:rPr>
-              <a:t>TKey,TElement</a:t>
-            </a:r>
-            <a:r>
-              <a:rPr lang="ru-RU" dirty="0">
-                <a:hlinkClick r:id="rId6"/>
-              </a:rPr>
-              <a:t>&gt;</a:t>
-            </a:r>
-            <a:r>
-              <a:rPr lang="ru-RU" dirty="0"/>
-              <a:t> (словарь "один ко многим") в зависимости от функции выбора ключа.</a:t>
-            </a:r>
             <a:endParaRPr lang="ru-RU" dirty="0" smtClean="0"/>
           </a:p>
         </p:txBody>
       </p:sp>
+      <p:sp>
+        <p:nvSpPr>
+          <p:cNvPr id="95240" name="AutoShape 8" descr="https://miro.medium.com/v2/resize:fit:845/1*ZeLUpu-k3yK7tZ-QzPp3eA.png"/>
+          <p:cNvSpPr>
+            <a:spLocks noChangeAspect="1" noChangeArrowheads="1"/>
+          </p:cNvSpPr>
+          <p:nvPr/>
+        </p:nvSpPr>
+        <p:spPr bwMode="auto">
+          <a:xfrm>
+            <a:off x="155575" y="-144463"/>
+            <a:ext cx="304800" cy="304801"/>
+          </a:xfrm>
+          <a:prstGeom prst="rect">
+            <a:avLst/>
+          </a:prstGeom>
+          <a:noFill/>
+        </p:spPr>
+        <p:txBody>
+          <a:bodyPr vert="horz" wrap="square" lIns="91440" tIns="45720" rIns="91440" bIns="45720" numCol="1" anchor="t" anchorCtr="0" compatLnSpc="1">
+            <a:prstTxWarp prst="textNoShape">
+              <a:avLst/>
+            </a:prstTxWarp>
+          </a:bodyPr>
+          <a:lstStyle/>
+          <a:p>
+            <a:endParaRPr lang="ru-RU"/>
+          </a:p>
+        </p:txBody>
+      </p:sp>
+      <p:pic>
+        <p:nvPicPr>
+          <p:cNvPr id="95245" name="Picture 13"/>
+          <p:cNvPicPr>
+            <a:picLocks noChangeAspect="1" noChangeArrowheads="1"/>
+          </p:cNvPicPr>
+          <p:nvPr/>
+        </p:nvPicPr>
+        <p:blipFill>
+          <a:blip r:embed="rId3"/>
+          <a:srcRect/>
+          <a:stretch>
+            <a:fillRect/>
+          </a:stretch>
+        </p:blipFill>
+        <p:spPr bwMode="auto">
+          <a:xfrm>
+            <a:off x="2034209" y="1185316"/>
+            <a:ext cx="5208105" cy="3467927"/>
+          </a:xfrm>
+          <a:prstGeom prst="rect">
+            <a:avLst/>
+          </a:prstGeom>
+          <a:noFill/>
+          <a:ln w="9525">
+            <a:noFill/>
+            <a:miter lim="800000"/>
+            <a:headEnd/>
+            <a:tailEnd/>
+          </a:ln>
+          <a:effectLst/>
+        </p:spPr>
+      </p:pic>
     </p:spTree>
     <p:extLst>
       <p:ext uri="{BB962C8B-B14F-4D97-AF65-F5344CB8AC3E}">
-        <p14:creationId xmlns="" xmlns:p14="http://schemas.microsoft.com/office/powerpoint/2010/main" val="1674554651"/>
+        <p14:creationId xmlns:p14="http://schemas.microsoft.com/office/powerpoint/2010/main" xmlns="" val="3775352260"/>
       </p:ext>
     </p:extLst>
   </p:cSld>
@@ -17898,7 +18065,7 @@
     <a:masterClrMapping/>
   </p:clrMapOvr>
   <mc:AlternateContent xmlns:mc="http://schemas.openxmlformats.org/markup-compatibility/2006">
-    <mc:Choice xmlns="" xmlns:p14="http://schemas.microsoft.com/office/powerpoint/2010/main" Requires="p14">
+    <mc:Choice xmlns:p14="http://schemas.microsoft.com/office/powerpoint/2010/main" xmlns="" Requires="p14">
       <p:transition spd="slow" p14:dur="2000"/>
     </mc:Choice>
     <mc:Fallback>
@@ -17916,6 +18083,335 @@
 </file>
 
 <file path=ppt/slides/slide34.xml><?xml version="1.0" encoding="utf-8"?>
+<p:sld xmlns:a="http://schemas.openxmlformats.org/drawingml/2006/main" xmlns:r="http://schemas.openxmlformats.org/officeDocument/2006/relationships" xmlns:p="http://schemas.openxmlformats.org/presentationml/2006/main">
+  <p:cSld>
+    <p:spTree>
+      <p:nvGrpSpPr>
+        <p:cNvPr id="1" name="Shape 436"/>
+        <p:cNvGrpSpPr/>
+        <p:nvPr/>
+      </p:nvGrpSpPr>
+      <p:grpSpPr>
+        <a:xfrm>
+          <a:off x="0" y="0"/>
+          <a:ext cx="0" cy="0"/>
+          <a:chOff x="0" y="0"/>
+          <a:chExt cx="0" cy="0"/>
+        </a:xfrm>
+      </p:grpSpPr>
+      <p:sp>
+        <p:nvSpPr>
+          <p:cNvPr id="437" name="Google Shape;437;p74"/>
+          <p:cNvSpPr txBox="1">
+            <a:spLocks noGrp="1"/>
+          </p:cNvSpPr>
+          <p:nvPr>
+            <p:ph type="title"/>
+          </p:nvPr>
+        </p:nvSpPr>
+        <p:spPr>
+          <a:xfrm>
+            <a:off x="500550" y="330725"/>
+            <a:ext cx="8190300" cy="679200"/>
+          </a:xfrm>
+          <a:prstGeom prst="rect">
+            <a:avLst/>
+          </a:prstGeom>
+        </p:spPr>
+        <p:txBody>
+          <a:bodyPr spcFirstLastPara="1" wrap="square" lIns="91425" tIns="91425" rIns="91425" bIns="91425" anchor="t" anchorCtr="0">
+            <a:noAutofit/>
+          </a:bodyPr>
+          <a:lstStyle/>
+          <a:p>
+            <a:r>
+              <a:rPr lang="ru-RU" dirty="0"/>
+              <a:t>Группирование данных</a:t>
+            </a:r>
+          </a:p>
+        </p:txBody>
+      </p:sp>
+      <p:sp>
+        <p:nvSpPr>
+          <p:cNvPr id="438" name="Google Shape;438;p74"/>
+          <p:cNvSpPr txBox="1"/>
+          <p:nvPr/>
+        </p:nvSpPr>
+        <p:spPr>
+          <a:xfrm>
+            <a:off x="500550" y="1009925"/>
+            <a:ext cx="8190250" cy="1782509"/>
+          </a:xfrm>
+          <a:prstGeom prst="rect">
+            <a:avLst/>
+          </a:prstGeom>
+          <a:noFill/>
+          <a:ln>
+            <a:noFill/>
+          </a:ln>
+        </p:spPr>
+        <p:txBody>
+          <a:bodyPr spcFirstLastPara="1" wrap="square" lIns="91425" tIns="91425" rIns="91425" bIns="91425" anchor="t" anchorCtr="0">
+            <a:spAutoFit/>
+          </a:bodyPr>
+          <a:lstStyle/>
+          <a:p>
+            <a:pPr>
+              <a:lnSpc>
+                <a:spcPct val="115000"/>
+              </a:lnSpc>
+              <a:spcBef>
+                <a:spcPts val="1400"/>
+              </a:spcBef>
+            </a:pPr>
+            <a:r>
+              <a:rPr lang="en-US" dirty="0" err="1" smtClean="0">
+                <a:hlinkClick r:id="rId3"/>
+              </a:rPr>
+              <a:t>GroupBy</a:t>
+            </a:r>
+            <a:r>
+              <a:rPr lang="ru-RU" dirty="0" smtClean="0"/>
+              <a:t> – группирует </a:t>
+            </a:r>
+            <a:r>
+              <a:rPr lang="ru-RU" dirty="0"/>
+              <a:t>элементы с общим атрибутом. Объект </a:t>
+            </a:r>
+            <a:r>
+              <a:rPr lang="ru-RU" dirty="0" smtClean="0"/>
+              <a:t>представляет каждую</a:t>
+            </a:r>
+            <a:r>
+              <a:rPr lang="ru-RU" dirty="0"/>
+              <a:t> </a:t>
+            </a:r>
+            <a:r>
+              <a:rPr lang="ru-RU" u="sng" dirty="0" err="1" smtClean="0">
+                <a:hlinkClick r:id="rId4"/>
+              </a:rPr>
+              <a:t>IGrouping</a:t>
+            </a:r>
+            <a:r>
+              <a:rPr lang="ru-RU" u="sng" dirty="0" smtClean="0">
+                <a:hlinkClick r:id="rId4"/>
+              </a:rPr>
+              <a:t>&lt;</a:t>
+            </a:r>
+            <a:r>
+              <a:rPr lang="ru-RU" u="sng" dirty="0" err="1" smtClean="0">
+                <a:hlinkClick r:id="rId4"/>
+              </a:rPr>
+              <a:t>TKey,TElement</a:t>
+            </a:r>
+            <a:r>
+              <a:rPr lang="ru-RU" u="sng" dirty="0">
+                <a:hlinkClick r:id="rId4"/>
+              </a:rPr>
+              <a:t>&gt;</a:t>
+            </a:r>
+            <a:r>
+              <a:rPr lang="ru-RU" dirty="0"/>
+              <a:t> группу</a:t>
+            </a:r>
+            <a:r>
+              <a:rPr lang="ru-RU" dirty="0" smtClean="0"/>
+              <a:t>. В декларативном синтаксисе</a:t>
+            </a:r>
+            <a:r>
+              <a:rPr lang="en-US" dirty="0" smtClean="0"/>
+              <a:t> </a:t>
+            </a:r>
+            <a:r>
+              <a:rPr lang="en-US" dirty="0">
+                <a:solidFill>
+                  <a:schemeClr val="accent1">
+                    <a:lumMod val="75000"/>
+                  </a:schemeClr>
+                </a:solidFill>
+              </a:rPr>
+              <a:t>group </a:t>
+            </a:r>
+            <a:r>
+              <a:rPr lang="en-US" dirty="0"/>
+              <a:t>…</a:t>
+            </a:r>
+            <a:r>
+              <a:rPr lang="en-US" dirty="0">
+                <a:solidFill>
+                  <a:schemeClr val="accent1">
+                    <a:lumMod val="75000"/>
+                  </a:schemeClr>
+                </a:solidFill>
+              </a:rPr>
+              <a:t> </a:t>
+            </a:r>
+            <a:r>
+              <a:rPr lang="en-US" dirty="0" smtClean="0">
+                <a:solidFill>
+                  <a:schemeClr val="accent1">
+                    <a:lumMod val="75000"/>
+                  </a:schemeClr>
+                </a:solidFill>
+              </a:rPr>
+              <a:t>by </a:t>
+            </a:r>
+            <a:r>
+              <a:rPr lang="ru-RU" dirty="0" smtClean="0">
+                <a:solidFill>
+                  <a:schemeClr val="tx1"/>
+                </a:solidFill>
+              </a:rPr>
+              <a:t>или</a:t>
+            </a:r>
+            <a:r>
+              <a:rPr lang="ru-RU" dirty="0" smtClean="0"/>
+              <a:t> </a:t>
+            </a:r>
+            <a:r>
+              <a:rPr lang="en-US" dirty="0" smtClean="0">
+                <a:solidFill>
+                  <a:schemeClr val="accent1">
+                    <a:lumMod val="75000"/>
+                  </a:schemeClr>
+                </a:solidFill>
+              </a:rPr>
+              <a:t>group </a:t>
+            </a:r>
+            <a:r>
+              <a:rPr lang="en-US" dirty="0"/>
+              <a:t>…</a:t>
+            </a:r>
+            <a:r>
+              <a:rPr lang="en-US" dirty="0">
+                <a:solidFill>
+                  <a:schemeClr val="accent1">
+                    <a:lumMod val="75000"/>
+                  </a:schemeClr>
+                </a:solidFill>
+              </a:rPr>
+              <a:t> </a:t>
+            </a:r>
+            <a:r>
+              <a:rPr lang="en-US" dirty="0" smtClean="0">
+                <a:solidFill>
+                  <a:schemeClr val="accent1">
+                    <a:lumMod val="75000"/>
+                  </a:schemeClr>
+                </a:solidFill>
+              </a:rPr>
+              <a:t>by </a:t>
+            </a:r>
+            <a:r>
+              <a:rPr lang="en-US" dirty="0"/>
+              <a:t>…</a:t>
+            </a:r>
+            <a:r>
+              <a:rPr lang="en-US" dirty="0">
+                <a:solidFill>
+                  <a:schemeClr val="accent1">
+                    <a:lumMod val="75000"/>
+                  </a:schemeClr>
+                </a:solidFill>
+              </a:rPr>
+              <a:t> </a:t>
+            </a:r>
+            <a:r>
+              <a:rPr lang="en-US" dirty="0" smtClean="0">
+                <a:solidFill>
+                  <a:schemeClr val="accent1">
+                    <a:lumMod val="75000"/>
+                  </a:schemeClr>
+                </a:solidFill>
+              </a:rPr>
+              <a:t>into</a:t>
+            </a:r>
+            <a:endParaRPr lang="ru-RU" dirty="0" smtClean="0"/>
+          </a:p>
+          <a:p>
+            <a:pPr lvl="0">
+              <a:lnSpc>
+                <a:spcPct val="115000"/>
+              </a:lnSpc>
+              <a:spcBef>
+                <a:spcPts val="1400"/>
+              </a:spcBef>
+            </a:pPr>
+            <a:r>
+              <a:rPr lang="en-US" u="sng" dirty="0" err="1" smtClean="0">
+                <a:hlinkClick r:id="rId5"/>
+              </a:rPr>
+              <a:t>ToLookup</a:t>
+            </a:r>
+            <a:r>
+              <a:rPr lang="ru-RU" dirty="0" smtClean="0"/>
+              <a:t> – вставляет </a:t>
+            </a:r>
+            <a:r>
+              <a:rPr lang="ru-RU" dirty="0"/>
+              <a:t>элементы в </a:t>
+            </a:r>
+            <a:r>
+              <a:rPr lang="ru-RU" dirty="0" err="1">
+                <a:hlinkClick r:id="rId6"/>
+              </a:rPr>
+              <a:t>Lookup</a:t>
+            </a:r>
+            <a:r>
+              <a:rPr lang="ru-RU" dirty="0">
+                <a:hlinkClick r:id="rId6"/>
+              </a:rPr>
+              <a:t>&lt;</a:t>
+            </a:r>
+            <a:r>
+              <a:rPr lang="ru-RU" dirty="0" err="1">
+                <a:hlinkClick r:id="rId6"/>
+              </a:rPr>
+              <a:t>TKey,TElement</a:t>
+            </a:r>
+            <a:r>
+              <a:rPr lang="ru-RU" dirty="0">
+                <a:hlinkClick r:id="rId6"/>
+              </a:rPr>
+              <a:t>&gt;</a:t>
+            </a:r>
+            <a:r>
+              <a:rPr lang="ru-RU" dirty="0"/>
+              <a:t> (словарь "один ко многим") в зависимости от функции выбора ключа.</a:t>
+            </a:r>
+            <a:endParaRPr lang="ru-RU" dirty="0" smtClean="0"/>
+          </a:p>
+        </p:txBody>
+      </p:sp>
+    </p:spTree>
+    <p:extLst>
+      <p:ext uri="{BB962C8B-B14F-4D97-AF65-F5344CB8AC3E}">
+        <p14:creationId xmlns:p14="http://schemas.microsoft.com/office/powerpoint/2010/main" xmlns="" val="1674554651"/>
+      </p:ext>
+    </p:extLst>
+  </p:cSld>
+  <p:clrMapOvr>
+    <a:masterClrMapping/>
+  </p:clrMapOvr>
+  <mc:AlternateContent xmlns:mc="http://schemas.openxmlformats.org/markup-compatibility/2006">
+    <mc:Choice xmlns:p14="http://schemas.microsoft.com/office/powerpoint/2010/main" xmlns="" Requires="p14">
+      <p:transition spd="slow" p14:dur="2000"/>
+    </mc:Choice>
+    <mc:Fallback>
+      <p:transition spd="slow"/>
+    </mc:Fallback>
+  </mc:AlternateContent>
+  <p:timing>
+    <p:tnLst>
+      <p:par>
+        <p:cTn id="1" dur="indefinite" restart="never" nodeType="tmRoot"/>
+      </p:par>
+    </p:tnLst>
+  </p:timing>
+</p:sld>
+</file>
+
+<file path=ppt/slides/slide35.xml><?xml version="1.0" encoding="utf-8"?>
 <p:sld xmlns:a="http://schemas.openxmlformats.org/drawingml/2006/main" xmlns:r="http://schemas.openxmlformats.org/officeDocument/2006/relationships" xmlns:p="http://schemas.openxmlformats.org/presentationml/2006/main">
   <p:cSld>
     <p:spTree>
@@ -17945,7 +18441,7 @@
         <p:spPr>
           <a:xfrm>
             <a:off x="956225" y="396400"/>
-            <a:ext cx="6931800" cy="4090800"/>
+            <a:ext cx="7492036" cy="4090800"/>
           </a:xfrm>
           <a:prstGeom prst="rect">
             <a:avLst/>
@@ -17975,8 +18471,8 @@
               <a:buNone/>
             </a:pPr>
             <a:r>
-              <a:rPr lang="ru" sz="6000"/>
-              <a:t>Практика</a:t>
+              <a:rPr lang="ru-RU" sz="6000" dirty="0" smtClean="0"/>
+              <a:t>Описание всех методов</a:t>
             </a:r>
             <a:endParaRPr/>
           </a:p>
@@ -17987,10 +18483,18 @@
   <p:clrMapOvr>
     <a:masterClrMapping/>
   </p:clrMapOvr>
+  <p:transition/>
+  <p:timing>
+    <p:tnLst>
+      <p:par>
+        <p:cTn id="1" dur="indefinite" restart="never" nodeType="tmRoot"/>
+      </p:par>
+    </p:tnLst>
+  </p:timing>
 </p:sld>
 </file>
 
-<file path=ppt/slides/slide35.xml><?xml version="1.0" encoding="utf-8"?>
+<file path=ppt/slides/slide36.xml><?xml version="1.0" encoding="utf-8"?>
 <p:sld xmlns:a="http://schemas.openxmlformats.org/drawingml/2006/main" xmlns:r="http://schemas.openxmlformats.org/officeDocument/2006/relationships" xmlns:p="http://schemas.openxmlformats.org/presentationml/2006/main">
   <p:cSld>
     <p:spTree>
@@ -18042,8 +18546,8 @@
               <a:buNone/>
             </a:pPr>
             <a:r>
-              <a:rPr lang="ru" sz="2800" dirty="0"/>
-              <a:t>Решение задач</a:t>
+              <a:rPr lang="ru-RU" sz="2800" dirty="0" smtClean="0"/>
+              <a:t>Документация</a:t>
             </a:r>
             <a:endParaRPr sz="2800" dirty="0"/>
           </a:p>
@@ -18058,6 +18562,216 @@
         <p:spPr>
           <a:xfrm>
             <a:off x="583096" y="1009926"/>
+            <a:ext cx="8107754" cy="307777"/>
+          </a:xfrm>
+          <a:prstGeom prst="rect">
+            <a:avLst/>
+          </a:prstGeom>
+        </p:spPr>
+        <p:txBody>
+          <a:bodyPr wrap="square">
+            <a:spAutoFit/>
+          </a:bodyPr>
+          <a:lstStyle/>
+          <a:p>
+            <a:pPr marL="463550" indent="-342900"/>
+            <a:r>
+              <a:rPr lang="ru-RU" dirty="0" smtClean="0"/>
+              <a:t>Подробное  описание всех операторов </a:t>
+            </a:r>
+            <a:r>
+              <a:rPr lang="en-US" dirty="0" err="1" smtClean="0"/>
+              <a:t>linq</a:t>
+            </a:r>
+            <a:r>
+              <a:rPr lang="en-US" dirty="0" smtClean="0"/>
+              <a:t> </a:t>
+            </a:r>
+            <a:r>
+              <a:rPr lang="ru-RU" dirty="0" smtClean="0"/>
+              <a:t>Вы сможете найти:</a:t>
+            </a:r>
+            <a:r>
+              <a:rPr lang="ru-RU" dirty="0" smtClean="0"/>
+              <a:t> </a:t>
+            </a:r>
+            <a:r>
+              <a:rPr lang="ru-RU" dirty="0" smtClean="0">
+                <a:hlinkClick r:id="rId3"/>
+              </a:rPr>
+              <a:t>тут</a:t>
+            </a:r>
+            <a:endParaRPr lang="ru-RU" dirty="0" smtClean="0"/>
+          </a:p>
+        </p:txBody>
+      </p:sp>
+    </p:spTree>
+  </p:cSld>
+  <p:clrMapOvr>
+    <a:masterClrMapping/>
+  </p:clrMapOvr>
+  <p:transition/>
+  <p:timing>
+    <p:tnLst>
+      <p:par>
+        <p:cTn id="1" dur="indefinite" restart="never" nodeType="tmRoot"/>
+      </p:par>
+    </p:tnLst>
+  </p:timing>
+</p:sld>
+</file>
+
+<file path=ppt/slides/slide37.xml><?xml version="1.0" encoding="utf-8"?>
+<p:sld xmlns:a="http://schemas.openxmlformats.org/drawingml/2006/main" xmlns:r="http://schemas.openxmlformats.org/officeDocument/2006/relationships" xmlns:p="http://schemas.openxmlformats.org/presentationml/2006/main">
+  <p:cSld>
+    <p:spTree>
+      <p:nvGrpSpPr>
+        <p:cNvPr id="1" name="Shape 453"/>
+        <p:cNvGrpSpPr/>
+        <p:nvPr/>
+      </p:nvGrpSpPr>
+      <p:grpSpPr>
+        <a:xfrm>
+          <a:off x="0" y="0"/>
+          <a:ext cx="0" cy="0"/>
+          <a:chOff x="0" y="0"/>
+          <a:chExt cx="0" cy="0"/>
+        </a:xfrm>
+      </p:grpSpPr>
+      <p:sp>
+        <p:nvSpPr>
+          <p:cNvPr id="454" name="Google Shape;454;p77"/>
+          <p:cNvSpPr txBox="1">
+            <a:spLocks noGrp="1"/>
+          </p:cNvSpPr>
+          <p:nvPr>
+            <p:ph type="title"/>
+          </p:nvPr>
+        </p:nvSpPr>
+        <p:spPr>
+          <a:xfrm>
+            <a:off x="956225" y="396400"/>
+            <a:ext cx="7492036" cy="4090800"/>
+          </a:xfrm>
+          <a:prstGeom prst="rect">
+            <a:avLst/>
+          </a:prstGeom>
+        </p:spPr>
+        <p:txBody>
+          <a:bodyPr spcFirstLastPara="1" wrap="square" lIns="91425" tIns="91425" rIns="91425" bIns="91425" anchor="ctr" anchorCtr="0">
+            <a:noAutofit/>
+          </a:bodyPr>
+          <a:lstStyle/>
+          <a:p>
+            <a:pPr marL="0" lvl="0" indent="0" algn="ctr" rtl="0">
+              <a:lnSpc>
+                <a:spcPct val="90000"/>
+              </a:lnSpc>
+              <a:spcBef>
+                <a:spcPts val="0"/>
+              </a:spcBef>
+              <a:spcAft>
+                <a:spcPts val="0"/>
+              </a:spcAft>
+              <a:buClr>
+                <a:schemeClr val="dk1"/>
+              </a:buClr>
+              <a:buSzPts val="3000"/>
+              <a:buFont typeface="Avenir"/>
+              <a:buNone/>
+            </a:pPr>
+            <a:r>
+              <a:rPr lang="ru-RU" sz="6000" dirty="0" smtClean="0"/>
+              <a:t>Ответы на вопросы</a:t>
+            </a:r>
+            <a:endParaRPr/>
+          </a:p>
+        </p:txBody>
+      </p:sp>
+    </p:spTree>
+  </p:cSld>
+  <p:clrMapOvr>
+    <a:masterClrMapping/>
+  </p:clrMapOvr>
+  <p:transition/>
+  <p:timing>
+    <p:tnLst>
+      <p:par>
+        <p:cTn id="1" dur="indefinite" restart="never" nodeType="tmRoot"/>
+      </p:par>
+    </p:tnLst>
+  </p:timing>
+</p:sld>
+</file>
+
+<file path=ppt/slides/slide38.xml><?xml version="1.0" encoding="utf-8"?>
+<p:sld xmlns:a="http://schemas.openxmlformats.org/drawingml/2006/main" xmlns:r="http://schemas.openxmlformats.org/officeDocument/2006/relationships" xmlns:p="http://schemas.openxmlformats.org/presentationml/2006/main" show="0">
+  <p:cSld>
+    <p:spTree>
+      <p:nvGrpSpPr>
+        <p:cNvPr id="1" name="Shape 458"/>
+        <p:cNvGrpSpPr/>
+        <p:nvPr/>
+      </p:nvGrpSpPr>
+      <p:grpSpPr>
+        <a:xfrm>
+          <a:off x="0" y="0"/>
+          <a:ext cx="0" cy="0"/>
+          <a:chOff x="0" y="0"/>
+          <a:chExt cx="0" cy="0"/>
+        </a:xfrm>
+      </p:grpSpPr>
+      <p:sp>
+        <p:nvSpPr>
+          <p:cNvPr id="459" name="Google Shape;459;p78"/>
+          <p:cNvSpPr txBox="1">
+            <a:spLocks noGrp="1"/>
+          </p:cNvSpPr>
+          <p:nvPr>
+            <p:ph type="title"/>
+          </p:nvPr>
+        </p:nvSpPr>
+        <p:spPr>
+          <a:xfrm>
+            <a:off x="500550" y="330725"/>
+            <a:ext cx="8190300" cy="679200"/>
+          </a:xfrm>
+          <a:prstGeom prst="rect">
+            <a:avLst/>
+          </a:prstGeom>
+        </p:spPr>
+        <p:txBody>
+          <a:bodyPr spcFirstLastPara="1" wrap="square" lIns="91425" tIns="91425" rIns="91425" bIns="91425" anchor="t" anchorCtr="0">
+            <a:noAutofit/>
+          </a:bodyPr>
+          <a:lstStyle/>
+          <a:p>
+            <a:pPr marL="0" lvl="0" indent="0" algn="l" rtl="0">
+              <a:spcBef>
+                <a:spcPts val="0"/>
+              </a:spcBef>
+              <a:spcAft>
+                <a:spcPts val="0"/>
+              </a:spcAft>
+              <a:buNone/>
+            </a:pPr>
+            <a:r>
+              <a:rPr lang="ru" sz="2800" dirty="0"/>
+              <a:t>Решение задач</a:t>
+            </a:r>
+            <a:endParaRPr sz="2800" dirty="0"/>
+          </a:p>
+        </p:txBody>
+      </p:sp>
+      <p:sp>
+        <p:nvSpPr>
+          <p:cNvPr id="2" name="Прямоугольник 1"/>
+          <p:cNvSpPr/>
+          <p:nvPr/>
+        </p:nvSpPr>
+        <p:spPr>
+          <a:xfrm>
+            <a:off x="583096" y="1009926"/>
             <a:ext cx="8107754" cy="3262432"/>
           </a:xfrm>
           <a:prstGeom prst="rect">
@@ -18511,10 +19225,18 @@
   <p:clrMapOvr>
     <a:masterClrMapping/>
   </p:clrMapOvr>
+  <p:transition/>
+  <p:timing>
+    <p:tnLst>
+      <p:par>
+        <p:cTn id="1" dur="indefinite" restart="never" nodeType="tmRoot"/>
+      </p:par>
+    </p:tnLst>
+  </p:timing>
 </p:sld>
 </file>
 
-<file path=ppt/slides/slide36.xml><?xml version="1.0" encoding="utf-8"?>
+<file path=ppt/slides/slide39.xml><?xml version="1.0" encoding="utf-8"?>
 <p:sld xmlns:a="http://schemas.openxmlformats.org/drawingml/2006/main" xmlns:r="http://schemas.openxmlformats.org/officeDocument/2006/relationships" xmlns:p="http://schemas.openxmlformats.org/presentationml/2006/main">
   <p:cSld>
     <p:spTree>
@@ -18584,7 +19306,397 @@
 </p:sld>
 </file>
 
-<file path=ppt/slides/slide37.xml><?xml version="1.0" encoding="utf-8"?>
+<file path=ppt/slides/slide4.xml><?xml version="1.0" encoding="utf-8"?>
+<p:sld xmlns:a="http://schemas.openxmlformats.org/drawingml/2006/main" xmlns:r="http://schemas.openxmlformats.org/officeDocument/2006/relationships" xmlns:p="http://schemas.openxmlformats.org/presentationml/2006/main">
+  <p:cSld>
+    <p:spTree>
+      <p:nvGrpSpPr>
+        <p:cNvPr id="1" name="Shape 162"/>
+        <p:cNvGrpSpPr/>
+        <p:nvPr/>
+      </p:nvGrpSpPr>
+      <p:grpSpPr>
+        <a:xfrm>
+          <a:off x="0" y="0"/>
+          <a:ext cx="0" cy="0"/>
+          <a:chOff x="0" y="0"/>
+          <a:chExt cx="0" cy="0"/>
+        </a:xfrm>
+      </p:grpSpPr>
+      <p:sp>
+        <p:nvSpPr>
+          <p:cNvPr id="163" name="Google Shape;163;p35"/>
+          <p:cNvSpPr txBox="1">
+            <a:spLocks noGrp="1"/>
+          </p:cNvSpPr>
+          <p:nvPr>
+            <p:ph type="title"/>
+          </p:nvPr>
+        </p:nvSpPr>
+        <p:spPr>
+          <a:xfrm>
+            <a:off x="500550" y="330736"/>
+            <a:ext cx="8520600" cy="979800"/>
+          </a:xfrm>
+          <a:prstGeom prst="rect">
+            <a:avLst/>
+          </a:prstGeom>
+        </p:spPr>
+        <p:txBody>
+          <a:bodyPr spcFirstLastPara="1" wrap="square" lIns="91425" tIns="91425" rIns="91425" bIns="91425" anchor="t" anchorCtr="0">
+            <a:noAutofit/>
+          </a:bodyPr>
+          <a:lstStyle/>
+          <a:p>
+            <a:pPr marL="0" lvl="0" indent="0" algn="l" rtl="0">
+              <a:spcBef>
+                <a:spcPts val="0"/>
+              </a:spcBef>
+              <a:spcAft>
+                <a:spcPts val="0"/>
+              </a:spcAft>
+              <a:buNone/>
+            </a:pPr>
+            <a:r>
+              <a:rPr lang="ru" b="1"/>
+              <a:t>Правила вебинара</a:t>
+            </a:r>
+            <a:endParaRPr b="1"/>
+          </a:p>
+        </p:txBody>
+      </p:sp>
+      <p:pic>
+        <p:nvPicPr>
+          <p:cNvPr id="164" name="Google Shape;164;p35"/>
+          <p:cNvPicPr preferRelativeResize="0"/>
+          <p:nvPr/>
+        </p:nvPicPr>
+        <p:blipFill rotWithShape="1">
+          <a:blip r:embed="rId3">
+            <a:alphaModFix/>
+          </a:blip>
+          <a:srcRect/>
+          <a:stretch/>
+        </p:blipFill>
+        <p:spPr>
+          <a:xfrm>
+            <a:off x="837650" y="3494081"/>
+            <a:ext cx="692621" cy="692620"/>
+          </a:xfrm>
+          <a:prstGeom prst="rect">
+            <a:avLst/>
+          </a:prstGeom>
+          <a:noFill/>
+          <a:ln>
+            <a:noFill/>
+          </a:ln>
+        </p:spPr>
+      </p:pic>
+      <p:pic>
+        <p:nvPicPr>
+          <p:cNvPr id="165" name="Google Shape;165;p35"/>
+          <p:cNvPicPr preferRelativeResize="0"/>
+          <p:nvPr/>
+        </p:nvPicPr>
+        <p:blipFill rotWithShape="1">
+          <a:blip r:embed="rId4">
+            <a:alphaModFix/>
+          </a:blip>
+          <a:srcRect/>
+          <a:stretch/>
+        </p:blipFill>
+        <p:spPr>
+          <a:xfrm>
+            <a:off x="837650" y="1510213"/>
+            <a:ext cx="692621" cy="692620"/>
+          </a:xfrm>
+          <a:prstGeom prst="rect">
+            <a:avLst/>
+          </a:prstGeom>
+          <a:noFill/>
+          <a:ln>
+            <a:noFill/>
+          </a:ln>
+        </p:spPr>
+      </p:pic>
+      <p:sp>
+        <p:nvSpPr>
+          <p:cNvPr id="166" name="Google Shape;166;p35"/>
+          <p:cNvSpPr txBox="1"/>
+          <p:nvPr/>
+        </p:nvSpPr>
+        <p:spPr>
+          <a:xfrm>
+            <a:off x="1654525" y="1480850"/>
+            <a:ext cx="2475300" cy="646500"/>
+          </a:xfrm>
+          <a:prstGeom prst="rect">
+            <a:avLst/>
+          </a:prstGeom>
+          <a:noFill/>
+          <a:ln>
+            <a:noFill/>
+          </a:ln>
+        </p:spPr>
+        <p:txBody>
+          <a:bodyPr spcFirstLastPara="1" wrap="square" lIns="91425" tIns="91425" rIns="91425" bIns="91425" anchor="t" anchorCtr="0">
+            <a:spAutoFit/>
+          </a:bodyPr>
+          <a:lstStyle/>
+          <a:p>
+            <a:pPr marL="0" lvl="0" indent="0" algn="l" rtl="0">
+              <a:spcBef>
+                <a:spcPts val="0"/>
+              </a:spcBef>
+              <a:spcAft>
+                <a:spcPts val="0"/>
+              </a:spcAft>
+              <a:buNone/>
+            </a:pPr>
+            <a:r>
+              <a:rPr lang="ru" sz="1500">
+                <a:latin typeface="Roboto"/>
+                <a:ea typeface="Roboto"/>
+                <a:cs typeface="Roboto"/>
+                <a:sym typeface="Roboto"/>
+              </a:rPr>
+              <a:t>Активно</a:t>
+            </a:r>
+            <a:endParaRPr sz="1500">
+              <a:latin typeface="Roboto"/>
+              <a:ea typeface="Roboto"/>
+              <a:cs typeface="Roboto"/>
+              <a:sym typeface="Roboto"/>
+            </a:endParaRPr>
+          </a:p>
+          <a:p>
+            <a:pPr marL="0" lvl="0" indent="0" algn="l" rtl="0">
+              <a:spcBef>
+                <a:spcPts val="0"/>
+              </a:spcBef>
+              <a:spcAft>
+                <a:spcPts val="0"/>
+              </a:spcAft>
+              <a:buNone/>
+            </a:pPr>
+            <a:r>
+              <a:rPr lang="ru" sz="1500">
+                <a:latin typeface="Roboto"/>
+                <a:ea typeface="Roboto"/>
+                <a:cs typeface="Roboto"/>
+                <a:sym typeface="Roboto"/>
+              </a:rPr>
+              <a:t>участвуем</a:t>
+            </a:r>
+            <a:endParaRPr sz="1500">
+              <a:latin typeface="Roboto"/>
+              <a:ea typeface="Roboto"/>
+              <a:cs typeface="Roboto"/>
+              <a:sym typeface="Roboto"/>
+            </a:endParaRPr>
+          </a:p>
+        </p:txBody>
+      </p:sp>
+      <p:sp>
+        <p:nvSpPr>
+          <p:cNvPr id="167" name="Google Shape;167;p35"/>
+          <p:cNvSpPr txBox="1"/>
+          <p:nvPr/>
+        </p:nvSpPr>
+        <p:spPr>
+          <a:xfrm>
+            <a:off x="1654525" y="3517859"/>
+            <a:ext cx="3231000" cy="646500"/>
+          </a:xfrm>
+          <a:prstGeom prst="rect">
+            <a:avLst/>
+          </a:prstGeom>
+          <a:noFill/>
+          <a:ln>
+            <a:noFill/>
+          </a:ln>
+        </p:spPr>
+        <p:txBody>
+          <a:bodyPr spcFirstLastPara="1" wrap="square" lIns="91425" tIns="91425" rIns="91425" bIns="91425" anchor="t" anchorCtr="0">
+            <a:spAutoFit/>
+          </a:bodyPr>
+          <a:lstStyle/>
+          <a:p>
+            <a:pPr marL="0" lvl="0" indent="0" algn="l" rtl="0">
+              <a:spcBef>
+                <a:spcPts val="0"/>
+              </a:spcBef>
+              <a:spcAft>
+                <a:spcPts val="0"/>
+              </a:spcAft>
+              <a:buNone/>
+            </a:pPr>
+            <a:r>
+              <a:rPr lang="ru" sz="1500">
+                <a:latin typeface="Roboto"/>
+                <a:ea typeface="Roboto"/>
+                <a:cs typeface="Roboto"/>
+                <a:sym typeface="Roboto"/>
+              </a:rPr>
+              <a:t>Вопросы вижу в чате,</a:t>
+            </a:r>
+            <a:endParaRPr sz="1500">
+              <a:latin typeface="Roboto"/>
+              <a:ea typeface="Roboto"/>
+              <a:cs typeface="Roboto"/>
+              <a:sym typeface="Roboto"/>
+            </a:endParaRPr>
+          </a:p>
+          <a:p>
+            <a:pPr marL="0" lvl="0" indent="0" algn="l" rtl="0">
+              <a:spcBef>
+                <a:spcPts val="0"/>
+              </a:spcBef>
+              <a:spcAft>
+                <a:spcPts val="0"/>
+              </a:spcAft>
+              <a:buNone/>
+            </a:pPr>
+            <a:r>
+              <a:rPr lang="ru" sz="1500">
+                <a:latin typeface="Roboto"/>
+                <a:ea typeface="Roboto"/>
+                <a:cs typeface="Roboto"/>
+                <a:sym typeface="Roboto"/>
+              </a:rPr>
+              <a:t>могу ответить не сразу</a:t>
+            </a:r>
+            <a:endParaRPr sz="1500">
+              <a:latin typeface="Roboto"/>
+              <a:ea typeface="Roboto"/>
+              <a:cs typeface="Roboto"/>
+              <a:sym typeface="Roboto"/>
+            </a:endParaRPr>
+          </a:p>
+        </p:txBody>
+      </p:sp>
+      <p:pic>
+        <p:nvPicPr>
+          <p:cNvPr id="168" name="Google Shape;168;p35"/>
+          <p:cNvPicPr preferRelativeResize="0"/>
+          <p:nvPr/>
+        </p:nvPicPr>
+        <p:blipFill rotWithShape="1">
+          <a:blip r:embed="rId5">
+            <a:alphaModFix/>
+          </a:blip>
+          <a:srcRect/>
+          <a:stretch/>
+        </p:blipFill>
+        <p:spPr>
+          <a:xfrm>
+            <a:off x="837651" y="2514043"/>
+            <a:ext cx="692621" cy="692599"/>
+          </a:xfrm>
+          <a:prstGeom prst="rect">
+            <a:avLst/>
+          </a:prstGeom>
+          <a:noFill/>
+          <a:ln>
+            <a:noFill/>
+          </a:ln>
+        </p:spPr>
+      </p:pic>
+      <p:sp>
+        <p:nvSpPr>
+          <p:cNvPr id="169" name="Google Shape;169;p35"/>
+          <p:cNvSpPr txBox="1"/>
+          <p:nvPr/>
+        </p:nvSpPr>
+        <p:spPr>
+          <a:xfrm>
+            <a:off x="1654525" y="2519056"/>
+            <a:ext cx="3231000" cy="646500"/>
+          </a:xfrm>
+          <a:prstGeom prst="rect">
+            <a:avLst/>
+          </a:prstGeom>
+          <a:noFill/>
+          <a:ln>
+            <a:noFill/>
+          </a:ln>
+        </p:spPr>
+        <p:txBody>
+          <a:bodyPr spcFirstLastPara="1" wrap="square" lIns="91425" tIns="91425" rIns="91425" bIns="91425" anchor="t" anchorCtr="0">
+            <a:spAutoFit/>
+          </a:bodyPr>
+          <a:lstStyle/>
+          <a:p>
+            <a:pPr marL="0" lvl="0" indent="0" algn="l" rtl="0">
+              <a:spcBef>
+                <a:spcPts val="0"/>
+              </a:spcBef>
+              <a:spcAft>
+                <a:spcPts val="0"/>
+              </a:spcAft>
+              <a:buNone/>
+            </a:pPr>
+            <a:r>
+              <a:rPr lang="ru" sz="1500">
+                <a:latin typeface="Roboto"/>
+                <a:ea typeface="Roboto"/>
+                <a:cs typeface="Roboto"/>
+                <a:sym typeface="Roboto"/>
+              </a:rPr>
+              <a:t>Задаем вопрос</a:t>
+            </a:r>
+            <a:endParaRPr sz="1500">
+              <a:latin typeface="Roboto"/>
+              <a:ea typeface="Roboto"/>
+              <a:cs typeface="Roboto"/>
+              <a:sym typeface="Roboto"/>
+            </a:endParaRPr>
+          </a:p>
+          <a:p>
+            <a:pPr marL="0" lvl="0" indent="0" algn="l" rtl="0">
+              <a:spcBef>
+                <a:spcPts val="0"/>
+              </a:spcBef>
+              <a:spcAft>
+                <a:spcPts val="0"/>
+              </a:spcAft>
+              <a:buNone/>
+            </a:pPr>
+            <a:r>
+              <a:rPr lang="ru" sz="1500">
+                <a:latin typeface="Roboto"/>
+                <a:ea typeface="Roboto"/>
+                <a:cs typeface="Roboto"/>
+                <a:sym typeface="Roboto"/>
+              </a:rPr>
+              <a:t>в чат</a:t>
+            </a:r>
+            <a:endParaRPr sz="1500">
+              <a:latin typeface="Roboto"/>
+              <a:ea typeface="Roboto"/>
+              <a:cs typeface="Roboto"/>
+              <a:sym typeface="Roboto"/>
+            </a:endParaRPr>
+          </a:p>
+        </p:txBody>
+      </p:sp>
+    </p:spTree>
+  </p:cSld>
+  <p:clrMapOvr>
+    <a:masterClrMapping/>
+  </p:clrMapOvr>
+  <p:transition spd="slow"/>
+  <p:timing>
+    <p:tnLst>
+      <p:par>
+        <p:cTn id="1" dur="indefinite" restart="never" nodeType="tmRoot"/>
+      </p:par>
+    </p:tnLst>
+  </p:timing>
+</p:sld>
+</file>
+
+<file path=ppt/slides/slide40.xml><?xml version="1.0" encoding="utf-8"?>
 <p:sld xmlns:a="http://schemas.openxmlformats.org/drawingml/2006/main" xmlns:r="http://schemas.openxmlformats.org/officeDocument/2006/relationships" xmlns:p="http://schemas.openxmlformats.org/presentationml/2006/main">
   <p:cSld>
     <p:spTree>
@@ -18650,7 +19762,7 @@
           <p:nvPr>
             <p:extLst>
               <p:ext uri="{D42A27DB-BD31-4B8C-83A1-F6EECF244321}">
-                <p14:modId xmlns="" xmlns:p14="http://schemas.microsoft.com/office/powerpoint/2010/main" val="2263411008"/>
+                <p14:modId xmlns:p14="http://schemas.microsoft.com/office/powerpoint/2010/main" xmlns="" val="2263411008"/>
               </p:ext>
             </p:extLst>
           </p:nvPr>
@@ -18670,14 +19782,14 @@
                 <a:gridCol w="489425">
                   <a:extLst>
                     <a:ext uri="{9D8B030D-6E8A-4147-A177-3AD203B41FA5}">
-                      <a16:colId xmlns="" xmlns:a16="http://schemas.microsoft.com/office/drawing/2014/main" val="20000"/>
+                      <a16:colId xmlns:a16="http://schemas.microsoft.com/office/drawing/2014/main" xmlns="" val="20000"/>
                     </a:ext>
                   </a:extLst>
                 </a:gridCol>
                 <a:gridCol w="6749575">
                   <a:extLst>
                     <a:ext uri="{9D8B030D-6E8A-4147-A177-3AD203B41FA5}">
-                      <a16:colId xmlns="" xmlns:a16="http://schemas.microsoft.com/office/drawing/2014/main" val="20001"/>
+                      <a16:colId xmlns:a16="http://schemas.microsoft.com/office/drawing/2014/main" xmlns="" val="20001"/>
                     </a:ext>
                   </a:extLst>
                 </a:gridCol>
@@ -18878,7 +19990,7 @@
                 </a:tc>
                 <a:extLst>
                   <a:ext uri="{0D108BD9-81ED-4DB2-BD59-A6C34878D82A}">
-                    <a16:rowId xmlns="" xmlns:a16="http://schemas.microsoft.com/office/drawing/2014/main" val="10000"/>
+                    <a16:rowId xmlns:a16="http://schemas.microsoft.com/office/drawing/2014/main" xmlns="" val="10000"/>
                   </a:ext>
                 </a:extLst>
               </a:tr>
@@ -19053,7 +20165,7 @@
                 </a:tc>
                 <a:extLst>
                   <a:ext uri="{0D108BD9-81ED-4DB2-BD59-A6C34878D82A}">
-                    <a16:rowId xmlns="" xmlns:a16="http://schemas.microsoft.com/office/drawing/2014/main" val="10001"/>
+                    <a16:rowId xmlns:a16="http://schemas.microsoft.com/office/drawing/2014/main" xmlns="" val="10001"/>
                   </a:ext>
                 </a:extLst>
               </a:tr>
@@ -19231,7 +20343,7 @@
                 </a:tc>
                 <a:extLst>
                   <a:ext uri="{0D108BD9-81ED-4DB2-BD59-A6C34878D82A}">
-                    <a16:rowId xmlns="" xmlns:a16="http://schemas.microsoft.com/office/drawing/2014/main" val="10002"/>
+                    <a16:rowId xmlns:a16="http://schemas.microsoft.com/office/drawing/2014/main" xmlns="" val="10002"/>
                   </a:ext>
                 </a:extLst>
               </a:tr>
@@ -19272,17 +20384,24 @@
     <a:masterClrMapping/>
   </p:clrMapOvr>
   <mc:AlternateContent xmlns:mc="http://schemas.openxmlformats.org/markup-compatibility/2006">
-    <mc:Choice xmlns="" xmlns:p14="http://schemas.microsoft.com/office/powerpoint/2010/main" Requires="p14">
+    <mc:Choice xmlns:p14="http://schemas.microsoft.com/office/powerpoint/2010/main" xmlns="" Requires="p14">
       <p:transition spd="slow" p14:dur="2000"/>
     </mc:Choice>
     <mc:Fallback>
       <p:transition spd="slow"/>
     </mc:Fallback>
   </mc:AlternateContent>
+  <p:timing>
+    <p:tnLst>
+      <p:par>
+        <p:cTn id="1" dur="indefinite" restart="never" nodeType="tmRoot"/>
+      </p:par>
+    </p:tnLst>
+  </p:timing>
 </p:sld>
 </file>
 
-<file path=ppt/slides/slide38.xml><?xml version="1.0" encoding="utf-8"?>
+<file path=ppt/slides/slide41.xml><?xml version="1.0" encoding="utf-8"?>
 <p:sld xmlns:a="http://schemas.openxmlformats.org/drawingml/2006/main" xmlns:r="http://schemas.openxmlformats.org/officeDocument/2006/relationships" xmlns:p="http://schemas.openxmlformats.org/presentationml/2006/main">
   <p:cSld>
     <p:spTree>
@@ -19556,398 +20675,8 @@
 </p:sld>
 </file>
 
-<file path=ppt/slides/slide4.xml><?xml version="1.0" encoding="utf-8"?>
-<p:sld xmlns:a="http://schemas.openxmlformats.org/drawingml/2006/main" xmlns:r="http://schemas.openxmlformats.org/officeDocument/2006/relationships" xmlns:p="http://schemas.openxmlformats.org/presentationml/2006/main" show="0">
-  <p:cSld>
-    <p:spTree>
-      <p:nvGrpSpPr>
-        <p:cNvPr id="1" name="Shape 162"/>
-        <p:cNvGrpSpPr/>
-        <p:nvPr/>
-      </p:nvGrpSpPr>
-      <p:grpSpPr>
-        <a:xfrm>
-          <a:off x="0" y="0"/>
-          <a:ext cx="0" cy="0"/>
-          <a:chOff x="0" y="0"/>
-          <a:chExt cx="0" cy="0"/>
-        </a:xfrm>
-      </p:grpSpPr>
-      <p:sp>
-        <p:nvSpPr>
-          <p:cNvPr id="163" name="Google Shape;163;p35"/>
-          <p:cNvSpPr txBox="1">
-            <a:spLocks noGrp="1"/>
-          </p:cNvSpPr>
-          <p:nvPr>
-            <p:ph type="title"/>
-          </p:nvPr>
-        </p:nvSpPr>
-        <p:spPr>
-          <a:xfrm>
-            <a:off x="500550" y="330736"/>
-            <a:ext cx="8520600" cy="979800"/>
-          </a:xfrm>
-          <a:prstGeom prst="rect">
-            <a:avLst/>
-          </a:prstGeom>
-        </p:spPr>
-        <p:txBody>
-          <a:bodyPr spcFirstLastPara="1" wrap="square" lIns="91425" tIns="91425" rIns="91425" bIns="91425" anchor="t" anchorCtr="0">
-            <a:noAutofit/>
-          </a:bodyPr>
-          <a:lstStyle/>
-          <a:p>
-            <a:pPr marL="0" lvl="0" indent="0" algn="l" rtl="0">
-              <a:spcBef>
-                <a:spcPts val="0"/>
-              </a:spcBef>
-              <a:spcAft>
-                <a:spcPts val="0"/>
-              </a:spcAft>
-              <a:buNone/>
-            </a:pPr>
-            <a:r>
-              <a:rPr lang="ru" b="1"/>
-              <a:t>Правила вебинара</a:t>
-            </a:r>
-            <a:endParaRPr b="1"/>
-          </a:p>
-        </p:txBody>
-      </p:sp>
-      <p:pic>
-        <p:nvPicPr>
-          <p:cNvPr id="164" name="Google Shape;164;p35"/>
-          <p:cNvPicPr preferRelativeResize="0"/>
-          <p:nvPr/>
-        </p:nvPicPr>
-        <p:blipFill rotWithShape="1">
-          <a:blip r:embed="rId3">
-            <a:alphaModFix/>
-          </a:blip>
-          <a:srcRect/>
-          <a:stretch/>
-        </p:blipFill>
-        <p:spPr>
-          <a:xfrm>
-            <a:off x="837650" y="3494081"/>
-            <a:ext cx="692621" cy="692620"/>
-          </a:xfrm>
-          <a:prstGeom prst="rect">
-            <a:avLst/>
-          </a:prstGeom>
-          <a:noFill/>
-          <a:ln>
-            <a:noFill/>
-          </a:ln>
-        </p:spPr>
-      </p:pic>
-      <p:pic>
-        <p:nvPicPr>
-          <p:cNvPr id="165" name="Google Shape;165;p35"/>
-          <p:cNvPicPr preferRelativeResize="0"/>
-          <p:nvPr/>
-        </p:nvPicPr>
-        <p:blipFill rotWithShape="1">
-          <a:blip r:embed="rId4">
-            <a:alphaModFix/>
-          </a:blip>
-          <a:srcRect/>
-          <a:stretch/>
-        </p:blipFill>
-        <p:spPr>
-          <a:xfrm>
-            <a:off x="837650" y="1510213"/>
-            <a:ext cx="692621" cy="692620"/>
-          </a:xfrm>
-          <a:prstGeom prst="rect">
-            <a:avLst/>
-          </a:prstGeom>
-          <a:noFill/>
-          <a:ln>
-            <a:noFill/>
-          </a:ln>
-        </p:spPr>
-      </p:pic>
-      <p:sp>
-        <p:nvSpPr>
-          <p:cNvPr id="166" name="Google Shape;166;p35"/>
-          <p:cNvSpPr txBox="1"/>
-          <p:nvPr/>
-        </p:nvSpPr>
-        <p:spPr>
-          <a:xfrm>
-            <a:off x="1654525" y="1480850"/>
-            <a:ext cx="2475300" cy="646500"/>
-          </a:xfrm>
-          <a:prstGeom prst="rect">
-            <a:avLst/>
-          </a:prstGeom>
-          <a:noFill/>
-          <a:ln>
-            <a:noFill/>
-          </a:ln>
-        </p:spPr>
-        <p:txBody>
-          <a:bodyPr spcFirstLastPara="1" wrap="square" lIns="91425" tIns="91425" rIns="91425" bIns="91425" anchor="t" anchorCtr="0">
-            <a:spAutoFit/>
-          </a:bodyPr>
-          <a:lstStyle/>
-          <a:p>
-            <a:pPr marL="0" lvl="0" indent="0" algn="l" rtl="0">
-              <a:spcBef>
-                <a:spcPts val="0"/>
-              </a:spcBef>
-              <a:spcAft>
-                <a:spcPts val="0"/>
-              </a:spcAft>
-              <a:buNone/>
-            </a:pPr>
-            <a:r>
-              <a:rPr lang="ru" sz="1500">
-                <a:latin typeface="Roboto"/>
-                <a:ea typeface="Roboto"/>
-                <a:cs typeface="Roboto"/>
-                <a:sym typeface="Roboto"/>
-              </a:rPr>
-              <a:t>Активно</a:t>
-            </a:r>
-            <a:endParaRPr sz="1500">
-              <a:latin typeface="Roboto"/>
-              <a:ea typeface="Roboto"/>
-              <a:cs typeface="Roboto"/>
-              <a:sym typeface="Roboto"/>
-            </a:endParaRPr>
-          </a:p>
-          <a:p>
-            <a:pPr marL="0" lvl="0" indent="0" algn="l" rtl="0">
-              <a:spcBef>
-                <a:spcPts val="0"/>
-              </a:spcBef>
-              <a:spcAft>
-                <a:spcPts val="0"/>
-              </a:spcAft>
-              <a:buNone/>
-            </a:pPr>
-            <a:r>
-              <a:rPr lang="ru" sz="1500">
-                <a:latin typeface="Roboto"/>
-                <a:ea typeface="Roboto"/>
-                <a:cs typeface="Roboto"/>
-                <a:sym typeface="Roboto"/>
-              </a:rPr>
-              <a:t>участвуем</a:t>
-            </a:r>
-            <a:endParaRPr sz="1500">
-              <a:latin typeface="Roboto"/>
-              <a:ea typeface="Roboto"/>
-              <a:cs typeface="Roboto"/>
-              <a:sym typeface="Roboto"/>
-            </a:endParaRPr>
-          </a:p>
-        </p:txBody>
-      </p:sp>
-      <p:sp>
-        <p:nvSpPr>
-          <p:cNvPr id="167" name="Google Shape;167;p35"/>
-          <p:cNvSpPr txBox="1"/>
-          <p:nvPr/>
-        </p:nvSpPr>
-        <p:spPr>
-          <a:xfrm>
-            <a:off x="1654525" y="3517859"/>
-            <a:ext cx="3231000" cy="646500"/>
-          </a:xfrm>
-          <a:prstGeom prst="rect">
-            <a:avLst/>
-          </a:prstGeom>
-          <a:noFill/>
-          <a:ln>
-            <a:noFill/>
-          </a:ln>
-        </p:spPr>
-        <p:txBody>
-          <a:bodyPr spcFirstLastPara="1" wrap="square" lIns="91425" tIns="91425" rIns="91425" bIns="91425" anchor="t" anchorCtr="0">
-            <a:spAutoFit/>
-          </a:bodyPr>
-          <a:lstStyle/>
-          <a:p>
-            <a:pPr marL="0" lvl="0" indent="0" algn="l" rtl="0">
-              <a:spcBef>
-                <a:spcPts val="0"/>
-              </a:spcBef>
-              <a:spcAft>
-                <a:spcPts val="0"/>
-              </a:spcAft>
-              <a:buNone/>
-            </a:pPr>
-            <a:r>
-              <a:rPr lang="ru" sz="1500">
-                <a:latin typeface="Roboto"/>
-                <a:ea typeface="Roboto"/>
-                <a:cs typeface="Roboto"/>
-                <a:sym typeface="Roboto"/>
-              </a:rPr>
-              <a:t>Вопросы вижу в чате,</a:t>
-            </a:r>
-            <a:endParaRPr sz="1500">
-              <a:latin typeface="Roboto"/>
-              <a:ea typeface="Roboto"/>
-              <a:cs typeface="Roboto"/>
-              <a:sym typeface="Roboto"/>
-            </a:endParaRPr>
-          </a:p>
-          <a:p>
-            <a:pPr marL="0" lvl="0" indent="0" algn="l" rtl="0">
-              <a:spcBef>
-                <a:spcPts val="0"/>
-              </a:spcBef>
-              <a:spcAft>
-                <a:spcPts val="0"/>
-              </a:spcAft>
-              <a:buNone/>
-            </a:pPr>
-            <a:r>
-              <a:rPr lang="ru" sz="1500">
-                <a:latin typeface="Roboto"/>
-                <a:ea typeface="Roboto"/>
-                <a:cs typeface="Roboto"/>
-                <a:sym typeface="Roboto"/>
-              </a:rPr>
-              <a:t>могу ответить не сразу</a:t>
-            </a:r>
-            <a:endParaRPr sz="1500">
-              <a:latin typeface="Roboto"/>
-              <a:ea typeface="Roboto"/>
-              <a:cs typeface="Roboto"/>
-              <a:sym typeface="Roboto"/>
-            </a:endParaRPr>
-          </a:p>
-        </p:txBody>
-      </p:sp>
-      <p:pic>
-        <p:nvPicPr>
-          <p:cNvPr id="168" name="Google Shape;168;p35"/>
-          <p:cNvPicPr preferRelativeResize="0"/>
-          <p:nvPr/>
-        </p:nvPicPr>
-        <p:blipFill rotWithShape="1">
-          <a:blip r:embed="rId5">
-            <a:alphaModFix/>
-          </a:blip>
-          <a:srcRect/>
-          <a:stretch/>
-        </p:blipFill>
-        <p:spPr>
-          <a:xfrm>
-            <a:off x="837651" y="2514043"/>
-            <a:ext cx="692621" cy="692599"/>
-          </a:xfrm>
-          <a:prstGeom prst="rect">
-            <a:avLst/>
-          </a:prstGeom>
-          <a:noFill/>
-          <a:ln>
-            <a:noFill/>
-          </a:ln>
-        </p:spPr>
-      </p:pic>
-      <p:sp>
-        <p:nvSpPr>
-          <p:cNvPr id="169" name="Google Shape;169;p35"/>
-          <p:cNvSpPr txBox="1"/>
-          <p:nvPr/>
-        </p:nvSpPr>
-        <p:spPr>
-          <a:xfrm>
-            <a:off x="1654525" y="2519056"/>
-            <a:ext cx="3231000" cy="646500"/>
-          </a:xfrm>
-          <a:prstGeom prst="rect">
-            <a:avLst/>
-          </a:prstGeom>
-          <a:noFill/>
-          <a:ln>
-            <a:noFill/>
-          </a:ln>
-        </p:spPr>
-        <p:txBody>
-          <a:bodyPr spcFirstLastPara="1" wrap="square" lIns="91425" tIns="91425" rIns="91425" bIns="91425" anchor="t" anchorCtr="0">
-            <a:spAutoFit/>
-          </a:bodyPr>
-          <a:lstStyle/>
-          <a:p>
-            <a:pPr marL="0" lvl="0" indent="0" algn="l" rtl="0">
-              <a:spcBef>
-                <a:spcPts val="0"/>
-              </a:spcBef>
-              <a:spcAft>
-                <a:spcPts val="0"/>
-              </a:spcAft>
-              <a:buNone/>
-            </a:pPr>
-            <a:r>
-              <a:rPr lang="ru" sz="1500">
-                <a:latin typeface="Roboto"/>
-                <a:ea typeface="Roboto"/>
-                <a:cs typeface="Roboto"/>
-                <a:sym typeface="Roboto"/>
-              </a:rPr>
-              <a:t>Задаем вопрос</a:t>
-            </a:r>
-            <a:endParaRPr sz="1500">
-              <a:latin typeface="Roboto"/>
-              <a:ea typeface="Roboto"/>
-              <a:cs typeface="Roboto"/>
-              <a:sym typeface="Roboto"/>
-            </a:endParaRPr>
-          </a:p>
-          <a:p>
-            <a:pPr marL="0" lvl="0" indent="0" algn="l" rtl="0">
-              <a:spcBef>
-                <a:spcPts val="0"/>
-              </a:spcBef>
-              <a:spcAft>
-                <a:spcPts val="0"/>
-              </a:spcAft>
-              <a:buNone/>
-            </a:pPr>
-            <a:r>
-              <a:rPr lang="ru" sz="1500">
-                <a:latin typeface="Roboto"/>
-                <a:ea typeface="Roboto"/>
-                <a:cs typeface="Roboto"/>
-                <a:sym typeface="Roboto"/>
-              </a:rPr>
-              <a:t>в чат</a:t>
-            </a:r>
-            <a:endParaRPr sz="1500">
-              <a:latin typeface="Roboto"/>
-              <a:ea typeface="Roboto"/>
-              <a:cs typeface="Roboto"/>
-              <a:sym typeface="Roboto"/>
-            </a:endParaRPr>
-          </a:p>
-        </p:txBody>
-      </p:sp>
-    </p:spTree>
-  </p:cSld>
-  <p:clrMapOvr>
-    <a:masterClrMapping/>
-  </p:clrMapOvr>
-  <mc:AlternateContent xmlns:mc="http://schemas.openxmlformats.org/markup-compatibility/2006">
-    <mc:Choice xmlns="" xmlns:p14="http://schemas.microsoft.com/office/powerpoint/2010/main" Requires="p14">
-      <p:transition spd="slow" p14:dur="2000"/>
-    </mc:Choice>
-    <mc:Fallback>
-      <p:transition spd="slow"/>
-    </mc:Fallback>
-  </mc:AlternateContent>
-</p:sld>
-</file>
-
 <file path=ppt/slides/slide5.xml><?xml version="1.0" encoding="utf-8"?>
-<p:sld xmlns:a="http://schemas.openxmlformats.org/drawingml/2006/main" xmlns:r="http://schemas.openxmlformats.org/officeDocument/2006/relationships" xmlns:p="http://schemas.openxmlformats.org/presentationml/2006/main" show="0">
+<p:sld xmlns:a="http://schemas.openxmlformats.org/drawingml/2006/main" xmlns:r="http://schemas.openxmlformats.org/officeDocument/2006/relationships" xmlns:p="http://schemas.openxmlformats.org/presentationml/2006/main">
   <p:cSld>
     <p:spTree>
       <p:nvGrpSpPr>
@@ -20044,7 +20773,7 @@
               <a:buNone/>
             </a:pPr>
             <a:r>
-              <a:rPr lang="ru" sz="1500">
+              <a:rPr lang="ru" sz="1500" dirty="0">
                 <a:solidFill>
                   <a:schemeClr val="dk1"/>
                 </a:solidFill>
@@ -20053,7 +20782,19 @@
                 <a:cs typeface="Roboto"/>
                 <a:sym typeface="Roboto"/>
               </a:rPr>
-              <a:t>1. Знакомство, об Отус</a:t>
+              <a:t>1. </a:t>
+            </a:r>
+            <a:r>
+              <a:rPr lang="ru-RU" sz="1500" dirty="0" smtClean="0">
+                <a:solidFill>
+                  <a:schemeClr val="dk1"/>
+                </a:solidFill>
+                <a:latin typeface="Roboto"/>
+                <a:ea typeface="Roboto"/>
+                <a:cs typeface="Roboto"/>
+                <a:sym typeface="Roboto"/>
+              </a:rPr>
+              <a:t>Фильтрация</a:t>
             </a:r>
             <a:endParaRPr sz="1300">
               <a:solidFill>
@@ -20111,7 +20852,7 @@
               <a:buNone/>
             </a:pPr>
             <a:r>
-              <a:rPr lang="ru" sz="1500">
+              <a:rPr lang="ru" sz="1500" dirty="0">
                 <a:solidFill>
                   <a:schemeClr val="dk1"/>
                 </a:solidFill>
@@ -20120,7 +20861,19 @@
                 <a:cs typeface="Roboto"/>
                 <a:sym typeface="Roboto"/>
               </a:rPr>
-              <a:t>2. Синтаксис делегатов</a:t>
+              <a:t>2. </a:t>
+            </a:r>
+            <a:r>
+              <a:rPr lang="ru" sz="1500" dirty="0" smtClean="0">
+                <a:solidFill>
+                  <a:schemeClr val="dk1"/>
+                </a:solidFill>
+                <a:latin typeface="Roboto"/>
+                <a:ea typeface="Roboto"/>
+                <a:cs typeface="Roboto"/>
+                <a:sym typeface="Roboto"/>
+              </a:rPr>
+              <a:t>Проекция</a:t>
             </a:r>
             <a:endParaRPr sz="1300">
               <a:solidFill>
@@ -20163,17 +20916,9 @@
           </a:bodyPr>
           <a:lstStyle/>
           <a:p>
-            <a:pPr marL="0" lvl="0" indent="0" algn="l" rtl="0">
-              <a:spcBef>
-                <a:spcPts val="0"/>
-              </a:spcBef>
-              <a:spcAft>
-                <a:spcPts val="0"/>
-              </a:spcAft>
-              <a:buNone/>
-            </a:pPr>
-            <a:r>
-              <a:rPr lang="ru">
+            <a:pPr lvl="0"/>
+            <a:r>
+              <a:rPr lang="ru-RU" dirty="0" smtClean="0">
                 <a:solidFill>
                   <a:schemeClr val="dk1"/>
                 </a:solidFill>
@@ -20182,9 +20927,9 @@
                 <a:cs typeface="Roboto"/>
                 <a:sym typeface="Roboto"/>
               </a:rPr>
-              <a:t>5. Варианты объявления событий(синтаксис)</a:t>
-            </a:r>
-            <a:endParaRPr sz="1200">
+              <a:t>6. Секционирование данных</a:t>
+            </a:r>
+            <a:endParaRPr lang="ru-RU" sz="1200" dirty="0">
               <a:solidFill>
                 <a:schemeClr val="dk1"/>
               </a:solidFill>
@@ -20235,7 +20980,7 @@
               <a:buNone/>
             </a:pPr>
             <a:r>
-              <a:rPr lang="ru" sz="1500">
+              <a:rPr lang="ru" sz="1500" dirty="0">
                 <a:solidFill>
                   <a:schemeClr val="dk1"/>
                 </a:solidFill>
@@ -20244,7 +20989,19 @@
                 <a:cs typeface="Roboto"/>
                 <a:sym typeface="Roboto"/>
               </a:rPr>
-              <a:t>3. Арифметика делегатов</a:t>
+              <a:t>3. </a:t>
+            </a:r>
+            <a:r>
+              <a:rPr lang="ru" sz="1500" dirty="0" smtClean="0">
+                <a:solidFill>
+                  <a:schemeClr val="dk1"/>
+                </a:solidFill>
+                <a:latin typeface="Roboto"/>
+                <a:ea typeface="Roboto"/>
+                <a:cs typeface="Roboto"/>
+                <a:sym typeface="Roboto"/>
+              </a:rPr>
+              <a:t>Операции с наборами</a:t>
             </a:r>
             <a:endParaRPr sz="1500">
               <a:solidFill>
@@ -20297,7 +21054,7 @@
               <a:buNone/>
             </a:pPr>
             <a:r>
-              <a:rPr lang="ru">
+              <a:rPr lang="ru" dirty="0">
                 <a:solidFill>
                   <a:schemeClr val="dk1"/>
                 </a:solidFill>
@@ -20306,7 +21063,19 @@
                 <a:cs typeface="Roboto"/>
                 <a:sym typeface="Roboto"/>
               </a:rPr>
-              <a:t>4. Обобщенные делегаты: Action, Predicate, Func</a:t>
+              <a:t>4. </a:t>
+            </a:r>
+            <a:r>
+              <a:rPr lang="ru" dirty="0" smtClean="0">
+                <a:solidFill>
+                  <a:schemeClr val="dk1"/>
+                </a:solidFill>
+                <a:latin typeface="Roboto"/>
+                <a:ea typeface="Roboto"/>
+                <a:cs typeface="Roboto"/>
+                <a:sym typeface="Roboto"/>
+              </a:rPr>
+              <a:t>Сортировка данных</a:t>
             </a:r>
             <a:endParaRPr sz="1200">
               <a:solidFill>
@@ -20349,17 +21118,9 @@
           </a:bodyPr>
           <a:lstStyle/>
           <a:p>
-            <a:pPr marL="0" lvl="0" indent="0" algn="l" rtl="0">
-              <a:spcBef>
-                <a:spcPts val="0"/>
-              </a:spcBef>
-              <a:spcAft>
-                <a:spcPts val="0"/>
-              </a:spcAft>
-              <a:buNone/>
-            </a:pPr>
-            <a:r>
-              <a:rPr lang="ru" sz="1500">
+            <a:pPr lvl="0"/>
+            <a:r>
+              <a:rPr lang="ru-RU" sz="1200" dirty="0" smtClean="0">
                 <a:solidFill>
                   <a:schemeClr val="dk1"/>
                 </a:solidFill>
@@ -20368,9 +21129,20 @@
                 <a:cs typeface="Roboto"/>
                 <a:sym typeface="Roboto"/>
               </a:rPr>
-              <a:t>6. Best Practice</a:t>
-            </a:r>
-            <a:endParaRPr sz="1300">
+              <a:t>7. </a:t>
+            </a:r>
+            <a:r>
+              <a:rPr lang="ru-RU" sz="1200" dirty="0" smtClean="0">
+                <a:latin typeface="Roboto" charset="0"/>
+                <a:ea typeface="Roboto" charset="0"/>
+              </a:rPr>
+              <a:t>Преобразование(конвертация</a:t>
+            </a:r>
+            <a:r>
+              <a:rPr lang="ru-RU" sz="1200" dirty="0" smtClean="0"/>
+              <a:t>) данных</a:t>
+            </a:r>
+            <a:endParaRPr lang="ru-RU" sz="1200" dirty="0">
               <a:solidFill>
                 <a:schemeClr val="dk1"/>
               </a:solidFill>
@@ -20411,17 +21183,9 @@
           </a:bodyPr>
           <a:lstStyle/>
           <a:p>
-            <a:pPr marL="0" lvl="0" indent="0" algn="l" rtl="0">
-              <a:spcBef>
-                <a:spcPts val="0"/>
-              </a:spcBef>
-              <a:spcAft>
-                <a:spcPts val="0"/>
-              </a:spcAft>
-              <a:buNone/>
-            </a:pPr>
-            <a:r>
-              <a:rPr lang="ru" sz="1500">
+            <a:pPr lvl="0"/>
+            <a:r>
+              <a:rPr lang="ru-RU" dirty="0" smtClean="0">
                 <a:solidFill>
                   <a:schemeClr val="dk1"/>
                 </a:solidFill>
@@ -20430,7 +21194,104 @@
                 <a:cs typeface="Roboto"/>
                 <a:sym typeface="Roboto"/>
               </a:rPr>
-              <a:t>7. Вопросы с собеседований</a:t>
+              <a:t>8. </a:t>
+            </a:r>
+            <a:r>
+              <a:rPr lang="ru-RU" dirty="0" smtClean="0">
+                <a:latin typeface="Roboto" charset="0"/>
+                <a:ea typeface="Roboto" charset="0"/>
+              </a:rPr>
+              <a:t>Операции соединения</a:t>
+            </a:r>
+            <a:endParaRPr lang="ru-RU" dirty="0">
+              <a:solidFill>
+                <a:schemeClr val="dk1"/>
+              </a:solidFill>
+              <a:latin typeface="Roboto" charset="0"/>
+              <a:ea typeface="Roboto" charset="0"/>
+              <a:cs typeface="Roboto"/>
+              <a:sym typeface="Roboto"/>
+            </a:endParaRPr>
+          </a:p>
+        </p:txBody>
+      </p:sp>
+      <p:sp>
+        <p:nvSpPr>
+          <p:cNvPr id="182" name="Google Shape;182;p36"/>
+          <p:cNvSpPr/>
+          <p:nvPr/>
+        </p:nvSpPr>
+        <p:spPr>
+          <a:xfrm>
+            <a:off x="4641869" y="3517875"/>
+            <a:ext cx="3627000" cy="426300"/>
+          </a:xfrm>
+          <a:prstGeom prst="roundRect">
+            <a:avLst>
+              <a:gd name="adj" fmla="val 16667"/>
+            </a:avLst>
+          </a:prstGeom>
+          <a:solidFill>
+            <a:srgbClr val="FFD966"/>
+          </a:solidFill>
+          <a:ln>
+            <a:noFill/>
+          </a:ln>
+        </p:spPr>
+        <p:txBody>
+          <a:bodyPr spcFirstLastPara="1" wrap="square" lIns="270000" tIns="91425" rIns="270000" bIns="91425" anchor="ctr" anchorCtr="0">
+            <a:noAutofit/>
+          </a:bodyPr>
+          <a:lstStyle/>
+          <a:p>
+            <a:pPr lvl="0"/>
+            <a:r>
+              <a:rPr lang="en-US" sz="1500" dirty="0" smtClean="0">
+                <a:solidFill>
+                  <a:schemeClr val="dk1"/>
+                </a:solidFill>
+                <a:latin typeface="Roboto"/>
+                <a:ea typeface="Roboto"/>
+                <a:cs typeface="Roboto"/>
+                <a:sym typeface="Roboto"/>
+              </a:rPr>
+              <a:t>9</a:t>
+            </a:r>
+            <a:r>
+              <a:rPr lang="ru" sz="1500" dirty="0" smtClean="0">
+                <a:solidFill>
+                  <a:schemeClr val="dk1"/>
+                </a:solidFill>
+                <a:latin typeface="Roboto"/>
+                <a:ea typeface="Roboto"/>
+                <a:cs typeface="Roboto"/>
+                <a:sym typeface="Roboto"/>
+              </a:rPr>
+              <a:t>. </a:t>
+            </a:r>
+            <a:r>
+              <a:rPr lang="ru-RU" dirty="0" smtClean="0">
+                <a:solidFill>
+                  <a:schemeClr val="dk1"/>
+                </a:solidFill>
+                <a:latin typeface="Roboto"/>
+                <a:ea typeface="Roboto"/>
+                <a:cs typeface="Roboto"/>
+                <a:sym typeface="Roboto"/>
+              </a:rPr>
+              <a:t>Группировка</a:t>
+            </a:r>
+            <a:r>
+              <a:rPr lang="ru-RU" sz="1500" dirty="0" smtClean="0">
+                <a:solidFill>
+                  <a:schemeClr val="dk1"/>
+                </a:solidFill>
+                <a:latin typeface="Roboto"/>
+                <a:ea typeface="Roboto"/>
+                <a:cs typeface="Roboto"/>
+                <a:sym typeface="Roboto"/>
+              </a:rPr>
+              <a:t> элементов</a:t>
             </a:r>
             <a:endParaRPr sz="1300">
               <a:solidFill>
@@ -20446,14 +21307,14 @@
       </p:sp>
       <p:sp>
         <p:nvSpPr>
-          <p:cNvPr id="182" name="Google Shape;182;p36"/>
+          <p:cNvPr id="11" name="Google Shape;177;p36"/>
           <p:cNvSpPr/>
           <p:nvPr/>
         </p:nvSpPr>
         <p:spPr>
           <a:xfrm>
-            <a:off x="4641869" y="3517875"/>
-            <a:ext cx="3627000" cy="426300"/>
+            <a:off x="659597" y="4178208"/>
+            <a:ext cx="3395568" cy="426300"/>
           </a:xfrm>
           <a:prstGeom prst="roundRect">
             <a:avLst>
@@ -20483,7 +21344,7 @@
               <a:buNone/>
             </a:pPr>
             <a:r>
-              <a:rPr lang="ru" sz="1500">
+              <a:rPr lang="ru" dirty="0">
                 <a:solidFill>
                   <a:schemeClr val="dk1"/>
                 </a:solidFill>
@@ -20492,7 +21353,97 @@
                 <a:cs typeface="Roboto"/>
                 <a:sym typeface="Roboto"/>
               </a:rPr>
-              <a:t>8. Ответы на вопросы</a:t>
+              <a:t>5. </a:t>
+            </a:r>
+            <a:r>
+              <a:rPr lang="ru" dirty="0" smtClean="0">
+                <a:solidFill>
+                  <a:schemeClr val="dk1"/>
+                </a:solidFill>
+                <a:latin typeface="Roboto"/>
+                <a:ea typeface="Roboto"/>
+                <a:cs typeface="Roboto"/>
+                <a:sym typeface="Roboto"/>
+              </a:rPr>
+              <a:t>Квантификаторы</a:t>
+            </a:r>
+            <a:endParaRPr sz="1200">
+              <a:solidFill>
+                <a:schemeClr val="dk1"/>
+              </a:solidFill>
+              <a:latin typeface="Roboto"/>
+              <a:ea typeface="Roboto"/>
+              <a:cs typeface="Roboto"/>
+              <a:sym typeface="Roboto"/>
+            </a:endParaRPr>
+          </a:p>
+        </p:txBody>
+      </p:sp>
+      <p:sp>
+        <p:nvSpPr>
+          <p:cNvPr id="12" name="Google Shape;182;p36"/>
+          <p:cNvSpPr/>
+          <p:nvPr/>
+        </p:nvSpPr>
+        <p:spPr>
+          <a:xfrm>
+            <a:off x="4641869" y="4167231"/>
+            <a:ext cx="3627000" cy="426300"/>
+          </a:xfrm>
+          <a:prstGeom prst="roundRect">
+            <a:avLst>
+              <a:gd name="adj" fmla="val 16667"/>
+            </a:avLst>
+          </a:prstGeom>
+          <a:solidFill>
+            <a:srgbClr val="FFD966"/>
+          </a:solidFill>
+          <a:ln>
+            <a:noFill/>
+          </a:ln>
+        </p:spPr>
+        <p:txBody>
+          <a:bodyPr spcFirstLastPara="1" wrap="square" lIns="270000" tIns="91425" rIns="270000" bIns="91425" anchor="ctr" anchorCtr="0">
+            <a:noAutofit/>
+          </a:bodyPr>
+          <a:lstStyle/>
+          <a:p>
+            <a:pPr lvl="0"/>
+            <a:r>
+              <a:rPr lang="en-US" sz="1500" dirty="0" smtClean="0">
+                <a:solidFill>
+                  <a:schemeClr val="dk1"/>
+                </a:solidFill>
+                <a:latin typeface="Roboto"/>
+                <a:ea typeface="Roboto"/>
+                <a:cs typeface="Roboto"/>
+                <a:sym typeface="Roboto"/>
+              </a:rPr>
+              <a:t>10</a:t>
+            </a:r>
+            <a:r>
+              <a:rPr lang="ru" sz="1500" dirty="0" smtClean="0">
+                <a:solidFill>
+                  <a:schemeClr val="dk1"/>
+                </a:solidFill>
+                <a:latin typeface="Roboto"/>
+                <a:ea typeface="Roboto"/>
+                <a:cs typeface="Roboto"/>
+                <a:sym typeface="Roboto"/>
+              </a:rPr>
+              <a:t>. </a:t>
+            </a:r>
+            <a:r>
+              <a:rPr lang="ru-RU" sz="1500" dirty="0" smtClean="0">
+                <a:solidFill>
+                  <a:schemeClr val="dk1"/>
+                </a:solidFill>
+                <a:latin typeface="Roboto"/>
+                <a:ea typeface="Roboto"/>
+                <a:cs typeface="Roboto"/>
+                <a:sym typeface="Roboto"/>
+              </a:rPr>
+              <a:t>Ответы на вопросы</a:t>
             </a:r>
             <a:endParaRPr sz="1300">
               <a:solidFill>
@@ -20512,6 +21463,13 @@
     <a:masterClrMapping/>
   </p:clrMapOvr>
   <p:transition/>
+  <p:timing>
+    <p:tnLst>
+      <p:par>
+        <p:cTn id="1" dur="indefinite" restart="never" nodeType="tmRoot"/>
+      </p:par>
+    </p:tnLst>
+  </p:timing>
 </p:sld>
 </file>
 
@@ -20581,14 +21539,14 @@
           <p:nvPr>
             <p:extLst>
               <p:ext uri="{D42A27DB-BD31-4B8C-83A1-F6EECF244321}">
-                <p14:modId xmlns="" xmlns:p14="http://schemas.microsoft.com/office/powerpoint/2010/main" val="2263411008"/>
+                <p14:modId xmlns:p14="http://schemas.microsoft.com/office/powerpoint/2010/main" xmlns="" val="2263411008"/>
               </p:ext>
             </p:extLst>
           </p:nvPr>
         </p:nvGraphicFramePr>
         <p:xfrm>
           <a:off x="952500" y="1544194"/>
-          <a:ext cx="7239000" cy="1096869"/>
+          <a:ext cx="7239000" cy="1147542"/>
         </p:xfrm>
         <a:graphic>
           <a:graphicData uri="http://schemas.openxmlformats.org/drawingml/2006/table">
@@ -20601,14 +21559,14 @@
                 <a:gridCol w="489425">
                   <a:extLst>
                     <a:ext uri="{9D8B030D-6E8A-4147-A177-3AD203B41FA5}">
-                      <a16:colId xmlns="" xmlns:a16="http://schemas.microsoft.com/office/drawing/2014/main" val="20000"/>
+                      <a16:colId xmlns:a16="http://schemas.microsoft.com/office/drawing/2014/main" xmlns="" val="20000"/>
                     </a:ext>
                   </a:extLst>
                 </a:gridCol>
                 <a:gridCol w="6749575">
                   <a:extLst>
                     <a:ext uri="{9D8B030D-6E8A-4147-A177-3AD203B41FA5}">
-                      <a16:colId xmlns="" xmlns:a16="http://schemas.microsoft.com/office/drawing/2014/main" val="20001"/>
+                      <a16:colId xmlns:a16="http://schemas.microsoft.com/office/drawing/2014/main" xmlns="" val="20001"/>
                     </a:ext>
                   </a:extLst>
                 </a:gridCol>
@@ -20809,7 +21767,7 @@
                 </a:tc>
                 <a:extLst>
                   <a:ext uri="{0D108BD9-81ED-4DB2-BD59-A6C34878D82A}">
-                    <a16:rowId xmlns="" xmlns:a16="http://schemas.microsoft.com/office/drawing/2014/main" val="10000"/>
+                    <a16:rowId xmlns:a16="http://schemas.microsoft.com/office/drawing/2014/main" xmlns="" val="10000"/>
                   </a:ext>
                 </a:extLst>
               </a:tr>
@@ -20984,7 +21942,7 @@
                 </a:tc>
                 <a:extLst>
                   <a:ext uri="{0D108BD9-81ED-4DB2-BD59-A6C34878D82A}">
-                    <a16:rowId xmlns="" xmlns:a16="http://schemas.microsoft.com/office/drawing/2014/main" val="10001"/>
+                    <a16:rowId xmlns:a16="http://schemas.microsoft.com/office/drawing/2014/main" xmlns="" val="10001"/>
                   </a:ext>
                 </a:extLst>
               </a:tr>
@@ -21162,7 +22120,7 @@
                 </a:tc>
                 <a:extLst>
                   <a:ext uri="{0D108BD9-81ED-4DB2-BD59-A6C34878D82A}">
-                    <a16:rowId xmlns="" xmlns:a16="http://schemas.microsoft.com/office/drawing/2014/main" val="10002"/>
+                    <a16:rowId xmlns:a16="http://schemas.microsoft.com/office/drawing/2014/main" xmlns="" val="10002"/>
                   </a:ext>
                 </a:extLst>
               </a:tr>
@@ -21203,13 +22161,20 @@
     <a:masterClrMapping/>
   </p:clrMapOvr>
   <mc:AlternateContent xmlns:mc="http://schemas.openxmlformats.org/markup-compatibility/2006">
-    <mc:Choice xmlns="" xmlns:p14="http://schemas.microsoft.com/office/powerpoint/2010/main" Requires="p14">
+    <mc:Choice xmlns:p14="http://schemas.microsoft.com/office/powerpoint/2010/main" xmlns="" Requires="p14">
       <p:transition spd="slow" p14:dur="2000"/>
     </mc:Choice>
     <mc:Fallback>
       <p:transition spd="slow"/>
     </mc:Fallback>
   </mc:AlternateContent>
+  <p:timing>
+    <p:tnLst>
+      <p:par>
+        <p:cTn id="1" dur="indefinite" restart="never" nodeType="tmRoot"/>
+      </p:par>
+    </p:tnLst>
+  </p:timing>
 </p:sld>
 </file>
 
@@ -21282,7 +22247,7 @@
     <a:masterClrMapping/>
   </p:clrMapOvr>
   <mc:AlternateContent xmlns:mc="http://schemas.openxmlformats.org/markup-compatibility/2006">
-    <mc:Choice xmlns="" xmlns:p14="http://schemas.microsoft.com/office/powerpoint/2010/main" Requires="p14">
+    <mc:Choice xmlns:p14="http://schemas.microsoft.com/office/powerpoint/2010/main" xmlns="" Requires="p14">
       <p:transition spd="slow" p14:dur="2000"/>
     </mc:Choice>
     <mc:Fallback>
@@ -21694,7 +22659,7 @@
     <a:masterClrMapping/>
   </p:clrMapOvr>
   <mc:AlternateContent xmlns:mc="http://schemas.openxmlformats.org/markup-compatibility/2006">
-    <mc:Choice xmlns="" xmlns:p14="http://schemas.microsoft.com/office/powerpoint/2010/main" Requires="p14">
+    <mc:Choice xmlns:p14="http://schemas.microsoft.com/office/powerpoint/2010/main" xmlns="" Requires="p14">
       <p:transition spd="slow" p14:dur="2000"/>
     </mc:Choice>
     <mc:Fallback>
@@ -21773,7 +22738,7 @@
     </p:spTree>
     <p:extLst>
       <p:ext uri="{BB962C8B-B14F-4D97-AF65-F5344CB8AC3E}">
-        <p14:creationId xmlns="" xmlns:p14="http://schemas.microsoft.com/office/powerpoint/2010/main" val="682476833"/>
+        <p14:creationId xmlns:p14="http://schemas.microsoft.com/office/powerpoint/2010/main" xmlns="" val="682476833"/>
       </p:ext>
     </p:extLst>
   </p:cSld>
@@ -21781,7 +22746,7 @@
     <a:masterClrMapping/>
   </p:clrMapOvr>
   <mc:AlternateContent xmlns:mc="http://schemas.openxmlformats.org/markup-compatibility/2006">
-    <mc:Choice xmlns="" xmlns:p14="http://schemas.microsoft.com/office/powerpoint/2010/main" Requires="p14">
+    <mc:Choice xmlns:p14="http://schemas.microsoft.com/office/powerpoint/2010/main" xmlns="" Requires="p14">
       <p:transition spd="slow" p14:dur="2000"/>
     </mc:Choice>
     <mc:Fallback>

--- a/LinqOperators.pptx
+++ b/LinqOperators.pptx
@@ -292,7 +292,7 @@
   </p:defaultTextStyle>
   <p:extLst>
     <p:ext uri="{EFAFB233-063F-42B5-8137-9DF3F51BA10A}">
-      <p15:sldGuideLst xmlns:p15="http://schemas.microsoft.com/office/powerpoint/2012/main" xmlns="">
+      <p15:sldGuideLst xmlns="" xmlns:p15="http://schemas.microsoft.com/office/powerpoint/2012/main">
         <p15:guide id="1" orient="horz" pos="1620">
           <p15:clr>
             <a:srgbClr val="A4A3A4"/>
@@ -849,7 +849,7 @@
     </p:spTree>
     <p:extLst>
       <p:ext uri="{BB962C8B-B14F-4D97-AF65-F5344CB8AC3E}">
-        <p14:creationId xmlns:p14="http://schemas.microsoft.com/office/powerpoint/2010/main" xmlns="" val="1559280179"/>
+        <p14:creationId xmlns="" xmlns:p14="http://schemas.microsoft.com/office/powerpoint/2010/main" val="1559280179"/>
       </p:ext>
     </p:extLst>
   </p:cSld>
@@ -958,7 +958,7 @@
     </p:spTree>
     <p:extLst>
       <p:ext uri="{BB962C8B-B14F-4D97-AF65-F5344CB8AC3E}">
-        <p14:creationId xmlns:p14="http://schemas.microsoft.com/office/powerpoint/2010/main" xmlns="" val="654581963"/>
+        <p14:creationId xmlns="" xmlns:p14="http://schemas.microsoft.com/office/powerpoint/2010/main" val="654581963"/>
       </p:ext>
     </p:extLst>
   </p:cSld>
@@ -1067,7 +1067,7 @@
     </p:spTree>
     <p:extLst>
       <p:ext uri="{BB962C8B-B14F-4D97-AF65-F5344CB8AC3E}">
-        <p14:creationId xmlns:p14="http://schemas.microsoft.com/office/powerpoint/2010/main" xmlns="" val="1021492477"/>
+        <p14:creationId xmlns="" xmlns:p14="http://schemas.microsoft.com/office/powerpoint/2010/main" val="1021492477"/>
       </p:ext>
     </p:extLst>
   </p:cSld>
@@ -1176,7 +1176,7 @@
     </p:spTree>
     <p:extLst>
       <p:ext uri="{BB962C8B-B14F-4D97-AF65-F5344CB8AC3E}">
-        <p14:creationId xmlns:p14="http://schemas.microsoft.com/office/powerpoint/2010/main" xmlns="" val="81659188"/>
+        <p14:creationId xmlns="" xmlns:p14="http://schemas.microsoft.com/office/powerpoint/2010/main" val="81659188"/>
       </p:ext>
     </p:extLst>
   </p:cSld>
@@ -1285,7 +1285,7 @@
     </p:spTree>
     <p:extLst>
       <p:ext uri="{BB962C8B-B14F-4D97-AF65-F5344CB8AC3E}">
-        <p14:creationId xmlns:p14="http://schemas.microsoft.com/office/powerpoint/2010/main" xmlns="" val="1085354930"/>
+        <p14:creationId xmlns="" xmlns:p14="http://schemas.microsoft.com/office/powerpoint/2010/main" val="1085354930"/>
       </p:ext>
     </p:extLst>
   </p:cSld>
@@ -1394,7 +1394,7 @@
     </p:spTree>
     <p:extLst>
       <p:ext uri="{BB962C8B-B14F-4D97-AF65-F5344CB8AC3E}">
-        <p14:creationId xmlns:p14="http://schemas.microsoft.com/office/powerpoint/2010/main" xmlns="" val="1021492477"/>
+        <p14:creationId xmlns="" xmlns:p14="http://schemas.microsoft.com/office/powerpoint/2010/main" val="1021492477"/>
       </p:ext>
     </p:extLst>
   </p:cSld>
@@ -1503,7 +1503,7 @@
     </p:spTree>
     <p:extLst>
       <p:ext uri="{BB962C8B-B14F-4D97-AF65-F5344CB8AC3E}">
-        <p14:creationId xmlns:p14="http://schemas.microsoft.com/office/powerpoint/2010/main" xmlns="" val="2345650234"/>
+        <p14:creationId xmlns="" xmlns:p14="http://schemas.microsoft.com/office/powerpoint/2010/main" val="2345650234"/>
       </p:ext>
     </p:extLst>
   </p:cSld>
@@ -1612,7 +1612,7 @@
     </p:spTree>
     <p:extLst>
       <p:ext uri="{BB962C8B-B14F-4D97-AF65-F5344CB8AC3E}">
-        <p14:creationId xmlns:p14="http://schemas.microsoft.com/office/powerpoint/2010/main" xmlns="" val="1600546733"/>
+        <p14:creationId xmlns="" xmlns:p14="http://schemas.microsoft.com/office/powerpoint/2010/main" val="1600546733"/>
       </p:ext>
     </p:extLst>
   </p:cSld>
@@ -1721,7 +1721,7 @@
     </p:spTree>
     <p:extLst>
       <p:ext uri="{BB962C8B-B14F-4D97-AF65-F5344CB8AC3E}">
-        <p14:creationId xmlns:p14="http://schemas.microsoft.com/office/powerpoint/2010/main" xmlns="" val="929042244"/>
+        <p14:creationId xmlns="" xmlns:p14="http://schemas.microsoft.com/office/powerpoint/2010/main" val="929042244"/>
       </p:ext>
     </p:extLst>
   </p:cSld>
@@ -1830,7 +1830,7 @@
     </p:spTree>
     <p:extLst>
       <p:ext uri="{BB962C8B-B14F-4D97-AF65-F5344CB8AC3E}">
-        <p14:creationId xmlns:p14="http://schemas.microsoft.com/office/powerpoint/2010/main" xmlns="" val="3690528726"/>
+        <p14:creationId xmlns="" xmlns:p14="http://schemas.microsoft.com/office/powerpoint/2010/main" val="3690528726"/>
       </p:ext>
     </p:extLst>
   </p:cSld>
@@ -1939,7 +1939,7 @@
     </p:spTree>
     <p:extLst>
       <p:ext uri="{BB962C8B-B14F-4D97-AF65-F5344CB8AC3E}">
-        <p14:creationId xmlns:p14="http://schemas.microsoft.com/office/powerpoint/2010/main" xmlns="" val="2966755223"/>
+        <p14:creationId xmlns="" xmlns:p14="http://schemas.microsoft.com/office/powerpoint/2010/main" val="2966755223"/>
       </p:ext>
     </p:extLst>
   </p:cSld>
@@ -2152,7 +2152,7 @@
     </p:spTree>
     <p:extLst>
       <p:ext uri="{BB962C8B-B14F-4D97-AF65-F5344CB8AC3E}">
-        <p14:creationId xmlns:p14="http://schemas.microsoft.com/office/powerpoint/2010/main" xmlns="" val="1489464285"/>
+        <p14:creationId xmlns="" xmlns:p14="http://schemas.microsoft.com/office/powerpoint/2010/main" val="1489464285"/>
       </p:ext>
     </p:extLst>
   </p:cSld>
@@ -2261,7 +2261,7 @@
     </p:spTree>
     <p:extLst>
       <p:ext uri="{BB962C8B-B14F-4D97-AF65-F5344CB8AC3E}">
-        <p14:creationId xmlns:p14="http://schemas.microsoft.com/office/powerpoint/2010/main" xmlns="" val="2354118770"/>
+        <p14:creationId xmlns="" xmlns:p14="http://schemas.microsoft.com/office/powerpoint/2010/main" val="2354118770"/>
       </p:ext>
     </p:extLst>
   </p:cSld>
@@ -2370,7 +2370,7 @@
     </p:spTree>
     <p:extLst>
       <p:ext uri="{BB962C8B-B14F-4D97-AF65-F5344CB8AC3E}">
-        <p14:creationId xmlns:p14="http://schemas.microsoft.com/office/powerpoint/2010/main" xmlns="" val="3868859861"/>
+        <p14:creationId xmlns="" xmlns:p14="http://schemas.microsoft.com/office/powerpoint/2010/main" val="3868859861"/>
       </p:ext>
     </p:extLst>
   </p:cSld>
@@ -2479,7 +2479,7 @@
     </p:spTree>
     <p:extLst>
       <p:ext uri="{BB962C8B-B14F-4D97-AF65-F5344CB8AC3E}">
-        <p14:creationId xmlns:p14="http://schemas.microsoft.com/office/powerpoint/2010/main" xmlns="" val="4139684346"/>
+        <p14:creationId xmlns="" xmlns:p14="http://schemas.microsoft.com/office/powerpoint/2010/main" val="4139684346"/>
       </p:ext>
     </p:extLst>
   </p:cSld>
@@ -2588,7 +2588,7 @@
     </p:spTree>
     <p:extLst>
       <p:ext uri="{BB962C8B-B14F-4D97-AF65-F5344CB8AC3E}">
-        <p14:creationId xmlns:p14="http://schemas.microsoft.com/office/powerpoint/2010/main" xmlns="" val="1221438321"/>
+        <p14:creationId xmlns="" xmlns:p14="http://schemas.microsoft.com/office/powerpoint/2010/main" val="1221438321"/>
       </p:ext>
     </p:extLst>
   </p:cSld>
@@ -2697,7 +2697,7 @@
     </p:spTree>
     <p:extLst>
       <p:ext uri="{BB962C8B-B14F-4D97-AF65-F5344CB8AC3E}">
-        <p14:creationId xmlns:p14="http://schemas.microsoft.com/office/powerpoint/2010/main" xmlns="" val="1021492477"/>
+        <p14:creationId xmlns="" xmlns:p14="http://schemas.microsoft.com/office/powerpoint/2010/main" val="1021492477"/>
       </p:ext>
     </p:extLst>
   </p:cSld>
@@ -2806,7 +2806,7 @@
     </p:spTree>
     <p:extLst>
       <p:ext uri="{BB962C8B-B14F-4D97-AF65-F5344CB8AC3E}">
-        <p14:creationId xmlns:p14="http://schemas.microsoft.com/office/powerpoint/2010/main" xmlns="" val="2742090085"/>
+        <p14:creationId xmlns="" xmlns:p14="http://schemas.microsoft.com/office/powerpoint/2010/main" val="2742090085"/>
       </p:ext>
     </p:extLst>
   </p:cSld>
@@ -2915,7 +2915,7 @@
     </p:spTree>
     <p:extLst>
       <p:ext uri="{BB962C8B-B14F-4D97-AF65-F5344CB8AC3E}">
-        <p14:creationId xmlns:p14="http://schemas.microsoft.com/office/powerpoint/2010/main" xmlns="" val="3112099881"/>
+        <p14:creationId xmlns="" xmlns:p14="http://schemas.microsoft.com/office/powerpoint/2010/main" val="3112099881"/>
       </p:ext>
     </p:extLst>
   </p:cSld>
@@ -3024,7 +3024,7 @@
     </p:spTree>
     <p:extLst>
       <p:ext uri="{BB962C8B-B14F-4D97-AF65-F5344CB8AC3E}">
-        <p14:creationId xmlns:p14="http://schemas.microsoft.com/office/powerpoint/2010/main" xmlns="" val="1623211466"/>
+        <p14:creationId xmlns="" xmlns:p14="http://schemas.microsoft.com/office/powerpoint/2010/main" val="1623211466"/>
       </p:ext>
     </p:extLst>
   </p:cSld>
@@ -3133,7 +3133,7 @@
     </p:spTree>
     <p:extLst>
       <p:ext uri="{BB962C8B-B14F-4D97-AF65-F5344CB8AC3E}">
-        <p14:creationId xmlns:p14="http://schemas.microsoft.com/office/powerpoint/2010/main" xmlns="" val="1065436559"/>
+        <p14:creationId xmlns="" xmlns:p14="http://schemas.microsoft.com/office/powerpoint/2010/main" val="1065436559"/>
       </p:ext>
     </p:extLst>
   </p:cSld>
@@ -3242,7 +3242,7 @@
     </p:spTree>
     <p:extLst>
       <p:ext uri="{BB962C8B-B14F-4D97-AF65-F5344CB8AC3E}">
-        <p14:creationId xmlns:p14="http://schemas.microsoft.com/office/powerpoint/2010/main" xmlns="" val="3548652113"/>
+        <p14:creationId xmlns="" xmlns:p14="http://schemas.microsoft.com/office/powerpoint/2010/main" val="3548652113"/>
       </p:ext>
     </p:extLst>
   </p:cSld>
@@ -3351,7 +3351,7 @@
     </p:spTree>
     <p:extLst>
       <p:ext uri="{BB962C8B-B14F-4D97-AF65-F5344CB8AC3E}">
-        <p14:creationId xmlns:p14="http://schemas.microsoft.com/office/powerpoint/2010/main" xmlns="" val="129939661"/>
+        <p14:creationId xmlns="" xmlns:p14="http://schemas.microsoft.com/office/powerpoint/2010/main" val="129939661"/>
       </p:ext>
     </p:extLst>
   </p:cSld>
@@ -3460,7 +3460,7 @@
     </p:spTree>
     <p:extLst>
       <p:ext uri="{BB962C8B-B14F-4D97-AF65-F5344CB8AC3E}">
-        <p14:creationId xmlns:p14="http://schemas.microsoft.com/office/powerpoint/2010/main" xmlns="" val="575722545"/>
+        <p14:creationId xmlns="" xmlns:p14="http://schemas.microsoft.com/office/powerpoint/2010/main" val="575722545"/>
       </p:ext>
     </p:extLst>
   </p:cSld>
@@ -3569,7 +3569,7 @@
     </p:spTree>
     <p:extLst>
       <p:ext uri="{BB962C8B-B14F-4D97-AF65-F5344CB8AC3E}">
-        <p14:creationId xmlns:p14="http://schemas.microsoft.com/office/powerpoint/2010/main" xmlns="" val="1318932020"/>
+        <p14:creationId xmlns="" xmlns:p14="http://schemas.microsoft.com/office/powerpoint/2010/main" val="1318932020"/>
       </p:ext>
     </p:extLst>
   </p:cSld>
@@ -3678,7 +3678,7 @@
     </p:spTree>
     <p:extLst>
       <p:ext uri="{BB962C8B-B14F-4D97-AF65-F5344CB8AC3E}">
-        <p14:creationId xmlns:p14="http://schemas.microsoft.com/office/powerpoint/2010/main" xmlns="" val="1318932020"/>
+        <p14:creationId xmlns="" xmlns:p14="http://schemas.microsoft.com/office/powerpoint/2010/main" val="1318932020"/>
       </p:ext>
     </p:extLst>
   </p:cSld>
@@ -3787,7 +3787,7 @@
     </p:spTree>
     <p:extLst>
       <p:ext uri="{BB962C8B-B14F-4D97-AF65-F5344CB8AC3E}">
-        <p14:creationId xmlns:p14="http://schemas.microsoft.com/office/powerpoint/2010/main" xmlns="" val="944237588"/>
+        <p14:creationId xmlns="" xmlns:p14="http://schemas.microsoft.com/office/powerpoint/2010/main" val="944237588"/>
       </p:ext>
     </p:extLst>
   </p:cSld>
@@ -5144,7 +5144,7 @@
     </p:spTree>
     <p:extLst>
       <p:ext uri="{BB962C8B-B14F-4D97-AF65-F5344CB8AC3E}">
-        <p14:creationId xmlns:p14="http://schemas.microsoft.com/office/powerpoint/2010/main" xmlns="" val="1094642682"/>
+        <p14:creationId xmlns="" xmlns:p14="http://schemas.microsoft.com/office/powerpoint/2010/main" val="1094642682"/>
       </p:ext>
     </p:extLst>
   </p:cSld>
@@ -9157,7 +9157,7 @@
   </p:clrMapOvr>
   <p:extLst>
     <p:ext uri="{DCECCB84-F9BA-43D5-87BE-67443E8EF086}">
-      <p15:sldGuideLst xmlns:p15="http://schemas.microsoft.com/office/powerpoint/2012/main" xmlns="">
+      <p15:sldGuideLst xmlns="" xmlns:p15="http://schemas.microsoft.com/office/powerpoint/2012/main">
         <p15:guide id="1" pos="397">
           <p15:clr>
             <a:srgbClr val="FA7B17"/>
@@ -12355,7 +12355,7 @@
     </p:spTree>
     <p:extLst>
       <p:ext uri="{BB962C8B-B14F-4D97-AF65-F5344CB8AC3E}">
-        <p14:creationId xmlns:p14="http://schemas.microsoft.com/office/powerpoint/2010/main" xmlns="" val="4136653412"/>
+        <p14:creationId xmlns="" xmlns:p14="http://schemas.microsoft.com/office/powerpoint/2010/main" val="4136653412"/>
       </p:ext>
     </p:extLst>
   </p:cSld>
@@ -12483,20 +12483,14 @@
       </p:sp>
       <p:pic>
         <p:nvPicPr>
-          <p:cNvPr id="1026" name="Picture 2" descr="https://learn.microsoft.com/en-us/dotnet/csharp/linq/standard-query-operators/media/filtering-data/linq-filter-operation.png"/>
+          <p:cNvPr id="65538" name="Picture 2" descr="Методы очистки питьевой воды коагуляцией и фильтрацией"/>
           <p:cNvPicPr>
             <a:picLocks noChangeAspect="1" noChangeArrowheads="1"/>
           </p:cNvPicPr>
           <p:nvPr/>
         </p:nvPicPr>
         <p:blipFill>
-          <a:blip r:embed="rId3">
-            <a:extLst>
-              <a:ext uri="{28A0092B-C50C-407E-A947-70E740481C1C}">
-                <a14:useLocalDpi xmlns:a14="http://schemas.microsoft.com/office/drawing/2010/main" xmlns="" val="0"/>
-              </a:ext>
-            </a:extLst>
-          </a:blip>
+          <a:blip r:embed="rId3"/>
           <a:srcRect/>
           <a:stretch>
             <a:fillRect/>
@@ -12504,28 +12498,19 @@
         </p:blipFill>
         <p:spPr bwMode="auto">
           <a:xfrm>
-            <a:off x="2699992" y="1961322"/>
-            <a:ext cx="2952750" cy="1276350"/>
+            <a:off x="3226157" y="1595336"/>
+            <a:ext cx="2837553" cy="3193071"/>
           </a:xfrm>
           <a:prstGeom prst="rect">
             <a:avLst/>
           </a:prstGeom>
           <a:noFill/>
-          <a:extLst>
-            <a:ext uri="{909E8E84-426E-40DD-AFC4-6F175D3DCCD1}">
-              <a14:hiddenFill xmlns:a14="http://schemas.microsoft.com/office/drawing/2010/main" xmlns="">
-                <a:solidFill>
-                  <a:srgbClr val="FFFFFF"/>
-                </a:solidFill>
-              </a14:hiddenFill>
-            </a:ext>
-          </a:extLst>
         </p:spPr>
       </p:pic>
     </p:spTree>
     <p:extLst>
       <p:ext uri="{BB962C8B-B14F-4D97-AF65-F5344CB8AC3E}">
-        <p14:creationId xmlns:p14="http://schemas.microsoft.com/office/powerpoint/2010/main" xmlns="" val="4046313098"/>
+        <p14:creationId xmlns="" xmlns:p14="http://schemas.microsoft.com/office/powerpoint/2010/main" val="4046313098"/>
       </p:ext>
     </p:extLst>
   </p:cSld>
@@ -12533,7 +12518,7 @@
     <a:masterClrMapping/>
   </p:clrMapOvr>
   <mc:AlternateContent xmlns:mc="http://schemas.openxmlformats.org/markup-compatibility/2006">
-    <mc:Choice xmlns:p14="http://schemas.microsoft.com/office/powerpoint/2010/main" xmlns="" Requires="p14">
+    <mc:Choice xmlns="" xmlns:p14="http://schemas.microsoft.com/office/powerpoint/2010/main" Requires="p14">
       <p:transition spd="slow" p14:dur="2000"/>
     </mc:Choice>
     <mc:Fallback>
@@ -12729,10 +12714,51 @@
           </a:p>
         </p:txBody>
       </p:sp>
+      <p:pic>
+        <p:nvPicPr>
+          <p:cNvPr id="4" name="Picture 2" descr="https://learn.microsoft.com/en-us/dotnet/csharp/linq/standard-query-operators/media/filtering-data/linq-filter-operation.png"/>
+          <p:cNvPicPr>
+            <a:picLocks noChangeAspect="1" noChangeArrowheads="1"/>
+          </p:cNvPicPr>
+          <p:nvPr/>
+        </p:nvPicPr>
+        <p:blipFill>
+          <a:blip r:embed="rId5">
+            <a:extLst>
+              <a:ext uri="{28A0092B-C50C-407E-A947-70E740481C1C}">
+                <a14:useLocalDpi xmlns="" xmlns:a14="http://schemas.microsoft.com/office/drawing/2010/main" val="0"/>
+              </a:ext>
+            </a:extLst>
+          </a:blip>
+          <a:srcRect/>
+          <a:stretch>
+            <a:fillRect/>
+          </a:stretch>
+        </p:blipFill>
+        <p:spPr bwMode="auto">
+          <a:xfrm>
+            <a:off x="2972366" y="2746020"/>
+            <a:ext cx="2952750" cy="1276350"/>
+          </a:xfrm>
+          <a:prstGeom prst="rect">
+            <a:avLst/>
+          </a:prstGeom>
+          <a:noFill/>
+          <a:extLst>
+            <a:ext uri="{909E8E84-426E-40DD-AFC4-6F175D3DCCD1}">
+              <a14:hiddenFill xmlns="" xmlns:a14="http://schemas.microsoft.com/office/drawing/2010/main">
+                <a:solidFill>
+                  <a:srgbClr val="FFFFFF"/>
+                </a:solidFill>
+              </a14:hiddenFill>
+            </a:ext>
+          </a:extLst>
+        </p:spPr>
+      </p:pic>
     </p:spTree>
     <p:extLst>
       <p:ext uri="{BB962C8B-B14F-4D97-AF65-F5344CB8AC3E}">
-        <p14:creationId xmlns:p14="http://schemas.microsoft.com/office/powerpoint/2010/main" xmlns="" val="3413217380"/>
+        <p14:creationId xmlns="" xmlns:p14="http://schemas.microsoft.com/office/powerpoint/2010/main" val="3413217380"/>
       </p:ext>
     </p:extLst>
   </p:cSld>
@@ -12740,7 +12766,7 @@
     <a:masterClrMapping/>
   </p:clrMapOvr>
   <mc:AlternateContent xmlns:mc="http://schemas.openxmlformats.org/markup-compatibility/2006">
-    <mc:Choice xmlns:p14="http://schemas.microsoft.com/office/powerpoint/2010/main" xmlns="" Requires="p14">
+    <mc:Choice xmlns="" xmlns:p14="http://schemas.microsoft.com/office/powerpoint/2010/main" Requires="p14">
       <p:transition spd="slow" p14:dur="2000"/>
     </mc:Choice>
     <mc:Fallback>
@@ -12819,7 +12845,7 @@
     </p:spTree>
     <p:extLst>
       <p:ext uri="{BB962C8B-B14F-4D97-AF65-F5344CB8AC3E}">
-        <p14:creationId xmlns:p14="http://schemas.microsoft.com/office/powerpoint/2010/main" xmlns="" val="1662565824"/>
+        <p14:creationId xmlns="" xmlns:p14="http://schemas.microsoft.com/office/powerpoint/2010/main" val="1662565824"/>
       </p:ext>
     </p:extLst>
   </p:cSld>
@@ -12827,7 +12853,7 @@
     <a:masterClrMapping/>
   </p:clrMapOvr>
   <mc:AlternateContent xmlns:mc="http://schemas.openxmlformats.org/markup-compatibility/2006">
-    <mc:Choice xmlns:p14="http://schemas.microsoft.com/office/powerpoint/2010/main" xmlns="" Requires="p14">
+    <mc:Choice xmlns="" xmlns:p14="http://schemas.microsoft.com/office/powerpoint/2010/main" Requires="p14">
       <p:transition spd="slow" p14:dur="2000"/>
     </mc:Choice>
     <mc:Fallback>
@@ -12952,25 +12978,7 @@
                 <a:cs typeface="Roboto"/>
                 <a:sym typeface="Roboto"/>
               </a:rPr>
-              <a:t> </a:t>
-            </a:r>
-            <a:r>
-              <a:rPr lang="ru-RU" sz="1300" dirty="0" smtClean="0">
-                <a:latin typeface="Roboto"/>
-                <a:ea typeface="Roboto"/>
-                <a:cs typeface="Roboto"/>
-                <a:sym typeface="Roboto"/>
-              </a:rPr>
-              <a:t>– это </a:t>
-            </a:r>
-            <a:r>
-              <a:rPr lang="ru-RU" sz="1300" dirty="0" smtClean="0">
-                <a:latin typeface="Roboto"/>
-                <a:ea typeface="Roboto"/>
-                <a:cs typeface="Roboto"/>
-                <a:sym typeface="Roboto"/>
-              </a:rPr>
-              <a:t>операция</a:t>
+              <a:t> – это операция</a:t>
             </a:r>
             <a:r>
               <a:rPr lang="en-US" sz="1300" dirty="0" smtClean="0">
@@ -13003,12 +13011,6 @@
               </a:rPr>
               <a:t>.</a:t>
             </a:r>
-            <a:endParaRPr lang="ru-RU" sz="1300" dirty="0" smtClean="0">
-              <a:latin typeface="Roboto"/>
-              <a:ea typeface="Roboto"/>
-              <a:cs typeface="Roboto"/>
-              <a:sym typeface="Roboto"/>
-            </a:endParaRPr>
           </a:p>
         </p:txBody>
       </p:sp>
@@ -13041,7 +13043,7 @@
     </p:spTree>
     <p:extLst>
       <p:ext uri="{BB962C8B-B14F-4D97-AF65-F5344CB8AC3E}">
-        <p14:creationId xmlns:p14="http://schemas.microsoft.com/office/powerpoint/2010/main" xmlns="" val="280835527"/>
+        <p14:creationId xmlns="" xmlns:p14="http://schemas.microsoft.com/office/powerpoint/2010/main" val="280835527"/>
       </p:ext>
     </p:extLst>
   </p:cSld>
@@ -13049,7 +13051,7 @@
     <a:masterClrMapping/>
   </p:clrMapOvr>
   <mc:AlternateContent xmlns:mc="http://schemas.openxmlformats.org/markup-compatibility/2006">
-    <mc:Choice xmlns:p14="http://schemas.microsoft.com/office/powerpoint/2010/main" xmlns="" Requires="p14">
+    <mc:Choice xmlns="" xmlns:p14="http://schemas.microsoft.com/office/powerpoint/2010/main" Requires="p14">
       <p:transition spd="slow" p14:dur="2000"/>
     </mc:Choice>
     <mc:Fallback>
@@ -13264,7 +13266,7 @@
     </p:spTree>
     <p:extLst>
       <p:ext uri="{BB962C8B-B14F-4D97-AF65-F5344CB8AC3E}">
-        <p14:creationId xmlns:p14="http://schemas.microsoft.com/office/powerpoint/2010/main" xmlns="" val="3413217380"/>
+        <p14:creationId xmlns="" xmlns:p14="http://schemas.microsoft.com/office/powerpoint/2010/main" val="3413217380"/>
       </p:ext>
     </p:extLst>
   </p:cSld>
@@ -13272,7 +13274,7 @@
     <a:masterClrMapping/>
   </p:clrMapOvr>
   <mc:AlternateContent xmlns:mc="http://schemas.openxmlformats.org/markup-compatibility/2006">
-    <mc:Choice xmlns:p14="http://schemas.microsoft.com/office/powerpoint/2010/main" xmlns="" Requires="p14">
+    <mc:Choice xmlns="" xmlns:p14="http://schemas.microsoft.com/office/powerpoint/2010/main" Requires="p14">
       <p:transition spd="slow" p14:dur="2000"/>
     </mc:Choice>
     <mc:Fallback>
@@ -13351,7 +13353,7 @@
     </p:spTree>
     <p:extLst>
       <p:ext uri="{BB962C8B-B14F-4D97-AF65-F5344CB8AC3E}">
-        <p14:creationId xmlns:p14="http://schemas.microsoft.com/office/powerpoint/2010/main" xmlns="" val="4118962620"/>
+        <p14:creationId xmlns="" xmlns:p14="http://schemas.microsoft.com/office/powerpoint/2010/main" val="4118962620"/>
       </p:ext>
     </p:extLst>
   </p:cSld>
@@ -13359,7 +13361,7 @@
     <a:masterClrMapping/>
   </p:clrMapOvr>
   <mc:AlternateContent xmlns:mc="http://schemas.openxmlformats.org/markup-compatibility/2006">
-    <mc:Choice xmlns:p14="http://schemas.microsoft.com/office/powerpoint/2010/main" xmlns="" Requires="p14">
+    <mc:Choice xmlns="" xmlns:p14="http://schemas.microsoft.com/office/powerpoint/2010/main" Requires="p14">
       <p:transition spd="slow" p14:dur="2000"/>
     </mc:Choice>
     <mc:Fallback>
@@ -13495,7 +13497,16 @@
                 <a:cs typeface="Roboto"/>
                 <a:sym typeface="Roboto"/>
               </a:rPr>
-              <a:t> в данном случае понимаются операции запросов, которые создают результирующий набор присутствия или отсутствия эквивалентных элементов в одной или отдельной коллекциях.</a:t>
+              <a:t> в данном случае понимаются операции запросов, которые создают результирующий набор присутствия или отсутствия эквивалентных элементов в одной или отдельной коллекциях</a:t>
+            </a:r>
+            <a:r>
+              <a:rPr lang="ru-RU" sz="1300" dirty="0" smtClean="0">
+                <a:latin typeface="Roboto"/>
+                <a:ea typeface="Roboto"/>
+                <a:cs typeface="Roboto"/>
+                <a:sym typeface="Roboto"/>
+              </a:rPr>
+              <a:t>.</a:t>
             </a:r>
           </a:p>
           <a:p>
@@ -13508,7 +13519,7 @@
               </a:spcBef>
             </a:pPr>
             <a:r>
-              <a:rPr lang="en-US" u="sng" dirty="0">
+              <a:rPr lang="en-US" u="sng" dirty="0" smtClean="0">
                 <a:hlinkClick r:id="rId3"/>
               </a:rPr>
               <a:t>Distinct</a:t>
@@ -13541,6 +13552,7 @@
               <a:rPr lang="ru-RU" dirty="0" smtClean="0"/>
               <a:t> – возвращает уникальные элементы последовательности. Можно также сказать, что удаляет дубликаты.</a:t>
             </a:r>
+            <a:endParaRPr lang="ru-RU" dirty="0" smtClean="0"/>
           </a:p>
         </p:txBody>
       </p:sp>
@@ -13556,7 +13568,7 @@
           <a:blip r:embed="rId5">
             <a:extLst>
               <a:ext uri="{28A0092B-C50C-407E-A947-70E740481C1C}">
-                <a14:useLocalDpi xmlns:a14="http://schemas.microsoft.com/office/drawing/2010/main" xmlns="" val="0"/>
+                <a14:useLocalDpi xmlns="" xmlns:a14="http://schemas.microsoft.com/office/drawing/2010/main" val="0"/>
               </a:ext>
             </a:extLst>
           </a:blip>
@@ -13576,7 +13588,7 @@
           <a:noFill/>
           <a:extLst>
             <a:ext uri="{909E8E84-426E-40DD-AFC4-6F175D3DCCD1}">
-              <a14:hiddenFill xmlns:a14="http://schemas.microsoft.com/office/drawing/2010/main" xmlns="">
+              <a14:hiddenFill xmlns="" xmlns:a14="http://schemas.microsoft.com/office/drawing/2010/main">
                 <a:solidFill>
                   <a:srgbClr val="FFFFFF"/>
                 </a:solidFill>
@@ -13663,7 +13675,7 @@
           <a:blip r:embed="rId8">
             <a:extLst>
               <a:ext uri="{28A0092B-C50C-407E-A947-70E740481C1C}">
-                <a14:useLocalDpi xmlns:a14="http://schemas.microsoft.com/office/drawing/2010/main" xmlns="" val="0"/>
+                <a14:useLocalDpi xmlns="" xmlns:a14="http://schemas.microsoft.com/office/drawing/2010/main" val="0"/>
               </a:ext>
             </a:extLst>
           </a:blip>
@@ -13683,7 +13695,7 @@
           <a:noFill/>
           <a:extLst>
             <a:ext uri="{909E8E84-426E-40DD-AFC4-6F175D3DCCD1}">
-              <a14:hiddenFill xmlns:a14="http://schemas.microsoft.com/office/drawing/2010/main" xmlns="">
+              <a14:hiddenFill xmlns="" xmlns:a14="http://schemas.microsoft.com/office/drawing/2010/main">
                 <a:solidFill>
                   <a:srgbClr val="FFFFFF"/>
                 </a:solidFill>
@@ -13695,7 +13707,7 @@
     </p:spTree>
     <p:extLst>
       <p:ext uri="{BB962C8B-B14F-4D97-AF65-F5344CB8AC3E}">
-        <p14:creationId xmlns:p14="http://schemas.microsoft.com/office/powerpoint/2010/main" xmlns="" val="2305462432"/>
+        <p14:creationId xmlns="" xmlns:p14="http://schemas.microsoft.com/office/powerpoint/2010/main" val="2305462432"/>
       </p:ext>
     </p:extLst>
   </p:cSld>
@@ -13703,7 +13715,7 @@
     <a:masterClrMapping/>
   </p:clrMapOvr>
   <mc:AlternateContent xmlns:mc="http://schemas.openxmlformats.org/markup-compatibility/2006">
-    <mc:Choice xmlns:p14="http://schemas.microsoft.com/office/powerpoint/2010/main" xmlns="" Requires="p14">
+    <mc:Choice xmlns="" xmlns:p14="http://schemas.microsoft.com/office/powerpoint/2010/main" Requires="p14">
       <p:transition spd="slow" p14:dur="2000"/>
     </mc:Choice>
     <mc:Fallback>
@@ -13928,7 +13940,7 @@
           <a:blip r:embed="rId7">
             <a:extLst>
               <a:ext uri="{28A0092B-C50C-407E-A947-70E740481C1C}">
-                <a14:useLocalDpi xmlns:a14="http://schemas.microsoft.com/office/drawing/2010/main" xmlns="" val="0"/>
+                <a14:useLocalDpi xmlns="" xmlns:a14="http://schemas.microsoft.com/office/drawing/2010/main" val="0"/>
               </a:ext>
             </a:extLst>
           </a:blip>
@@ -13948,7 +13960,7 @@
           <a:noFill/>
           <a:extLst>
             <a:ext uri="{909E8E84-426E-40DD-AFC4-6F175D3DCCD1}">
-              <a14:hiddenFill xmlns:a14="http://schemas.microsoft.com/office/drawing/2010/main" xmlns="">
+              <a14:hiddenFill xmlns="" xmlns:a14="http://schemas.microsoft.com/office/drawing/2010/main">
                 <a:solidFill>
                   <a:srgbClr val="FFFFFF"/>
                 </a:solidFill>
@@ -13969,7 +13981,7 @@
           <a:blip r:embed="rId8">
             <a:extLst>
               <a:ext uri="{28A0092B-C50C-407E-A947-70E740481C1C}">
-                <a14:useLocalDpi xmlns:a14="http://schemas.microsoft.com/office/drawing/2010/main" xmlns="" val="0"/>
+                <a14:useLocalDpi xmlns="" xmlns:a14="http://schemas.microsoft.com/office/drawing/2010/main" val="0"/>
               </a:ext>
             </a:extLst>
           </a:blip>
@@ -13989,7 +14001,7 @@
           <a:noFill/>
           <a:extLst>
             <a:ext uri="{909E8E84-426E-40DD-AFC4-6F175D3DCCD1}">
-              <a14:hiddenFill xmlns:a14="http://schemas.microsoft.com/office/drawing/2010/main" xmlns="">
+              <a14:hiddenFill xmlns="" xmlns:a14="http://schemas.microsoft.com/office/drawing/2010/main">
                 <a:solidFill>
                   <a:srgbClr val="FFFFFF"/>
                 </a:solidFill>
@@ -14001,7 +14013,7 @@
     </p:spTree>
     <p:extLst>
       <p:ext uri="{BB962C8B-B14F-4D97-AF65-F5344CB8AC3E}">
-        <p14:creationId xmlns:p14="http://schemas.microsoft.com/office/powerpoint/2010/main" xmlns="" val="3055765978"/>
+        <p14:creationId xmlns="" xmlns:p14="http://schemas.microsoft.com/office/powerpoint/2010/main" val="3055765978"/>
       </p:ext>
     </p:extLst>
   </p:cSld>
@@ -14009,7 +14021,7 @@
     <a:masterClrMapping/>
   </p:clrMapOvr>
   <mc:AlternateContent xmlns:mc="http://schemas.openxmlformats.org/markup-compatibility/2006">
-    <mc:Choice xmlns:p14="http://schemas.microsoft.com/office/powerpoint/2010/main" xmlns="" Requires="p14">
+    <mc:Choice xmlns="" xmlns:p14="http://schemas.microsoft.com/office/powerpoint/2010/main" Requires="p14">
       <p:transition spd="slow" p14:dur="2000"/>
     </mc:Choice>
     <mc:Fallback>
@@ -14080,7 +14092,7 @@
     </p:spTree>
     <p:extLst>
       <p:ext uri="{BB962C8B-B14F-4D97-AF65-F5344CB8AC3E}">
-        <p14:creationId xmlns:p14="http://schemas.microsoft.com/office/powerpoint/2010/main" xmlns="" val="2409115406"/>
+        <p14:creationId xmlns="" xmlns:p14="http://schemas.microsoft.com/office/powerpoint/2010/main" val="2409115406"/>
       </p:ext>
     </p:extLst>
   </p:cSld>
@@ -14088,7 +14100,7 @@
     <a:masterClrMapping/>
   </p:clrMapOvr>
   <mc:AlternateContent xmlns:mc="http://schemas.openxmlformats.org/markup-compatibility/2006">
-    <mc:Choice xmlns:p14="http://schemas.microsoft.com/office/powerpoint/2010/main" xmlns="" Requires="p14">
+    <mc:Choice xmlns="" xmlns:p14="http://schemas.microsoft.com/office/powerpoint/2010/main" Requires="p14">
       <p:transition spd="slow" p14:dur="2000"/>
     </mc:Choice>
     <mc:Fallback>
@@ -14397,7 +14409,7 @@
           <a:blip r:embed="rId5">
             <a:extLst>
               <a:ext uri="{28A0092B-C50C-407E-A947-70E740481C1C}">
-                <a14:useLocalDpi xmlns:a14="http://schemas.microsoft.com/office/drawing/2010/main" xmlns="" val="0"/>
+                <a14:useLocalDpi xmlns="" xmlns:a14="http://schemas.microsoft.com/office/drawing/2010/main" val="0"/>
               </a:ext>
             </a:extLst>
           </a:blip>
@@ -14417,7 +14429,7 @@
           <a:noFill/>
           <a:extLst>
             <a:ext uri="{909E8E84-426E-40DD-AFC4-6F175D3DCCD1}">
-              <a14:hiddenFill xmlns:a14="http://schemas.microsoft.com/office/drawing/2010/main" xmlns="">
+              <a14:hiddenFill xmlns="" xmlns:a14="http://schemas.microsoft.com/office/drawing/2010/main">
                 <a:solidFill>
                   <a:srgbClr val="FFFFFF"/>
                 </a:solidFill>
@@ -14429,7 +14441,7 @@
     </p:spTree>
     <p:extLst>
       <p:ext uri="{BB962C8B-B14F-4D97-AF65-F5344CB8AC3E}">
-        <p14:creationId xmlns:p14="http://schemas.microsoft.com/office/powerpoint/2010/main" xmlns="" val="212902253"/>
+        <p14:creationId xmlns="" xmlns:p14="http://schemas.microsoft.com/office/powerpoint/2010/main" val="212902253"/>
       </p:ext>
     </p:extLst>
   </p:cSld>
@@ -14437,7 +14449,7 @@
     <a:masterClrMapping/>
   </p:clrMapOvr>
   <mc:AlternateContent xmlns:mc="http://schemas.openxmlformats.org/markup-compatibility/2006">
-    <mc:Choice xmlns:p14="http://schemas.microsoft.com/office/powerpoint/2010/main" xmlns="" Requires="p14">
+    <mc:Choice xmlns="" xmlns:p14="http://schemas.microsoft.com/office/powerpoint/2010/main" Requires="p14">
       <p:transition spd="slow" p14:dur="2000"/>
     </mc:Choice>
     <mc:Fallback>
@@ -15028,7 +15040,7 @@
     </p:spTree>
     <p:extLst>
       <p:ext uri="{BB962C8B-B14F-4D97-AF65-F5344CB8AC3E}">
-        <p14:creationId xmlns:p14="http://schemas.microsoft.com/office/powerpoint/2010/main" xmlns="" val="1643307161"/>
+        <p14:creationId xmlns="" xmlns:p14="http://schemas.microsoft.com/office/powerpoint/2010/main" val="1643307161"/>
       </p:ext>
     </p:extLst>
   </p:cSld>
@@ -15036,7 +15048,7 @@
     <a:masterClrMapping/>
   </p:clrMapOvr>
   <mc:AlternateContent xmlns:mc="http://schemas.openxmlformats.org/markup-compatibility/2006">
-    <mc:Choice xmlns:p14="http://schemas.microsoft.com/office/powerpoint/2010/main" xmlns="" Requires="p14">
+    <mc:Choice xmlns="" xmlns:p14="http://schemas.microsoft.com/office/powerpoint/2010/main" Requires="p14">
       <p:transition spd="slow" p14:dur="2000"/>
     </mc:Choice>
     <mc:Fallback>
@@ -15107,7 +15119,7 @@
     </p:spTree>
     <p:extLst>
       <p:ext uri="{BB962C8B-B14F-4D97-AF65-F5344CB8AC3E}">
-        <p14:creationId xmlns:p14="http://schemas.microsoft.com/office/powerpoint/2010/main" xmlns="" val="3680781265"/>
+        <p14:creationId xmlns="" xmlns:p14="http://schemas.microsoft.com/office/powerpoint/2010/main" val="3680781265"/>
       </p:ext>
     </p:extLst>
   </p:cSld>
@@ -15115,7 +15127,7 @@
     <a:masterClrMapping/>
   </p:clrMapOvr>
   <mc:AlternateContent xmlns:mc="http://schemas.openxmlformats.org/markup-compatibility/2006">
-    <mc:Choice xmlns:p14="http://schemas.microsoft.com/office/powerpoint/2010/main" xmlns="" Requires="p14">
+    <mc:Choice xmlns="" xmlns:p14="http://schemas.microsoft.com/office/powerpoint/2010/main" Requires="p14">
       <p:transition spd="slow" p14:dur="2000"/>
     </mc:Choice>
     <mc:Fallback>
@@ -15374,7 +15386,7 @@
           <a:blip r:embed="rId6">
             <a:extLst>
               <a:ext uri="{28A0092B-C50C-407E-A947-70E740481C1C}">
-                <a14:useLocalDpi xmlns:a14="http://schemas.microsoft.com/office/drawing/2010/main" xmlns="" val="0"/>
+                <a14:useLocalDpi xmlns="" xmlns:a14="http://schemas.microsoft.com/office/drawing/2010/main" val="0"/>
               </a:ext>
             </a:extLst>
           </a:blip>
@@ -15394,7 +15406,7 @@
           <a:noFill/>
           <a:extLst>
             <a:ext uri="{909E8E84-426E-40DD-AFC4-6F175D3DCCD1}">
-              <a14:hiddenFill xmlns:a14="http://schemas.microsoft.com/office/drawing/2010/main" xmlns="">
+              <a14:hiddenFill xmlns="" xmlns:a14="http://schemas.microsoft.com/office/drawing/2010/main">
                 <a:solidFill>
                   <a:srgbClr val="FFFFFF"/>
                 </a:solidFill>
@@ -15406,7 +15418,7 @@
     </p:spTree>
     <p:extLst>
       <p:ext uri="{BB962C8B-B14F-4D97-AF65-F5344CB8AC3E}">
-        <p14:creationId xmlns:p14="http://schemas.microsoft.com/office/powerpoint/2010/main" xmlns="" val="2592654393"/>
+        <p14:creationId xmlns="" xmlns:p14="http://schemas.microsoft.com/office/powerpoint/2010/main" val="2592654393"/>
       </p:ext>
     </p:extLst>
   </p:cSld>
@@ -15414,7 +15426,7 @@
     <a:masterClrMapping/>
   </p:clrMapOvr>
   <mc:AlternateContent xmlns:mc="http://schemas.openxmlformats.org/markup-compatibility/2006">
-    <mc:Choice xmlns:p14="http://schemas.microsoft.com/office/powerpoint/2010/main" xmlns="" Requires="p14">
+    <mc:Choice xmlns="" xmlns:p14="http://schemas.microsoft.com/office/powerpoint/2010/main" Requires="p14">
       <p:transition spd="slow" p14:dur="2000"/>
     </mc:Choice>
     <mc:Fallback>
@@ -15485,7 +15497,7 @@
     </p:spTree>
     <p:extLst>
       <p:ext uri="{BB962C8B-B14F-4D97-AF65-F5344CB8AC3E}">
-        <p14:creationId xmlns:p14="http://schemas.microsoft.com/office/powerpoint/2010/main" xmlns="" val="3068637521"/>
+        <p14:creationId xmlns="" xmlns:p14="http://schemas.microsoft.com/office/powerpoint/2010/main" val="3068637521"/>
       </p:ext>
     </p:extLst>
   </p:cSld>
@@ -15493,7 +15505,7 @@
     <a:masterClrMapping/>
   </p:clrMapOvr>
   <mc:AlternateContent xmlns:mc="http://schemas.openxmlformats.org/markup-compatibility/2006">
-    <mc:Choice xmlns:p14="http://schemas.microsoft.com/office/powerpoint/2010/main" xmlns="" Requires="p14">
+    <mc:Choice xmlns="" xmlns:p14="http://schemas.microsoft.com/office/powerpoint/2010/main" Requires="p14">
       <p:transition spd="slow" p14:dur="2000"/>
     </mc:Choice>
     <mc:Fallback>
@@ -15648,7 +15660,7 @@
     </p:spTree>
     <p:extLst>
       <p:ext uri="{BB962C8B-B14F-4D97-AF65-F5344CB8AC3E}">
-        <p14:creationId xmlns:p14="http://schemas.microsoft.com/office/powerpoint/2010/main" xmlns="" val="2286364354"/>
+        <p14:creationId xmlns="" xmlns:p14="http://schemas.microsoft.com/office/powerpoint/2010/main" val="2286364354"/>
       </p:ext>
     </p:extLst>
   </p:cSld>
@@ -15656,7 +15668,7 @@
     <a:masterClrMapping/>
   </p:clrMapOvr>
   <mc:AlternateContent xmlns:mc="http://schemas.openxmlformats.org/markup-compatibility/2006">
-    <mc:Choice xmlns:p14="http://schemas.microsoft.com/office/powerpoint/2010/main" xmlns="" Requires="p14">
+    <mc:Choice xmlns="" xmlns:p14="http://schemas.microsoft.com/office/powerpoint/2010/main" Requires="p14">
       <p:transition spd="slow" p14:dur="2000"/>
     </mc:Choice>
     <mc:Fallback>
@@ -15889,7 +15901,7 @@
     </p:spTree>
     <p:extLst>
       <p:ext uri="{BB962C8B-B14F-4D97-AF65-F5344CB8AC3E}">
-        <p14:creationId xmlns:p14="http://schemas.microsoft.com/office/powerpoint/2010/main" xmlns="" val="3413217380"/>
+        <p14:creationId xmlns="" xmlns:p14="http://schemas.microsoft.com/office/powerpoint/2010/main" val="3413217380"/>
       </p:ext>
     </p:extLst>
   </p:cSld>
@@ -15897,7 +15909,7 @@
     <a:masterClrMapping/>
   </p:clrMapOvr>
   <mc:AlternateContent xmlns:mc="http://schemas.openxmlformats.org/markup-compatibility/2006">
-    <mc:Choice xmlns:p14="http://schemas.microsoft.com/office/powerpoint/2010/main" xmlns="" Requires="p14">
+    <mc:Choice xmlns="" xmlns:p14="http://schemas.microsoft.com/office/powerpoint/2010/main" Requires="p14">
       <p:transition spd="slow" p14:dur="2000"/>
     </mc:Choice>
     <mc:Fallback>
@@ -15968,7 +15980,7 @@
     </p:spTree>
     <p:extLst>
       <p:ext uri="{BB962C8B-B14F-4D97-AF65-F5344CB8AC3E}">
-        <p14:creationId xmlns:p14="http://schemas.microsoft.com/office/powerpoint/2010/main" xmlns="" val="2759801090"/>
+        <p14:creationId xmlns="" xmlns:p14="http://schemas.microsoft.com/office/powerpoint/2010/main" val="2759801090"/>
       </p:ext>
     </p:extLst>
   </p:cSld>
@@ -15976,7 +15988,7 @@
     <a:masterClrMapping/>
   </p:clrMapOvr>
   <mc:AlternateContent xmlns:mc="http://schemas.openxmlformats.org/markup-compatibility/2006">
-    <mc:Choice xmlns:p14="http://schemas.microsoft.com/office/powerpoint/2010/main" xmlns="" Requires="p14">
+    <mc:Choice xmlns="" xmlns:p14="http://schemas.microsoft.com/office/powerpoint/2010/main" Requires="p14">
       <p:transition spd="slow" p14:dur="2000"/>
     </mc:Choice>
     <mc:Fallback>
@@ -16156,7 +16168,7 @@
     </p:spTree>
     <p:extLst>
       <p:ext uri="{BB962C8B-B14F-4D97-AF65-F5344CB8AC3E}">
-        <p14:creationId xmlns:p14="http://schemas.microsoft.com/office/powerpoint/2010/main" xmlns="" val="2868777987"/>
+        <p14:creationId xmlns="" xmlns:p14="http://schemas.microsoft.com/office/powerpoint/2010/main" val="2868777987"/>
       </p:ext>
     </p:extLst>
   </p:cSld>
@@ -16164,7 +16176,7 @@
     <a:masterClrMapping/>
   </p:clrMapOvr>
   <mc:AlternateContent xmlns:mc="http://schemas.openxmlformats.org/markup-compatibility/2006">
-    <mc:Choice xmlns:p14="http://schemas.microsoft.com/office/powerpoint/2010/main" xmlns="" Requires="p14">
+    <mc:Choice xmlns="" xmlns:p14="http://schemas.microsoft.com/office/powerpoint/2010/main" Requires="p14">
       <p:transition spd="slow" p14:dur="2000"/>
     </mc:Choice>
     <mc:Fallback>
@@ -16235,7 +16247,7 @@
     </p:spTree>
     <p:extLst>
       <p:ext uri="{BB962C8B-B14F-4D97-AF65-F5344CB8AC3E}">
-        <p14:creationId xmlns:p14="http://schemas.microsoft.com/office/powerpoint/2010/main" xmlns="" val="1261440625"/>
+        <p14:creationId xmlns="" xmlns:p14="http://schemas.microsoft.com/office/powerpoint/2010/main" val="1261440625"/>
       </p:ext>
     </p:extLst>
   </p:cSld>
@@ -16243,7 +16255,7 @@
     <a:masterClrMapping/>
   </p:clrMapOvr>
   <mc:AlternateContent xmlns:mc="http://schemas.openxmlformats.org/markup-compatibility/2006">
-    <mc:Choice xmlns:p14="http://schemas.microsoft.com/office/powerpoint/2010/main" xmlns="" Requires="p14">
+    <mc:Choice xmlns="" xmlns:p14="http://schemas.microsoft.com/office/powerpoint/2010/main" Requires="p14">
       <p:transition spd="slow" p14:dur="2000"/>
     </mc:Choice>
     <mc:Fallback>
@@ -16904,7 +16916,7 @@
     </p:spTree>
     <p:extLst>
       <p:ext uri="{BB962C8B-B14F-4D97-AF65-F5344CB8AC3E}">
-        <p14:creationId xmlns:p14="http://schemas.microsoft.com/office/powerpoint/2010/main" xmlns="" val="3965022812"/>
+        <p14:creationId xmlns="" xmlns:p14="http://schemas.microsoft.com/office/powerpoint/2010/main" val="3965022812"/>
       </p:ext>
     </p:extLst>
   </p:cSld>
@@ -16912,7 +16924,7 @@
     <a:masterClrMapping/>
   </p:clrMapOvr>
   <mc:AlternateContent xmlns:mc="http://schemas.openxmlformats.org/markup-compatibility/2006">
-    <mc:Choice xmlns:p14="http://schemas.microsoft.com/office/powerpoint/2010/main" xmlns="" Requires="p14">
+    <mc:Choice xmlns="" xmlns:p14="http://schemas.microsoft.com/office/powerpoint/2010/main" Requires="p14">
       <p:transition spd="slow" p14:dur="2000"/>
     </mc:Choice>
     <mc:Fallback>
@@ -17345,19 +17357,7 @@
                 <a:cs typeface="Roboto"/>
                 <a:sym typeface="Roboto"/>
               </a:rPr>
-              <a:t>C# </a:t>
-            </a:r>
-            <a:r>
-              <a:rPr lang="en-US" sz="1300" i="1" dirty="0" smtClean="0">
-                <a:solidFill>
-                  <a:schemeClr val="dk1"/>
-                </a:solidFill>
-                <a:latin typeface="Roboto"/>
-                <a:ea typeface="Roboto"/>
-                <a:cs typeface="Roboto"/>
-                <a:sym typeface="Roboto"/>
-              </a:rPr>
-              <a:t>Basic</a:t>
+              <a:t>C# Basic</a:t>
             </a:r>
             <a:endParaRPr sz="1300" i="1">
               <a:solidFill>
@@ -17473,7 +17473,7 @@
     </p:spTree>
     <p:extLst>
       <p:ext uri="{BB962C8B-B14F-4D97-AF65-F5344CB8AC3E}">
-        <p14:creationId xmlns:p14="http://schemas.microsoft.com/office/powerpoint/2010/main" xmlns="" val="1849832399"/>
+        <p14:creationId xmlns="" xmlns:p14="http://schemas.microsoft.com/office/powerpoint/2010/main" val="1849832399"/>
       </p:ext>
     </p:extLst>
   </p:cSld>
@@ -17606,7 +17606,7 @@
           <a:blip r:embed="rId3">
             <a:extLst>
               <a:ext uri="{28A0092B-C50C-407E-A947-70E740481C1C}">
-                <a14:useLocalDpi xmlns:a14="http://schemas.microsoft.com/office/drawing/2010/main" xmlns="" val="0"/>
+                <a14:useLocalDpi xmlns="" xmlns:a14="http://schemas.microsoft.com/office/drawing/2010/main" val="0"/>
               </a:ext>
             </a:extLst>
           </a:blip>
@@ -17626,7 +17626,7 @@
           <a:noFill/>
           <a:extLst>
             <a:ext uri="{909E8E84-426E-40DD-AFC4-6F175D3DCCD1}">
-              <a14:hiddenFill xmlns:a14="http://schemas.microsoft.com/office/drawing/2010/main" xmlns="">
+              <a14:hiddenFill xmlns="" xmlns:a14="http://schemas.microsoft.com/office/drawing/2010/main">
                 <a:solidFill>
                   <a:srgbClr val="FFFFFF"/>
                 </a:solidFill>
@@ -17638,7 +17638,7 @@
     </p:spTree>
     <p:extLst>
       <p:ext uri="{BB962C8B-B14F-4D97-AF65-F5344CB8AC3E}">
-        <p14:creationId xmlns:p14="http://schemas.microsoft.com/office/powerpoint/2010/main" xmlns="" val="4207692567"/>
+        <p14:creationId xmlns="" xmlns:p14="http://schemas.microsoft.com/office/powerpoint/2010/main" val="4207692567"/>
       </p:ext>
     </p:extLst>
   </p:cSld>
@@ -17646,7 +17646,7 @@
     <a:masterClrMapping/>
   </p:clrMapOvr>
   <mc:AlternateContent xmlns:mc="http://schemas.openxmlformats.org/markup-compatibility/2006">
-    <mc:Choice xmlns:p14="http://schemas.microsoft.com/office/powerpoint/2010/main" xmlns="" Requires="p14">
+    <mc:Choice xmlns="" xmlns:p14="http://schemas.microsoft.com/office/powerpoint/2010/main" Requires="p14">
       <p:transition spd="slow" p14:dur="2000"/>
     </mc:Choice>
     <mc:Fallback>
@@ -17717,7 +17717,7 @@
     </p:spTree>
     <p:extLst>
       <p:ext uri="{BB962C8B-B14F-4D97-AF65-F5344CB8AC3E}">
-        <p14:creationId xmlns:p14="http://schemas.microsoft.com/office/powerpoint/2010/main" xmlns="" val="2230076095"/>
+        <p14:creationId xmlns="" xmlns:p14="http://schemas.microsoft.com/office/powerpoint/2010/main" val="2230076095"/>
       </p:ext>
     </p:extLst>
   </p:cSld>
@@ -17725,7 +17725,7 @@
     <a:masterClrMapping/>
   </p:clrMapOvr>
   <mc:AlternateContent xmlns:mc="http://schemas.openxmlformats.org/markup-compatibility/2006">
-    <mc:Choice xmlns:p14="http://schemas.microsoft.com/office/powerpoint/2010/main" xmlns="" Requires="p14">
+    <mc:Choice xmlns="" xmlns:p14="http://schemas.microsoft.com/office/powerpoint/2010/main" Requires="p14">
       <p:transition spd="slow" p14:dur="2000"/>
     </mc:Choice>
     <mc:Fallback>
@@ -17848,7 +17848,7 @@
           <a:blip r:embed="rId3">
             <a:extLst>
               <a:ext uri="{28A0092B-C50C-407E-A947-70E740481C1C}">
-                <a14:useLocalDpi xmlns:a14="http://schemas.microsoft.com/office/drawing/2010/main" xmlns="" val="0"/>
+                <a14:useLocalDpi xmlns="" xmlns:a14="http://schemas.microsoft.com/office/drawing/2010/main" val="0"/>
               </a:ext>
             </a:extLst>
           </a:blip>
@@ -17868,7 +17868,7 @@
           <a:noFill/>
           <a:extLst>
             <a:ext uri="{909E8E84-426E-40DD-AFC4-6F175D3DCCD1}">
-              <a14:hiddenFill xmlns:a14="http://schemas.microsoft.com/office/drawing/2010/main" xmlns="">
+              <a14:hiddenFill xmlns="" xmlns:a14="http://schemas.microsoft.com/office/drawing/2010/main">
                 <a:solidFill>
                   <a:srgbClr val="FFFFFF"/>
                 </a:solidFill>
@@ -17880,7 +17880,7 @@
     </p:spTree>
     <p:extLst>
       <p:ext uri="{BB962C8B-B14F-4D97-AF65-F5344CB8AC3E}">
-        <p14:creationId xmlns:p14="http://schemas.microsoft.com/office/powerpoint/2010/main" xmlns="" val="3775352260"/>
+        <p14:creationId xmlns="" xmlns:p14="http://schemas.microsoft.com/office/powerpoint/2010/main" val="3775352260"/>
       </p:ext>
     </p:extLst>
   </p:cSld>
@@ -17888,7 +17888,7 @@
     <a:masterClrMapping/>
   </p:clrMapOvr>
   <mc:AlternateContent xmlns:mc="http://schemas.openxmlformats.org/markup-compatibility/2006">
-    <mc:Choice xmlns:p14="http://schemas.microsoft.com/office/powerpoint/2010/main" xmlns="" Requires="p14">
+    <mc:Choice xmlns="" xmlns:p14="http://schemas.microsoft.com/office/powerpoint/2010/main" Requires="p14">
       <p:transition spd="slow" p14:dur="2000"/>
     </mc:Choice>
     <mc:Fallback>
@@ -18057,7 +18057,7 @@
     </p:spTree>
     <p:extLst>
       <p:ext uri="{BB962C8B-B14F-4D97-AF65-F5344CB8AC3E}">
-        <p14:creationId xmlns:p14="http://schemas.microsoft.com/office/powerpoint/2010/main" xmlns="" val="3775352260"/>
+        <p14:creationId xmlns="" xmlns:p14="http://schemas.microsoft.com/office/powerpoint/2010/main" val="3775352260"/>
       </p:ext>
     </p:extLst>
   </p:cSld>
@@ -18065,7 +18065,7 @@
     <a:masterClrMapping/>
   </p:clrMapOvr>
   <mc:AlternateContent xmlns:mc="http://schemas.openxmlformats.org/markup-compatibility/2006">
-    <mc:Choice xmlns:p14="http://schemas.microsoft.com/office/powerpoint/2010/main" xmlns="" Requires="p14">
+    <mc:Choice xmlns="" xmlns:p14="http://schemas.microsoft.com/office/powerpoint/2010/main" Requires="p14">
       <p:transition spd="slow" p14:dur="2000"/>
     </mc:Choice>
     <mc:Fallback>
@@ -18386,7 +18386,7 @@
     </p:spTree>
     <p:extLst>
       <p:ext uri="{BB962C8B-B14F-4D97-AF65-F5344CB8AC3E}">
-        <p14:creationId xmlns:p14="http://schemas.microsoft.com/office/powerpoint/2010/main" xmlns="" val="1674554651"/>
+        <p14:creationId xmlns="" xmlns:p14="http://schemas.microsoft.com/office/powerpoint/2010/main" val="1674554651"/>
       </p:ext>
     </p:extLst>
   </p:cSld>
@@ -18394,7 +18394,7 @@
     <a:masterClrMapping/>
   </p:clrMapOvr>
   <mc:AlternateContent xmlns:mc="http://schemas.openxmlformats.org/markup-compatibility/2006">
-    <mc:Choice xmlns:p14="http://schemas.microsoft.com/office/powerpoint/2010/main" xmlns="" Requires="p14">
+    <mc:Choice xmlns="" xmlns:p14="http://schemas.microsoft.com/office/powerpoint/2010/main" Requires="p14">
       <p:transition spd="slow" p14:dur="2000"/>
     </mc:Choice>
     <mc:Fallback>
@@ -18589,11 +18589,7 @@
             </a:r>
             <a:r>
               <a:rPr lang="ru-RU" dirty="0" smtClean="0"/>
-              <a:t>Вы сможете найти:</a:t>
-            </a:r>
-            <a:r>
-              <a:rPr lang="ru-RU" dirty="0" smtClean="0"/>
-              <a:t> </a:t>
+              <a:t>Вы сможете найти: </a:t>
             </a:r>
             <a:r>
               <a:rPr lang="ru-RU" dirty="0" smtClean="0">
@@ -19762,7 +19758,7 @@
           <p:nvPr>
             <p:extLst>
               <p:ext uri="{D42A27DB-BD31-4B8C-83A1-F6EECF244321}">
-                <p14:modId xmlns:p14="http://schemas.microsoft.com/office/powerpoint/2010/main" xmlns="" val="2263411008"/>
+                <p14:modId xmlns="" xmlns:p14="http://schemas.microsoft.com/office/powerpoint/2010/main" val="2263411008"/>
               </p:ext>
             </p:extLst>
           </p:nvPr>
@@ -19782,14 +19778,14 @@
                 <a:gridCol w="489425">
                   <a:extLst>
                     <a:ext uri="{9D8B030D-6E8A-4147-A177-3AD203B41FA5}">
-                      <a16:colId xmlns:a16="http://schemas.microsoft.com/office/drawing/2014/main" xmlns="" val="20000"/>
+                      <a16:colId xmlns="" xmlns:a16="http://schemas.microsoft.com/office/drawing/2014/main" val="20000"/>
                     </a:ext>
                   </a:extLst>
                 </a:gridCol>
                 <a:gridCol w="6749575">
                   <a:extLst>
                     <a:ext uri="{9D8B030D-6E8A-4147-A177-3AD203B41FA5}">
-                      <a16:colId xmlns:a16="http://schemas.microsoft.com/office/drawing/2014/main" xmlns="" val="20001"/>
+                      <a16:colId xmlns="" xmlns:a16="http://schemas.microsoft.com/office/drawing/2014/main" val="20001"/>
                     </a:ext>
                   </a:extLst>
                 </a:gridCol>
@@ -19990,7 +19986,7 @@
                 </a:tc>
                 <a:extLst>
                   <a:ext uri="{0D108BD9-81ED-4DB2-BD59-A6C34878D82A}">
-                    <a16:rowId xmlns:a16="http://schemas.microsoft.com/office/drawing/2014/main" xmlns="" val="10000"/>
+                    <a16:rowId xmlns="" xmlns:a16="http://schemas.microsoft.com/office/drawing/2014/main" val="10000"/>
                   </a:ext>
                 </a:extLst>
               </a:tr>
@@ -20165,7 +20161,7 @@
                 </a:tc>
                 <a:extLst>
                   <a:ext uri="{0D108BD9-81ED-4DB2-BD59-A6C34878D82A}">
-                    <a16:rowId xmlns:a16="http://schemas.microsoft.com/office/drawing/2014/main" xmlns="" val="10001"/>
+                    <a16:rowId xmlns="" xmlns:a16="http://schemas.microsoft.com/office/drawing/2014/main" val="10001"/>
                   </a:ext>
                 </a:extLst>
               </a:tr>
@@ -20343,7 +20339,7 @@
                 </a:tc>
                 <a:extLst>
                   <a:ext uri="{0D108BD9-81ED-4DB2-BD59-A6C34878D82A}">
-                    <a16:rowId xmlns:a16="http://schemas.microsoft.com/office/drawing/2014/main" xmlns="" val="10002"/>
+                    <a16:rowId xmlns="" xmlns:a16="http://schemas.microsoft.com/office/drawing/2014/main" val="10002"/>
                   </a:ext>
                 </a:extLst>
               </a:tr>
@@ -20384,7 +20380,7 @@
     <a:masterClrMapping/>
   </p:clrMapOvr>
   <mc:AlternateContent xmlns:mc="http://schemas.openxmlformats.org/markup-compatibility/2006">
-    <mc:Choice xmlns:p14="http://schemas.microsoft.com/office/powerpoint/2010/main" xmlns="" Requires="p14">
+    <mc:Choice xmlns="" xmlns:p14="http://schemas.microsoft.com/office/powerpoint/2010/main" Requires="p14">
       <p:transition spd="slow" p14:dur="2000"/>
     </mc:Choice>
     <mc:Fallback>
@@ -21539,7 +21535,7 @@
           <p:nvPr>
             <p:extLst>
               <p:ext uri="{D42A27DB-BD31-4B8C-83A1-F6EECF244321}">
-                <p14:modId xmlns:p14="http://schemas.microsoft.com/office/powerpoint/2010/main" xmlns="" val="2263411008"/>
+                <p14:modId xmlns="" xmlns:p14="http://schemas.microsoft.com/office/powerpoint/2010/main" val="2263411008"/>
               </p:ext>
             </p:extLst>
           </p:nvPr>
@@ -21559,14 +21555,14 @@
                 <a:gridCol w="489425">
                   <a:extLst>
                     <a:ext uri="{9D8B030D-6E8A-4147-A177-3AD203B41FA5}">
-                      <a16:colId xmlns:a16="http://schemas.microsoft.com/office/drawing/2014/main" xmlns="" val="20000"/>
+                      <a16:colId xmlns="" xmlns:a16="http://schemas.microsoft.com/office/drawing/2014/main" val="20000"/>
                     </a:ext>
                   </a:extLst>
                 </a:gridCol>
                 <a:gridCol w="6749575">
                   <a:extLst>
                     <a:ext uri="{9D8B030D-6E8A-4147-A177-3AD203B41FA5}">
-                      <a16:colId xmlns:a16="http://schemas.microsoft.com/office/drawing/2014/main" xmlns="" val="20001"/>
+                      <a16:colId xmlns="" xmlns:a16="http://schemas.microsoft.com/office/drawing/2014/main" val="20001"/>
                     </a:ext>
                   </a:extLst>
                 </a:gridCol>
@@ -21767,7 +21763,7 @@
                 </a:tc>
                 <a:extLst>
                   <a:ext uri="{0D108BD9-81ED-4DB2-BD59-A6C34878D82A}">
-                    <a16:rowId xmlns:a16="http://schemas.microsoft.com/office/drawing/2014/main" xmlns="" val="10000"/>
+                    <a16:rowId xmlns="" xmlns:a16="http://schemas.microsoft.com/office/drawing/2014/main" val="10000"/>
                   </a:ext>
                 </a:extLst>
               </a:tr>
@@ -21942,7 +21938,7 @@
                 </a:tc>
                 <a:extLst>
                   <a:ext uri="{0D108BD9-81ED-4DB2-BD59-A6C34878D82A}">
-                    <a16:rowId xmlns:a16="http://schemas.microsoft.com/office/drawing/2014/main" xmlns="" val="10001"/>
+                    <a16:rowId xmlns="" xmlns:a16="http://schemas.microsoft.com/office/drawing/2014/main" val="10001"/>
                   </a:ext>
                 </a:extLst>
               </a:tr>
@@ -22120,7 +22116,7 @@
                 </a:tc>
                 <a:extLst>
                   <a:ext uri="{0D108BD9-81ED-4DB2-BD59-A6C34878D82A}">
-                    <a16:rowId xmlns:a16="http://schemas.microsoft.com/office/drawing/2014/main" xmlns="" val="10002"/>
+                    <a16:rowId xmlns="" xmlns:a16="http://schemas.microsoft.com/office/drawing/2014/main" val="10002"/>
                   </a:ext>
                 </a:extLst>
               </a:tr>
@@ -22161,7 +22157,7 @@
     <a:masterClrMapping/>
   </p:clrMapOvr>
   <mc:AlternateContent xmlns:mc="http://schemas.openxmlformats.org/markup-compatibility/2006">
-    <mc:Choice xmlns:p14="http://schemas.microsoft.com/office/powerpoint/2010/main" xmlns="" Requires="p14">
+    <mc:Choice xmlns="" xmlns:p14="http://schemas.microsoft.com/office/powerpoint/2010/main" Requires="p14">
       <p:transition spd="slow" p14:dur="2000"/>
     </mc:Choice>
     <mc:Fallback>
@@ -22247,7 +22243,7 @@
     <a:masterClrMapping/>
   </p:clrMapOvr>
   <mc:AlternateContent xmlns:mc="http://schemas.openxmlformats.org/markup-compatibility/2006">
-    <mc:Choice xmlns:p14="http://schemas.microsoft.com/office/powerpoint/2010/main" xmlns="" Requires="p14">
+    <mc:Choice xmlns="" xmlns:p14="http://schemas.microsoft.com/office/powerpoint/2010/main" Requires="p14">
       <p:transition spd="slow" p14:dur="2000"/>
     </mc:Choice>
     <mc:Fallback>
@@ -22659,7 +22655,7 @@
     <a:masterClrMapping/>
   </p:clrMapOvr>
   <mc:AlternateContent xmlns:mc="http://schemas.openxmlformats.org/markup-compatibility/2006">
-    <mc:Choice xmlns:p14="http://schemas.microsoft.com/office/powerpoint/2010/main" xmlns="" Requires="p14">
+    <mc:Choice xmlns="" xmlns:p14="http://schemas.microsoft.com/office/powerpoint/2010/main" Requires="p14">
       <p:transition spd="slow" p14:dur="2000"/>
     </mc:Choice>
     <mc:Fallback>
@@ -22738,7 +22734,7 @@
     </p:spTree>
     <p:extLst>
       <p:ext uri="{BB962C8B-B14F-4D97-AF65-F5344CB8AC3E}">
-        <p14:creationId xmlns:p14="http://schemas.microsoft.com/office/powerpoint/2010/main" xmlns="" val="682476833"/>
+        <p14:creationId xmlns="" xmlns:p14="http://schemas.microsoft.com/office/powerpoint/2010/main" val="682476833"/>
       </p:ext>
     </p:extLst>
   </p:cSld>
@@ -22746,7 +22742,7 @@
     <a:masterClrMapping/>
   </p:clrMapOvr>
   <mc:AlternateContent xmlns:mc="http://schemas.openxmlformats.org/markup-compatibility/2006">
-    <mc:Choice xmlns:p14="http://schemas.microsoft.com/office/powerpoint/2010/main" xmlns="" Requires="p14">
+    <mc:Choice xmlns="" xmlns:p14="http://schemas.microsoft.com/office/powerpoint/2010/main" Requires="p14">
       <p:transition spd="slow" p14:dur="2000"/>
     </mc:Choice>
     <mc:Fallback>

--- a/LinqOperators.pptx
+++ b/LinqOperators.pptx
@@ -5,7 +5,7 @@
     <p:sldMasterId id="2147483676" r:id="rId1"/>
   </p:sldMasterIdLst>
   <p:notesMasterIdLst>
-    <p:notesMasterId r:id="rId43"/>
+    <p:notesMasterId r:id="rId47"/>
   </p:notesMasterIdLst>
   <p:sldIdLst>
     <p:sldId id="323" r:id="rId2"/>
@@ -42,23 +42,27 @@
     <p:sldId id="360" r:id="rId33"/>
     <p:sldId id="381" r:id="rId34"/>
     <p:sldId id="379" r:id="rId35"/>
-    <p:sldId id="302" r:id="rId36"/>
-    <p:sldId id="303" r:id="rId37"/>
-    <p:sldId id="382" r:id="rId38"/>
-    <p:sldId id="383" r:id="rId39"/>
-    <p:sldId id="304" r:id="rId40"/>
-    <p:sldId id="380" r:id="rId41"/>
-    <p:sldId id="306" r:id="rId42"/>
+    <p:sldId id="384" r:id="rId36"/>
+    <p:sldId id="385" r:id="rId37"/>
+    <p:sldId id="386" r:id="rId38"/>
+    <p:sldId id="387" r:id="rId39"/>
+    <p:sldId id="302" r:id="rId40"/>
+    <p:sldId id="303" r:id="rId41"/>
+    <p:sldId id="382" r:id="rId42"/>
+    <p:sldId id="383" r:id="rId43"/>
+    <p:sldId id="304" r:id="rId44"/>
+    <p:sldId id="380" r:id="rId45"/>
+    <p:sldId id="306" r:id="rId46"/>
   </p:sldIdLst>
   <p:sldSz cx="9144000" cy="5143500" type="screen16x9"/>
   <p:notesSz cx="6858000" cy="9144000"/>
   <p:embeddedFontLst>
     <p:embeddedFont>
       <p:font typeface="Roboto" charset="0"/>
-      <p:regular r:id="rId44"/>
-      <p:bold r:id="rId45"/>
-      <p:italic r:id="rId46"/>
-      <p:boldItalic r:id="rId47"/>
+      <p:regular r:id="rId48"/>
+      <p:bold r:id="rId49"/>
+      <p:italic r:id="rId50"/>
+      <p:boldItalic r:id="rId51"/>
     </p:embeddedFont>
   </p:embeddedFontLst>
   <p:defaultTextStyle>
@@ -3802,7 +3806,7 @@
   <p:cSld>
     <p:spTree>
       <p:nvGrpSpPr>
-        <p:cNvPr id="1" name="Shape 450"/>
+        <p:cNvPr id="1" name="Shape 422"/>
         <p:cNvGrpSpPr/>
         <p:nvPr/>
       </p:nvGrpSpPr>
@@ -3816,7 +3820,7 @@
       </p:grpSpPr>
       <p:sp>
         <p:nvSpPr>
-          <p:cNvPr id="451" name="Google Shape;451;g2f62e005416_0_73:notes"/>
+          <p:cNvPr id="423" name="Google Shape;423;g2f603b5cfe7_2_29:notes"/>
           <p:cNvSpPr>
             <a:spLocks noGrp="1" noRot="1" noChangeAspect="1"/>
           </p:cNvSpPr>
@@ -3857,7 +3861,7 @@
       </p:sp>
       <p:sp>
         <p:nvSpPr>
-          <p:cNvPr id="452" name="Google Shape;452;g2f62e005416_0_73:notes"/>
+          <p:cNvPr id="424" name="Google Shape;424;g2f603b5cfe7_2_29:notes"/>
           <p:cNvSpPr txBox="1">
             <a:spLocks noGrp="1"/>
           </p:cNvSpPr>
@@ -3894,6 +3898,11 @@
         </p:txBody>
       </p:sp>
     </p:spTree>
+    <p:extLst>
+      <p:ext uri="{BB962C8B-B14F-4D97-AF65-F5344CB8AC3E}">
+        <p14:creationId xmlns="" xmlns:p14="http://schemas.microsoft.com/office/powerpoint/2010/main" val="575722545"/>
+      </p:ext>
+    </p:extLst>
   </p:cSld>
   <p:clrMapOvr>
     <a:masterClrMapping/>
@@ -3906,7 +3915,7 @@
   <p:cSld>
     <p:spTree>
       <p:nvGrpSpPr>
-        <p:cNvPr id="1" name="Shape 455"/>
+        <p:cNvPr id="1" name="Shape 433"/>
         <p:cNvGrpSpPr/>
         <p:nvPr/>
       </p:nvGrpSpPr>
@@ -3920,7 +3929,7 @@
       </p:grpSpPr>
       <p:sp>
         <p:nvSpPr>
-          <p:cNvPr id="456" name="Google Shape;456;g2f62e005416_0_77:notes"/>
+          <p:cNvPr id="434" name="Google Shape;434;g2f69afabb45_0_103:notes"/>
           <p:cNvSpPr>
             <a:spLocks noGrp="1" noRot="1" noChangeAspect="1"/>
           </p:cNvSpPr>
@@ -3961,7 +3970,7 @@
       </p:sp>
       <p:sp>
         <p:nvSpPr>
-          <p:cNvPr id="457" name="Google Shape;457;g2f62e005416_0_77:notes"/>
+          <p:cNvPr id="435" name="Google Shape;435;g2f69afabb45_0_103:notes"/>
           <p:cNvSpPr txBox="1">
             <a:spLocks noGrp="1"/>
           </p:cNvSpPr>
@@ -3998,6 +4007,11 @@
         </p:txBody>
       </p:sp>
     </p:spTree>
+    <p:extLst>
+      <p:ext uri="{BB962C8B-B14F-4D97-AF65-F5344CB8AC3E}">
+        <p14:creationId xmlns="" xmlns:p14="http://schemas.microsoft.com/office/powerpoint/2010/main" val="1318932020"/>
+      </p:ext>
+    </p:extLst>
   </p:cSld>
   <p:clrMapOvr>
     <a:masterClrMapping/>
@@ -4006,6 +4020,224 @@
 </file>
 
 <file path=ppt/notesSlides/notesSlide37.xml><?xml version="1.0" encoding="utf-8"?>
+<p:notes xmlns:a="http://schemas.openxmlformats.org/drawingml/2006/main" xmlns:r="http://schemas.openxmlformats.org/officeDocument/2006/relationships" xmlns:p="http://schemas.openxmlformats.org/presentationml/2006/main" showMasterSp="0" showMasterPhAnim="0">
+  <p:cSld>
+    <p:spTree>
+      <p:nvGrpSpPr>
+        <p:cNvPr id="1" name="Shape 422"/>
+        <p:cNvGrpSpPr/>
+        <p:nvPr/>
+      </p:nvGrpSpPr>
+      <p:grpSpPr>
+        <a:xfrm>
+          <a:off x="0" y="0"/>
+          <a:ext cx="0" cy="0"/>
+          <a:chOff x="0" y="0"/>
+          <a:chExt cx="0" cy="0"/>
+        </a:xfrm>
+      </p:grpSpPr>
+      <p:sp>
+        <p:nvSpPr>
+          <p:cNvPr id="423" name="Google Shape;423;g2f603b5cfe7_2_29:notes"/>
+          <p:cNvSpPr>
+            <a:spLocks noGrp="1" noRot="1" noChangeAspect="1"/>
+          </p:cNvSpPr>
+          <p:nvPr>
+            <p:ph type="sldImg" idx="2"/>
+          </p:nvPr>
+        </p:nvSpPr>
+        <p:spPr>
+          <a:xfrm>
+            <a:off x="381000" y="685800"/>
+            <a:ext cx="6096000" cy="3429000"/>
+          </a:xfrm>
+          <a:custGeom>
+            <a:avLst/>
+            <a:gdLst/>
+            <a:ahLst/>
+            <a:cxnLst/>
+            <a:rect l="l" t="t" r="r" b="b"/>
+            <a:pathLst>
+              <a:path w="120000" h="120000" extrusionOk="0">
+                <a:moveTo>
+                  <a:pt x="0" y="0"/>
+                </a:moveTo>
+                <a:lnTo>
+                  <a:pt x="120000" y="0"/>
+                </a:lnTo>
+                <a:lnTo>
+                  <a:pt x="120000" y="120000"/>
+                </a:lnTo>
+                <a:lnTo>
+                  <a:pt x="0" y="120000"/>
+                </a:lnTo>
+                <a:close/>
+              </a:path>
+            </a:pathLst>
+          </a:custGeom>
+        </p:spPr>
+      </p:sp>
+      <p:sp>
+        <p:nvSpPr>
+          <p:cNvPr id="424" name="Google Shape;424;g2f603b5cfe7_2_29:notes"/>
+          <p:cNvSpPr txBox="1">
+            <a:spLocks noGrp="1"/>
+          </p:cNvSpPr>
+          <p:nvPr>
+            <p:ph type="body" idx="1"/>
+          </p:nvPr>
+        </p:nvSpPr>
+        <p:spPr>
+          <a:xfrm>
+            <a:off x="685800" y="4343400"/>
+            <a:ext cx="5486400" cy="4114800"/>
+          </a:xfrm>
+          <a:prstGeom prst="rect">
+            <a:avLst/>
+          </a:prstGeom>
+        </p:spPr>
+        <p:txBody>
+          <a:bodyPr spcFirstLastPara="1" wrap="square" lIns="91425" tIns="91425" rIns="91425" bIns="91425" anchor="t" anchorCtr="0">
+            <a:noAutofit/>
+          </a:bodyPr>
+          <a:lstStyle/>
+          <a:p>
+            <a:pPr marL="0" lvl="0" indent="0" algn="l" rtl="0">
+              <a:spcBef>
+                <a:spcPts val="0"/>
+              </a:spcBef>
+              <a:spcAft>
+                <a:spcPts val="0"/>
+              </a:spcAft>
+              <a:buNone/>
+            </a:pPr>
+            <a:endParaRPr/>
+          </a:p>
+        </p:txBody>
+      </p:sp>
+    </p:spTree>
+    <p:extLst>
+      <p:ext uri="{BB962C8B-B14F-4D97-AF65-F5344CB8AC3E}">
+        <p14:creationId xmlns="" xmlns:p14="http://schemas.microsoft.com/office/powerpoint/2010/main" val="575722545"/>
+      </p:ext>
+    </p:extLst>
+  </p:cSld>
+  <p:clrMapOvr>
+    <a:masterClrMapping/>
+  </p:clrMapOvr>
+</p:notes>
+</file>
+
+<file path=ppt/notesSlides/notesSlide38.xml><?xml version="1.0" encoding="utf-8"?>
+<p:notes xmlns:a="http://schemas.openxmlformats.org/drawingml/2006/main" xmlns:r="http://schemas.openxmlformats.org/officeDocument/2006/relationships" xmlns:p="http://schemas.openxmlformats.org/presentationml/2006/main" showMasterSp="0" showMasterPhAnim="0">
+  <p:cSld>
+    <p:spTree>
+      <p:nvGrpSpPr>
+        <p:cNvPr id="1" name="Shape 433"/>
+        <p:cNvGrpSpPr/>
+        <p:nvPr/>
+      </p:nvGrpSpPr>
+      <p:grpSpPr>
+        <a:xfrm>
+          <a:off x="0" y="0"/>
+          <a:ext cx="0" cy="0"/>
+          <a:chOff x="0" y="0"/>
+          <a:chExt cx="0" cy="0"/>
+        </a:xfrm>
+      </p:grpSpPr>
+      <p:sp>
+        <p:nvSpPr>
+          <p:cNvPr id="434" name="Google Shape;434;g2f69afabb45_0_103:notes"/>
+          <p:cNvSpPr>
+            <a:spLocks noGrp="1" noRot="1" noChangeAspect="1"/>
+          </p:cNvSpPr>
+          <p:nvPr>
+            <p:ph type="sldImg" idx="2"/>
+          </p:nvPr>
+        </p:nvSpPr>
+        <p:spPr>
+          <a:xfrm>
+            <a:off x="381000" y="685800"/>
+            <a:ext cx="6096000" cy="3429000"/>
+          </a:xfrm>
+          <a:custGeom>
+            <a:avLst/>
+            <a:gdLst/>
+            <a:ahLst/>
+            <a:cxnLst/>
+            <a:rect l="l" t="t" r="r" b="b"/>
+            <a:pathLst>
+              <a:path w="120000" h="120000" extrusionOk="0">
+                <a:moveTo>
+                  <a:pt x="0" y="0"/>
+                </a:moveTo>
+                <a:lnTo>
+                  <a:pt x="120000" y="0"/>
+                </a:lnTo>
+                <a:lnTo>
+                  <a:pt x="120000" y="120000"/>
+                </a:lnTo>
+                <a:lnTo>
+                  <a:pt x="0" y="120000"/>
+                </a:lnTo>
+                <a:close/>
+              </a:path>
+            </a:pathLst>
+          </a:custGeom>
+        </p:spPr>
+      </p:sp>
+      <p:sp>
+        <p:nvSpPr>
+          <p:cNvPr id="435" name="Google Shape;435;g2f69afabb45_0_103:notes"/>
+          <p:cNvSpPr txBox="1">
+            <a:spLocks noGrp="1"/>
+          </p:cNvSpPr>
+          <p:nvPr>
+            <p:ph type="body" idx="1"/>
+          </p:nvPr>
+        </p:nvSpPr>
+        <p:spPr>
+          <a:xfrm>
+            <a:off x="685800" y="4343400"/>
+            <a:ext cx="5486400" cy="4114800"/>
+          </a:xfrm>
+          <a:prstGeom prst="rect">
+            <a:avLst/>
+          </a:prstGeom>
+        </p:spPr>
+        <p:txBody>
+          <a:bodyPr spcFirstLastPara="1" wrap="square" lIns="91425" tIns="91425" rIns="91425" bIns="91425" anchor="t" anchorCtr="0">
+            <a:noAutofit/>
+          </a:bodyPr>
+          <a:lstStyle/>
+          <a:p>
+            <a:pPr marL="0" lvl="0" indent="0" algn="l" rtl="0">
+              <a:spcBef>
+                <a:spcPts val="0"/>
+              </a:spcBef>
+              <a:spcAft>
+                <a:spcPts val="0"/>
+              </a:spcAft>
+              <a:buNone/>
+            </a:pPr>
+            <a:endParaRPr/>
+          </a:p>
+        </p:txBody>
+      </p:sp>
+    </p:spTree>
+    <p:extLst>
+      <p:ext uri="{BB962C8B-B14F-4D97-AF65-F5344CB8AC3E}">
+        <p14:creationId xmlns="" xmlns:p14="http://schemas.microsoft.com/office/powerpoint/2010/main" val="1318932020"/>
+      </p:ext>
+    </p:extLst>
+  </p:cSld>
+  <p:clrMapOvr>
+    <a:masterClrMapping/>
+  </p:clrMapOvr>
+</p:notes>
+</file>
+
+<file path=ppt/notesSlides/notesSlide39.xml><?xml version="1.0" encoding="utf-8"?>
 <p:notes xmlns:a="http://schemas.openxmlformats.org/drawingml/2006/main" xmlns:r="http://schemas.openxmlformats.org/officeDocument/2006/relationships" xmlns:p="http://schemas.openxmlformats.org/presentationml/2006/main" showMasterSp="0" showMasterPhAnim="0">
   <p:cSld>
     <p:spTree>
@@ -4066,214 +4298,6 @@
       <p:sp>
         <p:nvSpPr>
           <p:cNvPr id="452" name="Google Shape;452;g2f62e005416_0_73:notes"/>
-          <p:cNvSpPr txBox="1">
-            <a:spLocks noGrp="1"/>
-          </p:cNvSpPr>
-          <p:nvPr>
-            <p:ph type="body" idx="1"/>
-          </p:nvPr>
-        </p:nvSpPr>
-        <p:spPr>
-          <a:xfrm>
-            <a:off x="685800" y="4343400"/>
-            <a:ext cx="5486400" cy="4114800"/>
-          </a:xfrm>
-          <a:prstGeom prst="rect">
-            <a:avLst/>
-          </a:prstGeom>
-        </p:spPr>
-        <p:txBody>
-          <a:bodyPr spcFirstLastPara="1" wrap="square" lIns="91425" tIns="91425" rIns="91425" bIns="91425" anchor="t" anchorCtr="0">
-            <a:noAutofit/>
-          </a:bodyPr>
-          <a:lstStyle/>
-          <a:p>
-            <a:pPr marL="0" lvl="0" indent="0" algn="l" rtl="0">
-              <a:spcBef>
-                <a:spcPts val="0"/>
-              </a:spcBef>
-              <a:spcAft>
-                <a:spcPts val="0"/>
-              </a:spcAft>
-              <a:buNone/>
-            </a:pPr>
-            <a:endParaRPr/>
-          </a:p>
-        </p:txBody>
-      </p:sp>
-    </p:spTree>
-  </p:cSld>
-  <p:clrMapOvr>
-    <a:masterClrMapping/>
-  </p:clrMapOvr>
-</p:notes>
-</file>
-
-<file path=ppt/notesSlides/notesSlide38.xml><?xml version="1.0" encoding="utf-8"?>
-<p:notes xmlns:a="http://schemas.openxmlformats.org/drawingml/2006/main" xmlns:r="http://schemas.openxmlformats.org/officeDocument/2006/relationships" xmlns:p="http://schemas.openxmlformats.org/presentationml/2006/main" showMasterSp="0" showMasterPhAnim="0">
-  <p:cSld>
-    <p:spTree>
-      <p:nvGrpSpPr>
-        <p:cNvPr id="1" name="Shape 455"/>
-        <p:cNvGrpSpPr/>
-        <p:nvPr/>
-      </p:nvGrpSpPr>
-      <p:grpSpPr>
-        <a:xfrm>
-          <a:off x="0" y="0"/>
-          <a:ext cx="0" cy="0"/>
-          <a:chOff x="0" y="0"/>
-          <a:chExt cx="0" cy="0"/>
-        </a:xfrm>
-      </p:grpSpPr>
-      <p:sp>
-        <p:nvSpPr>
-          <p:cNvPr id="456" name="Google Shape;456;g2f62e005416_0_77:notes"/>
-          <p:cNvSpPr>
-            <a:spLocks noGrp="1" noRot="1" noChangeAspect="1"/>
-          </p:cNvSpPr>
-          <p:nvPr>
-            <p:ph type="sldImg" idx="2"/>
-          </p:nvPr>
-        </p:nvSpPr>
-        <p:spPr>
-          <a:xfrm>
-            <a:off x="381000" y="685800"/>
-            <a:ext cx="6096000" cy="3429000"/>
-          </a:xfrm>
-          <a:custGeom>
-            <a:avLst/>
-            <a:gdLst/>
-            <a:ahLst/>
-            <a:cxnLst/>
-            <a:rect l="l" t="t" r="r" b="b"/>
-            <a:pathLst>
-              <a:path w="120000" h="120000" extrusionOk="0">
-                <a:moveTo>
-                  <a:pt x="0" y="0"/>
-                </a:moveTo>
-                <a:lnTo>
-                  <a:pt x="120000" y="0"/>
-                </a:lnTo>
-                <a:lnTo>
-                  <a:pt x="120000" y="120000"/>
-                </a:lnTo>
-                <a:lnTo>
-                  <a:pt x="0" y="120000"/>
-                </a:lnTo>
-                <a:close/>
-              </a:path>
-            </a:pathLst>
-          </a:custGeom>
-        </p:spPr>
-      </p:sp>
-      <p:sp>
-        <p:nvSpPr>
-          <p:cNvPr id="457" name="Google Shape;457;g2f62e005416_0_77:notes"/>
-          <p:cNvSpPr txBox="1">
-            <a:spLocks noGrp="1"/>
-          </p:cNvSpPr>
-          <p:nvPr>
-            <p:ph type="body" idx="1"/>
-          </p:nvPr>
-        </p:nvSpPr>
-        <p:spPr>
-          <a:xfrm>
-            <a:off x="685800" y="4343400"/>
-            <a:ext cx="5486400" cy="4114800"/>
-          </a:xfrm>
-          <a:prstGeom prst="rect">
-            <a:avLst/>
-          </a:prstGeom>
-        </p:spPr>
-        <p:txBody>
-          <a:bodyPr spcFirstLastPara="1" wrap="square" lIns="91425" tIns="91425" rIns="91425" bIns="91425" anchor="t" anchorCtr="0">
-            <a:noAutofit/>
-          </a:bodyPr>
-          <a:lstStyle/>
-          <a:p>
-            <a:pPr marL="0" lvl="0" indent="0" algn="l" rtl="0">
-              <a:spcBef>
-                <a:spcPts val="0"/>
-              </a:spcBef>
-              <a:spcAft>
-                <a:spcPts val="0"/>
-              </a:spcAft>
-              <a:buNone/>
-            </a:pPr>
-            <a:endParaRPr/>
-          </a:p>
-        </p:txBody>
-      </p:sp>
-    </p:spTree>
-  </p:cSld>
-  <p:clrMapOvr>
-    <a:masterClrMapping/>
-  </p:clrMapOvr>
-</p:notes>
-</file>
-
-<file path=ppt/notesSlides/notesSlide39.xml><?xml version="1.0" encoding="utf-8"?>
-<p:notes xmlns:a="http://schemas.openxmlformats.org/drawingml/2006/main" xmlns:r="http://schemas.openxmlformats.org/officeDocument/2006/relationships" xmlns:p="http://schemas.openxmlformats.org/presentationml/2006/main" showMasterSp="0" showMasterPhAnim="0">
-  <p:cSld>
-    <p:spTree>
-      <p:nvGrpSpPr>
-        <p:cNvPr id="1" name="Shape 461"/>
-        <p:cNvGrpSpPr/>
-        <p:nvPr/>
-      </p:nvGrpSpPr>
-      <p:grpSpPr>
-        <a:xfrm>
-          <a:off x="0" y="0"/>
-          <a:ext cx="0" cy="0"/>
-          <a:chOff x="0" y="0"/>
-          <a:chExt cx="0" cy="0"/>
-        </a:xfrm>
-      </p:grpSpPr>
-      <p:sp>
-        <p:nvSpPr>
-          <p:cNvPr id="462" name="Google Shape;462;g2f62e005416_0_85:notes"/>
-          <p:cNvSpPr>
-            <a:spLocks noGrp="1" noRot="1" noChangeAspect="1"/>
-          </p:cNvSpPr>
-          <p:nvPr>
-            <p:ph type="sldImg" idx="2"/>
-          </p:nvPr>
-        </p:nvSpPr>
-        <p:spPr>
-          <a:xfrm>
-            <a:off x="381000" y="685800"/>
-            <a:ext cx="6096000" cy="3429000"/>
-          </a:xfrm>
-          <a:custGeom>
-            <a:avLst/>
-            <a:gdLst/>
-            <a:ahLst/>
-            <a:cxnLst/>
-            <a:rect l="l" t="t" r="r" b="b"/>
-            <a:pathLst>
-              <a:path w="120000" h="120000" extrusionOk="0">
-                <a:moveTo>
-                  <a:pt x="0" y="0"/>
-                </a:moveTo>
-                <a:lnTo>
-                  <a:pt x="120000" y="0"/>
-                </a:lnTo>
-                <a:lnTo>
-                  <a:pt x="120000" y="120000"/>
-                </a:lnTo>
-                <a:lnTo>
-                  <a:pt x="0" y="120000"/>
-                </a:lnTo>
-                <a:close/>
-              </a:path>
-            </a:pathLst>
-          </a:custGeom>
-        </p:spPr>
-      </p:sp>
-      <p:sp>
-        <p:nvSpPr>
-          <p:cNvPr id="463" name="Google Shape;463;g2f62e005416_0_85:notes"/>
           <p:cNvSpPr txBox="1">
             <a:spLocks noGrp="1"/>
           </p:cNvSpPr>
@@ -4426,7 +4450,7 @@
   <p:cSld>
     <p:spTree>
       <p:nvGrpSpPr>
-        <p:cNvPr id="1" name="Shape 237"/>
+        <p:cNvPr id="1" name="Shape 455"/>
         <p:cNvGrpSpPr/>
         <p:nvPr/>
       </p:nvGrpSpPr>
@@ -4440,7 +4464,7 @@
       </p:grpSpPr>
       <p:sp>
         <p:nvSpPr>
-          <p:cNvPr id="238" name="Google Shape;238;gdf29b9fb24_0_34:notes"/>
+          <p:cNvPr id="456" name="Google Shape;456;g2f62e005416_0_77:notes"/>
           <p:cNvSpPr>
             <a:spLocks noGrp="1" noRot="1" noChangeAspect="1"/>
           </p:cNvSpPr>
@@ -4481,7 +4505,7 @@
       </p:sp>
       <p:sp>
         <p:nvSpPr>
-          <p:cNvPr id="239" name="Google Shape;239;gdf29b9fb24_0_34:notes"/>
+          <p:cNvPr id="457" name="Google Shape;457;g2f62e005416_0_77:notes"/>
           <p:cNvSpPr txBox="1">
             <a:spLocks noGrp="1"/>
           </p:cNvSpPr>
@@ -4526,6 +4550,422 @@
 </file>
 
 <file path=ppt/notesSlides/notesSlide41.xml><?xml version="1.0" encoding="utf-8"?>
+<p:notes xmlns:a="http://schemas.openxmlformats.org/drawingml/2006/main" xmlns:r="http://schemas.openxmlformats.org/officeDocument/2006/relationships" xmlns:p="http://schemas.openxmlformats.org/presentationml/2006/main" showMasterSp="0" showMasterPhAnim="0">
+  <p:cSld>
+    <p:spTree>
+      <p:nvGrpSpPr>
+        <p:cNvPr id="1" name="Shape 450"/>
+        <p:cNvGrpSpPr/>
+        <p:nvPr/>
+      </p:nvGrpSpPr>
+      <p:grpSpPr>
+        <a:xfrm>
+          <a:off x="0" y="0"/>
+          <a:ext cx="0" cy="0"/>
+          <a:chOff x="0" y="0"/>
+          <a:chExt cx="0" cy="0"/>
+        </a:xfrm>
+      </p:grpSpPr>
+      <p:sp>
+        <p:nvSpPr>
+          <p:cNvPr id="451" name="Google Shape;451;g2f62e005416_0_73:notes"/>
+          <p:cNvSpPr>
+            <a:spLocks noGrp="1" noRot="1" noChangeAspect="1"/>
+          </p:cNvSpPr>
+          <p:nvPr>
+            <p:ph type="sldImg" idx="2"/>
+          </p:nvPr>
+        </p:nvSpPr>
+        <p:spPr>
+          <a:xfrm>
+            <a:off x="381000" y="685800"/>
+            <a:ext cx="6096000" cy="3429000"/>
+          </a:xfrm>
+          <a:custGeom>
+            <a:avLst/>
+            <a:gdLst/>
+            <a:ahLst/>
+            <a:cxnLst/>
+            <a:rect l="l" t="t" r="r" b="b"/>
+            <a:pathLst>
+              <a:path w="120000" h="120000" extrusionOk="0">
+                <a:moveTo>
+                  <a:pt x="0" y="0"/>
+                </a:moveTo>
+                <a:lnTo>
+                  <a:pt x="120000" y="0"/>
+                </a:lnTo>
+                <a:lnTo>
+                  <a:pt x="120000" y="120000"/>
+                </a:lnTo>
+                <a:lnTo>
+                  <a:pt x="0" y="120000"/>
+                </a:lnTo>
+                <a:close/>
+              </a:path>
+            </a:pathLst>
+          </a:custGeom>
+        </p:spPr>
+      </p:sp>
+      <p:sp>
+        <p:nvSpPr>
+          <p:cNvPr id="452" name="Google Shape;452;g2f62e005416_0_73:notes"/>
+          <p:cNvSpPr txBox="1">
+            <a:spLocks noGrp="1"/>
+          </p:cNvSpPr>
+          <p:nvPr>
+            <p:ph type="body" idx="1"/>
+          </p:nvPr>
+        </p:nvSpPr>
+        <p:spPr>
+          <a:xfrm>
+            <a:off x="685800" y="4343400"/>
+            <a:ext cx="5486400" cy="4114800"/>
+          </a:xfrm>
+          <a:prstGeom prst="rect">
+            <a:avLst/>
+          </a:prstGeom>
+        </p:spPr>
+        <p:txBody>
+          <a:bodyPr spcFirstLastPara="1" wrap="square" lIns="91425" tIns="91425" rIns="91425" bIns="91425" anchor="t" anchorCtr="0">
+            <a:noAutofit/>
+          </a:bodyPr>
+          <a:lstStyle/>
+          <a:p>
+            <a:pPr marL="0" lvl="0" indent="0" algn="l" rtl="0">
+              <a:spcBef>
+                <a:spcPts val="0"/>
+              </a:spcBef>
+              <a:spcAft>
+                <a:spcPts val="0"/>
+              </a:spcAft>
+              <a:buNone/>
+            </a:pPr>
+            <a:endParaRPr/>
+          </a:p>
+        </p:txBody>
+      </p:sp>
+    </p:spTree>
+  </p:cSld>
+  <p:clrMapOvr>
+    <a:masterClrMapping/>
+  </p:clrMapOvr>
+</p:notes>
+</file>
+
+<file path=ppt/notesSlides/notesSlide42.xml><?xml version="1.0" encoding="utf-8"?>
+<p:notes xmlns:a="http://schemas.openxmlformats.org/drawingml/2006/main" xmlns:r="http://schemas.openxmlformats.org/officeDocument/2006/relationships" xmlns:p="http://schemas.openxmlformats.org/presentationml/2006/main" showMasterSp="0" showMasterPhAnim="0">
+  <p:cSld>
+    <p:spTree>
+      <p:nvGrpSpPr>
+        <p:cNvPr id="1" name="Shape 455"/>
+        <p:cNvGrpSpPr/>
+        <p:nvPr/>
+      </p:nvGrpSpPr>
+      <p:grpSpPr>
+        <a:xfrm>
+          <a:off x="0" y="0"/>
+          <a:ext cx="0" cy="0"/>
+          <a:chOff x="0" y="0"/>
+          <a:chExt cx="0" cy="0"/>
+        </a:xfrm>
+      </p:grpSpPr>
+      <p:sp>
+        <p:nvSpPr>
+          <p:cNvPr id="456" name="Google Shape;456;g2f62e005416_0_77:notes"/>
+          <p:cNvSpPr>
+            <a:spLocks noGrp="1" noRot="1" noChangeAspect="1"/>
+          </p:cNvSpPr>
+          <p:nvPr>
+            <p:ph type="sldImg" idx="2"/>
+          </p:nvPr>
+        </p:nvSpPr>
+        <p:spPr>
+          <a:xfrm>
+            <a:off x="381000" y="685800"/>
+            <a:ext cx="6096000" cy="3429000"/>
+          </a:xfrm>
+          <a:custGeom>
+            <a:avLst/>
+            <a:gdLst/>
+            <a:ahLst/>
+            <a:cxnLst/>
+            <a:rect l="l" t="t" r="r" b="b"/>
+            <a:pathLst>
+              <a:path w="120000" h="120000" extrusionOk="0">
+                <a:moveTo>
+                  <a:pt x="0" y="0"/>
+                </a:moveTo>
+                <a:lnTo>
+                  <a:pt x="120000" y="0"/>
+                </a:lnTo>
+                <a:lnTo>
+                  <a:pt x="120000" y="120000"/>
+                </a:lnTo>
+                <a:lnTo>
+                  <a:pt x="0" y="120000"/>
+                </a:lnTo>
+                <a:close/>
+              </a:path>
+            </a:pathLst>
+          </a:custGeom>
+        </p:spPr>
+      </p:sp>
+      <p:sp>
+        <p:nvSpPr>
+          <p:cNvPr id="457" name="Google Shape;457;g2f62e005416_0_77:notes"/>
+          <p:cNvSpPr txBox="1">
+            <a:spLocks noGrp="1"/>
+          </p:cNvSpPr>
+          <p:nvPr>
+            <p:ph type="body" idx="1"/>
+          </p:nvPr>
+        </p:nvSpPr>
+        <p:spPr>
+          <a:xfrm>
+            <a:off x="685800" y="4343400"/>
+            <a:ext cx="5486400" cy="4114800"/>
+          </a:xfrm>
+          <a:prstGeom prst="rect">
+            <a:avLst/>
+          </a:prstGeom>
+        </p:spPr>
+        <p:txBody>
+          <a:bodyPr spcFirstLastPara="1" wrap="square" lIns="91425" tIns="91425" rIns="91425" bIns="91425" anchor="t" anchorCtr="0">
+            <a:noAutofit/>
+          </a:bodyPr>
+          <a:lstStyle/>
+          <a:p>
+            <a:pPr marL="0" lvl="0" indent="0" algn="l" rtl="0">
+              <a:spcBef>
+                <a:spcPts val="0"/>
+              </a:spcBef>
+              <a:spcAft>
+                <a:spcPts val="0"/>
+              </a:spcAft>
+              <a:buNone/>
+            </a:pPr>
+            <a:endParaRPr/>
+          </a:p>
+        </p:txBody>
+      </p:sp>
+    </p:spTree>
+  </p:cSld>
+  <p:clrMapOvr>
+    <a:masterClrMapping/>
+  </p:clrMapOvr>
+</p:notes>
+</file>
+
+<file path=ppt/notesSlides/notesSlide43.xml><?xml version="1.0" encoding="utf-8"?>
+<p:notes xmlns:a="http://schemas.openxmlformats.org/drawingml/2006/main" xmlns:r="http://schemas.openxmlformats.org/officeDocument/2006/relationships" xmlns:p="http://schemas.openxmlformats.org/presentationml/2006/main" showMasterSp="0" showMasterPhAnim="0">
+  <p:cSld>
+    <p:spTree>
+      <p:nvGrpSpPr>
+        <p:cNvPr id="1" name="Shape 461"/>
+        <p:cNvGrpSpPr/>
+        <p:nvPr/>
+      </p:nvGrpSpPr>
+      <p:grpSpPr>
+        <a:xfrm>
+          <a:off x="0" y="0"/>
+          <a:ext cx="0" cy="0"/>
+          <a:chOff x="0" y="0"/>
+          <a:chExt cx="0" cy="0"/>
+        </a:xfrm>
+      </p:grpSpPr>
+      <p:sp>
+        <p:nvSpPr>
+          <p:cNvPr id="462" name="Google Shape;462;g2f62e005416_0_85:notes"/>
+          <p:cNvSpPr>
+            <a:spLocks noGrp="1" noRot="1" noChangeAspect="1"/>
+          </p:cNvSpPr>
+          <p:nvPr>
+            <p:ph type="sldImg" idx="2"/>
+          </p:nvPr>
+        </p:nvSpPr>
+        <p:spPr>
+          <a:xfrm>
+            <a:off x="381000" y="685800"/>
+            <a:ext cx="6096000" cy="3429000"/>
+          </a:xfrm>
+          <a:custGeom>
+            <a:avLst/>
+            <a:gdLst/>
+            <a:ahLst/>
+            <a:cxnLst/>
+            <a:rect l="l" t="t" r="r" b="b"/>
+            <a:pathLst>
+              <a:path w="120000" h="120000" extrusionOk="0">
+                <a:moveTo>
+                  <a:pt x="0" y="0"/>
+                </a:moveTo>
+                <a:lnTo>
+                  <a:pt x="120000" y="0"/>
+                </a:lnTo>
+                <a:lnTo>
+                  <a:pt x="120000" y="120000"/>
+                </a:lnTo>
+                <a:lnTo>
+                  <a:pt x="0" y="120000"/>
+                </a:lnTo>
+                <a:close/>
+              </a:path>
+            </a:pathLst>
+          </a:custGeom>
+        </p:spPr>
+      </p:sp>
+      <p:sp>
+        <p:nvSpPr>
+          <p:cNvPr id="463" name="Google Shape;463;g2f62e005416_0_85:notes"/>
+          <p:cNvSpPr txBox="1">
+            <a:spLocks noGrp="1"/>
+          </p:cNvSpPr>
+          <p:nvPr>
+            <p:ph type="body" idx="1"/>
+          </p:nvPr>
+        </p:nvSpPr>
+        <p:spPr>
+          <a:xfrm>
+            <a:off x="685800" y="4343400"/>
+            <a:ext cx="5486400" cy="4114800"/>
+          </a:xfrm>
+          <a:prstGeom prst="rect">
+            <a:avLst/>
+          </a:prstGeom>
+        </p:spPr>
+        <p:txBody>
+          <a:bodyPr spcFirstLastPara="1" wrap="square" lIns="91425" tIns="91425" rIns="91425" bIns="91425" anchor="t" anchorCtr="0">
+            <a:noAutofit/>
+          </a:bodyPr>
+          <a:lstStyle/>
+          <a:p>
+            <a:pPr marL="0" lvl="0" indent="0" algn="l" rtl="0">
+              <a:spcBef>
+                <a:spcPts val="0"/>
+              </a:spcBef>
+              <a:spcAft>
+                <a:spcPts val="0"/>
+              </a:spcAft>
+              <a:buNone/>
+            </a:pPr>
+            <a:endParaRPr/>
+          </a:p>
+        </p:txBody>
+      </p:sp>
+    </p:spTree>
+  </p:cSld>
+  <p:clrMapOvr>
+    <a:masterClrMapping/>
+  </p:clrMapOvr>
+</p:notes>
+</file>
+
+<file path=ppt/notesSlides/notesSlide44.xml><?xml version="1.0" encoding="utf-8"?>
+<p:notes xmlns:a="http://schemas.openxmlformats.org/drawingml/2006/main" xmlns:r="http://schemas.openxmlformats.org/officeDocument/2006/relationships" xmlns:p="http://schemas.openxmlformats.org/presentationml/2006/main" showMasterSp="0" showMasterPhAnim="0">
+  <p:cSld>
+    <p:spTree>
+      <p:nvGrpSpPr>
+        <p:cNvPr id="1" name="Shape 237"/>
+        <p:cNvGrpSpPr/>
+        <p:nvPr/>
+      </p:nvGrpSpPr>
+      <p:grpSpPr>
+        <a:xfrm>
+          <a:off x="0" y="0"/>
+          <a:ext cx="0" cy="0"/>
+          <a:chOff x="0" y="0"/>
+          <a:chExt cx="0" cy="0"/>
+        </a:xfrm>
+      </p:grpSpPr>
+      <p:sp>
+        <p:nvSpPr>
+          <p:cNvPr id="238" name="Google Shape;238;gdf29b9fb24_0_34:notes"/>
+          <p:cNvSpPr>
+            <a:spLocks noGrp="1" noRot="1" noChangeAspect="1"/>
+          </p:cNvSpPr>
+          <p:nvPr>
+            <p:ph type="sldImg" idx="2"/>
+          </p:nvPr>
+        </p:nvSpPr>
+        <p:spPr>
+          <a:xfrm>
+            <a:off x="381000" y="685800"/>
+            <a:ext cx="6096000" cy="3429000"/>
+          </a:xfrm>
+          <a:custGeom>
+            <a:avLst/>
+            <a:gdLst/>
+            <a:ahLst/>
+            <a:cxnLst/>
+            <a:rect l="l" t="t" r="r" b="b"/>
+            <a:pathLst>
+              <a:path w="120000" h="120000" extrusionOk="0">
+                <a:moveTo>
+                  <a:pt x="0" y="0"/>
+                </a:moveTo>
+                <a:lnTo>
+                  <a:pt x="120000" y="0"/>
+                </a:lnTo>
+                <a:lnTo>
+                  <a:pt x="120000" y="120000"/>
+                </a:lnTo>
+                <a:lnTo>
+                  <a:pt x="0" y="120000"/>
+                </a:lnTo>
+                <a:close/>
+              </a:path>
+            </a:pathLst>
+          </a:custGeom>
+        </p:spPr>
+      </p:sp>
+      <p:sp>
+        <p:nvSpPr>
+          <p:cNvPr id="239" name="Google Shape;239;gdf29b9fb24_0_34:notes"/>
+          <p:cNvSpPr txBox="1">
+            <a:spLocks noGrp="1"/>
+          </p:cNvSpPr>
+          <p:nvPr>
+            <p:ph type="body" idx="1"/>
+          </p:nvPr>
+        </p:nvSpPr>
+        <p:spPr>
+          <a:xfrm>
+            <a:off x="685800" y="4343400"/>
+            <a:ext cx="5486400" cy="4114800"/>
+          </a:xfrm>
+          <a:prstGeom prst="rect">
+            <a:avLst/>
+          </a:prstGeom>
+        </p:spPr>
+        <p:txBody>
+          <a:bodyPr spcFirstLastPara="1" wrap="square" lIns="91425" tIns="91425" rIns="91425" bIns="91425" anchor="t" anchorCtr="0">
+            <a:noAutofit/>
+          </a:bodyPr>
+          <a:lstStyle/>
+          <a:p>
+            <a:pPr marL="0" lvl="0" indent="0" algn="l" rtl="0">
+              <a:spcBef>
+                <a:spcPts val="0"/>
+              </a:spcBef>
+              <a:spcAft>
+                <a:spcPts val="0"/>
+              </a:spcAft>
+              <a:buNone/>
+            </a:pPr>
+            <a:endParaRPr/>
+          </a:p>
+        </p:txBody>
+      </p:sp>
+    </p:spTree>
+  </p:cSld>
+  <p:clrMapOvr>
+    <a:masterClrMapping/>
+  </p:clrMapOvr>
+</p:notes>
+</file>
+
+<file path=ppt/notesSlides/notesSlide45.xml><?xml version="1.0" encoding="utf-8"?>
 <p:notes xmlns:a="http://schemas.openxmlformats.org/drawingml/2006/main" xmlns:r="http://schemas.openxmlformats.org/officeDocument/2006/relationships" xmlns:p="http://schemas.openxmlformats.org/presentationml/2006/main" showMasterSp="0" showMasterPhAnim="0">
   <p:cSld>
     <p:spTree>
@@ -13497,16 +13937,7 @@
                 <a:cs typeface="Roboto"/>
                 <a:sym typeface="Roboto"/>
               </a:rPr>
-              <a:t> в данном случае понимаются операции запросов, которые создают результирующий набор присутствия или отсутствия эквивалентных элементов в одной или отдельной коллекциях</a:t>
-            </a:r>
-            <a:r>
-              <a:rPr lang="ru-RU" sz="1300" dirty="0" smtClean="0">
-                <a:latin typeface="Roboto"/>
-                <a:ea typeface="Roboto"/>
-                <a:cs typeface="Roboto"/>
-                <a:sym typeface="Roboto"/>
-              </a:rPr>
-              <a:t>.</a:t>
+              <a:t> в данном случае понимаются операции запросов, которые создают результирующий набор присутствия или отсутствия эквивалентных элементов в одной или отдельной коллекциях.</a:t>
             </a:r>
           </a:p>
           <a:p>
@@ -13552,7 +13983,6 @@
               <a:rPr lang="ru-RU" dirty="0" smtClean="0"/>
               <a:t> – возвращает уникальные элементы последовательности. Можно также сказать, что удаляет дубликаты.</a:t>
             </a:r>
-            <a:endParaRPr lang="ru-RU" dirty="0" smtClean="0"/>
           </a:p>
         </p:txBody>
       </p:sp>
@@ -17112,7 +17542,7 @@
               <a:buNone/>
             </a:pPr>
             <a:r>
-              <a:rPr lang="ru" i="1">
+              <a:rPr lang="ru" i="1" dirty="0">
                 <a:solidFill>
                   <a:schemeClr val="dk1"/>
                 </a:solidFill>
@@ -17256,8 +17686,25 @@
               <a:spcAft>
                 <a:spcPts val="0"/>
               </a:spcAft>
+              <a:buClr>
+                <a:schemeClr val="dk1"/>
+              </a:buClr>
+              <a:buSzPct val="84615"/>
+              <a:buFont typeface="Arial"/>
               <a:buNone/>
             </a:pPr>
+            <a:r>
+              <a:rPr lang="ru" sz="1300" i="1" dirty="0" smtClean="0">
+                <a:solidFill>
+                  <a:schemeClr val="dk1"/>
+                </a:solidFill>
+                <a:latin typeface="Roboto"/>
+                <a:ea typeface="Roboto"/>
+                <a:cs typeface="Roboto"/>
+                <a:sym typeface="Roboto"/>
+              </a:rPr>
+              <a:t>Преподаватель </a:t>
+            </a:r>
             <a:r>
               <a:rPr lang="ru" sz="1300" i="1" dirty="0">
                 <a:solidFill>
@@ -17268,72 +17715,7 @@
                 <a:cs typeface="Roboto"/>
                 <a:sym typeface="Roboto"/>
               </a:rPr>
-              <a:t>Fullstack разработчик компании Волховец</a:t>
-            </a:r>
-            <a:endParaRPr sz="1300" i="1">
-              <a:solidFill>
-                <a:schemeClr val="dk1"/>
-              </a:solidFill>
-              <a:latin typeface="Roboto"/>
-              <a:ea typeface="Roboto"/>
-              <a:cs typeface="Roboto"/>
-              <a:sym typeface="Roboto"/>
-            </a:endParaRPr>
-          </a:p>
-          <a:p>
-            <a:pPr marL="0" lvl="0" indent="0" algn="l" rtl="0">
-              <a:lnSpc>
-                <a:spcPct val="115000"/>
-              </a:lnSpc>
-              <a:spcBef>
-                <a:spcPts val="0"/>
-              </a:spcBef>
-              <a:spcAft>
-                <a:spcPts val="0"/>
-              </a:spcAft>
-              <a:buClr>
-                <a:schemeClr val="dk1"/>
-              </a:buClr>
-              <a:buSzPct val="184615"/>
-              <a:buFont typeface="Arial"/>
-              <a:buNone/>
-            </a:pPr>
-            <a:endParaRPr sz="1300" i="1">
-              <a:solidFill>
-                <a:schemeClr val="dk1"/>
-              </a:solidFill>
-              <a:latin typeface="Roboto"/>
-              <a:ea typeface="Roboto"/>
-              <a:cs typeface="Roboto"/>
-              <a:sym typeface="Roboto"/>
-            </a:endParaRPr>
-          </a:p>
-          <a:p>
-            <a:pPr marL="0" lvl="0" indent="0" algn="l" rtl="0">
-              <a:spcBef>
-                <a:spcPts val="0"/>
-              </a:spcBef>
-              <a:spcAft>
-                <a:spcPts val="0"/>
-              </a:spcAft>
-              <a:buClr>
-                <a:schemeClr val="dk1"/>
-              </a:buClr>
-              <a:buSzPct val="84615"/>
-              <a:buFont typeface="Arial"/>
-              <a:buNone/>
-            </a:pPr>
-            <a:r>
-              <a:rPr lang="ru" sz="1300" i="1" dirty="0">
-                <a:solidFill>
-                  <a:schemeClr val="dk1"/>
-                </a:solidFill>
-                <a:latin typeface="Roboto"/>
-                <a:ea typeface="Roboto"/>
-                <a:cs typeface="Roboto"/>
-                <a:sym typeface="Roboto"/>
-              </a:rPr>
-              <a:t>Преподаватель курса C# </a:t>
+              <a:t>курса C# </a:t>
             </a:r>
             <a:r>
               <a:rPr lang="ru" sz="1300" i="1" dirty="0" smtClean="0">
@@ -18416,7 +18798,7 @@
   <p:cSld>
     <p:spTree>
       <p:nvGrpSpPr>
-        <p:cNvPr id="1" name="Shape 453"/>
+        <p:cNvPr id="1" name="Shape 425"/>
         <p:cNvGrpSpPr/>
         <p:nvPr/>
       </p:nvGrpSpPr>
@@ -18430,7 +18812,7 @@
       </p:grpSpPr>
       <p:sp>
         <p:nvSpPr>
-          <p:cNvPr id="454" name="Google Shape;454;p77"/>
+          <p:cNvPr id="426" name="Google Shape;426;p72"/>
           <p:cNvSpPr txBox="1">
             <a:spLocks noGrp="1"/>
           </p:cNvSpPr>
@@ -18441,7 +18823,7 @@
         <p:spPr>
           <a:xfrm>
             <a:off x="956225" y="396400"/>
-            <a:ext cx="7492036" cy="4090800"/>
+            <a:ext cx="6931800" cy="4090800"/>
           </a:xfrm>
           <a:prstGeom prst="rect">
             <a:avLst/>
@@ -18453,37 +18835,33 @@
           </a:bodyPr>
           <a:lstStyle/>
           <a:p>
-            <a:pPr marL="0" lvl="0" indent="0" algn="ctr" rtl="0">
-              <a:lnSpc>
-                <a:spcPct val="90000"/>
-              </a:lnSpc>
-              <a:spcBef>
-                <a:spcPts val="0"/>
-              </a:spcBef>
-              <a:spcAft>
-                <a:spcPts val="0"/>
-              </a:spcAft>
-              <a:buClr>
-                <a:schemeClr val="dk1"/>
-              </a:buClr>
-              <a:buSzPts val="3000"/>
-              <a:buFont typeface="Avenir"/>
-              <a:buNone/>
-            </a:pPr>
-            <a:r>
-              <a:rPr lang="ru-RU" sz="6000" dirty="0" smtClean="0"/>
-              <a:t>Описание всех методов</a:t>
-            </a:r>
-            <a:endParaRPr/>
+            <a:pPr lvl="0"/>
+            <a:r>
+              <a:rPr lang="ru-RU" dirty="0" smtClean="0"/>
+              <a:t>Агрегация данных</a:t>
+            </a:r>
+            <a:endParaRPr dirty="0"/>
           </a:p>
         </p:txBody>
       </p:sp>
     </p:spTree>
+    <p:extLst>
+      <p:ext uri="{BB962C8B-B14F-4D97-AF65-F5344CB8AC3E}">
+        <p14:creationId xmlns="" xmlns:p14="http://schemas.microsoft.com/office/powerpoint/2010/main" val="2230076095"/>
+      </p:ext>
+    </p:extLst>
   </p:cSld>
   <p:clrMapOvr>
     <a:masterClrMapping/>
   </p:clrMapOvr>
-  <p:transition/>
+  <mc:AlternateContent xmlns:mc="http://schemas.openxmlformats.org/markup-compatibility/2006">
+    <mc:Choice xmlns="" xmlns:p14="http://schemas.microsoft.com/office/powerpoint/2010/main" Requires="p14">
+      <p:transition spd="slow" p14:dur="2000"/>
+    </mc:Choice>
+    <mc:Fallback>
+      <p:transition spd="slow"/>
+    </mc:Fallback>
+  </mc:AlternateContent>
   <p:timing>
     <p:tnLst>
       <p:par>
@@ -18499,7 +18877,7 @@
   <p:cSld>
     <p:spTree>
       <p:nvGrpSpPr>
-        <p:cNvPr id="1" name="Shape 458"/>
+        <p:cNvPr id="1" name="Shape 436"/>
         <p:cNvGrpSpPr/>
         <p:nvPr/>
       </p:nvGrpSpPr>
@@ -18513,7 +18891,7 @@
       </p:grpSpPr>
       <p:sp>
         <p:nvSpPr>
-          <p:cNvPr id="459" name="Google Shape;459;p78"/>
+          <p:cNvPr id="437" name="Google Shape;437;p74"/>
           <p:cNvSpPr txBox="1">
             <a:spLocks noGrp="1"/>
           </p:cNvSpPr>
@@ -18536,52 +18914,176 @@
           </a:bodyPr>
           <a:lstStyle/>
           <a:p>
-            <a:pPr marL="0" lvl="0" indent="0" algn="l" rtl="0">
-              <a:spcBef>
-                <a:spcPts val="0"/>
-              </a:spcBef>
-              <a:spcAft>
-                <a:spcPts val="0"/>
-              </a:spcAft>
-              <a:buNone/>
-            </a:pPr>
-            <a:r>
-              <a:rPr lang="ru-RU" sz="2800" dirty="0" smtClean="0"/>
-              <a:t>Документация</a:t>
-            </a:r>
-            <a:endParaRPr sz="2800" dirty="0"/>
+            <a:r>
+              <a:rPr lang="ru-RU" dirty="0" smtClean="0"/>
+              <a:t>Агрегация </a:t>
+            </a:r>
+            <a:r>
+              <a:rPr lang="ru-RU" dirty="0"/>
+              <a:t>данных</a:t>
+            </a:r>
           </a:p>
         </p:txBody>
       </p:sp>
       <p:sp>
         <p:nvSpPr>
-          <p:cNvPr id="2" name="Прямоугольник 1"/>
-          <p:cNvSpPr/>
+          <p:cNvPr id="438" name="Google Shape;438;p74"/>
+          <p:cNvSpPr txBox="1"/>
           <p:nvPr/>
         </p:nvSpPr>
         <p:spPr>
           <a:xfrm>
-            <a:off x="583096" y="1009926"/>
-            <a:ext cx="8107754" cy="307777"/>
+            <a:off x="500550" y="1009925"/>
+            <a:ext cx="8190250" cy="2996175"/>
           </a:xfrm>
           <a:prstGeom prst="rect">
             <a:avLst/>
           </a:prstGeom>
+          <a:noFill/>
+          <a:ln>
+            <a:noFill/>
+          </a:ln>
         </p:spPr>
         <p:txBody>
-          <a:bodyPr wrap="square">
+          <a:bodyPr spcFirstLastPara="1" wrap="square" lIns="91425" tIns="91425" rIns="91425" bIns="91425" anchor="t" anchorCtr="0">
             <a:spAutoFit/>
           </a:bodyPr>
           <a:lstStyle/>
           <a:p>
-            <a:pPr marL="463550" indent="-342900"/>
+            <a:pPr lvl="0">
+              <a:lnSpc>
+                <a:spcPct val="115000"/>
+              </a:lnSpc>
+              <a:spcBef>
+                <a:spcPts val="1400"/>
+              </a:spcBef>
+            </a:pPr>
             <a:r>
               <a:rPr lang="ru-RU" dirty="0" smtClean="0"/>
-              <a:t>Подробное  описание всех операторов </a:t>
-            </a:r>
-            <a:r>
-              <a:rPr lang="en-US" dirty="0" err="1" smtClean="0"/>
-              <a:t>linq</a:t>
+              <a:t>Агрегатная функция выполняет вычисление над набором значений и возвращает одно значение.</a:t>
+            </a:r>
+            <a:endParaRPr lang="en-US" dirty="0" smtClean="0"/>
+          </a:p>
+          <a:p>
+            <a:pPr lvl="0">
+              <a:lnSpc>
+                <a:spcPct val="115000"/>
+              </a:lnSpc>
+              <a:spcBef>
+                <a:spcPts val="1400"/>
+              </a:spcBef>
+            </a:pPr>
+            <a:r>
+              <a:rPr lang="en-US" dirty="0" smtClean="0">
+                <a:hlinkClick r:id="rId3"/>
+              </a:rPr>
+              <a:t>Count()</a:t>
+            </a:r>
+            <a:r>
+              <a:rPr lang="en-US" dirty="0" smtClean="0"/>
+              <a:t> – </a:t>
+            </a:r>
+            <a:r>
+              <a:rPr lang="ru-RU" dirty="0" smtClean="0"/>
+              <a:t>выполняет подсчет элементов по заданному селектору ключа.</a:t>
+            </a:r>
+          </a:p>
+          <a:p>
+            <a:pPr lvl="0">
+              <a:lnSpc>
+                <a:spcPct val="115000"/>
+              </a:lnSpc>
+              <a:spcBef>
+                <a:spcPts val="1400"/>
+              </a:spcBef>
+            </a:pPr>
+            <a:r>
+              <a:rPr lang="en-US" u="sng" smtClean="0">
+                <a:hlinkClick r:id="rId4"/>
+              </a:rPr>
+              <a:t>Average</a:t>
+            </a:r>
+            <a:r>
+              <a:rPr lang="en-US" smtClean="0">
+                <a:hlinkClick r:id="rId4"/>
+              </a:rPr>
+              <a:t>()</a:t>
+            </a:r>
+            <a:r>
+              <a:rPr lang="en-US" smtClean="0"/>
+              <a:t> </a:t>
+            </a:r>
+            <a:r>
+              <a:rPr lang="en-US" dirty="0" smtClean="0"/>
+              <a:t>– </a:t>
+            </a:r>
+            <a:r>
+              <a:rPr lang="ru-RU" dirty="0" smtClean="0"/>
+              <a:t>выполняет подсчет элементов по заданному селектору ключа.</a:t>
+            </a:r>
+          </a:p>
+          <a:p>
+            <a:pPr lvl="0">
+              <a:lnSpc>
+                <a:spcPct val="115000"/>
+              </a:lnSpc>
+              <a:spcBef>
+                <a:spcPts val="1400"/>
+              </a:spcBef>
+            </a:pPr>
+            <a:r>
+              <a:rPr lang="en-US" dirty="0" smtClean="0">
+                <a:hlinkClick r:id="rId5"/>
+              </a:rPr>
+              <a:t>Min()</a:t>
+            </a:r>
+            <a:r>
+              <a:rPr lang="en-US" dirty="0" smtClean="0"/>
+              <a:t> – </a:t>
+            </a:r>
+            <a:r>
+              <a:rPr lang="ru-RU" dirty="0" smtClean="0"/>
+              <a:t>выполняет поиск минимального элемента по заданному селектору ключа.</a:t>
+            </a:r>
+          </a:p>
+          <a:p>
+            <a:pPr lvl="0">
+              <a:lnSpc>
+                <a:spcPct val="115000"/>
+              </a:lnSpc>
+              <a:spcBef>
+                <a:spcPts val="1400"/>
+              </a:spcBef>
+            </a:pPr>
+            <a:r>
+              <a:rPr lang="en-US" dirty="0" smtClean="0">
+                <a:hlinkClick r:id="rId6"/>
+              </a:rPr>
+              <a:t>Max()</a:t>
+            </a:r>
+            <a:r>
+              <a:rPr lang="en-US" dirty="0" smtClean="0"/>
+              <a:t> – </a:t>
+            </a:r>
+            <a:r>
+              <a:rPr lang="ru-RU" dirty="0" smtClean="0"/>
+              <a:t>выполняет поиск максимального элемента по заданному селектору ключа.</a:t>
+            </a:r>
+          </a:p>
+          <a:p>
+            <a:pPr lvl="0">
+              <a:lnSpc>
+                <a:spcPct val="115000"/>
+              </a:lnSpc>
+              <a:spcBef>
+                <a:spcPts val="1400"/>
+              </a:spcBef>
+            </a:pPr>
+            <a:r>
+              <a:rPr lang="en-US" dirty="0" smtClean="0">
+                <a:hlinkClick r:id="rId7"/>
+              </a:rPr>
+              <a:t>Sum()</a:t>
             </a:r>
             <a:r>
               <a:rPr lang="en-US" dirty="0" smtClean="0"/>
@@ -18589,24 +19091,29 @@
             </a:r>
             <a:r>
               <a:rPr lang="ru-RU" dirty="0" smtClean="0"/>
-              <a:t>Вы сможете найти: </a:t>
-            </a:r>
-            <a:r>
-              <a:rPr lang="ru-RU" dirty="0" smtClean="0">
-                <a:hlinkClick r:id="rId3"/>
-              </a:rPr>
-              <a:t>тут</a:t>
-            </a:r>
-            <a:endParaRPr lang="ru-RU" dirty="0" smtClean="0"/>
+              <a:t>– вычисляет сумму последовательности значений.</a:t>
+            </a:r>
           </a:p>
         </p:txBody>
       </p:sp>
     </p:spTree>
+    <p:extLst>
+      <p:ext uri="{BB962C8B-B14F-4D97-AF65-F5344CB8AC3E}">
+        <p14:creationId xmlns="" xmlns:p14="http://schemas.microsoft.com/office/powerpoint/2010/main" val="3775352260"/>
+      </p:ext>
+    </p:extLst>
   </p:cSld>
   <p:clrMapOvr>
     <a:masterClrMapping/>
   </p:clrMapOvr>
-  <p:transition/>
+  <mc:AlternateContent xmlns:mc="http://schemas.openxmlformats.org/markup-compatibility/2006">
+    <mc:Choice xmlns="" xmlns:p14="http://schemas.microsoft.com/office/powerpoint/2010/main" Requires="p14">
+      <p:transition spd="slow" p14:dur="2000"/>
+    </mc:Choice>
+    <mc:Fallback>
+      <p:transition spd="slow"/>
+    </mc:Fallback>
+  </mc:AlternateContent>
   <p:timing>
     <p:tnLst>
       <p:par>
@@ -18618,6 +19125,298 @@
 </file>
 
 <file path=ppt/slides/slide37.xml><?xml version="1.0" encoding="utf-8"?>
+<p:sld xmlns:a="http://schemas.openxmlformats.org/drawingml/2006/main" xmlns:r="http://schemas.openxmlformats.org/officeDocument/2006/relationships" xmlns:p="http://schemas.openxmlformats.org/presentationml/2006/main">
+  <p:cSld>
+    <p:spTree>
+      <p:nvGrpSpPr>
+        <p:cNvPr id="1" name="Shape 425"/>
+        <p:cNvGrpSpPr/>
+        <p:nvPr/>
+      </p:nvGrpSpPr>
+      <p:grpSpPr>
+        <a:xfrm>
+          <a:off x="0" y="0"/>
+          <a:ext cx="0" cy="0"/>
+          <a:chOff x="0" y="0"/>
+          <a:chExt cx="0" cy="0"/>
+        </a:xfrm>
+      </p:grpSpPr>
+      <p:sp>
+        <p:nvSpPr>
+          <p:cNvPr id="426" name="Google Shape;426;p72"/>
+          <p:cNvSpPr txBox="1">
+            <a:spLocks noGrp="1"/>
+          </p:cNvSpPr>
+          <p:nvPr>
+            <p:ph type="title"/>
+          </p:nvPr>
+        </p:nvSpPr>
+        <p:spPr>
+          <a:xfrm>
+            <a:off x="956225" y="396400"/>
+            <a:ext cx="6931800" cy="4090800"/>
+          </a:xfrm>
+          <a:prstGeom prst="rect">
+            <a:avLst/>
+          </a:prstGeom>
+        </p:spPr>
+        <p:txBody>
+          <a:bodyPr spcFirstLastPara="1" wrap="square" lIns="91425" tIns="91425" rIns="91425" bIns="91425" anchor="ctr" anchorCtr="0">
+            <a:noAutofit/>
+          </a:bodyPr>
+          <a:lstStyle/>
+          <a:p>
+            <a:pPr lvl="0"/>
+            <a:r>
+              <a:rPr lang="ru-RU" dirty="0" smtClean="0"/>
+              <a:t>Функции атомарного результата</a:t>
+            </a:r>
+            <a:endParaRPr dirty="0"/>
+          </a:p>
+        </p:txBody>
+      </p:sp>
+    </p:spTree>
+    <p:extLst>
+      <p:ext uri="{BB962C8B-B14F-4D97-AF65-F5344CB8AC3E}">
+        <p14:creationId xmlns="" xmlns:p14="http://schemas.microsoft.com/office/powerpoint/2010/main" val="2230076095"/>
+      </p:ext>
+    </p:extLst>
+  </p:cSld>
+  <p:clrMapOvr>
+    <a:masterClrMapping/>
+  </p:clrMapOvr>
+  <mc:AlternateContent xmlns:mc="http://schemas.openxmlformats.org/markup-compatibility/2006">
+    <mc:Choice xmlns="" xmlns:p14="http://schemas.microsoft.com/office/powerpoint/2010/main" Requires="p14">
+      <p:transition spd="slow" p14:dur="2000"/>
+    </mc:Choice>
+    <mc:Fallback>
+      <p:transition spd="slow"/>
+    </mc:Fallback>
+  </mc:AlternateContent>
+  <p:timing>
+    <p:tnLst>
+      <p:par>
+        <p:cTn id="1" dur="indefinite" restart="never" nodeType="tmRoot"/>
+      </p:par>
+    </p:tnLst>
+  </p:timing>
+</p:sld>
+</file>
+
+<file path=ppt/slides/slide38.xml><?xml version="1.0" encoding="utf-8"?>
+<p:sld xmlns:a="http://schemas.openxmlformats.org/drawingml/2006/main" xmlns:r="http://schemas.openxmlformats.org/officeDocument/2006/relationships" xmlns:p="http://schemas.openxmlformats.org/presentationml/2006/main">
+  <p:cSld>
+    <p:spTree>
+      <p:nvGrpSpPr>
+        <p:cNvPr id="1" name="Shape 436"/>
+        <p:cNvGrpSpPr/>
+        <p:nvPr/>
+      </p:nvGrpSpPr>
+      <p:grpSpPr>
+        <a:xfrm>
+          <a:off x="0" y="0"/>
+          <a:ext cx="0" cy="0"/>
+          <a:chOff x="0" y="0"/>
+          <a:chExt cx="0" cy="0"/>
+        </a:xfrm>
+      </p:grpSpPr>
+      <p:sp>
+        <p:nvSpPr>
+          <p:cNvPr id="437" name="Google Shape;437;p74"/>
+          <p:cNvSpPr txBox="1">
+            <a:spLocks noGrp="1"/>
+          </p:cNvSpPr>
+          <p:nvPr>
+            <p:ph type="title"/>
+          </p:nvPr>
+        </p:nvSpPr>
+        <p:spPr>
+          <a:xfrm>
+            <a:off x="500550" y="330725"/>
+            <a:ext cx="8190300" cy="679200"/>
+          </a:xfrm>
+          <a:prstGeom prst="rect">
+            <a:avLst/>
+          </a:prstGeom>
+        </p:spPr>
+        <p:txBody>
+          <a:bodyPr spcFirstLastPara="1" wrap="square" lIns="91425" tIns="91425" rIns="91425" bIns="91425" anchor="t" anchorCtr="0">
+            <a:noAutofit/>
+          </a:bodyPr>
+          <a:lstStyle/>
+          <a:p>
+            <a:r>
+              <a:rPr lang="ru-RU" dirty="0" smtClean="0"/>
+              <a:t>Функции атомарного результата</a:t>
+            </a:r>
+            <a:endParaRPr lang="ru-RU" dirty="0"/>
+          </a:p>
+        </p:txBody>
+      </p:sp>
+      <p:sp>
+        <p:nvSpPr>
+          <p:cNvPr id="438" name="Google Shape;438;p74"/>
+          <p:cNvSpPr txBox="1"/>
+          <p:nvPr/>
+        </p:nvSpPr>
+        <p:spPr>
+          <a:xfrm>
+            <a:off x="500550" y="1009925"/>
+            <a:ext cx="8190250" cy="2637102"/>
+          </a:xfrm>
+          <a:prstGeom prst="rect">
+            <a:avLst/>
+          </a:prstGeom>
+          <a:noFill/>
+          <a:ln>
+            <a:noFill/>
+          </a:ln>
+        </p:spPr>
+        <p:txBody>
+          <a:bodyPr spcFirstLastPara="1" wrap="square" lIns="91425" tIns="91425" rIns="91425" bIns="91425" anchor="t" anchorCtr="0">
+            <a:spAutoFit/>
+          </a:bodyPr>
+          <a:lstStyle/>
+          <a:p>
+            <a:pPr lvl="0">
+              <a:lnSpc>
+                <a:spcPct val="115000"/>
+              </a:lnSpc>
+              <a:spcBef>
+                <a:spcPts val="1400"/>
+              </a:spcBef>
+            </a:pPr>
+            <a:r>
+              <a:rPr lang="ru-RU" dirty="0" smtClean="0"/>
+              <a:t>Атомарный результат(единственное значение), возвращают следующие функции.</a:t>
+            </a:r>
+          </a:p>
+          <a:p>
+            <a:pPr lvl="0">
+              <a:lnSpc>
+                <a:spcPct val="115000"/>
+              </a:lnSpc>
+              <a:spcBef>
+                <a:spcPts val="1400"/>
+              </a:spcBef>
+            </a:pPr>
+            <a:r>
+              <a:rPr lang="en-US" dirty="0" smtClean="0">
+                <a:hlinkClick r:id="rId3"/>
+              </a:rPr>
+              <a:t>Single</a:t>
+            </a:r>
+            <a:r>
+              <a:rPr lang="en-US" dirty="0" smtClean="0"/>
+              <a:t>, </a:t>
+            </a:r>
+            <a:r>
+              <a:rPr lang="en-US" dirty="0" err="1" smtClean="0">
+                <a:hlinkClick r:id="rId4"/>
+              </a:rPr>
+              <a:t>SingleOrDefault</a:t>
+            </a:r>
+            <a:r>
+              <a:rPr lang="en-US" dirty="0" smtClean="0"/>
+              <a:t> – </a:t>
+            </a:r>
+            <a:r>
+              <a:rPr lang="ru-RU" dirty="0" smtClean="0"/>
+              <a:t>возвращает единичное значение. Если значение не единственное, то будет брошено исключение.</a:t>
+            </a:r>
+            <a:endParaRPr lang="en-US" dirty="0" smtClean="0"/>
+          </a:p>
+          <a:p>
+            <a:pPr lvl="0">
+              <a:lnSpc>
+                <a:spcPct val="115000"/>
+              </a:lnSpc>
+              <a:spcBef>
+                <a:spcPts val="1400"/>
+              </a:spcBef>
+            </a:pPr>
+            <a:r>
+              <a:rPr lang="en-US" dirty="0" smtClean="0">
+                <a:hlinkClick r:id="rId5"/>
+              </a:rPr>
+              <a:t>First</a:t>
+            </a:r>
+            <a:r>
+              <a:rPr lang="ru-RU" dirty="0" smtClean="0"/>
+              <a:t>, </a:t>
+            </a:r>
+            <a:r>
+              <a:rPr lang="en-US" dirty="0" err="1" smtClean="0">
+                <a:hlinkClick r:id="rId6"/>
+              </a:rPr>
+              <a:t>FirstOrDefault</a:t>
+            </a:r>
+            <a:r>
+              <a:rPr lang="ru-RU" dirty="0" smtClean="0"/>
+              <a:t> – возвращает первое вхождение элемента коллекции, удовлетворяющего условию.</a:t>
+            </a:r>
+          </a:p>
+          <a:p>
+            <a:pPr lvl="0">
+              <a:lnSpc>
+                <a:spcPct val="115000"/>
+              </a:lnSpc>
+              <a:spcBef>
+                <a:spcPts val="1400"/>
+              </a:spcBef>
+            </a:pPr>
+            <a:r>
+              <a:rPr lang="en-US" dirty="0" smtClean="0">
+                <a:hlinkClick r:id="rId7"/>
+              </a:rPr>
+              <a:t>Last</a:t>
+            </a:r>
+            <a:r>
+              <a:rPr lang="ru-RU" dirty="0" smtClean="0"/>
+              <a:t>, </a:t>
+            </a:r>
+            <a:r>
+              <a:rPr lang="en-US" dirty="0" err="1" smtClean="0">
+                <a:hlinkClick r:id="rId8"/>
+              </a:rPr>
+              <a:t>LastOrDefault</a:t>
+            </a:r>
+            <a:r>
+              <a:rPr lang="ru-RU" dirty="0" smtClean="0"/>
+              <a:t> – возвращает последнее вхождение элемента коллекции, удовлетворяющего условию.</a:t>
+            </a:r>
+          </a:p>
+        </p:txBody>
+      </p:sp>
+    </p:spTree>
+    <p:extLst>
+      <p:ext uri="{BB962C8B-B14F-4D97-AF65-F5344CB8AC3E}">
+        <p14:creationId xmlns="" xmlns:p14="http://schemas.microsoft.com/office/powerpoint/2010/main" val="3775352260"/>
+      </p:ext>
+    </p:extLst>
+  </p:cSld>
+  <p:clrMapOvr>
+    <a:masterClrMapping/>
+  </p:clrMapOvr>
+  <mc:AlternateContent xmlns:mc="http://schemas.openxmlformats.org/markup-compatibility/2006">
+    <mc:Choice xmlns="" xmlns:p14="http://schemas.microsoft.com/office/powerpoint/2010/main" Requires="p14">
+      <p:transition spd="slow" p14:dur="2000"/>
+    </mc:Choice>
+    <mc:Fallback>
+      <p:transition spd="slow"/>
+    </mc:Fallback>
+  </mc:AlternateContent>
+  <p:timing>
+    <p:tnLst>
+      <p:par>
+        <p:cTn id="1" dur="indefinite" restart="never" nodeType="tmRoot"/>
+      </p:par>
+    </p:tnLst>
+  </p:timing>
+</p:sld>
+</file>
+
+<file path=ppt/slides/slide39.xml><?xml version="1.0" encoding="utf-8"?>
 <p:sld xmlns:a="http://schemas.openxmlformats.org/drawingml/2006/main" xmlns:r="http://schemas.openxmlformats.org/officeDocument/2006/relationships" xmlns:p="http://schemas.openxmlformats.org/presentationml/2006/main">
   <p:cSld>
     <p:spTree>
@@ -18678,7 +19477,7 @@
             </a:pPr>
             <a:r>
               <a:rPr lang="ru-RU" sz="6000" dirty="0" smtClean="0"/>
-              <a:t>Ответы на вопросы</a:t>
+              <a:t>Описание всех методов</a:t>
             </a:r>
             <a:endParaRPr/>
           </a:p>
@@ -18697,608 +19496,6 @@
       </p:par>
     </p:tnLst>
   </p:timing>
-</p:sld>
-</file>
-
-<file path=ppt/slides/slide38.xml><?xml version="1.0" encoding="utf-8"?>
-<p:sld xmlns:a="http://schemas.openxmlformats.org/drawingml/2006/main" xmlns:r="http://schemas.openxmlformats.org/officeDocument/2006/relationships" xmlns:p="http://schemas.openxmlformats.org/presentationml/2006/main" show="0">
-  <p:cSld>
-    <p:spTree>
-      <p:nvGrpSpPr>
-        <p:cNvPr id="1" name="Shape 458"/>
-        <p:cNvGrpSpPr/>
-        <p:nvPr/>
-      </p:nvGrpSpPr>
-      <p:grpSpPr>
-        <a:xfrm>
-          <a:off x="0" y="0"/>
-          <a:ext cx="0" cy="0"/>
-          <a:chOff x="0" y="0"/>
-          <a:chExt cx="0" cy="0"/>
-        </a:xfrm>
-      </p:grpSpPr>
-      <p:sp>
-        <p:nvSpPr>
-          <p:cNvPr id="459" name="Google Shape;459;p78"/>
-          <p:cNvSpPr txBox="1">
-            <a:spLocks noGrp="1"/>
-          </p:cNvSpPr>
-          <p:nvPr>
-            <p:ph type="title"/>
-          </p:nvPr>
-        </p:nvSpPr>
-        <p:spPr>
-          <a:xfrm>
-            <a:off x="500550" y="330725"/>
-            <a:ext cx="8190300" cy="679200"/>
-          </a:xfrm>
-          <a:prstGeom prst="rect">
-            <a:avLst/>
-          </a:prstGeom>
-        </p:spPr>
-        <p:txBody>
-          <a:bodyPr spcFirstLastPara="1" wrap="square" lIns="91425" tIns="91425" rIns="91425" bIns="91425" anchor="t" anchorCtr="0">
-            <a:noAutofit/>
-          </a:bodyPr>
-          <a:lstStyle/>
-          <a:p>
-            <a:pPr marL="0" lvl="0" indent="0" algn="l" rtl="0">
-              <a:spcBef>
-                <a:spcPts val="0"/>
-              </a:spcBef>
-              <a:spcAft>
-                <a:spcPts val="0"/>
-              </a:spcAft>
-              <a:buNone/>
-            </a:pPr>
-            <a:r>
-              <a:rPr lang="ru" sz="2800" dirty="0"/>
-              <a:t>Решение задач</a:t>
-            </a:r>
-            <a:endParaRPr sz="2800" dirty="0"/>
-          </a:p>
-        </p:txBody>
-      </p:sp>
-      <p:sp>
-        <p:nvSpPr>
-          <p:cNvPr id="2" name="Прямоугольник 1"/>
-          <p:cNvSpPr/>
-          <p:nvPr/>
-        </p:nvSpPr>
-        <p:spPr>
-          <a:xfrm>
-            <a:off x="583096" y="1009926"/>
-            <a:ext cx="8107754" cy="3262432"/>
-          </a:xfrm>
-          <a:prstGeom prst="rect">
-            <a:avLst/>
-          </a:prstGeom>
-        </p:spPr>
-        <p:txBody>
-          <a:bodyPr wrap="square">
-            <a:spAutoFit/>
-          </a:bodyPr>
-          <a:lstStyle/>
-          <a:p>
-            <a:pPr marL="463550" indent="-342900">
-              <a:buAutoNum type="arabicPeriod"/>
-            </a:pPr>
-            <a:r>
-              <a:rPr lang="ru-RU" dirty="0" smtClean="0"/>
-              <a:t>Напишите запрос к коллекции </a:t>
-            </a:r>
-            <a:r>
-              <a:rPr lang="en-US" dirty="0" err="1">
-                <a:solidFill>
-                  <a:schemeClr val="accent1">
-                    <a:lumMod val="75000"/>
-                  </a:schemeClr>
-                </a:solidFill>
-              </a:rPr>
-              <a:t>int</a:t>
-            </a:r>
-            <a:r>
-              <a:rPr lang="en-US" dirty="0"/>
-              <a:t>[] </a:t>
-            </a:r>
-            <a:r>
-              <a:rPr lang="en-US" dirty="0">
-                <a:solidFill>
-                  <a:schemeClr val="accent1">
-                    <a:lumMod val="50000"/>
-                  </a:schemeClr>
-                </a:solidFill>
-              </a:rPr>
-              <a:t>numbers =</a:t>
-            </a:r>
-            <a:r>
-              <a:rPr lang="en-US" dirty="0"/>
-              <a:t> { 1, 2, 3, 4, 5, 6, 7, 8, 9, 10 </a:t>
-            </a:r>
-            <a:r>
-              <a:rPr lang="en-US" dirty="0" smtClean="0"/>
-              <a:t>}</a:t>
-            </a:r>
-            <a:r>
-              <a:rPr lang="ru-RU" dirty="0" smtClean="0"/>
-              <a:t>, который вернет все числа кратные 3.</a:t>
-            </a:r>
-          </a:p>
-          <a:p>
-            <a:pPr marL="463550" indent="-342900">
-              <a:buAutoNum type="arabicPeriod"/>
-            </a:pPr>
-            <a:r>
-              <a:rPr lang="ru-RU" dirty="0" smtClean="0"/>
-              <a:t>Напишите запрос к коллекции из п.1, который вернет объект(любого типа), содержащий число из коллекции, например </a:t>
-            </a:r>
-            <a:r>
-              <a:rPr lang="en-US" dirty="0" smtClean="0">
-                <a:solidFill>
-                  <a:srgbClr val="669900"/>
-                </a:solidFill>
-              </a:rPr>
-              <a:t>Student</a:t>
-            </a:r>
-            <a:r>
-              <a:rPr lang="en-US" dirty="0" smtClean="0">
-                <a:solidFill>
-                  <a:schemeClr val="tx1"/>
-                </a:solidFill>
-              </a:rPr>
-              <a:t>, </a:t>
-            </a:r>
-            <a:r>
-              <a:rPr lang="ru-RU" dirty="0" smtClean="0">
-                <a:solidFill>
-                  <a:schemeClr val="tx1"/>
-                </a:solidFill>
-              </a:rPr>
-              <a:t>в котором </a:t>
-            </a:r>
-            <a:r>
-              <a:rPr lang="en-US" dirty="0" err="1"/>
-              <a:t>StudentId</a:t>
-            </a:r>
-            <a:r>
-              <a:rPr lang="en-US" dirty="0"/>
-              <a:t> </a:t>
-            </a:r>
-            <a:r>
-              <a:rPr lang="en-US" dirty="0" smtClean="0"/>
-              <a:t>=</a:t>
-            </a:r>
-            <a:r>
-              <a:rPr lang="ru-RU" dirty="0" smtClean="0"/>
-              <a:t> </a:t>
-            </a:r>
-            <a:r>
-              <a:rPr lang="en-US" dirty="0" smtClean="0"/>
-              <a:t>n(n – </a:t>
-            </a:r>
-            <a:r>
-              <a:rPr lang="ru-RU" dirty="0" smtClean="0"/>
-              <a:t>число из коллекции п.1</a:t>
-            </a:r>
-            <a:r>
-              <a:rPr lang="en-US" dirty="0" smtClean="0"/>
-              <a:t>)</a:t>
-            </a:r>
-            <a:r>
-              <a:rPr lang="en-US" dirty="0"/>
-              <a:t>;</a:t>
-            </a:r>
-            <a:endParaRPr lang="ru-RU" dirty="0" smtClean="0">
-              <a:solidFill>
-                <a:schemeClr val="tx1"/>
-              </a:solidFill>
-            </a:endParaRPr>
-          </a:p>
-          <a:p>
-            <a:pPr marL="463550" indent="-342900">
-              <a:buAutoNum type="arabicPeriod"/>
-            </a:pPr>
-            <a:r>
-              <a:rPr lang="ru-RU" dirty="0" smtClean="0"/>
-              <a:t>Напишите запрос к коллекции </a:t>
-            </a:r>
-          </a:p>
-          <a:p>
-            <a:pPr lvl="2"/>
-            <a:r>
-              <a:rPr lang="en-US" sz="1100" dirty="0" smtClean="0">
-                <a:solidFill>
-                  <a:srgbClr val="669900"/>
-                </a:solidFill>
-              </a:rPr>
-              <a:t>List</a:t>
-            </a:r>
-            <a:r>
-              <a:rPr lang="en-US" sz="1100" dirty="0" smtClean="0"/>
-              <a:t>&lt;</a:t>
-            </a:r>
-            <a:r>
-              <a:rPr lang="en-US" sz="1100" dirty="0" smtClean="0">
-                <a:solidFill>
-                  <a:srgbClr val="669900"/>
-                </a:solidFill>
-              </a:rPr>
-              <a:t>Student</a:t>
-            </a:r>
-            <a:r>
-              <a:rPr lang="en-US" sz="1100" dirty="0" smtClean="0"/>
-              <a:t>&gt; </a:t>
-            </a:r>
-            <a:r>
-              <a:rPr lang="en-US" sz="1100" dirty="0" smtClean="0">
-                <a:solidFill>
-                  <a:schemeClr val="accent1">
-                    <a:lumMod val="50000"/>
-                  </a:schemeClr>
-                </a:solidFill>
-              </a:rPr>
-              <a:t>students</a:t>
-            </a:r>
-            <a:r>
-              <a:rPr lang="en-US" sz="1100" dirty="0" smtClean="0"/>
-              <a:t> = new </a:t>
-            </a:r>
-            <a:r>
-              <a:rPr lang="en-US" sz="1100" dirty="0" smtClean="0">
-                <a:solidFill>
-                  <a:srgbClr val="669900"/>
-                </a:solidFill>
-              </a:rPr>
-              <a:t>List</a:t>
-            </a:r>
-            <a:r>
-              <a:rPr lang="en-US" sz="1100" dirty="0" smtClean="0"/>
-              <a:t>&lt;</a:t>
-            </a:r>
-            <a:r>
-              <a:rPr lang="en-US" sz="1100" dirty="0" smtClean="0">
-                <a:solidFill>
-                  <a:srgbClr val="669900"/>
-                </a:solidFill>
-              </a:rPr>
-              <a:t>Student</a:t>
-            </a:r>
-            <a:r>
-              <a:rPr lang="en-US" sz="1100" dirty="0" smtClean="0"/>
-              <a:t>&gt; </a:t>
-            </a:r>
-          </a:p>
-          <a:p>
-            <a:pPr lvl="2"/>
-            <a:r>
-              <a:rPr lang="ru-RU" sz="1100" dirty="0" smtClean="0"/>
-              <a:t>{ </a:t>
-            </a:r>
-          </a:p>
-          <a:p>
-            <a:pPr lvl="2"/>
-            <a:r>
-              <a:rPr lang="en-US" sz="1100" dirty="0" smtClean="0"/>
-              <a:t>    </a:t>
-            </a:r>
-            <a:r>
-              <a:rPr lang="en-US" sz="1100" dirty="0" smtClean="0">
-                <a:solidFill>
-                  <a:schemeClr val="accent1">
-                    <a:lumMod val="75000"/>
-                  </a:schemeClr>
-                </a:solidFill>
-              </a:rPr>
-              <a:t>new</a:t>
-            </a:r>
-            <a:r>
-              <a:rPr lang="en-US" sz="1100" dirty="0" smtClean="0"/>
-              <a:t> </a:t>
-            </a:r>
-            <a:r>
-              <a:rPr lang="en-US" sz="1100" dirty="0" smtClean="0">
-                <a:solidFill>
-                  <a:srgbClr val="669900"/>
-                </a:solidFill>
-              </a:rPr>
-              <a:t>Student</a:t>
-            </a:r>
-            <a:r>
-              <a:rPr lang="en-US" sz="1100" dirty="0" smtClean="0"/>
-              <a:t> { </a:t>
-            </a:r>
-            <a:r>
-              <a:rPr lang="en-US" sz="1100" dirty="0" err="1" smtClean="0"/>
-              <a:t>StudentId</a:t>
-            </a:r>
-            <a:r>
-              <a:rPr lang="en-US" sz="1100" dirty="0" smtClean="0"/>
-              <a:t> = 1, Name = "</a:t>
-            </a:r>
-            <a:r>
-              <a:rPr lang="en-US" sz="1100" dirty="0" smtClean="0">
-                <a:solidFill>
-                  <a:srgbClr val="C00000"/>
-                </a:solidFill>
-              </a:rPr>
-              <a:t>Ivanov</a:t>
-            </a:r>
-            <a:r>
-              <a:rPr lang="en-US" sz="1100" dirty="0" smtClean="0"/>
-              <a:t>", </a:t>
-            </a:r>
-            <a:r>
-              <a:rPr lang="en-US" sz="1100" dirty="0" err="1" smtClean="0"/>
-              <a:t>GroupId</a:t>
-            </a:r>
-            <a:r>
-              <a:rPr lang="en-US" sz="1100" dirty="0" smtClean="0"/>
-              <a:t> = 1 },</a:t>
-            </a:r>
-          </a:p>
-          <a:p>
-            <a:pPr lvl="2"/>
-            <a:r>
-              <a:rPr lang="en-US" sz="1100" dirty="0" smtClean="0"/>
-              <a:t>    </a:t>
-            </a:r>
-            <a:r>
-              <a:rPr lang="en-US" sz="1100" dirty="0" smtClean="0">
-                <a:solidFill>
-                  <a:schemeClr val="accent1">
-                    <a:lumMod val="75000"/>
-                  </a:schemeClr>
-                </a:solidFill>
-              </a:rPr>
-              <a:t>new</a:t>
-            </a:r>
-            <a:r>
-              <a:rPr lang="en-US" sz="1100" dirty="0" smtClean="0"/>
-              <a:t> </a:t>
-            </a:r>
-            <a:r>
-              <a:rPr lang="en-US" sz="1100" dirty="0" smtClean="0">
-                <a:solidFill>
-                  <a:srgbClr val="669900"/>
-                </a:solidFill>
-              </a:rPr>
-              <a:t>Student</a:t>
-            </a:r>
-            <a:r>
-              <a:rPr lang="en-US" sz="1100" dirty="0" smtClean="0"/>
-              <a:t> { </a:t>
-            </a:r>
-            <a:r>
-              <a:rPr lang="en-US" sz="1100" dirty="0" err="1" smtClean="0"/>
-              <a:t>StudentId</a:t>
-            </a:r>
-            <a:r>
-              <a:rPr lang="en-US" sz="1100" dirty="0" smtClean="0"/>
-              <a:t> = 2, Name = "</a:t>
-            </a:r>
-            <a:r>
-              <a:rPr lang="en-US" sz="1100" dirty="0" err="1" smtClean="0">
-                <a:solidFill>
-                  <a:srgbClr val="C00000"/>
-                </a:solidFill>
-              </a:rPr>
-              <a:t>Petrov</a:t>
-            </a:r>
-            <a:r>
-              <a:rPr lang="en-US" sz="1100" dirty="0" smtClean="0"/>
-              <a:t>", </a:t>
-            </a:r>
-            <a:r>
-              <a:rPr lang="en-US" sz="1100" dirty="0" err="1" smtClean="0"/>
-              <a:t>GroupId</a:t>
-            </a:r>
-            <a:r>
-              <a:rPr lang="en-US" sz="1100" dirty="0" smtClean="0"/>
-              <a:t> = 2 },</a:t>
-            </a:r>
-          </a:p>
-          <a:p>
-            <a:pPr lvl="2"/>
-            <a:r>
-              <a:rPr lang="en-US" sz="1100" dirty="0" smtClean="0"/>
-              <a:t>    </a:t>
-            </a:r>
-            <a:r>
-              <a:rPr lang="en-US" sz="1100" dirty="0" smtClean="0">
-                <a:solidFill>
-                  <a:schemeClr val="accent1">
-                    <a:lumMod val="75000"/>
-                  </a:schemeClr>
-                </a:solidFill>
-              </a:rPr>
-              <a:t>new</a:t>
-            </a:r>
-            <a:r>
-              <a:rPr lang="en-US" sz="1100" dirty="0" smtClean="0"/>
-              <a:t> </a:t>
-            </a:r>
-            <a:r>
-              <a:rPr lang="en-US" sz="1100" dirty="0" smtClean="0">
-                <a:solidFill>
-                  <a:srgbClr val="669900"/>
-                </a:solidFill>
-              </a:rPr>
-              <a:t>Student</a:t>
-            </a:r>
-            <a:r>
-              <a:rPr lang="en-US" sz="1100" dirty="0" smtClean="0"/>
-              <a:t> { </a:t>
-            </a:r>
-            <a:r>
-              <a:rPr lang="en-US" sz="1100" dirty="0" err="1" smtClean="0"/>
-              <a:t>StudentId</a:t>
-            </a:r>
-            <a:r>
-              <a:rPr lang="en-US" sz="1100" dirty="0" smtClean="0"/>
-              <a:t> = </a:t>
-            </a:r>
-            <a:r>
-              <a:rPr lang="ru-RU" sz="1100" dirty="0" smtClean="0"/>
-              <a:t>3</a:t>
-            </a:r>
-            <a:r>
-              <a:rPr lang="en-US" sz="1100" dirty="0" smtClean="0"/>
-              <a:t>, Name = "</a:t>
-            </a:r>
-            <a:r>
-              <a:rPr lang="en-US" sz="1100" dirty="0" err="1" smtClean="0">
-                <a:solidFill>
-                  <a:srgbClr val="C00000"/>
-                </a:solidFill>
-              </a:rPr>
-              <a:t>Sidorov</a:t>
-            </a:r>
-            <a:r>
-              <a:rPr lang="en-US" sz="1100" dirty="0" smtClean="0"/>
-              <a:t>", </a:t>
-            </a:r>
-            <a:r>
-              <a:rPr lang="en-US" sz="1100" dirty="0" err="1" smtClean="0"/>
-              <a:t>GroupId</a:t>
-            </a:r>
-            <a:r>
-              <a:rPr lang="en-US" sz="1100" dirty="0" smtClean="0"/>
-              <a:t> = 1 },</a:t>
-            </a:r>
-          </a:p>
-          <a:p>
-            <a:pPr lvl="2"/>
-            <a:r>
-              <a:rPr lang="ru-RU" sz="1100" dirty="0" smtClean="0"/>
-              <a:t>}</a:t>
-            </a:r>
-            <a:r>
-              <a:rPr lang="en-US" sz="1100" dirty="0" smtClean="0"/>
-              <a:t>;</a:t>
-            </a:r>
-          </a:p>
-          <a:p>
-            <a:pPr lvl="2"/>
-            <a:r>
-              <a:rPr lang="ru-RU" dirty="0" smtClean="0"/>
-              <a:t>запрос, который сгруппирует студентов по </a:t>
-            </a:r>
-            <a:r>
-              <a:rPr lang="en-US" dirty="0" err="1" smtClean="0"/>
-              <a:t>GroupId</a:t>
-            </a:r>
-            <a:r>
-              <a:rPr lang="ru-RU" dirty="0" smtClean="0"/>
-              <a:t>.</a:t>
-            </a:r>
-          </a:p>
-          <a:p>
-            <a:pPr lvl="2"/>
-            <a:r>
-              <a:rPr lang="ru-RU" dirty="0"/>
-              <a:t> </a:t>
-            </a:r>
-            <a:r>
-              <a:rPr lang="ru-RU" dirty="0" smtClean="0"/>
-              <a:t> 4. Напишите запрос, выводящий количество студентов из п.3</a:t>
-            </a:r>
-          </a:p>
-          <a:p>
-            <a:pPr lvl="2"/>
-            <a:r>
-              <a:rPr lang="ru-RU" dirty="0"/>
-              <a:t> </a:t>
-            </a:r>
-            <a:r>
-              <a:rPr lang="ru-RU" dirty="0" smtClean="0"/>
-              <a:t> 5. Напишите запрос, сортирующий элементы коллекции из п.3 по убыванию идентификатора студента.</a:t>
-            </a:r>
-          </a:p>
-        </p:txBody>
-      </p:sp>
-    </p:spTree>
-  </p:cSld>
-  <p:clrMapOvr>
-    <a:masterClrMapping/>
-  </p:clrMapOvr>
-  <p:transition/>
-  <p:timing>
-    <p:tnLst>
-      <p:par>
-        <p:cTn id="1" dur="indefinite" restart="never" nodeType="tmRoot"/>
-      </p:par>
-    </p:tnLst>
-  </p:timing>
-</p:sld>
-</file>
-
-<file path=ppt/slides/slide39.xml><?xml version="1.0" encoding="utf-8"?>
-<p:sld xmlns:a="http://schemas.openxmlformats.org/drawingml/2006/main" xmlns:r="http://schemas.openxmlformats.org/officeDocument/2006/relationships" xmlns:p="http://schemas.openxmlformats.org/presentationml/2006/main">
-  <p:cSld>
-    <p:spTree>
-      <p:nvGrpSpPr>
-        <p:cNvPr id="1" name="Shape 464"/>
-        <p:cNvGrpSpPr/>
-        <p:nvPr/>
-      </p:nvGrpSpPr>
-      <p:grpSpPr>
-        <a:xfrm>
-          <a:off x="0" y="0"/>
-          <a:ext cx="0" cy="0"/>
-          <a:chOff x="0" y="0"/>
-          <a:chExt cx="0" cy="0"/>
-        </a:xfrm>
-      </p:grpSpPr>
-      <p:sp>
-        <p:nvSpPr>
-          <p:cNvPr id="465" name="Google Shape;465;p79"/>
-          <p:cNvSpPr txBox="1">
-            <a:spLocks noGrp="1"/>
-          </p:cNvSpPr>
-          <p:nvPr>
-            <p:ph type="title"/>
-          </p:nvPr>
-        </p:nvSpPr>
-        <p:spPr>
-          <a:xfrm>
-            <a:off x="956225" y="396400"/>
-            <a:ext cx="6931800" cy="4090800"/>
-          </a:xfrm>
-          <a:prstGeom prst="rect">
-            <a:avLst/>
-          </a:prstGeom>
-        </p:spPr>
-        <p:txBody>
-          <a:bodyPr spcFirstLastPara="1" wrap="square" lIns="91425" tIns="91425" rIns="91425" bIns="91425" anchor="ctr" anchorCtr="0">
-            <a:noAutofit/>
-          </a:bodyPr>
-          <a:lstStyle/>
-          <a:p>
-            <a:pPr marL="0" lvl="0" indent="0" algn="ctr" rtl="0">
-              <a:lnSpc>
-                <a:spcPct val="90000"/>
-              </a:lnSpc>
-              <a:spcBef>
-                <a:spcPts val="0"/>
-              </a:spcBef>
-              <a:spcAft>
-                <a:spcPts val="0"/>
-              </a:spcAft>
-              <a:buNone/>
-            </a:pPr>
-            <a:r>
-              <a:rPr lang="ru" sz="6000"/>
-              <a:t>Рефлексия</a:t>
-            </a:r>
-            <a:endParaRPr/>
-          </a:p>
-        </p:txBody>
-      </p:sp>
-    </p:spTree>
-  </p:cSld>
-  <p:clrMapOvr>
-    <a:masterClrMapping/>
-  </p:clrMapOvr>
 </p:sld>
 </file>
 
@@ -19693,6 +19890,814 @@
 </file>
 
 <file path=ppt/slides/slide40.xml><?xml version="1.0" encoding="utf-8"?>
+<p:sld xmlns:a="http://schemas.openxmlformats.org/drawingml/2006/main" xmlns:r="http://schemas.openxmlformats.org/officeDocument/2006/relationships" xmlns:p="http://schemas.openxmlformats.org/presentationml/2006/main">
+  <p:cSld>
+    <p:spTree>
+      <p:nvGrpSpPr>
+        <p:cNvPr id="1" name="Shape 458"/>
+        <p:cNvGrpSpPr/>
+        <p:nvPr/>
+      </p:nvGrpSpPr>
+      <p:grpSpPr>
+        <a:xfrm>
+          <a:off x="0" y="0"/>
+          <a:ext cx="0" cy="0"/>
+          <a:chOff x="0" y="0"/>
+          <a:chExt cx="0" cy="0"/>
+        </a:xfrm>
+      </p:grpSpPr>
+      <p:sp>
+        <p:nvSpPr>
+          <p:cNvPr id="459" name="Google Shape;459;p78"/>
+          <p:cNvSpPr txBox="1">
+            <a:spLocks noGrp="1"/>
+          </p:cNvSpPr>
+          <p:nvPr>
+            <p:ph type="title"/>
+          </p:nvPr>
+        </p:nvSpPr>
+        <p:spPr>
+          <a:xfrm>
+            <a:off x="500550" y="330725"/>
+            <a:ext cx="8190300" cy="679200"/>
+          </a:xfrm>
+          <a:prstGeom prst="rect">
+            <a:avLst/>
+          </a:prstGeom>
+        </p:spPr>
+        <p:txBody>
+          <a:bodyPr spcFirstLastPara="1" wrap="square" lIns="91425" tIns="91425" rIns="91425" bIns="91425" anchor="t" anchorCtr="0">
+            <a:noAutofit/>
+          </a:bodyPr>
+          <a:lstStyle/>
+          <a:p>
+            <a:pPr marL="0" lvl="0" indent="0" algn="l" rtl="0">
+              <a:spcBef>
+                <a:spcPts val="0"/>
+              </a:spcBef>
+              <a:spcAft>
+                <a:spcPts val="0"/>
+              </a:spcAft>
+              <a:buNone/>
+            </a:pPr>
+            <a:r>
+              <a:rPr lang="ru-RU" sz="2800" dirty="0" smtClean="0"/>
+              <a:t>Документация</a:t>
+            </a:r>
+            <a:endParaRPr sz="2800" dirty="0"/>
+          </a:p>
+        </p:txBody>
+      </p:sp>
+      <p:sp>
+        <p:nvSpPr>
+          <p:cNvPr id="2" name="Прямоугольник 1"/>
+          <p:cNvSpPr/>
+          <p:nvPr/>
+        </p:nvSpPr>
+        <p:spPr>
+          <a:xfrm>
+            <a:off x="583096" y="1009926"/>
+            <a:ext cx="8107754" cy="307777"/>
+          </a:xfrm>
+          <a:prstGeom prst="rect">
+            <a:avLst/>
+          </a:prstGeom>
+        </p:spPr>
+        <p:txBody>
+          <a:bodyPr wrap="square">
+            <a:spAutoFit/>
+          </a:bodyPr>
+          <a:lstStyle/>
+          <a:p>
+            <a:pPr marL="463550" indent="-342900"/>
+            <a:r>
+              <a:rPr lang="ru-RU" dirty="0" smtClean="0"/>
+              <a:t>Подробное  описание всех операторов </a:t>
+            </a:r>
+            <a:r>
+              <a:rPr lang="en-US" dirty="0" err="1" smtClean="0"/>
+              <a:t>linq</a:t>
+            </a:r>
+            <a:r>
+              <a:rPr lang="en-US" dirty="0" smtClean="0"/>
+              <a:t> </a:t>
+            </a:r>
+            <a:r>
+              <a:rPr lang="ru-RU" dirty="0" smtClean="0"/>
+              <a:t>Вы сможете найти: </a:t>
+            </a:r>
+            <a:r>
+              <a:rPr lang="ru-RU" dirty="0" smtClean="0">
+                <a:hlinkClick r:id="rId3"/>
+              </a:rPr>
+              <a:t>тут</a:t>
+            </a:r>
+            <a:endParaRPr lang="ru-RU" dirty="0" smtClean="0"/>
+          </a:p>
+        </p:txBody>
+      </p:sp>
+    </p:spTree>
+  </p:cSld>
+  <p:clrMapOvr>
+    <a:masterClrMapping/>
+  </p:clrMapOvr>
+  <p:transition/>
+  <p:timing>
+    <p:tnLst>
+      <p:par>
+        <p:cTn id="1" dur="indefinite" restart="never" nodeType="tmRoot"/>
+      </p:par>
+    </p:tnLst>
+  </p:timing>
+</p:sld>
+</file>
+
+<file path=ppt/slides/slide41.xml><?xml version="1.0" encoding="utf-8"?>
+<p:sld xmlns:a="http://schemas.openxmlformats.org/drawingml/2006/main" xmlns:r="http://schemas.openxmlformats.org/officeDocument/2006/relationships" xmlns:p="http://schemas.openxmlformats.org/presentationml/2006/main">
+  <p:cSld>
+    <p:spTree>
+      <p:nvGrpSpPr>
+        <p:cNvPr id="1" name="Shape 453"/>
+        <p:cNvGrpSpPr/>
+        <p:nvPr/>
+      </p:nvGrpSpPr>
+      <p:grpSpPr>
+        <a:xfrm>
+          <a:off x="0" y="0"/>
+          <a:ext cx="0" cy="0"/>
+          <a:chOff x="0" y="0"/>
+          <a:chExt cx="0" cy="0"/>
+        </a:xfrm>
+      </p:grpSpPr>
+      <p:sp>
+        <p:nvSpPr>
+          <p:cNvPr id="454" name="Google Shape;454;p77"/>
+          <p:cNvSpPr txBox="1">
+            <a:spLocks noGrp="1"/>
+          </p:cNvSpPr>
+          <p:nvPr>
+            <p:ph type="title"/>
+          </p:nvPr>
+        </p:nvSpPr>
+        <p:spPr>
+          <a:xfrm>
+            <a:off x="956225" y="396400"/>
+            <a:ext cx="7492036" cy="4090800"/>
+          </a:xfrm>
+          <a:prstGeom prst="rect">
+            <a:avLst/>
+          </a:prstGeom>
+        </p:spPr>
+        <p:txBody>
+          <a:bodyPr spcFirstLastPara="1" wrap="square" lIns="91425" tIns="91425" rIns="91425" bIns="91425" anchor="ctr" anchorCtr="0">
+            <a:noAutofit/>
+          </a:bodyPr>
+          <a:lstStyle/>
+          <a:p>
+            <a:pPr marL="0" lvl="0" indent="0" algn="ctr" rtl="0">
+              <a:lnSpc>
+                <a:spcPct val="90000"/>
+              </a:lnSpc>
+              <a:spcBef>
+                <a:spcPts val="0"/>
+              </a:spcBef>
+              <a:spcAft>
+                <a:spcPts val="0"/>
+              </a:spcAft>
+              <a:buClr>
+                <a:schemeClr val="dk1"/>
+              </a:buClr>
+              <a:buSzPts val="3000"/>
+              <a:buFont typeface="Avenir"/>
+              <a:buNone/>
+            </a:pPr>
+            <a:r>
+              <a:rPr lang="ru-RU" sz="6000" dirty="0" smtClean="0"/>
+              <a:t>Ответы на вопросы</a:t>
+            </a:r>
+            <a:endParaRPr/>
+          </a:p>
+        </p:txBody>
+      </p:sp>
+    </p:spTree>
+  </p:cSld>
+  <p:clrMapOvr>
+    <a:masterClrMapping/>
+  </p:clrMapOvr>
+  <p:transition/>
+  <p:timing>
+    <p:tnLst>
+      <p:par>
+        <p:cTn id="1" dur="indefinite" restart="never" nodeType="tmRoot"/>
+      </p:par>
+    </p:tnLst>
+  </p:timing>
+</p:sld>
+</file>
+
+<file path=ppt/slides/slide42.xml><?xml version="1.0" encoding="utf-8"?>
+<p:sld xmlns:a="http://schemas.openxmlformats.org/drawingml/2006/main" xmlns:r="http://schemas.openxmlformats.org/officeDocument/2006/relationships" xmlns:p="http://schemas.openxmlformats.org/presentationml/2006/main" show="0">
+  <p:cSld>
+    <p:spTree>
+      <p:nvGrpSpPr>
+        <p:cNvPr id="1" name="Shape 458"/>
+        <p:cNvGrpSpPr/>
+        <p:nvPr/>
+      </p:nvGrpSpPr>
+      <p:grpSpPr>
+        <a:xfrm>
+          <a:off x="0" y="0"/>
+          <a:ext cx="0" cy="0"/>
+          <a:chOff x="0" y="0"/>
+          <a:chExt cx="0" cy="0"/>
+        </a:xfrm>
+      </p:grpSpPr>
+      <p:sp>
+        <p:nvSpPr>
+          <p:cNvPr id="459" name="Google Shape;459;p78"/>
+          <p:cNvSpPr txBox="1">
+            <a:spLocks noGrp="1"/>
+          </p:cNvSpPr>
+          <p:nvPr>
+            <p:ph type="title"/>
+          </p:nvPr>
+        </p:nvSpPr>
+        <p:spPr>
+          <a:xfrm>
+            <a:off x="500550" y="330725"/>
+            <a:ext cx="8190300" cy="679200"/>
+          </a:xfrm>
+          <a:prstGeom prst="rect">
+            <a:avLst/>
+          </a:prstGeom>
+        </p:spPr>
+        <p:txBody>
+          <a:bodyPr spcFirstLastPara="1" wrap="square" lIns="91425" tIns="91425" rIns="91425" bIns="91425" anchor="t" anchorCtr="0">
+            <a:noAutofit/>
+          </a:bodyPr>
+          <a:lstStyle/>
+          <a:p>
+            <a:pPr marL="0" lvl="0" indent="0" algn="l" rtl="0">
+              <a:spcBef>
+                <a:spcPts val="0"/>
+              </a:spcBef>
+              <a:spcAft>
+                <a:spcPts val="0"/>
+              </a:spcAft>
+              <a:buNone/>
+            </a:pPr>
+            <a:r>
+              <a:rPr lang="ru" sz="2800" dirty="0"/>
+              <a:t>Решение задач</a:t>
+            </a:r>
+            <a:endParaRPr sz="2800" dirty="0"/>
+          </a:p>
+        </p:txBody>
+      </p:sp>
+      <p:sp>
+        <p:nvSpPr>
+          <p:cNvPr id="2" name="Прямоугольник 1"/>
+          <p:cNvSpPr/>
+          <p:nvPr/>
+        </p:nvSpPr>
+        <p:spPr>
+          <a:xfrm>
+            <a:off x="583096" y="1009926"/>
+            <a:ext cx="8107754" cy="3262432"/>
+          </a:xfrm>
+          <a:prstGeom prst="rect">
+            <a:avLst/>
+          </a:prstGeom>
+        </p:spPr>
+        <p:txBody>
+          <a:bodyPr wrap="square">
+            <a:spAutoFit/>
+          </a:bodyPr>
+          <a:lstStyle/>
+          <a:p>
+            <a:pPr marL="463550" indent="-342900">
+              <a:buAutoNum type="arabicPeriod"/>
+            </a:pPr>
+            <a:r>
+              <a:rPr lang="ru-RU" dirty="0" smtClean="0"/>
+              <a:t>Напишите запрос к коллекции </a:t>
+            </a:r>
+            <a:r>
+              <a:rPr lang="en-US" dirty="0" err="1">
+                <a:solidFill>
+                  <a:schemeClr val="accent1">
+                    <a:lumMod val="75000"/>
+                  </a:schemeClr>
+                </a:solidFill>
+              </a:rPr>
+              <a:t>int</a:t>
+            </a:r>
+            <a:r>
+              <a:rPr lang="en-US" dirty="0"/>
+              <a:t>[] </a:t>
+            </a:r>
+            <a:r>
+              <a:rPr lang="en-US" dirty="0">
+                <a:solidFill>
+                  <a:schemeClr val="accent1">
+                    <a:lumMod val="50000"/>
+                  </a:schemeClr>
+                </a:solidFill>
+              </a:rPr>
+              <a:t>numbers =</a:t>
+            </a:r>
+            <a:r>
+              <a:rPr lang="en-US" dirty="0"/>
+              <a:t> { 1, 2, 3, 4, 5, 6, 7, 8, 9, 10 </a:t>
+            </a:r>
+            <a:r>
+              <a:rPr lang="en-US" dirty="0" smtClean="0"/>
+              <a:t>}</a:t>
+            </a:r>
+            <a:r>
+              <a:rPr lang="ru-RU" dirty="0" smtClean="0"/>
+              <a:t>, который вернет все числа кратные 3.</a:t>
+            </a:r>
+          </a:p>
+          <a:p>
+            <a:pPr marL="463550" indent="-342900">
+              <a:buAutoNum type="arabicPeriod"/>
+            </a:pPr>
+            <a:r>
+              <a:rPr lang="ru-RU" dirty="0" smtClean="0"/>
+              <a:t>Напишите запрос к коллекции из п.1, который вернет объект(любого типа), содержащий число из коллекции, например </a:t>
+            </a:r>
+            <a:r>
+              <a:rPr lang="en-US" dirty="0" smtClean="0">
+                <a:solidFill>
+                  <a:srgbClr val="669900"/>
+                </a:solidFill>
+              </a:rPr>
+              <a:t>Student</a:t>
+            </a:r>
+            <a:r>
+              <a:rPr lang="en-US" dirty="0" smtClean="0">
+                <a:solidFill>
+                  <a:schemeClr val="tx1"/>
+                </a:solidFill>
+              </a:rPr>
+              <a:t>, </a:t>
+            </a:r>
+            <a:r>
+              <a:rPr lang="ru-RU" dirty="0" smtClean="0">
+                <a:solidFill>
+                  <a:schemeClr val="tx1"/>
+                </a:solidFill>
+              </a:rPr>
+              <a:t>в котором </a:t>
+            </a:r>
+            <a:r>
+              <a:rPr lang="en-US" dirty="0" err="1"/>
+              <a:t>StudentId</a:t>
+            </a:r>
+            <a:r>
+              <a:rPr lang="en-US" dirty="0"/>
+              <a:t> </a:t>
+            </a:r>
+            <a:r>
+              <a:rPr lang="en-US" dirty="0" smtClean="0"/>
+              <a:t>=</a:t>
+            </a:r>
+            <a:r>
+              <a:rPr lang="ru-RU" dirty="0" smtClean="0"/>
+              <a:t> </a:t>
+            </a:r>
+            <a:r>
+              <a:rPr lang="en-US" dirty="0" smtClean="0"/>
+              <a:t>n(n – </a:t>
+            </a:r>
+            <a:r>
+              <a:rPr lang="ru-RU" dirty="0" smtClean="0"/>
+              <a:t>число из коллекции п.1</a:t>
+            </a:r>
+            <a:r>
+              <a:rPr lang="en-US" dirty="0" smtClean="0"/>
+              <a:t>)</a:t>
+            </a:r>
+            <a:r>
+              <a:rPr lang="en-US" dirty="0"/>
+              <a:t>;</a:t>
+            </a:r>
+            <a:endParaRPr lang="ru-RU" dirty="0" smtClean="0">
+              <a:solidFill>
+                <a:schemeClr val="tx1"/>
+              </a:solidFill>
+            </a:endParaRPr>
+          </a:p>
+          <a:p>
+            <a:pPr marL="463550" indent="-342900">
+              <a:buAutoNum type="arabicPeriod"/>
+            </a:pPr>
+            <a:r>
+              <a:rPr lang="ru-RU" dirty="0" smtClean="0"/>
+              <a:t>Напишите запрос к коллекции </a:t>
+            </a:r>
+          </a:p>
+          <a:p>
+            <a:pPr lvl="2"/>
+            <a:r>
+              <a:rPr lang="en-US" sz="1100" dirty="0" smtClean="0">
+                <a:solidFill>
+                  <a:srgbClr val="669900"/>
+                </a:solidFill>
+              </a:rPr>
+              <a:t>List</a:t>
+            </a:r>
+            <a:r>
+              <a:rPr lang="en-US" sz="1100" dirty="0" smtClean="0"/>
+              <a:t>&lt;</a:t>
+            </a:r>
+            <a:r>
+              <a:rPr lang="en-US" sz="1100" dirty="0" smtClean="0">
+                <a:solidFill>
+                  <a:srgbClr val="669900"/>
+                </a:solidFill>
+              </a:rPr>
+              <a:t>Student</a:t>
+            </a:r>
+            <a:r>
+              <a:rPr lang="en-US" sz="1100" dirty="0" smtClean="0"/>
+              <a:t>&gt; </a:t>
+            </a:r>
+            <a:r>
+              <a:rPr lang="en-US" sz="1100" dirty="0" smtClean="0">
+                <a:solidFill>
+                  <a:schemeClr val="accent1">
+                    <a:lumMod val="50000"/>
+                  </a:schemeClr>
+                </a:solidFill>
+              </a:rPr>
+              <a:t>students</a:t>
+            </a:r>
+            <a:r>
+              <a:rPr lang="en-US" sz="1100" dirty="0" smtClean="0"/>
+              <a:t> = new </a:t>
+            </a:r>
+            <a:r>
+              <a:rPr lang="en-US" sz="1100" dirty="0" smtClean="0">
+                <a:solidFill>
+                  <a:srgbClr val="669900"/>
+                </a:solidFill>
+              </a:rPr>
+              <a:t>List</a:t>
+            </a:r>
+            <a:r>
+              <a:rPr lang="en-US" sz="1100" dirty="0" smtClean="0"/>
+              <a:t>&lt;</a:t>
+            </a:r>
+            <a:r>
+              <a:rPr lang="en-US" sz="1100" dirty="0" smtClean="0">
+                <a:solidFill>
+                  <a:srgbClr val="669900"/>
+                </a:solidFill>
+              </a:rPr>
+              <a:t>Student</a:t>
+            </a:r>
+            <a:r>
+              <a:rPr lang="en-US" sz="1100" dirty="0" smtClean="0"/>
+              <a:t>&gt; </a:t>
+            </a:r>
+          </a:p>
+          <a:p>
+            <a:pPr lvl="2"/>
+            <a:r>
+              <a:rPr lang="ru-RU" sz="1100" dirty="0" smtClean="0"/>
+              <a:t>{ </a:t>
+            </a:r>
+          </a:p>
+          <a:p>
+            <a:pPr lvl="2"/>
+            <a:r>
+              <a:rPr lang="en-US" sz="1100" dirty="0" smtClean="0"/>
+              <a:t>    </a:t>
+            </a:r>
+            <a:r>
+              <a:rPr lang="en-US" sz="1100" dirty="0" smtClean="0">
+                <a:solidFill>
+                  <a:schemeClr val="accent1">
+                    <a:lumMod val="75000"/>
+                  </a:schemeClr>
+                </a:solidFill>
+              </a:rPr>
+              <a:t>new</a:t>
+            </a:r>
+            <a:r>
+              <a:rPr lang="en-US" sz="1100" dirty="0" smtClean="0"/>
+              <a:t> </a:t>
+            </a:r>
+            <a:r>
+              <a:rPr lang="en-US" sz="1100" dirty="0" smtClean="0">
+                <a:solidFill>
+                  <a:srgbClr val="669900"/>
+                </a:solidFill>
+              </a:rPr>
+              <a:t>Student</a:t>
+            </a:r>
+            <a:r>
+              <a:rPr lang="en-US" sz="1100" dirty="0" smtClean="0"/>
+              <a:t> { </a:t>
+            </a:r>
+            <a:r>
+              <a:rPr lang="en-US" sz="1100" dirty="0" err="1" smtClean="0"/>
+              <a:t>StudentId</a:t>
+            </a:r>
+            <a:r>
+              <a:rPr lang="en-US" sz="1100" dirty="0" smtClean="0"/>
+              <a:t> = 1, Name = "</a:t>
+            </a:r>
+            <a:r>
+              <a:rPr lang="en-US" sz="1100" dirty="0" smtClean="0">
+                <a:solidFill>
+                  <a:srgbClr val="C00000"/>
+                </a:solidFill>
+              </a:rPr>
+              <a:t>Ivanov</a:t>
+            </a:r>
+            <a:r>
+              <a:rPr lang="en-US" sz="1100" dirty="0" smtClean="0"/>
+              <a:t>", </a:t>
+            </a:r>
+            <a:r>
+              <a:rPr lang="en-US" sz="1100" dirty="0" err="1" smtClean="0"/>
+              <a:t>GroupId</a:t>
+            </a:r>
+            <a:r>
+              <a:rPr lang="en-US" sz="1100" dirty="0" smtClean="0"/>
+              <a:t> = 1 },</a:t>
+            </a:r>
+          </a:p>
+          <a:p>
+            <a:pPr lvl="2"/>
+            <a:r>
+              <a:rPr lang="en-US" sz="1100" dirty="0" smtClean="0"/>
+              <a:t>    </a:t>
+            </a:r>
+            <a:r>
+              <a:rPr lang="en-US" sz="1100" dirty="0" smtClean="0">
+                <a:solidFill>
+                  <a:schemeClr val="accent1">
+                    <a:lumMod val="75000"/>
+                  </a:schemeClr>
+                </a:solidFill>
+              </a:rPr>
+              <a:t>new</a:t>
+            </a:r>
+            <a:r>
+              <a:rPr lang="en-US" sz="1100" dirty="0" smtClean="0"/>
+              <a:t> </a:t>
+            </a:r>
+            <a:r>
+              <a:rPr lang="en-US" sz="1100" dirty="0" smtClean="0">
+                <a:solidFill>
+                  <a:srgbClr val="669900"/>
+                </a:solidFill>
+              </a:rPr>
+              <a:t>Student</a:t>
+            </a:r>
+            <a:r>
+              <a:rPr lang="en-US" sz="1100" dirty="0" smtClean="0"/>
+              <a:t> { </a:t>
+            </a:r>
+            <a:r>
+              <a:rPr lang="en-US" sz="1100" dirty="0" err="1" smtClean="0"/>
+              <a:t>StudentId</a:t>
+            </a:r>
+            <a:r>
+              <a:rPr lang="en-US" sz="1100" dirty="0" smtClean="0"/>
+              <a:t> = 2, Name = "</a:t>
+            </a:r>
+            <a:r>
+              <a:rPr lang="en-US" sz="1100" dirty="0" err="1" smtClean="0">
+                <a:solidFill>
+                  <a:srgbClr val="C00000"/>
+                </a:solidFill>
+              </a:rPr>
+              <a:t>Petrov</a:t>
+            </a:r>
+            <a:r>
+              <a:rPr lang="en-US" sz="1100" dirty="0" smtClean="0"/>
+              <a:t>", </a:t>
+            </a:r>
+            <a:r>
+              <a:rPr lang="en-US" sz="1100" dirty="0" err="1" smtClean="0"/>
+              <a:t>GroupId</a:t>
+            </a:r>
+            <a:r>
+              <a:rPr lang="en-US" sz="1100" dirty="0" smtClean="0"/>
+              <a:t> = 2 },</a:t>
+            </a:r>
+          </a:p>
+          <a:p>
+            <a:pPr lvl="2"/>
+            <a:r>
+              <a:rPr lang="en-US" sz="1100" dirty="0" smtClean="0"/>
+              <a:t>    </a:t>
+            </a:r>
+            <a:r>
+              <a:rPr lang="en-US" sz="1100" dirty="0" smtClean="0">
+                <a:solidFill>
+                  <a:schemeClr val="accent1">
+                    <a:lumMod val="75000"/>
+                  </a:schemeClr>
+                </a:solidFill>
+              </a:rPr>
+              <a:t>new</a:t>
+            </a:r>
+            <a:r>
+              <a:rPr lang="en-US" sz="1100" dirty="0" smtClean="0"/>
+              <a:t> </a:t>
+            </a:r>
+            <a:r>
+              <a:rPr lang="en-US" sz="1100" dirty="0" smtClean="0">
+                <a:solidFill>
+                  <a:srgbClr val="669900"/>
+                </a:solidFill>
+              </a:rPr>
+              <a:t>Student</a:t>
+            </a:r>
+            <a:r>
+              <a:rPr lang="en-US" sz="1100" dirty="0" smtClean="0"/>
+              <a:t> { </a:t>
+            </a:r>
+            <a:r>
+              <a:rPr lang="en-US" sz="1100" dirty="0" err="1" smtClean="0"/>
+              <a:t>StudentId</a:t>
+            </a:r>
+            <a:r>
+              <a:rPr lang="en-US" sz="1100" dirty="0" smtClean="0"/>
+              <a:t> = </a:t>
+            </a:r>
+            <a:r>
+              <a:rPr lang="ru-RU" sz="1100" dirty="0" smtClean="0"/>
+              <a:t>3</a:t>
+            </a:r>
+            <a:r>
+              <a:rPr lang="en-US" sz="1100" dirty="0" smtClean="0"/>
+              <a:t>, Name = "</a:t>
+            </a:r>
+            <a:r>
+              <a:rPr lang="en-US" sz="1100" dirty="0" err="1" smtClean="0">
+                <a:solidFill>
+                  <a:srgbClr val="C00000"/>
+                </a:solidFill>
+              </a:rPr>
+              <a:t>Sidorov</a:t>
+            </a:r>
+            <a:r>
+              <a:rPr lang="en-US" sz="1100" dirty="0" smtClean="0"/>
+              <a:t>", </a:t>
+            </a:r>
+            <a:r>
+              <a:rPr lang="en-US" sz="1100" dirty="0" err="1" smtClean="0"/>
+              <a:t>GroupId</a:t>
+            </a:r>
+            <a:r>
+              <a:rPr lang="en-US" sz="1100" dirty="0" smtClean="0"/>
+              <a:t> = 1 },</a:t>
+            </a:r>
+          </a:p>
+          <a:p>
+            <a:pPr lvl="2"/>
+            <a:r>
+              <a:rPr lang="ru-RU" sz="1100" dirty="0" smtClean="0"/>
+              <a:t>}</a:t>
+            </a:r>
+            <a:r>
+              <a:rPr lang="en-US" sz="1100" dirty="0" smtClean="0"/>
+              <a:t>;</a:t>
+            </a:r>
+          </a:p>
+          <a:p>
+            <a:pPr lvl="2"/>
+            <a:r>
+              <a:rPr lang="ru-RU" dirty="0" smtClean="0"/>
+              <a:t>запрос, который сгруппирует студентов по </a:t>
+            </a:r>
+            <a:r>
+              <a:rPr lang="en-US" dirty="0" err="1" smtClean="0"/>
+              <a:t>GroupId</a:t>
+            </a:r>
+            <a:r>
+              <a:rPr lang="ru-RU" dirty="0" smtClean="0"/>
+              <a:t>.</a:t>
+            </a:r>
+          </a:p>
+          <a:p>
+            <a:pPr lvl="2"/>
+            <a:r>
+              <a:rPr lang="ru-RU" dirty="0"/>
+              <a:t> </a:t>
+            </a:r>
+            <a:r>
+              <a:rPr lang="ru-RU" dirty="0" smtClean="0"/>
+              <a:t> 4. Напишите запрос, выводящий количество студентов из п.3</a:t>
+            </a:r>
+          </a:p>
+          <a:p>
+            <a:pPr lvl="2"/>
+            <a:r>
+              <a:rPr lang="ru-RU" dirty="0"/>
+              <a:t> </a:t>
+            </a:r>
+            <a:r>
+              <a:rPr lang="ru-RU" dirty="0" smtClean="0"/>
+              <a:t> 5. Напишите запрос, сортирующий элементы коллекции из п.3 по убыванию идентификатора студента.</a:t>
+            </a:r>
+          </a:p>
+        </p:txBody>
+      </p:sp>
+    </p:spTree>
+  </p:cSld>
+  <p:clrMapOvr>
+    <a:masterClrMapping/>
+  </p:clrMapOvr>
+  <p:transition/>
+  <p:timing>
+    <p:tnLst>
+      <p:par>
+        <p:cTn id="1" dur="indefinite" restart="never" nodeType="tmRoot"/>
+      </p:par>
+    </p:tnLst>
+  </p:timing>
+</p:sld>
+</file>
+
+<file path=ppt/slides/slide43.xml><?xml version="1.0" encoding="utf-8"?>
+<p:sld xmlns:a="http://schemas.openxmlformats.org/drawingml/2006/main" xmlns:r="http://schemas.openxmlformats.org/officeDocument/2006/relationships" xmlns:p="http://schemas.openxmlformats.org/presentationml/2006/main">
+  <p:cSld>
+    <p:spTree>
+      <p:nvGrpSpPr>
+        <p:cNvPr id="1" name="Shape 464"/>
+        <p:cNvGrpSpPr/>
+        <p:nvPr/>
+      </p:nvGrpSpPr>
+      <p:grpSpPr>
+        <a:xfrm>
+          <a:off x="0" y="0"/>
+          <a:ext cx="0" cy="0"/>
+          <a:chOff x="0" y="0"/>
+          <a:chExt cx="0" cy="0"/>
+        </a:xfrm>
+      </p:grpSpPr>
+      <p:sp>
+        <p:nvSpPr>
+          <p:cNvPr id="465" name="Google Shape;465;p79"/>
+          <p:cNvSpPr txBox="1">
+            <a:spLocks noGrp="1"/>
+          </p:cNvSpPr>
+          <p:nvPr>
+            <p:ph type="title"/>
+          </p:nvPr>
+        </p:nvSpPr>
+        <p:spPr>
+          <a:xfrm>
+            <a:off x="956225" y="396400"/>
+            <a:ext cx="6931800" cy="4090800"/>
+          </a:xfrm>
+          <a:prstGeom prst="rect">
+            <a:avLst/>
+          </a:prstGeom>
+        </p:spPr>
+        <p:txBody>
+          <a:bodyPr spcFirstLastPara="1" wrap="square" lIns="91425" tIns="91425" rIns="91425" bIns="91425" anchor="ctr" anchorCtr="0">
+            <a:noAutofit/>
+          </a:bodyPr>
+          <a:lstStyle/>
+          <a:p>
+            <a:pPr marL="0" lvl="0" indent="0" algn="ctr" rtl="0">
+              <a:lnSpc>
+                <a:spcPct val="90000"/>
+              </a:lnSpc>
+              <a:spcBef>
+                <a:spcPts val="0"/>
+              </a:spcBef>
+              <a:spcAft>
+                <a:spcPts val="0"/>
+              </a:spcAft>
+              <a:buNone/>
+            </a:pPr>
+            <a:r>
+              <a:rPr lang="ru" sz="6000"/>
+              <a:t>Рефлексия</a:t>
+            </a:r>
+            <a:endParaRPr/>
+          </a:p>
+        </p:txBody>
+      </p:sp>
+    </p:spTree>
+  </p:cSld>
+  <p:clrMapOvr>
+    <a:masterClrMapping/>
+  </p:clrMapOvr>
+</p:sld>
+</file>
+
+<file path=ppt/slides/slide44.xml><?xml version="1.0" encoding="utf-8"?>
 <p:sld xmlns:a="http://schemas.openxmlformats.org/drawingml/2006/main" xmlns:r="http://schemas.openxmlformats.org/officeDocument/2006/relationships" xmlns:p="http://schemas.openxmlformats.org/presentationml/2006/main">
   <p:cSld>
     <p:spTree>
@@ -20397,7 +21402,7 @@
 </p:sld>
 </file>
 
-<file path=ppt/slides/slide41.xml><?xml version="1.0" encoding="utf-8"?>
+<file path=ppt/slides/slide45.xml><?xml version="1.0" encoding="utf-8"?>
 <p:sld xmlns:a="http://schemas.openxmlformats.org/drawingml/2006/main" xmlns:r="http://schemas.openxmlformats.org/officeDocument/2006/relationships" xmlns:p="http://schemas.openxmlformats.org/presentationml/2006/main">
   <p:cSld>
     <p:spTree>
@@ -20738,7 +21743,7 @@
         </p:nvSpPr>
         <p:spPr>
           <a:xfrm>
-            <a:off x="680150" y="1521150"/>
+            <a:off x="686635" y="1015312"/>
             <a:ext cx="3384900" cy="426300"/>
           </a:xfrm>
           <a:prstGeom prst="roundRect">
@@ -20812,7 +21817,7 @@
         </p:nvSpPr>
         <p:spPr>
           <a:xfrm>
-            <a:off x="680150" y="2186734"/>
+            <a:off x="686635" y="1680896"/>
             <a:ext cx="3384900" cy="426300"/>
           </a:xfrm>
           <a:prstGeom prst="roundRect">
@@ -20891,8 +21896,8 @@
         </p:nvSpPr>
         <p:spPr>
           <a:xfrm>
-            <a:off x="4641875" y="1521148"/>
-            <a:ext cx="3627000" cy="426300"/>
+            <a:off x="666505" y="4309744"/>
+            <a:ext cx="3399657" cy="426300"/>
           </a:xfrm>
           <a:prstGeom prst="roundRect">
             <a:avLst>
@@ -20945,7 +21950,7 @@
         </p:nvSpPr>
         <p:spPr>
           <a:xfrm>
-            <a:off x="680150" y="2852327"/>
+            <a:off x="686635" y="2346489"/>
             <a:ext cx="3384900" cy="426300"/>
           </a:xfrm>
           <a:prstGeom prst="roundRect">
@@ -21019,7 +22024,7 @@
         </p:nvSpPr>
         <p:spPr>
           <a:xfrm>
-            <a:off x="680150" y="3517925"/>
+            <a:off x="686635" y="3012087"/>
             <a:ext cx="3384900" cy="426300"/>
           </a:xfrm>
           <a:prstGeom prst="roundRect">
@@ -21093,7 +22098,7 @@
         </p:nvSpPr>
         <p:spPr>
           <a:xfrm>
-            <a:off x="4641869" y="2186725"/>
+            <a:off x="4609442" y="1025891"/>
             <a:ext cx="3627000" cy="426300"/>
           </a:xfrm>
           <a:prstGeom prst="roundRect">
@@ -21158,7 +22163,7 @@
         </p:nvSpPr>
         <p:spPr>
           <a:xfrm>
-            <a:off x="4641869" y="2852300"/>
+            <a:off x="4602957" y="2994973"/>
             <a:ext cx="3627000" cy="426300"/>
           </a:xfrm>
           <a:prstGeom prst="roundRect">
@@ -21190,14 +22195,19 @@
                 <a:cs typeface="Roboto"/>
                 <a:sym typeface="Roboto"/>
               </a:rPr>
-              <a:t>8. </a:t>
+              <a:t>10. </a:t>
             </a:r>
             <a:r>
               <a:rPr lang="ru-RU" dirty="0" smtClean="0">
+                <a:solidFill>
+                  <a:schemeClr val="dk1"/>
+                </a:solidFill>
                 <a:latin typeface="Roboto" charset="0"/>
                 <a:ea typeface="Roboto" charset="0"/>
+                <a:cs typeface="Roboto"/>
+                <a:sym typeface="Roboto"/>
               </a:rPr>
-              <a:t>Операции соединения</a:t>
+              <a:t>Агрегация данных</a:t>
             </a:r>
             <a:endParaRPr lang="ru-RU" dirty="0">
               <a:solidFill>
@@ -21219,7 +22229,7 @@
         </p:nvSpPr>
         <p:spPr>
           <a:xfrm>
-            <a:off x="4641869" y="3517875"/>
+            <a:off x="4602957" y="3660548"/>
             <a:ext cx="3627000" cy="426300"/>
           </a:xfrm>
           <a:prstGeom prst="roundRect">
@@ -21242,7 +22252,7 @@
           <a:p>
             <a:pPr lvl="0"/>
             <a:r>
-              <a:rPr lang="en-US" sz="1500" dirty="0" smtClean="0">
+              <a:rPr lang="ru-RU" dirty="0" smtClean="0">
                 <a:solidFill>
                   <a:schemeClr val="dk1"/>
                 </a:solidFill>
@@ -21251,10 +22261,10 @@
                 <a:cs typeface="Roboto"/>
                 <a:sym typeface="Roboto"/>
               </a:rPr>
-              <a:t>9</a:t>
-            </a:r>
-            <a:r>
-              <a:rPr lang="ru" sz="1500" dirty="0" smtClean="0">
+              <a:t>11</a:t>
+            </a:r>
+            <a:r>
+              <a:rPr lang="ru" dirty="0" smtClean="0">
                 <a:solidFill>
                   <a:schemeClr val="dk1"/>
                 </a:solidFill>
@@ -21275,21 +22285,9 @@
                 <a:cs typeface="Roboto"/>
                 <a:sym typeface="Roboto"/>
               </a:rPr>
-              <a:t>Группировка</a:t>
-            </a:r>
-            <a:r>
-              <a:rPr lang="ru-RU" sz="1500" dirty="0" smtClean="0">
-                <a:solidFill>
-                  <a:schemeClr val="dk1"/>
-                </a:solidFill>
-                <a:latin typeface="Roboto"/>
-                <a:ea typeface="Roboto"/>
-                <a:cs typeface="Roboto"/>
-                <a:sym typeface="Roboto"/>
-              </a:rPr>
-              <a:t> элементов</a:t>
-            </a:r>
-            <a:endParaRPr sz="1300">
+              <a:t>Функции атомарного результата</a:t>
+            </a:r>
+            <a:endParaRPr sz="1200">
               <a:solidFill>
                 <a:schemeClr val="dk1"/>
               </a:solidFill>
@@ -21309,7 +22307,7 @@
         </p:nvSpPr>
         <p:spPr>
           <a:xfrm>
-            <a:off x="659597" y="4178208"/>
+            <a:off x="666082" y="3672370"/>
             <a:ext cx="3395568" cy="426300"/>
           </a:xfrm>
           <a:prstGeom prst="roundRect">
@@ -21383,7 +22381,7 @@
         </p:nvSpPr>
         <p:spPr>
           <a:xfrm>
-            <a:off x="4641869" y="4167231"/>
+            <a:off x="4602957" y="4309904"/>
             <a:ext cx="3627000" cy="426300"/>
           </a:xfrm>
           <a:prstGeom prst="roundRect">
@@ -21415,7 +22413,19 @@
                 <a:cs typeface="Roboto"/>
                 <a:sym typeface="Roboto"/>
               </a:rPr>
-              <a:t>10</a:t>
+              <a:t>1</a:t>
+            </a:r>
+            <a:r>
+              <a:rPr lang="ru-RU" sz="1500" dirty="0" smtClean="0">
+                <a:solidFill>
+                  <a:schemeClr val="dk1"/>
+                </a:solidFill>
+                <a:latin typeface="Roboto"/>
+                <a:ea typeface="Roboto"/>
+                <a:cs typeface="Roboto"/>
+                <a:sym typeface="Roboto"/>
+              </a:rPr>
+              <a:t>2</a:t>
             </a:r>
             <a:r>
               <a:rPr lang="ru" sz="1500" dirty="0" smtClean="0">
@@ -21440,6 +22450,157 @@
                 <a:sym typeface="Roboto"/>
               </a:rPr>
               <a:t>Ответы на вопросы</a:t>
+            </a:r>
+            <a:endParaRPr sz="1300">
+              <a:solidFill>
+                <a:schemeClr val="dk1"/>
+              </a:solidFill>
+              <a:latin typeface="Roboto"/>
+              <a:ea typeface="Roboto"/>
+              <a:cs typeface="Roboto"/>
+              <a:sym typeface="Roboto"/>
+            </a:endParaRPr>
+          </a:p>
+        </p:txBody>
+      </p:sp>
+      <p:sp>
+        <p:nvSpPr>
+          <p:cNvPr id="13" name="Google Shape;181;p36"/>
+          <p:cNvSpPr/>
+          <p:nvPr/>
+        </p:nvSpPr>
+        <p:spPr>
+          <a:xfrm>
+            <a:off x="4602957" y="1659041"/>
+            <a:ext cx="3627000" cy="426300"/>
+          </a:xfrm>
+          <a:prstGeom prst="roundRect">
+            <a:avLst>
+              <a:gd name="adj" fmla="val 16667"/>
+            </a:avLst>
+          </a:prstGeom>
+          <a:solidFill>
+            <a:srgbClr val="FFD966"/>
+          </a:solidFill>
+          <a:ln>
+            <a:noFill/>
+          </a:ln>
+        </p:spPr>
+        <p:txBody>
+          <a:bodyPr spcFirstLastPara="1" wrap="square" lIns="270000" tIns="91425" rIns="270000" bIns="91425" anchor="ctr" anchorCtr="0">
+            <a:noAutofit/>
+          </a:bodyPr>
+          <a:lstStyle/>
+          <a:p>
+            <a:pPr lvl="0"/>
+            <a:r>
+              <a:rPr lang="ru-RU" dirty="0" smtClean="0">
+                <a:solidFill>
+                  <a:schemeClr val="dk1"/>
+                </a:solidFill>
+                <a:latin typeface="Roboto"/>
+                <a:ea typeface="Roboto"/>
+                <a:cs typeface="Roboto"/>
+                <a:sym typeface="Roboto"/>
+              </a:rPr>
+              <a:t>8. </a:t>
+            </a:r>
+            <a:r>
+              <a:rPr lang="ru-RU" dirty="0" smtClean="0">
+                <a:latin typeface="Roboto" charset="0"/>
+                <a:ea typeface="Roboto" charset="0"/>
+              </a:rPr>
+              <a:t>Операции соединения</a:t>
+            </a:r>
+            <a:endParaRPr lang="ru-RU" dirty="0">
+              <a:solidFill>
+                <a:schemeClr val="dk1"/>
+              </a:solidFill>
+              <a:latin typeface="Roboto" charset="0"/>
+              <a:ea typeface="Roboto" charset="0"/>
+              <a:cs typeface="Roboto"/>
+              <a:sym typeface="Roboto"/>
+            </a:endParaRPr>
+          </a:p>
+        </p:txBody>
+      </p:sp>
+      <p:sp>
+        <p:nvSpPr>
+          <p:cNvPr id="14" name="Google Shape;182;p36"/>
+          <p:cNvSpPr/>
+          <p:nvPr/>
+        </p:nvSpPr>
+        <p:spPr>
+          <a:xfrm>
+            <a:off x="4602957" y="2324616"/>
+            <a:ext cx="3627000" cy="426300"/>
+          </a:xfrm>
+          <a:prstGeom prst="roundRect">
+            <a:avLst>
+              <a:gd name="adj" fmla="val 16667"/>
+            </a:avLst>
+          </a:prstGeom>
+          <a:solidFill>
+            <a:srgbClr val="FFD966"/>
+          </a:solidFill>
+          <a:ln>
+            <a:noFill/>
+          </a:ln>
+        </p:spPr>
+        <p:txBody>
+          <a:bodyPr spcFirstLastPara="1" wrap="square" lIns="270000" tIns="91425" rIns="270000" bIns="91425" anchor="ctr" anchorCtr="0">
+            <a:noAutofit/>
+          </a:bodyPr>
+          <a:lstStyle/>
+          <a:p>
+            <a:pPr lvl="0"/>
+            <a:r>
+              <a:rPr lang="en-US" sz="1500" dirty="0" smtClean="0">
+                <a:solidFill>
+                  <a:schemeClr val="dk1"/>
+                </a:solidFill>
+                <a:latin typeface="Roboto"/>
+                <a:ea typeface="Roboto"/>
+                <a:cs typeface="Roboto"/>
+                <a:sym typeface="Roboto"/>
+              </a:rPr>
+              <a:t>9</a:t>
+            </a:r>
+            <a:r>
+              <a:rPr lang="ru" sz="1500" dirty="0" smtClean="0">
+                <a:solidFill>
+                  <a:schemeClr val="dk1"/>
+                </a:solidFill>
+                <a:latin typeface="Roboto"/>
+                <a:ea typeface="Roboto"/>
+                <a:cs typeface="Roboto"/>
+                <a:sym typeface="Roboto"/>
+              </a:rPr>
+              <a:t>. </a:t>
+            </a:r>
+            <a:r>
+              <a:rPr lang="ru-RU" dirty="0" smtClean="0">
+                <a:solidFill>
+                  <a:schemeClr val="dk1"/>
+                </a:solidFill>
+                <a:latin typeface="Roboto"/>
+                <a:ea typeface="Roboto"/>
+                <a:cs typeface="Roboto"/>
+                <a:sym typeface="Roboto"/>
+              </a:rPr>
+              <a:t>Группировка</a:t>
+            </a:r>
+            <a:r>
+              <a:rPr lang="ru-RU" sz="1500" dirty="0" smtClean="0">
+                <a:solidFill>
+                  <a:schemeClr val="dk1"/>
+                </a:solidFill>
+                <a:latin typeface="Roboto"/>
+                <a:ea typeface="Roboto"/>
+                <a:cs typeface="Roboto"/>
+                <a:sym typeface="Roboto"/>
+              </a:rPr>
+              <a:t> элементов</a:t>
             </a:r>
             <a:endParaRPr sz="1300">
               <a:solidFill>
@@ -22313,7 +23474,7 @@
             </a:pPr>
             <a:r>
               <a:rPr lang="ru" sz="2800" dirty="0" smtClean="0"/>
-              <a:t>Операции </a:t>
+              <a:t>Стандартные операции </a:t>
             </a:r>
             <a:r>
               <a:rPr lang="en-US" sz="2800" dirty="0" err="1" smtClean="0"/>

--- a/LinqOperators.pptx
+++ b/LinqOperators.pptx
@@ -12802,6 +12802,13 @@
   <p:clrMapOvr>
     <a:masterClrMapping/>
   </p:clrMapOvr>
+  <p:timing>
+    <p:tnLst>
+      <p:par>
+        <p:cTn id="1" dur="indefinite" restart="never" nodeType="tmRoot"/>
+      </p:par>
+    </p:tnLst>
+  </p:timing>
 </p:sld>
 </file>
 
@@ -13440,7 +13447,7 @@
             </a:r>
             <a:r>
               <a:rPr lang="ru-RU" sz="1200" dirty="0" smtClean="0"/>
-              <a:t>которая часто состоит только из этих свойств, которые впоследствии используются</a:t>
+              <a:t>которая часто состоит только из свойств этого объекта, которые впоследствии используются</a:t>
             </a:r>
             <a:r>
               <a:rPr lang="ru-RU" sz="1300" dirty="0" smtClean="0">
@@ -16048,7 +16055,15 @@
             </a:r>
             <a:r>
               <a:rPr lang="ru-RU" dirty="0"/>
-              <a:t>разделения входной последовательности на два раздела без изменения порядка элементов, а затем возвращения одного из разделов</a:t>
+              <a:t>разделения входной последовательности на </a:t>
+            </a:r>
+            <a:r>
+              <a:rPr lang="ru-RU" dirty="0" smtClean="0"/>
+              <a:t>разделы </a:t>
+            </a:r>
+            <a:r>
+              <a:rPr lang="ru-RU" dirty="0"/>
+              <a:t>без изменения порядка элементов, а затем возвращения одного из разделов</a:t>
             </a:r>
             <a:r>
               <a:rPr lang="ru-RU" dirty="0" smtClean="0"/>
@@ -20096,7 +20111,7 @@
 </file>
 
 <file path=ppt/slides/slide42.xml><?xml version="1.0" encoding="utf-8"?>
-<p:sld xmlns:a="http://schemas.openxmlformats.org/drawingml/2006/main" xmlns:r="http://schemas.openxmlformats.org/officeDocument/2006/relationships" xmlns:p="http://schemas.openxmlformats.org/presentationml/2006/main" show="0">
+<p:sld xmlns:a="http://schemas.openxmlformats.org/drawingml/2006/main" xmlns:r="http://schemas.openxmlformats.org/officeDocument/2006/relationships" xmlns:p="http://schemas.openxmlformats.org/presentationml/2006/main">
   <p:cSld>
     <p:spTree>
       <p:nvGrpSpPr>
@@ -20163,7 +20178,7 @@
         <p:spPr>
           <a:xfrm>
             <a:off x="583096" y="1009926"/>
-            <a:ext cx="8107754" cy="3262432"/>
+            <a:ext cx="8107754" cy="3647152"/>
           </a:xfrm>
           <a:prstGeom prst="rect">
             <a:avLst/>
@@ -20175,438 +20190,297 @@
           </a:bodyPr>
           <a:lstStyle/>
           <a:p>
-            <a:pPr marL="463550" indent="-342900">
-              <a:buAutoNum type="arabicPeriod"/>
-            </a:pPr>
-            <a:r>
-              <a:rPr lang="ru-RU" dirty="0" smtClean="0"/>
-              <a:t>Напишите запрос к коллекции </a:t>
-            </a:r>
-            <a:r>
-              <a:rPr lang="en-US" dirty="0" err="1">
-                <a:solidFill>
-                  <a:schemeClr val="accent1">
-                    <a:lumMod val="75000"/>
-                  </a:schemeClr>
-                </a:solidFill>
-              </a:rPr>
-              <a:t>int</a:t>
-            </a:r>
-            <a:r>
-              <a:rPr lang="en-US" dirty="0"/>
+            <a:pPr marL="463550" indent="-342900"/>
+            <a:r>
+              <a:rPr lang="ru-RU" sz="1100" dirty="0" smtClean="0"/>
+              <a:t>1 Дана </a:t>
+            </a:r>
+            <a:r>
+              <a:rPr lang="ru-RU" sz="1100" dirty="0" smtClean="0"/>
+              <a:t>коллекция:</a:t>
+            </a:r>
+          </a:p>
+          <a:p>
+            <a:pPr marL="463550" indent="-342900"/>
+            <a:r>
+              <a:rPr lang="ru-RU" sz="1100" dirty="0" err="1" smtClean="0"/>
+              <a:t>string</a:t>
+            </a:r>
+            <a:r>
+              <a:rPr lang="ru-RU" sz="1100" dirty="0" smtClean="0"/>
               <a:t>[] </a:t>
             </a:r>
             <a:r>
-              <a:rPr lang="en-US" dirty="0">
-                <a:solidFill>
-                  <a:schemeClr val="accent1">
-                    <a:lumMod val="50000"/>
-                  </a:schemeClr>
-                </a:solidFill>
-              </a:rPr>
-              <a:t>numbers =</a:t>
-            </a:r>
-            <a:r>
-              <a:rPr lang="en-US" dirty="0"/>
-              <a:t> { 1, 2, 3, 4, 5, 6, 7, 8, 9, 10 </a:t>
-            </a:r>
-            <a:r>
-              <a:rPr lang="en-US" dirty="0" smtClean="0"/>
-              <a:t>}</a:t>
-            </a:r>
-            <a:r>
-              <a:rPr lang="ru-RU" dirty="0" smtClean="0"/>
-              <a:t>, который вернет все числа кратные 3.</a:t>
-            </a:r>
-          </a:p>
-          <a:p>
-            <a:pPr marL="463550" indent="-342900">
-              <a:buAutoNum type="arabicPeriod"/>
-            </a:pPr>
-            <a:r>
-              <a:rPr lang="ru-RU" dirty="0" smtClean="0"/>
-              <a:t>Напишите запрос к коллекции из п.1, который вернет объект(любого типа), содержащий число из коллекции, например </a:t>
-            </a:r>
-            <a:r>
-              <a:rPr lang="en-US" dirty="0" smtClean="0">
-                <a:solidFill>
-                  <a:srgbClr val="669900"/>
-                </a:solidFill>
-              </a:rPr>
-              <a:t>Student</a:t>
-            </a:r>
-            <a:r>
-              <a:rPr lang="en-US" dirty="0" smtClean="0">
-                <a:solidFill>
-                  <a:schemeClr val="tx1"/>
-                </a:solidFill>
-              </a:rPr>
-              <a:t>, </a:t>
-            </a:r>
-            <a:r>
-              <a:rPr lang="ru-RU" dirty="0" smtClean="0">
-                <a:solidFill>
-                  <a:schemeClr val="tx1"/>
-                </a:solidFill>
-              </a:rPr>
-              <a:t>в котором </a:t>
-            </a:r>
-            <a:r>
-              <a:rPr lang="en-US" dirty="0" err="1"/>
-              <a:t>StudentId</a:t>
-            </a:r>
-            <a:r>
-              <a:rPr lang="en-US" dirty="0"/>
-              <a:t> </a:t>
-            </a:r>
-            <a:r>
-              <a:rPr lang="en-US" dirty="0" smtClean="0"/>
-              <a:t>=</a:t>
-            </a:r>
-            <a:r>
-              <a:rPr lang="ru-RU" dirty="0" smtClean="0"/>
-              <a:t> </a:t>
-            </a:r>
-            <a:r>
-              <a:rPr lang="en-US" dirty="0" smtClean="0"/>
-              <a:t>n(n – </a:t>
-            </a:r>
-            <a:r>
-              <a:rPr lang="ru-RU" dirty="0" smtClean="0"/>
-              <a:t>число из коллекции п.1</a:t>
-            </a:r>
-            <a:r>
-              <a:rPr lang="en-US" dirty="0" smtClean="0"/>
-              <a:t>)</a:t>
-            </a:r>
-            <a:r>
-              <a:rPr lang="en-US" dirty="0"/>
-              <a:t>;</a:t>
-            </a:r>
-            <a:endParaRPr lang="ru-RU" dirty="0" smtClean="0">
-              <a:solidFill>
-                <a:schemeClr val="tx1"/>
-              </a:solidFill>
-            </a:endParaRPr>
-          </a:p>
-          <a:p>
-            <a:pPr marL="463550" indent="-342900">
-              <a:buAutoNum type="arabicPeriod"/>
-            </a:pPr>
-            <a:r>
-              <a:rPr lang="ru-RU" dirty="0" smtClean="0"/>
-              <a:t>Напишите запрос к коллекции </a:t>
-            </a:r>
-          </a:p>
-          <a:p>
-            <a:pPr lvl="2"/>
-            <a:r>
-              <a:rPr lang="en-US" sz="1100" dirty="0" smtClean="0">
-                <a:solidFill>
-                  <a:srgbClr val="669900"/>
-                </a:solidFill>
-              </a:rPr>
-              <a:t>List</a:t>
-            </a:r>
-            <a:r>
-              <a:rPr lang="en-US" sz="1100" dirty="0" smtClean="0"/>
-              <a:t>&lt;</a:t>
-            </a:r>
-            <a:r>
-              <a:rPr lang="en-US" sz="1100" dirty="0" smtClean="0">
-                <a:solidFill>
-                  <a:srgbClr val="669900"/>
-                </a:solidFill>
-              </a:rPr>
-              <a:t>Student</a:t>
-            </a:r>
-            <a:r>
-              <a:rPr lang="en-US" sz="1100" dirty="0" smtClean="0"/>
-              <a:t>&gt; </a:t>
-            </a:r>
-            <a:r>
-              <a:rPr lang="en-US" sz="1100" dirty="0" smtClean="0">
-                <a:solidFill>
-                  <a:schemeClr val="accent1">
-                    <a:lumMod val="50000"/>
-                  </a:schemeClr>
-                </a:solidFill>
-              </a:rPr>
-              <a:t>students</a:t>
-            </a:r>
-            <a:r>
-              <a:rPr lang="en-US" sz="1100" dirty="0" smtClean="0"/>
-              <a:t> = new </a:t>
-            </a:r>
-            <a:r>
-              <a:rPr lang="en-US" sz="1100" dirty="0" smtClean="0">
-                <a:solidFill>
-                  <a:srgbClr val="669900"/>
-                </a:solidFill>
-              </a:rPr>
-              <a:t>List</a:t>
-            </a:r>
-            <a:r>
-              <a:rPr lang="en-US" sz="1100" dirty="0" smtClean="0"/>
-              <a:t>&lt;</a:t>
-            </a:r>
-            <a:r>
-              <a:rPr lang="en-US" sz="1100" dirty="0" smtClean="0">
-                <a:solidFill>
-                  <a:srgbClr val="669900"/>
-                </a:solidFill>
-              </a:rPr>
-              <a:t>Student</a:t>
-            </a:r>
-            <a:r>
-              <a:rPr lang="en-US" sz="1100" dirty="0" smtClean="0"/>
-              <a:t>&gt; </a:t>
-            </a:r>
-          </a:p>
-          <a:p>
-            <a:pPr lvl="2"/>
+              <a:rPr lang="ru-RU" sz="1100" dirty="0" err="1" smtClean="0"/>
+              <a:t>words</a:t>
+            </a:r>
             <a:r>
               <a:rPr lang="ru-RU" sz="1100" dirty="0" smtClean="0"/>
-              <a:t>{ </a:t>
-            </a:r>
-          </a:p>
-          <a:p>
-            <a:pPr lvl="2"/>
-            <a:r>
-              <a:rPr lang="en-US" sz="1100" dirty="0" smtClean="0"/>
-              <a:t>    </a:t>
-            </a:r>
-            <a:r>
-              <a:rPr lang="en-US" sz="1100" dirty="0" smtClean="0">
-                <a:solidFill>
-                  <a:schemeClr val="accent1">
-                    <a:lumMod val="75000"/>
-                  </a:schemeClr>
-                </a:solidFill>
-              </a:rPr>
-              <a:t>new</a:t>
-            </a:r>
-            <a:r>
-              <a:rPr lang="en-US" sz="1100" dirty="0" smtClean="0"/>
-              <a:t> </a:t>
-            </a:r>
-            <a:r>
-              <a:rPr lang="en-US" sz="1100" dirty="0" smtClean="0">
-                <a:solidFill>
-                  <a:srgbClr val="669900"/>
-                </a:solidFill>
-              </a:rPr>
-              <a:t>Student</a:t>
-            </a:r>
-            <a:r>
-              <a:rPr lang="en-US" sz="1100" dirty="0" smtClean="0"/>
-              <a:t> { </a:t>
-            </a:r>
-            <a:r>
-              <a:rPr lang="en-US" sz="1100" dirty="0" err="1" smtClean="0"/>
-              <a:t>StudentId</a:t>
-            </a:r>
-            <a:r>
-              <a:rPr lang="en-US" sz="1100" dirty="0" smtClean="0"/>
-              <a:t> = 1, Name = "</a:t>
-            </a:r>
-            <a:r>
-              <a:rPr lang="en-US" sz="1100" dirty="0" smtClean="0">
-                <a:solidFill>
-                  <a:srgbClr val="C00000"/>
-                </a:solidFill>
-              </a:rPr>
-              <a:t>Ivanov</a:t>
-            </a:r>
-            <a:r>
-              <a:rPr lang="en-US" sz="1100" dirty="0" smtClean="0"/>
+              <a:t> = ["</a:t>
+            </a:r>
+            <a:r>
+              <a:rPr lang="ru-RU" sz="1100" dirty="0" err="1" smtClean="0"/>
+              <a:t>the</a:t>
+            </a:r>
+            <a:r>
+              <a:rPr lang="ru-RU" sz="1100" dirty="0" smtClean="0"/>
+              <a:t>", "</a:t>
+            </a:r>
+            <a:r>
+              <a:rPr lang="ru-RU" sz="1100" dirty="0" err="1" smtClean="0"/>
+              <a:t>quick</a:t>
+            </a:r>
+            <a:r>
+              <a:rPr lang="ru-RU" sz="1100" dirty="0" smtClean="0"/>
+              <a:t>", "</a:t>
+            </a:r>
+            <a:r>
+              <a:rPr lang="ru-RU" sz="1100" dirty="0" err="1" smtClean="0"/>
+              <a:t>brown</a:t>
+            </a:r>
+            <a:r>
+              <a:rPr lang="ru-RU" sz="1100" dirty="0" smtClean="0"/>
+              <a:t>", "</a:t>
+            </a:r>
+            <a:r>
+              <a:rPr lang="ru-RU" sz="1100" dirty="0" err="1" smtClean="0"/>
+              <a:t>fox</a:t>
+            </a:r>
+            <a:r>
+              <a:rPr lang="ru-RU" sz="1100" dirty="0" smtClean="0"/>
+              <a:t>", "</a:t>
+            </a:r>
+            <a:r>
+              <a:rPr lang="ru-RU" sz="1100" dirty="0" err="1" smtClean="0"/>
+              <a:t>jumps</a:t>
+            </a:r>
+            <a:r>
+              <a:rPr lang="ru-RU" sz="1100" dirty="0" smtClean="0"/>
               <a:t>", </a:t>
             </a:r>
             <a:r>
-              <a:rPr lang="en-US" sz="1100" dirty="0" err="1" smtClean="0"/>
-              <a:t>GroupId</a:t>
-            </a:r>
-            <a:r>
-              <a:rPr lang="en-US" sz="1100" dirty="0" smtClean="0"/>
-              <a:t> = 1 },</a:t>
-            </a:r>
-          </a:p>
-          <a:p>
-            <a:pPr lvl="2"/>
-            <a:r>
-              <a:rPr lang="en-US" sz="1100" dirty="0" smtClean="0"/>
-              <a:t>    </a:t>
-            </a:r>
-            <a:r>
-              <a:rPr lang="en-US" sz="1100" dirty="0" smtClean="0">
-                <a:solidFill>
-                  <a:schemeClr val="accent1">
-                    <a:lumMod val="75000"/>
-                  </a:schemeClr>
-                </a:solidFill>
-              </a:rPr>
-              <a:t>new</a:t>
-            </a:r>
-            <a:r>
-              <a:rPr lang="en-US" sz="1100" dirty="0" smtClean="0"/>
-              <a:t> </a:t>
-            </a:r>
-            <a:r>
-              <a:rPr lang="en-US" sz="1100" dirty="0" smtClean="0">
-                <a:solidFill>
-                  <a:srgbClr val="669900"/>
-                </a:solidFill>
-              </a:rPr>
-              <a:t>Student</a:t>
-            </a:r>
-            <a:r>
-              <a:rPr lang="en-US" sz="1100" dirty="0" smtClean="0"/>
-              <a:t> { </a:t>
-            </a:r>
-            <a:r>
-              <a:rPr lang="en-US" sz="1100" dirty="0" err="1" smtClean="0"/>
-              <a:t>StudentId</a:t>
-            </a:r>
-            <a:r>
-              <a:rPr lang="en-US" sz="1100" dirty="0" smtClean="0"/>
-              <a:t> = 2, Name = "</a:t>
-            </a:r>
-            <a:r>
-              <a:rPr lang="en-US" sz="1100" dirty="0" err="1" smtClean="0">
-                <a:solidFill>
-                  <a:srgbClr val="C00000"/>
-                </a:solidFill>
-              </a:rPr>
-              <a:t>Petrov</a:t>
-            </a:r>
-            <a:r>
-              <a:rPr lang="en-US" sz="1100" dirty="0" smtClean="0"/>
+              <a:rPr lang="ru-RU" sz="1100" dirty="0" err="1" smtClean="0"/>
+              <a:t>null</a:t>
+            </a:r>
+            <a:r>
+              <a:rPr lang="ru-RU" sz="1100" dirty="0" smtClean="0"/>
+              <a:t>];</a:t>
+            </a:r>
+          </a:p>
+          <a:p>
+            <a:pPr marL="463550" indent="-342900"/>
+            <a:r>
+              <a:rPr lang="ru-RU" sz="1100" dirty="0" smtClean="0"/>
+              <a:t>1.1 </a:t>
+            </a:r>
+            <a:r>
+              <a:rPr lang="ru-RU" sz="1100" dirty="0" smtClean="0"/>
+              <a:t>Напишите linq-запрос, которые будет возвращать все значения, кроме </a:t>
+            </a:r>
+            <a:r>
+              <a:rPr lang="ru-RU" sz="1100" dirty="0" err="1" smtClean="0"/>
+              <a:t>null</a:t>
+            </a:r>
+            <a:r>
+              <a:rPr lang="ru-RU" sz="1100" dirty="0" smtClean="0"/>
+              <a:t>.</a:t>
+            </a:r>
+          </a:p>
+          <a:p>
+            <a:pPr marL="463550" indent="-342900"/>
+            <a:r>
+              <a:rPr lang="ru-RU" sz="1100" dirty="0" smtClean="0"/>
+              <a:t>1.2 Напишите запрос, который вернет минимальную длину слова из запроса ниже(без учета </a:t>
+            </a:r>
+            <a:r>
+              <a:rPr lang="ru-RU" sz="1100" dirty="0" err="1" smtClean="0"/>
+              <a:t>null</a:t>
+            </a:r>
+            <a:r>
+              <a:rPr lang="ru-RU" sz="1100" dirty="0" smtClean="0"/>
+              <a:t>).</a:t>
+            </a:r>
+          </a:p>
+          <a:p>
+            <a:pPr marL="463550" indent="-342900"/>
+            <a:r>
+              <a:rPr lang="ru-RU" sz="1100" dirty="0" smtClean="0"/>
+              <a:t>2 Дан массив студентов. Опишите класс студента самостоятельно. У студента есть идентификатор, имя и номер группы.</a:t>
+            </a:r>
+          </a:p>
+          <a:p>
+            <a:pPr marL="463550" indent="-342900"/>
+            <a:r>
+              <a:rPr lang="ru-RU" sz="1100" dirty="0" smtClean="0"/>
+              <a:t>2.1 Сгруппируйте студентов по первой букве имени. Пример: А - Александр, Алексей, Б - Борис, Брюс и пр.</a:t>
+            </a:r>
+          </a:p>
+          <a:p>
+            <a:pPr marL="463550" indent="-342900"/>
+            <a:r>
+              <a:rPr lang="ru-RU" sz="1100" dirty="0" smtClean="0"/>
+              <a:t>2.2 </a:t>
+            </a:r>
+            <a:r>
+              <a:rPr lang="ru-RU" sz="1100" dirty="0" err="1" smtClean="0"/>
+              <a:t>Просортируйте</a:t>
+            </a:r>
+            <a:r>
+              <a:rPr lang="ru-RU" sz="1100" dirty="0" smtClean="0"/>
+              <a:t> последовательность из п.2.1 в обратном порядке. Пример: сначала идут на Я - Яков, в конце идут - Алексей, Александр.</a:t>
+            </a:r>
+          </a:p>
+          <a:p>
+            <a:pPr marL="463550" indent="-342900"/>
+            <a:r>
+              <a:rPr lang="ru-RU" sz="1100" dirty="0" smtClean="0"/>
+              <a:t>3 Соедините последовательности (</a:t>
+            </a:r>
+            <a:r>
+              <a:rPr lang="ru-RU" sz="1100" dirty="0" err="1" smtClean="0"/>
+              <a:t>join</a:t>
+            </a:r>
+            <a:r>
+              <a:rPr lang="ru-RU" sz="1100" dirty="0" smtClean="0"/>
+              <a:t>) работников(идентификатор, имя, возраст, оклад, ид отдела) и их отделов(идентификатор, наименование отдела).</a:t>
+            </a:r>
+          </a:p>
+          <a:p>
+            <a:pPr marL="463550" indent="-342900"/>
+            <a:r>
+              <a:rPr lang="ru-RU" sz="1100" dirty="0" smtClean="0"/>
+              <a:t>3.1 Получите результирующий набор в виде - идентификатор работника, наименование отдела, оклад.</a:t>
+            </a:r>
+          </a:p>
+          <a:p>
+            <a:pPr marL="463550" indent="-342900"/>
+            <a:r>
+              <a:rPr lang="ru-RU" sz="1100" dirty="0" smtClean="0"/>
+              <a:t>3.2 Получите последовательность в виде: идентификатор отдела, наименование отдела, средний оклад работника.</a:t>
+            </a:r>
+          </a:p>
+          <a:p>
+            <a:pPr marL="463550" indent="-342900"/>
+            <a:r>
+              <a:rPr lang="ru-RU" sz="1100" dirty="0" smtClean="0"/>
+              <a:t>4 Дана коллекция:</a:t>
+            </a:r>
+          </a:p>
+          <a:p>
+            <a:pPr marL="463550" indent="-342900"/>
+            <a:r>
+              <a:rPr lang="ru-RU" sz="1100" dirty="0" err="1" smtClean="0"/>
+              <a:t>string</a:t>
+            </a:r>
+            <a:r>
+              <a:rPr lang="ru-RU" sz="1100" dirty="0" smtClean="0"/>
+              <a:t>[] </a:t>
+            </a:r>
+            <a:r>
+              <a:rPr lang="ru-RU" sz="1100" dirty="0" err="1" smtClean="0"/>
+              <a:t>words</a:t>
+            </a:r>
+            <a:r>
+              <a:rPr lang="ru-RU" sz="1100" dirty="0" smtClean="0"/>
+              <a:t> = ["</a:t>
+            </a:r>
+            <a:r>
+              <a:rPr lang="ru-RU" sz="1100" dirty="0" err="1" smtClean="0"/>
+              <a:t>the</a:t>
+            </a:r>
+            <a:r>
+              <a:rPr lang="ru-RU" sz="1100" dirty="0" smtClean="0"/>
+              <a:t>", "</a:t>
+            </a:r>
+            <a:r>
+              <a:rPr lang="ru-RU" sz="1100" dirty="0" err="1" smtClean="0"/>
+              <a:t>quick</a:t>
+            </a:r>
+            <a:r>
+              <a:rPr lang="ru-RU" sz="1100" dirty="0" smtClean="0"/>
+              <a:t>", "</a:t>
+            </a:r>
+            <a:r>
+              <a:rPr lang="ru-RU" sz="1100" dirty="0" err="1" smtClean="0"/>
+              <a:t>brown</a:t>
+            </a:r>
+            <a:r>
+              <a:rPr lang="ru-RU" sz="1100" dirty="0" smtClean="0"/>
+              <a:t>", "</a:t>
+            </a:r>
+            <a:r>
+              <a:rPr lang="ru-RU" sz="1100" dirty="0" err="1" smtClean="0"/>
+              <a:t>fox</a:t>
+            </a:r>
+            <a:r>
+              <a:rPr lang="ru-RU" sz="1100" dirty="0" smtClean="0"/>
+              <a:t>", "</a:t>
+            </a:r>
+            <a:r>
+              <a:rPr lang="ru-RU" sz="1100" dirty="0" err="1" smtClean="0"/>
+              <a:t>jumps</a:t>
+            </a:r>
+            <a:r>
+              <a:rPr lang="ru-RU" sz="1100" dirty="0" smtClean="0"/>
               <a:t>", </a:t>
             </a:r>
             <a:r>
-              <a:rPr lang="en-US" sz="1100" dirty="0" err="1" smtClean="0"/>
-              <a:t>GroupId</a:t>
-            </a:r>
-            <a:r>
-              <a:rPr lang="en-US" sz="1100" dirty="0" smtClean="0"/>
-              <a:t> = 2 },</a:t>
-            </a:r>
-          </a:p>
-          <a:p>
-            <a:pPr lvl="2"/>
-            <a:r>
-              <a:rPr lang="en-US" sz="1100" dirty="0" smtClean="0"/>
-              <a:t>    </a:t>
-            </a:r>
-            <a:r>
-              <a:rPr lang="en-US" sz="1100" dirty="0" smtClean="0">
-                <a:solidFill>
-                  <a:schemeClr val="accent1">
-                    <a:lumMod val="75000"/>
-                  </a:schemeClr>
-                </a:solidFill>
-              </a:rPr>
-              <a:t>new</a:t>
-            </a:r>
-            <a:r>
-              <a:rPr lang="en-US" sz="1100" dirty="0" smtClean="0"/>
-              <a:t> </a:t>
-            </a:r>
-            <a:r>
-              <a:rPr lang="en-US" sz="1100" dirty="0" smtClean="0">
-                <a:solidFill>
-                  <a:srgbClr val="669900"/>
-                </a:solidFill>
-              </a:rPr>
-              <a:t>Student</a:t>
-            </a:r>
-            <a:r>
-              <a:rPr lang="en-US" sz="1100" dirty="0" smtClean="0"/>
-              <a:t> { </a:t>
-            </a:r>
-            <a:r>
-              <a:rPr lang="en-US" sz="1100" dirty="0" err="1" smtClean="0"/>
-              <a:t>StudentId</a:t>
-            </a:r>
-            <a:r>
-              <a:rPr lang="en-US" sz="1100" dirty="0" smtClean="0"/>
-              <a:t> = </a:t>
+              <a:rPr lang="ru-RU" sz="1100" dirty="0" err="1" smtClean="0"/>
+              <a:t>string.Empty</a:t>
             </a:r>
             <a:r>
               <a:rPr lang="ru-RU" sz="1100" dirty="0" smtClean="0"/>
-              <a:t>3</a:t>
-            </a:r>
-            <a:r>
-              <a:rPr lang="en-US" sz="1100" dirty="0" smtClean="0"/>
-              <a:t>, Name = "</a:t>
-            </a:r>
-            <a:r>
-              <a:rPr lang="en-US" sz="1100" dirty="0" err="1" smtClean="0">
-                <a:solidFill>
-                  <a:srgbClr val="C00000"/>
-                </a:solidFill>
-              </a:rPr>
-              <a:t>Sidorov</a:t>
-            </a:r>
-            <a:r>
-              <a:rPr lang="en-US" sz="1100" dirty="0" smtClean="0"/>
-              <a:t>", </a:t>
-            </a:r>
-            <a:r>
-              <a:rPr lang="en-US" sz="1100" dirty="0" err="1" smtClean="0"/>
-              <a:t>GroupId</a:t>
-            </a:r>
-            <a:r>
-              <a:rPr lang="en-US" sz="1100" dirty="0" smtClean="0"/>
-              <a:t> = 1 },</a:t>
-            </a:r>
-          </a:p>
-          <a:p>
-            <a:pPr lvl="2"/>
+              <a:t>];</a:t>
+            </a:r>
+          </a:p>
+          <a:p>
+            <a:pPr marL="463550" indent="-342900"/>
             <a:r>
               <a:rPr lang="ru-RU" sz="1100" dirty="0" smtClean="0"/>
-              <a:t>}</a:t>
-            </a:r>
-            <a:r>
-              <a:rPr lang="en-US" sz="1100" dirty="0" smtClean="0"/>
-              <a:t>;</a:t>
-            </a:r>
-          </a:p>
-          <a:p>
-            <a:pPr lvl="2"/>
-            <a:r>
-              <a:rPr lang="ru-RU" dirty="0" smtClean="0"/>
-              <a:t>запрос, который сгруппирует студентов по </a:t>
-            </a:r>
-            <a:r>
-              <a:rPr lang="en-US" dirty="0" err="1" smtClean="0"/>
-              <a:t>GroupId</a:t>
-            </a:r>
-            <a:r>
-              <a:rPr lang="ru-RU" dirty="0" smtClean="0"/>
-              <a:t>.</a:t>
-            </a:r>
-          </a:p>
-          <a:p>
-            <a:pPr lvl="2"/>
-            <a:r>
-              <a:rPr lang="ru-RU" dirty="0"/>
-              <a:t> </a:t>
-            </a:r>
-            <a:r>
-              <a:rPr lang="ru-RU" dirty="0" smtClean="0"/>
-              <a:t> 4. Напишите запрос, выводящий количество студентов из п.3</a:t>
-            </a:r>
-          </a:p>
-          <a:p>
-            <a:pPr lvl="2"/>
-            <a:r>
-              <a:rPr lang="ru-RU" dirty="0"/>
-              <a:t> </a:t>
-            </a:r>
-            <a:r>
-              <a:rPr lang="ru-RU" dirty="0" smtClean="0"/>
-              <a:t> 5. Напишите запрос, сортирующий элементы коллекции из п.3 по убыванию идентификатора студента.</a:t>
+              <a:t>4.1 Выясните, есть ли значение: "</a:t>
+            </a:r>
+            <a:r>
+              <a:rPr lang="ru-RU" sz="1100" dirty="0" err="1" smtClean="0"/>
+              <a:t>the</a:t>
+            </a:r>
+            <a:r>
+              <a:rPr lang="ru-RU" sz="1100" dirty="0" smtClean="0"/>
+              <a:t>" в коллекции</a:t>
+            </a:r>
+          </a:p>
+          <a:p>
+            <a:pPr marL="463550" indent="-342900"/>
+            <a:r>
+              <a:rPr lang="ru-RU" sz="1100" dirty="0" smtClean="0"/>
+              <a:t>4.2 Создайте массив длин элементов(количество символов в строке)</a:t>
+            </a:r>
+          </a:p>
+          <a:p>
+            <a:pPr marL="463550" indent="-342900"/>
+            <a:r>
+              <a:rPr lang="ru-RU" sz="1100" dirty="0" smtClean="0"/>
+              <a:t>5. Даны 2 набора студентов (идентификатор, имя и номер группы)</a:t>
+            </a:r>
+          </a:p>
+          <a:p>
+            <a:pPr marL="463550" indent="-342900"/>
+            <a:r>
+              <a:rPr lang="ru-RU" sz="1100" dirty="0" smtClean="0"/>
+              <a:t>5.1 Выясните, есть ли повторяющиеся значения в разных наборах. Вывести повторяющихся.</a:t>
+            </a:r>
+          </a:p>
+          <a:p>
+            <a:pPr marL="463550" indent="-342900"/>
+            <a:r>
+              <a:rPr lang="ru-RU" sz="1100" dirty="0" smtClean="0"/>
+              <a:t>5.2 Создайте объединенную коллекцию из массивов студентов без дублирующихся записей.</a:t>
+            </a:r>
+          </a:p>
+          <a:p>
+            <a:pPr marL="463550" indent="-342900"/>
+            <a:r>
+              <a:rPr lang="ru-RU" sz="1100" dirty="0" smtClean="0"/>
+              <a:t>5.3 Найдите дублирующиеся записи студентов из разных наборов.</a:t>
             </a:r>
           </a:p>
         </p:txBody>
